--- a/P5G17.pptx
+++ b/P5G17.pptx
@@ -1,40 +1,40 @@
 
 <file path=ppt/presentation.xml><?xml version="1.0" encoding="utf-8"?>
-<p:presentation xmlns:a="http://schemas.openxmlformats.org/drawingml/2006/main" xmlns:r="http://schemas.openxmlformats.org/officeDocument/2006/relationships" xmlns:p="http://schemas.openxmlformats.org/presentationml/2006/main" saveSubsetFonts="1">
+<p:presentation xmlns:a="http://schemas.openxmlformats.org/drawingml/2006/main" xmlns:r="http://schemas.openxmlformats.org/officeDocument/2006/relationships" xmlns:p="http://schemas.openxmlformats.org/presentationml/2006/main">
   <p:sldMasterIdLst>
     <p:sldMasterId id="2147483648" r:id="rId1"/>
   </p:sldMasterIdLst>
   <p:notesMasterIdLst>
-    <p:notesMasterId r:id="rId29"/>
+    <p:notesMasterId r:id="rId5"/>
   </p:notesMasterIdLst>
   <p:sldIdLst>
-    <p:sldId id="257" r:id="rId2"/>
-    <p:sldId id="291" r:id="rId3"/>
-    <p:sldId id="318" r:id="rId4"/>
-    <p:sldId id="347" r:id="rId5"/>
-    <p:sldId id="352" r:id="rId6"/>
-    <p:sldId id="350" r:id="rId7"/>
-    <p:sldId id="351" r:id="rId8"/>
-    <p:sldId id="353" r:id="rId9"/>
-    <p:sldId id="354" r:id="rId10"/>
-    <p:sldId id="355" r:id="rId11"/>
-    <p:sldId id="356" r:id="rId12"/>
-    <p:sldId id="357" r:id="rId13"/>
-    <p:sldId id="358" r:id="rId14"/>
-    <p:sldId id="361" r:id="rId15"/>
-    <p:sldId id="360" r:id="rId16"/>
-    <p:sldId id="362" r:id="rId17"/>
-    <p:sldId id="359" r:id="rId18"/>
-    <p:sldId id="363" r:id="rId19"/>
-    <p:sldId id="364" r:id="rId20"/>
-    <p:sldId id="365" r:id="rId21"/>
-    <p:sldId id="366" r:id="rId22"/>
-    <p:sldId id="367" r:id="rId23"/>
-    <p:sldId id="368" r:id="rId24"/>
-    <p:sldId id="369" r:id="rId25"/>
-    <p:sldId id="370" r:id="rId26"/>
-    <p:sldId id="371" r:id="rId27"/>
-    <p:sldId id="336" r:id="rId28"/>
+    <p:sldId id="257" r:id="rId3"/>
+    <p:sldId id="291" r:id="rId4"/>
+    <p:sldId id="318" r:id="rId6"/>
+    <p:sldId id="347" r:id="rId7"/>
+    <p:sldId id="352" r:id="rId8"/>
+    <p:sldId id="350" r:id="rId9"/>
+    <p:sldId id="351" r:id="rId10"/>
+    <p:sldId id="353" r:id="rId11"/>
+    <p:sldId id="354" r:id="rId12"/>
+    <p:sldId id="355" r:id="rId13"/>
+    <p:sldId id="356" r:id="rId14"/>
+    <p:sldId id="357" r:id="rId15"/>
+    <p:sldId id="358" r:id="rId16"/>
+    <p:sldId id="361" r:id="rId17"/>
+    <p:sldId id="360" r:id="rId18"/>
+    <p:sldId id="362" r:id="rId19"/>
+    <p:sldId id="359" r:id="rId20"/>
+    <p:sldId id="363" r:id="rId21"/>
+    <p:sldId id="364" r:id="rId22"/>
+    <p:sldId id="365" r:id="rId23"/>
+    <p:sldId id="366" r:id="rId24"/>
+    <p:sldId id="367" r:id="rId25"/>
+    <p:sldId id="368" r:id="rId26"/>
+    <p:sldId id="369" r:id="rId27"/>
+    <p:sldId id="370" r:id="rId28"/>
+    <p:sldId id="371" r:id="rId29"/>
+    <p:sldId id="336" r:id="rId30"/>
   </p:sldIdLst>
   <p:sldSz cx="12192000" cy="6858000"/>
   <p:notesSz cx="6858000" cy="9144000"/>
@@ -133,11 +133,6 @@
       </a:defRPr>
     </a:lvl9pPr>
   </p:defaultTextStyle>
-  <p:extLst>
-    <p:ext uri="{EFAFB233-063F-42B5-8137-9DF3F51BA10A}">
-      <p15:sldGuideLst xmlns:p15="http://schemas.microsoft.com/office/powerpoint/2012/main"/>
-    </p:ext>
-  </p:extLst>
 </p:presentation>
 </file>
 
@@ -223,7 +218,6 @@
           <a:p>
             <a:fld id="{B706A8F9-8F42-426C-A12A-2EC0CFD74F6A}" type="datetimeFigureOut">
               <a:rPr lang="zh-CN" altLang="en-US" smtClean="0"/>
-              <a:t>2025/11/30</a:t>
             </a:fld>
             <a:endParaRPr lang="zh-CN" altLang="en-US"/>
           </a:p>
@@ -290,6 +284,7 @@
               <a:rPr lang="zh-CN" altLang="en-US"/>
               <a:t>单击此处编辑母版文本样式</a:t>
             </a:r>
+            <a:endParaRPr lang="zh-CN" altLang="en-US"/>
           </a:p>
           <a:p>
             <a:pPr lvl="1"/>
@@ -297,6 +292,7 @@
               <a:rPr lang="zh-CN" altLang="en-US"/>
               <a:t>二级</a:t>
             </a:r>
+            <a:endParaRPr lang="zh-CN" altLang="en-US"/>
           </a:p>
           <a:p>
             <a:pPr lvl="2"/>
@@ -304,6 +300,7 @@
               <a:rPr lang="zh-CN" altLang="en-US"/>
               <a:t>三级</a:t>
             </a:r>
+            <a:endParaRPr lang="zh-CN" altLang="en-US"/>
           </a:p>
           <a:p>
             <a:pPr lvl="3"/>
@@ -311,6 +308,7 @@
               <a:rPr lang="zh-CN" altLang="en-US"/>
               <a:t>四级</a:t>
             </a:r>
+            <a:endParaRPr lang="zh-CN" altLang="en-US"/>
           </a:p>
           <a:p>
             <a:pPr lvl="4"/>
@@ -318,6 +316,7 @@
               <a:rPr lang="zh-CN" altLang="en-US"/>
               <a:t>五级</a:t>
             </a:r>
+            <a:endParaRPr lang="zh-CN" altLang="en-US"/>
           </a:p>
         </p:txBody>
       </p:sp>
@@ -381,18 +380,12 @@
           <a:p>
             <a:fld id="{272BC788-7C8F-49D0-B0CB-452EE27B64B0}" type="slidenum">
               <a:rPr lang="zh-CN" altLang="en-US" smtClean="0"/>
-              <a:t>‹#›</a:t>
             </a:fld>
             <a:endParaRPr lang="zh-CN" altLang="en-US"/>
           </a:p>
         </p:txBody>
       </p:sp>
     </p:spTree>
-    <p:extLst>
-      <p:ext uri="{BB962C8B-B14F-4D97-AF65-F5344CB8AC3E}">
-        <p14:creationId xmlns:p14="http://schemas.microsoft.com/office/powerpoint/2010/main" val="1781163206"/>
-      </p:ext>
-    </p:extLst>
   </p:cSld>
   <p:clrMap bg1="lt1" tx1="dk1" bg2="lt2" tx2="dk2" accent1="accent1" accent2="accent2" accent3="accent3" accent4="accent4" accent5="accent5" accent6="accent6" hlink="hlink" folHlink="folHlink"/>
   <p:notesStyle>
@@ -534,13 +527,7 @@
       </p:grpSpPr>
       <p:sp>
         <p:nvSpPr>
-          <p:cNvPr id="2" name="标题 1">
-            <a:extLst>
-              <a:ext uri="{FF2B5EF4-FFF2-40B4-BE49-F238E27FC236}">
-                <a16:creationId xmlns:a16="http://schemas.microsoft.com/office/drawing/2014/main" id="{222AE9BD-19D7-CF20-BA9F-B51F738EBD0D}"/>
-              </a:ext>
-            </a:extLst>
-          </p:cNvPr>
+          <p:cNvPr id="2" name="标题 1"/>
           <p:cNvSpPr>
             <a:spLocks noGrp="1"/>
           </p:cNvSpPr>
@@ -566,18 +553,13 @@
               <a:rPr lang="zh-CN" altLang="en-US"/>
               <a:t>单击此处编辑母版标题样式</a:t>
             </a:r>
+            <a:endParaRPr lang="zh-CN" altLang="en-US"/>
           </a:p>
         </p:txBody>
       </p:sp>
       <p:sp>
         <p:nvSpPr>
-          <p:cNvPr id="3" name="副标题 2">
-            <a:extLst>
-              <a:ext uri="{FF2B5EF4-FFF2-40B4-BE49-F238E27FC236}">
-                <a16:creationId xmlns:a16="http://schemas.microsoft.com/office/drawing/2014/main" id="{52D04039-3BAD-6C71-CEB5-4583AE2CF360}"/>
-              </a:ext>
-            </a:extLst>
-          </p:cNvPr>
+          <p:cNvPr id="3" name="副标题 2"/>
           <p:cNvSpPr>
             <a:spLocks noGrp="1"/>
           </p:cNvSpPr>
@@ -636,18 +618,13 @@
               <a:rPr lang="zh-CN" altLang="en-US"/>
               <a:t>单击此处编辑母版副标题样式</a:t>
             </a:r>
+            <a:endParaRPr lang="zh-CN" altLang="en-US"/>
           </a:p>
         </p:txBody>
       </p:sp>
       <p:sp>
         <p:nvSpPr>
-          <p:cNvPr id="4" name="日期占位符 3">
-            <a:extLst>
-              <a:ext uri="{FF2B5EF4-FFF2-40B4-BE49-F238E27FC236}">
-                <a16:creationId xmlns:a16="http://schemas.microsoft.com/office/drawing/2014/main" id="{164DC813-9EF8-20D8-527D-A1E9F79849F5}"/>
-              </a:ext>
-            </a:extLst>
-          </p:cNvPr>
+          <p:cNvPr id="4" name="日期占位符 3"/>
           <p:cNvSpPr>
             <a:spLocks noGrp="1"/>
           </p:cNvSpPr>
@@ -662,7 +639,6 @@
           <a:p>
             <a:fld id="{A9B9EAAC-8ED9-4267-9552-24A483EA9319}" type="datetimeFigureOut">
               <a:rPr lang="zh-CN" altLang="en-US" smtClean="0"/>
-              <a:t>2025/11/30</a:t>
             </a:fld>
             <a:endParaRPr lang="zh-CN" altLang="en-US"/>
           </a:p>
@@ -670,13 +646,7 @@
       </p:sp>
       <p:sp>
         <p:nvSpPr>
-          <p:cNvPr id="5" name="页脚占位符 4">
-            <a:extLst>
-              <a:ext uri="{FF2B5EF4-FFF2-40B4-BE49-F238E27FC236}">
-                <a16:creationId xmlns:a16="http://schemas.microsoft.com/office/drawing/2014/main" id="{88F00A40-2EA4-B637-69AC-69C93DA107E6}"/>
-              </a:ext>
-            </a:extLst>
-          </p:cNvPr>
+          <p:cNvPr id="5" name="页脚占位符 4"/>
           <p:cNvSpPr>
             <a:spLocks noGrp="1"/>
           </p:cNvSpPr>
@@ -695,13 +665,7 @@
       </p:sp>
       <p:sp>
         <p:nvSpPr>
-          <p:cNvPr id="6" name="灯片编号占位符 5">
-            <a:extLst>
-              <a:ext uri="{FF2B5EF4-FFF2-40B4-BE49-F238E27FC236}">
-                <a16:creationId xmlns:a16="http://schemas.microsoft.com/office/drawing/2014/main" id="{662DB930-FB80-4850-A08C-3906D22E623E}"/>
-              </a:ext>
-            </a:extLst>
-          </p:cNvPr>
+          <p:cNvPr id="6" name="灯片编号占位符 5"/>
           <p:cNvSpPr>
             <a:spLocks noGrp="1"/>
           </p:cNvSpPr>
@@ -716,18 +680,12 @@
           <a:p>
             <a:fld id="{587776B8-99DC-46DB-8FBE-9573F2250FE8}" type="slidenum">
               <a:rPr lang="zh-CN" altLang="en-US" smtClean="0"/>
-              <a:t>‹#›</a:t>
             </a:fld>
             <a:endParaRPr lang="zh-CN" altLang="en-US"/>
           </a:p>
         </p:txBody>
       </p:sp>
     </p:spTree>
-    <p:extLst>
-      <p:ext uri="{BB962C8B-B14F-4D97-AF65-F5344CB8AC3E}">
-        <p14:creationId xmlns:p14="http://schemas.microsoft.com/office/powerpoint/2010/main" val="459263560"/>
-      </p:ext>
-    </p:extLst>
   </p:cSld>
   <p:clrMapOvr>
     <a:masterClrMapping/>
@@ -754,13 +712,7 @@
       </p:grpSpPr>
       <p:sp>
         <p:nvSpPr>
-          <p:cNvPr id="2" name="标题 1">
-            <a:extLst>
-              <a:ext uri="{FF2B5EF4-FFF2-40B4-BE49-F238E27FC236}">
-                <a16:creationId xmlns:a16="http://schemas.microsoft.com/office/drawing/2014/main" id="{4C16A79D-9CC4-B437-6568-F13538CCBE64}"/>
-              </a:ext>
-            </a:extLst>
-          </p:cNvPr>
+          <p:cNvPr id="2" name="标题 1"/>
           <p:cNvSpPr>
             <a:spLocks noGrp="1"/>
           </p:cNvSpPr>
@@ -777,18 +729,13 @@
               <a:rPr lang="zh-CN" altLang="en-US"/>
               <a:t>单击此处编辑母版标题样式</a:t>
             </a:r>
+            <a:endParaRPr lang="zh-CN" altLang="en-US"/>
           </a:p>
         </p:txBody>
       </p:sp>
       <p:sp>
         <p:nvSpPr>
-          <p:cNvPr id="3" name="竖排文字占位符 2">
-            <a:extLst>
-              <a:ext uri="{FF2B5EF4-FFF2-40B4-BE49-F238E27FC236}">
-                <a16:creationId xmlns:a16="http://schemas.microsoft.com/office/drawing/2014/main" id="{51B20D2C-6EE8-7949-BFD1-1B00FEA4BAA5}"/>
-              </a:ext>
-            </a:extLst>
-          </p:cNvPr>
+          <p:cNvPr id="3" name="竖排文字占位符 2"/>
           <p:cNvSpPr>
             <a:spLocks noGrp="1"/>
           </p:cNvSpPr>
@@ -806,6 +753,7 @@
               <a:rPr lang="zh-CN" altLang="en-US"/>
               <a:t>单击此处编辑母版文本样式</a:t>
             </a:r>
+            <a:endParaRPr lang="zh-CN" altLang="en-US"/>
           </a:p>
           <a:p>
             <a:pPr lvl="1"/>
@@ -813,6 +761,7 @@
               <a:rPr lang="zh-CN" altLang="en-US"/>
               <a:t>二级</a:t>
             </a:r>
+            <a:endParaRPr lang="zh-CN" altLang="en-US"/>
           </a:p>
           <a:p>
             <a:pPr lvl="2"/>
@@ -820,6 +769,7 @@
               <a:rPr lang="zh-CN" altLang="en-US"/>
               <a:t>三级</a:t>
             </a:r>
+            <a:endParaRPr lang="zh-CN" altLang="en-US"/>
           </a:p>
           <a:p>
             <a:pPr lvl="3"/>
@@ -827,6 +777,7 @@
               <a:rPr lang="zh-CN" altLang="en-US"/>
               <a:t>四级</a:t>
             </a:r>
+            <a:endParaRPr lang="zh-CN" altLang="en-US"/>
           </a:p>
           <a:p>
             <a:pPr lvl="4"/>
@@ -834,18 +785,13 @@
               <a:rPr lang="zh-CN" altLang="en-US"/>
               <a:t>五级</a:t>
             </a:r>
+            <a:endParaRPr lang="zh-CN" altLang="en-US"/>
           </a:p>
         </p:txBody>
       </p:sp>
       <p:sp>
         <p:nvSpPr>
-          <p:cNvPr id="4" name="日期占位符 3">
-            <a:extLst>
-              <a:ext uri="{FF2B5EF4-FFF2-40B4-BE49-F238E27FC236}">
-                <a16:creationId xmlns:a16="http://schemas.microsoft.com/office/drawing/2014/main" id="{5337AD18-E4B9-009B-7C72-9CBDA84FE6B7}"/>
-              </a:ext>
-            </a:extLst>
-          </p:cNvPr>
+          <p:cNvPr id="4" name="日期占位符 3"/>
           <p:cNvSpPr>
             <a:spLocks noGrp="1"/>
           </p:cNvSpPr>
@@ -860,7 +806,6 @@
           <a:p>
             <a:fld id="{A9B9EAAC-8ED9-4267-9552-24A483EA9319}" type="datetimeFigureOut">
               <a:rPr lang="zh-CN" altLang="en-US" smtClean="0"/>
-              <a:t>2025/11/30</a:t>
             </a:fld>
             <a:endParaRPr lang="zh-CN" altLang="en-US"/>
           </a:p>
@@ -868,13 +813,7 @@
       </p:sp>
       <p:sp>
         <p:nvSpPr>
-          <p:cNvPr id="5" name="页脚占位符 4">
-            <a:extLst>
-              <a:ext uri="{FF2B5EF4-FFF2-40B4-BE49-F238E27FC236}">
-                <a16:creationId xmlns:a16="http://schemas.microsoft.com/office/drawing/2014/main" id="{DC093F91-F74B-E9D5-40CA-C1E8B079D76C}"/>
-              </a:ext>
-            </a:extLst>
-          </p:cNvPr>
+          <p:cNvPr id="5" name="页脚占位符 4"/>
           <p:cNvSpPr>
             <a:spLocks noGrp="1"/>
           </p:cNvSpPr>
@@ -893,13 +832,7 @@
       </p:sp>
       <p:sp>
         <p:nvSpPr>
-          <p:cNvPr id="6" name="灯片编号占位符 5">
-            <a:extLst>
-              <a:ext uri="{FF2B5EF4-FFF2-40B4-BE49-F238E27FC236}">
-                <a16:creationId xmlns:a16="http://schemas.microsoft.com/office/drawing/2014/main" id="{04AC38C1-AEA8-EFA1-C318-E25E93845DE4}"/>
-              </a:ext>
-            </a:extLst>
-          </p:cNvPr>
+          <p:cNvPr id="6" name="灯片编号占位符 5"/>
           <p:cNvSpPr>
             <a:spLocks noGrp="1"/>
           </p:cNvSpPr>
@@ -914,18 +847,12 @@
           <a:p>
             <a:fld id="{587776B8-99DC-46DB-8FBE-9573F2250FE8}" type="slidenum">
               <a:rPr lang="zh-CN" altLang="en-US" smtClean="0"/>
-              <a:t>‹#›</a:t>
             </a:fld>
             <a:endParaRPr lang="zh-CN" altLang="en-US"/>
           </a:p>
         </p:txBody>
       </p:sp>
     </p:spTree>
-    <p:extLst>
-      <p:ext uri="{BB962C8B-B14F-4D97-AF65-F5344CB8AC3E}">
-        <p14:creationId xmlns:p14="http://schemas.microsoft.com/office/powerpoint/2010/main" val="4265174229"/>
-      </p:ext>
-    </p:extLst>
   </p:cSld>
   <p:clrMapOvr>
     <a:masterClrMapping/>
@@ -952,13 +879,7 @@
       </p:grpSpPr>
       <p:sp>
         <p:nvSpPr>
-          <p:cNvPr id="2" name="竖排标题 1">
-            <a:extLst>
-              <a:ext uri="{FF2B5EF4-FFF2-40B4-BE49-F238E27FC236}">
-                <a16:creationId xmlns:a16="http://schemas.microsoft.com/office/drawing/2014/main" id="{24ECBCB1-C8A5-C543-C40D-78294C8B1EFA}"/>
-              </a:ext>
-            </a:extLst>
-          </p:cNvPr>
+          <p:cNvPr id="2" name="竖排标题 1"/>
           <p:cNvSpPr>
             <a:spLocks noGrp="1"/>
           </p:cNvSpPr>
@@ -980,18 +901,13 @@
               <a:rPr lang="zh-CN" altLang="en-US"/>
               <a:t>单击此处编辑母版标题样式</a:t>
             </a:r>
+            <a:endParaRPr lang="zh-CN" altLang="en-US"/>
           </a:p>
         </p:txBody>
       </p:sp>
       <p:sp>
         <p:nvSpPr>
-          <p:cNvPr id="3" name="竖排文字占位符 2">
-            <a:extLst>
-              <a:ext uri="{FF2B5EF4-FFF2-40B4-BE49-F238E27FC236}">
-                <a16:creationId xmlns:a16="http://schemas.microsoft.com/office/drawing/2014/main" id="{0422DE78-B917-E0A2-9917-3EE946208757}"/>
-              </a:ext>
-            </a:extLst>
-          </p:cNvPr>
+          <p:cNvPr id="3" name="竖排文字占位符 2"/>
           <p:cNvSpPr>
             <a:spLocks noGrp="1"/>
           </p:cNvSpPr>
@@ -1014,6 +930,7 @@
               <a:rPr lang="zh-CN" altLang="en-US"/>
               <a:t>单击此处编辑母版文本样式</a:t>
             </a:r>
+            <a:endParaRPr lang="zh-CN" altLang="en-US"/>
           </a:p>
           <a:p>
             <a:pPr lvl="1"/>
@@ -1021,6 +938,7 @@
               <a:rPr lang="zh-CN" altLang="en-US"/>
               <a:t>二级</a:t>
             </a:r>
+            <a:endParaRPr lang="zh-CN" altLang="en-US"/>
           </a:p>
           <a:p>
             <a:pPr lvl="2"/>
@@ -1028,6 +946,7 @@
               <a:rPr lang="zh-CN" altLang="en-US"/>
               <a:t>三级</a:t>
             </a:r>
+            <a:endParaRPr lang="zh-CN" altLang="en-US"/>
           </a:p>
           <a:p>
             <a:pPr lvl="3"/>
@@ -1035,6 +954,7 @@
               <a:rPr lang="zh-CN" altLang="en-US"/>
               <a:t>四级</a:t>
             </a:r>
+            <a:endParaRPr lang="zh-CN" altLang="en-US"/>
           </a:p>
           <a:p>
             <a:pPr lvl="4"/>
@@ -1042,18 +962,13 @@
               <a:rPr lang="zh-CN" altLang="en-US"/>
               <a:t>五级</a:t>
             </a:r>
+            <a:endParaRPr lang="zh-CN" altLang="en-US"/>
           </a:p>
         </p:txBody>
       </p:sp>
       <p:sp>
         <p:nvSpPr>
-          <p:cNvPr id="4" name="日期占位符 3">
-            <a:extLst>
-              <a:ext uri="{FF2B5EF4-FFF2-40B4-BE49-F238E27FC236}">
-                <a16:creationId xmlns:a16="http://schemas.microsoft.com/office/drawing/2014/main" id="{87998BF2-821E-2642-940D-6D68A5C79FB1}"/>
-              </a:ext>
-            </a:extLst>
-          </p:cNvPr>
+          <p:cNvPr id="4" name="日期占位符 3"/>
           <p:cNvSpPr>
             <a:spLocks noGrp="1"/>
           </p:cNvSpPr>
@@ -1068,7 +983,6 @@
           <a:p>
             <a:fld id="{A9B9EAAC-8ED9-4267-9552-24A483EA9319}" type="datetimeFigureOut">
               <a:rPr lang="zh-CN" altLang="en-US" smtClean="0"/>
-              <a:t>2025/11/30</a:t>
             </a:fld>
             <a:endParaRPr lang="zh-CN" altLang="en-US"/>
           </a:p>
@@ -1076,13 +990,7 @@
       </p:sp>
       <p:sp>
         <p:nvSpPr>
-          <p:cNvPr id="5" name="页脚占位符 4">
-            <a:extLst>
-              <a:ext uri="{FF2B5EF4-FFF2-40B4-BE49-F238E27FC236}">
-                <a16:creationId xmlns:a16="http://schemas.microsoft.com/office/drawing/2014/main" id="{54634D84-6CED-D1AA-8465-378B0DE44C90}"/>
-              </a:ext>
-            </a:extLst>
-          </p:cNvPr>
+          <p:cNvPr id="5" name="页脚占位符 4"/>
           <p:cNvSpPr>
             <a:spLocks noGrp="1"/>
           </p:cNvSpPr>
@@ -1101,13 +1009,7 @@
       </p:sp>
       <p:sp>
         <p:nvSpPr>
-          <p:cNvPr id="6" name="灯片编号占位符 5">
-            <a:extLst>
-              <a:ext uri="{FF2B5EF4-FFF2-40B4-BE49-F238E27FC236}">
-                <a16:creationId xmlns:a16="http://schemas.microsoft.com/office/drawing/2014/main" id="{2CF13F97-8A06-726C-1D49-3A29B634FEDB}"/>
-              </a:ext>
-            </a:extLst>
-          </p:cNvPr>
+          <p:cNvPr id="6" name="灯片编号占位符 5"/>
           <p:cNvSpPr>
             <a:spLocks noGrp="1"/>
           </p:cNvSpPr>
@@ -1122,18 +1024,12 @@
           <a:p>
             <a:fld id="{587776B8-99DC-46DB-8FBE-9573F2250FE8}" type="slidenum">
               <a:rPr lang="zh-CN" altLang="en-US" smtClean="0"/>
-              <a:t>‹#›</a:t>
             </a:fld>
             <a:endParaRPr lang="zh-CN" altLang="en-US"/>
           </a:p>
         </p:txBody>
       </p:sp>
     </p:spTree>
-    <p:extLst>
-      <p:ext uri="{BB962C8B-B14F-4D97-AF65-F5344CB8AC3E}">
-        <p14:creationId xmlns:p14="http://schemas.microsoft.com/office/powerpoint/2010/main" val="2259965507"/>
-      </p:ext>
-    </p:extLst>
   </p:cSld>
   <p:clrMapOvr>
     <a:masterClrMapping/>
@@ -1159,22 +1055,17 @@
         </a:xfrm>
       </p:grpSpPr>
     </p:spTree>
-    <p:extLst>
-      <p:ext uri="{BB962C8B-B14F-4D97-AF65-F5344CB8AC3E}">
-        <p14:creationId xmlns:p14="http://schemas.microsoft.com/office/powerpoint/2010/main" val="3544718263"/>
-      </p:ext>
-    </p:extLst>
   </p:cSld>
   <p:clrMapOvr>
     <a:masterClrMapping/>
   </p:clrMapOvr>
-  <mc:AlternateContent xmlns:mc="http://schemas.openxmlformats.org/markup-compatibility/2006" xmlns:p14="http://schemas.microsoft.com/office/powerpoint/2010/main">
-    <mc:Choice Requires="p14">
+  <mc:AlternateContent xmlns:mc="http://schemas.openxmlformats.org/markup-compatibility/2006">
+    <mc:Choice xmlns:p14="http://schemas.microsoft.com/office/powerpoint/2010/main" Requires="p14">
       <p:transition spd="med" p14:dur="700">
         <p:fade/>
       </p:transition>
     </mc:Choice>
-    <mc:Fallback xmlns="">
+    <mc:Fallback>
       <p:transition spd="med">
         <p:fade/>
       </p:transition>
@@ -1202,13 +1093,7 @@
       </p:grpSpPr>
       <p:sp>
         <p:nvSpPr>
-          <p:cNvPr id="2" name="标题 1">
-            <a:extLst>
-              <a:ext uri="{FF2B5EF4-FFF2-40B4-BE49-F238E27FC236}">
-                <a16:creationId xmlns:a16="http://schemas.microsoft.com/office/drawing/2014/main" id="{70673434-225B-C33C-FC5F-160896F625F3}"/>
-              </a:ext>
-            </a:extLst>
-          </p:cNvPr>
+          <p:cNvPr id="2" name="标题 1"/>
           <p:cNvSpPr>
             <a:spLocks noGrp="1"/>
           </p:cNvSpPr>
@@ -1225,18 +1110,13 @@
               <a:rPr lang="zh-CN" altLang="en-US"/>
               <a:t>单击此处编辑母版标题样式</a:t>
             </a:r>
+            <a:endParaRPr lang="zh-CN" altLang="en-US"/>
           </a:p>
         </p:txBody>
       </p:sp>
       <p:sp>
         <p:nvSpPr>
-          <p:cNvPr id="3" name="内容占位符 2">
-            <a:extLst>
-              <a:ext uri="{FF2B5EF4-FFF2-40B4-BE49-F238E27FC236}">
-                <a16:creationId xmlns:a16="http://schemas.microsoft.com/office/drawing/2014/main" id="{087EC32F-25E9-C40D-8F65-6E4F02868508}"/>
-              </a:ext>
-            </a:extLst>
-          </p:cNvPr>
+          <p:cNvPr id="3" name="内容占位符 2"/>
           <p:cNvSpPr>
             <a:spLocks noGrp="1"/>
           </p:cNvSpPr>
@@ -1254,6 +1134,7 @@
               <a:rPr lang="zh-CN" altLang="en-US"/>
               <a:t>单击此处编辑母版文本样式</a:t>
             </a:r>
+            <a:endParaRPr lang="zh-CN" altLang="en-US"/>
           </a:p>
           <a:p>
             <a:pPr lvl="1"/>
@@ -1261,6 +1142,7 @@
               <a:rPr lang="zh-CN" altLang="en-US"/>
               <a:t>二级</a:t>
             </a:r>
+            <a:endParaRPr lang="zh-CN" altLang="en-US"/>
           </a:p>
           <a:p>
             <a:pPr lvl="2"/>
@@ -1268,6 +1150,7 @@
               <a:rPr lang="zh-CN" altLang="en-US"/>
               <a:t>三级</a:t>
             </a:r>
+            <a:endParaRPr lang="zh-CN" altLang="en-US"/>
           </a:p>
           <a:p>
             <a:pPr lvl="3"/>
@@ -1275,6 +1158,7 @@
               <a:rPr lang="zh-CN" altLang="en-US"/>
               <a:t>四级</a:t>
             </a:r>
+            <a:endParaRPr lang="zh-CN" altLang="en-US"/>
           </a:p>
           <a:p>
             <a:pPr lvl="4"/>
@@ -1282,18 +1166,13 @@
               <a:rPr lang="zh-CN" altLang="en-US"/>
               <a:t>五级</a:t>
             </a:r>
+            <a:endParaRPr lang="zh-CN" altLang="en-US"/>
           </a:p>
         </p:txBody>
       </p:sp>
       <p:sp>
         <p:nvSpPr>
-          <p:cNvPr id="4" name="日期占位符 3">
-            <a:extLst>
-              <a:ext uri="{FF2B5EF4-FFF2-40B4-BE49-F238E27FC236}">
-                <a16:creationId xmlns:a16="http://schemas.microsoft.com/office/drawing/2014/main" id="{645F3AAD-8FB9-BCC0-F101-CE35763D3341}"/>
-              </a:ext>
-            </a:extLst>
-          </p:cNvPr>
+          <p:cNvPr id="4" name="日期占位符 3"/>
           <p:cNvSpPr>
             <a:spLocks noGrp="1"/>
           </p:cNvSpPr>
@@ -1308,7 +1187,6 @@
           <a:p>
             <a:fld id="{A9B9EAAC-8ED9-4267-9552-24A483EA9319}" type="datetimeFigureOut">
               <a:rPr lang="zh-CN" altLang="en-US" smtClean="0"/>
-              <a:t>2025/11/30</a:t>
             </a:fld>
             <a:endParaRPr lang="zh-CN" altLang="en-US"/>
           </a:p>
@@ -1316,13 +1194,7 @@
       </p:sp>
       <p:sp>
         <p:nvSpPr>
-          <p:cNvPr id="5" name="页脚占位符 4">
-            <a:extLst>
-              <a:ext uri="{FF2B5EF4-FFF2-40B4-BE49-F238E27FC236}">
-                <a16:creationId xmlns:a16="http://schemas.microsoft.com/office/drawing/2014/main" id="{604647ED-2FA1-51EB-5BC1-5231C381347B}"/>
-              </a:ext>
-            </a:extLst>
-          </p:cNvPr>
+          <p:cNvPr id="5" name="页脚占位符 4"/>
           <p:cNvSpPr>
             <a:spLocks noGrp="1"/>
           </p:cNvSpPr>
@@ -1341,13 +1213,7 @@
       </p:sp>
       <p:sp>
         <p:nvSpPr>
-          <p:cNvPr id="6" name="灯片编号占位符 5">
-            <a:extLst>
-              <a:ext uri="{FF2B5EF4-FFF2-40B4-BE49-F238E27FC236}">
-                <a16:creationId xmlns:a16="http://schemas.microsoft.com/office/drawing/2014/main" id="{88F965BB-BC1E-860C-25E9-461726B9A0E2}"/>
-              </a:ext>
-            </a:extLst>
-          </p:cNvPr>
+          <p:cNvPr id="6" name="灯片编号占位符 5"/>
           <p:cNvSpPr>
             <a:spLocks noGrp="1"/>
           </p:cNvSpPr>
@@ -1362,18 +1228,12 @@
           <a:p>
             <a:fld id="{587776B8-99DC-46DB-8FBE-9573F2250FE8}" type="slidenum">
               <a:rPr lang="zh-CN" altLang="en-US" smtClean="0"/>
-              <a:t>‹#›</a:t>
             </a:fld>
             <a:endParaRPr lang="zh-CN" altLang="en-US"/>
           </a:p>
         </p:txBody>
       </p:sp>
     </p:spTree>
-    <p:extLst>
-      <p:ext uri="{BB962C8B-B14F-4D97-AF65-F5344CB8AC3E}">
-        <p14:creationId xmlns:p14="http://schemas.microsoft.com/office/powerpoint/2010/main" val="3959258826"/>
-      </p:ext>
-    </p:extLst>
   </p:cSld>
   <p:clrMapOvr>
     <a:masterClrMapping/>
@@ -1400,13 +1260,7 @@
       </p:grpSpPr>
       <p:sp>
         <p:nvSpPr>
-          <p:cNvPr id="2" name="标题 1">
-            <a:extLst>
-              <a:ext uri="{FF2B5EF4-FFF2-40B4-BE49-F238E27FC236}">
-                <a16:creationId xmlns:a16="http://schemas.microsoft.com/office/drawing/2014/main" id="{58EA4433-E7B0-86F6-78A8-5E16D16209F7}"/>
-              </a:ext>
-            </a:extLst>
-          </p:cNvPr>
+          <p:cNvPr id="2" name="标题 1"/>
           <p:cNvSpPr>
             <a:spLocks noGrp="1"/>
           </p:cNvSpPr>
@@ -1432,18 +1286,13 @@
               <a:rPr lang="zh-CN" altLang="en-US"/>
               <a:t>单击此处编辑母版标题样式</a:t>
             </a:r>
+            <a:endParaRPr lang="zh-CN" altLang="en-US"/>
           </a:p>
         </p:txBody>
       </p:sp>
       <p:sp>
         <p:nvSpPr>
-          <p:cNvPr id="3" name="文本占位符 2">
-            <a:extLst>
-              <a:ext uri="{FF2B5EF4-FFF2-40B4-BE49-F238E27FC236}">
-                <a16:creationId xmlns:a16="http://schemas.microsoft.com/office/drawing/2014/main" id="{68A4FC3E-236F-BC98-3151-96ED77DA73CD}"/>
-              </a:ext>
-            </a:extLst>
-          </p:cNvPr>
+          <p:cNvPr id="3" name="文本占位符 2"/>
           <p:cNvSpPr>
             <a:spLocks noGrp="1"/>
           </p:cNvSpPr>
@@ -1557,18 +1406,13 @@
               <a:rPr lang="zh-CN" altLang="en-US"/>
               <a:t>单击此处编辑母版文本样式</a:t>
             </a:r>
+            <a:endParaRPr lang="zh-CN" altLang="en-US"/>
           </a:p>
         </p:txBody>
       </p:sp>
       <p:sp>
         <p:nvSpPr>
-          <p:cNvPr id="4" name="日期占位符 3">
-            <a:extLst>
-              <a:ext uri="{FF2B5EF4-FFF2-40B4-BE49-F238E27FC236}">
-                <a16:creationId xmlns:a16="http://schemas.microsoft.com/office/drawing/2014/main" id="{29413ECE-C0FD-D8CF-136B-8D5DC89FC642}"/>
-              </a:ext>
-            </a:extLst>
-          </p:cNvPr>
+          <p:cNvPr id="4" name="日期占位符 3"/>
           <p:cNvSpPr>
             <a:spLocks noGrp="1"/>
           </p:cNvSpPr>
@@ -1583,7 +1427,6 @@
           <a:p>
             <a:fld id="{A9B9EAAC-8ED9-4267-9552-24A483EA9319}" type="datetimeFigureOut">
               <a:rPr lang="zh-CN" altLang="en-US" smtClean="0"/>
-              <a:t>2025/11/30</a:t>
             </a:fld>
             <a:endParaRPr lang="zh-CN" altLang="en-US"/>
           </a:p>
@@ -1591,13 +1434,7 @@
       </p:sp>
       <p:sp>
         <p:nvSpPr>
-          <p:cNvPr id="5" name="页脚占位符 4">
-            <a:extLst>
-              <a:ext uri="{FF2B5EF4-FFF2-40B4-BE49-F238E27FC236}">
-                <a16:creationId xmlns:a16="http://schemas.microsoft.com/office/drawing/2014/main" id="{85AC4272-C221-57B3-6BE8-3D3CB909EE96}"/>
-              </a:ext>
-            </a:extLst>
-          </p:cNvPr>
+          <p:cNvPr id="5" name="页脚占位符 4"/>
           <p:cNvSpPr>
             <a:spLocks noGrp="1"/>
           </p:cNvSpPr>
@@ -1616,13 +1453,7 @@
       </p:sp>
       <p:sp>
         <p:nvSpPr>
-          <p:cNvPr id="6" name="灯片编号占位符 5">
-            <a:extLst>
-              <a:ext uri="{FF2B5EF4-FFF2-40B4-BE49-F238E27FC236}">
-                <a16:creationId xmlns:a16="http://schemas.microsoft.com/office/drawing/2014/main" id="{8D9CA9F6-E3F4-A4C1-8BDE-5C7E095BFD1B}"/>
-              </a:ext>
-            </a:extLst>
-          </p:cNvPr>
+          <p:cNvPr id="6" name="灯片编号占位符 5"/>
           <p:cNvSpPr>
             <a:spLocks noGrp="1"/>
           </p:cNvSpPr>
@@ -1637,18 +1468,12 @@
           <a:p>
             <a:fld id="{587776B8-99DC-46DB-8FBE-9573F2250FE8}" type="slidenum">
               <a:rPr lang="zh-CN" altLang="en-US" smtClean="0"/>
-              <a:t>‹#›</a:t>
             </a:fld>
             <a:endParaRPr lang="zh-CN" altLang="en-US"/>
           </a:p>
         </p:txBody>
       </p:sp>
     </p:spTree>
-    <p:extLst>
-      <p:ext uri="{BB962C8B-B14F-4D97-AF65-F5344CB8AC3E}">
-        <p14:creationId xmlns:p14="http://schemas.microsoft.com/office/powerpoint/2010/main" val="876854137"/>
-      </p:ext>
-    </p:extLst>
   </p:cSld>
   <p:clrMapOvr>
     <a:masterClrMapping/>
@@ -1675,13 +1500,7 @@
       </p:grpSpPr>
       <p:sp>
         <p:nvSpPr>
-          <p:cNvPr id="2" name="标题 1">
-            <a:extLst>
-              <a:ext uri="{FF2B5EF4-FFF2-40B4-BE49-F238E27FC236}">
-                <a16:creationId xmlns:a16="http://schemas.microsoft.com/office/drawing/2014/main" id="{D4FF8301-BB5C-4A1C-3510-44713C564298}"/>
-              </a:ext>
-            </a:extLst>
-          </p:cNvPr>
+          <p:cNvPr id="2" name="标题 1"/>
           <p:cNvSpPr>
             <a:spLocks noGrp="1"/>
           </p:cNvSpPr>
@@ -1698,18 +1517,13 @@
               <a:rPr lang="zh-CN" altLang="en-US"/>
               <a:t>单击此处编辑母版标题样式</a:t>
             </a:r>
+            <a:endParaRPr lang="zh-CN" altLang="en-US"/>
           </a:p>
         </p:txBody>
       </p:sp>
       <p:sp>
         <p:nvSpPr>
-          <p:cNvPr id="3" name="内容占位符 2">
-            <a:extLst>
-              <a:ext uri="{FF2B5EF4-FFF2-40B4-BE49-F238E27FC236}">
-                <a16:creationId xmlns:a16="http://schemas.microsoft.com/office/drawing/2014/main" id="{04A4B38B-01F6-D7DC-1529-4BC80A58AE2A}"/>
-              </a:ext>
-            </a:extLst>
-          </p:cNvPr>
+          <p:cNvPr id="3" name="内容占位符 2"/>
           <p:cNvSpPr>
             <a:spLocks noGrp="1"/>
           </p:cNvSpPr>
@@ -1732,6 +1546,7 @@
               <a:rPr lang="zh-CN" altLang="en-US"/>
               <a:t>单击此处编辑母版文本样式</a:t>
             </a:r>
+            <a:endParaRPr lang="zh-CN" altLang="en-US"/>
           </a:p>
           <a:p>
             <a:pPr lvl="1"/>
@@ -1739,6 +1554,7 @@
               <a:rPr lang="zh-CN" altLang="en-US"/>
               <a:t>二级</a:t>
             </a:r>
+            <a:endParaRPr lang="zh-CN" altLang="en-US"/>
           </a:p>
           <a:p>
             <a:pPr lvl="2"/>
@@ -1746,6 +1562,7 @@
               <a:rPr lang="zh-CN" altLang="en-US"/>
               <a:t>三级</a:t>
             </a:r>
+            <a:endParaRPr lang="zh-CN" altLang="en-US"/>
           </a:p>
           <a:p>
             <a:pPr lvl="3"/>
@@ -1753,6 +1570,7 @@
               <a:rPr lang="zh-CN" altLang="en-US"/>
               <a:t>四级</a:t>
             </a:r>
+            <a:endParaRPr lang="zh-CN" altLang="en-US"/>
           </a:p>
           <a:p>
             <a:pPr lvl="4"/>
@@ -1760,18 +1578,13 @@
               <a:rPr lang="zh-CN" altLang="en-US"/>
               <a:t>五级</a:t>
             </a:r>
+            <a:endParaRPr lang="zh-CN" altLang="en-US"/>
           </a:p>
         </p:txBody>
       </p:sp>
       <p:sp>
         <p:nvSpPr>
-          <p:cNvPr id="4" name="内容占位符 3">
-            <a:extLst>
-              <a:ext uri="{FF2B5EF4-FFF2-40B4-BE49-F238E27FC236}">
-                <a16:creationId xmlns:a16="http://schemas.microsoft.com/office/drawing/2014/main" id="{5C089737-FE26-E6FE-F560-86582096FA91}"/>
-              </a:ext>
-            </a:extLst>
-          </p:cNvPr>
+          <p:cNvPr id="4" name="内容占位符 3"/>
           <p:cNvSpPr>
             <a:spLocks noGrp="1"/>
           </p:cNvSpPr>
@@ -1794,6 +1607,7 @@
               <a:rPr lang="zh-CN" altLang="en-US"/>
               <a:t>单击此处编辑母版文本样式</a:t>
             </a:r>
+            <a:endParaRPr lang="zh-CN" altLang="en-US"/>
           </a:p>
           <a:p>
             <a:pPr lvl="1"/>
@@ -1801,6 +1615,7 @@
               <a:rPr lang="zh-CN" altLang="en-US"/>
               <a:t>二级</a:t>
             </a:r>
+            <a:endParaRPr lang="zh-CN" altLang="en-US"/>
           </a:p>
           <a:p>
             <a:pPr lvl="2"/>
@@ -1808,6 +1623,7 @@
               <a:rPr lang="zh-CN" altLang="en-US"/>
               <a:t>三级</a:t>
             </a:r>
+            <a:endParaRPr lang="zh-CN" altLang="en-US"/>
           </a:p>
           <a:p>
             <a:pPr lvl="3"/>
@@ -1815,6 +1631,7 @@
               <a:rPr lang="zh-CN" altLang="en-US"/>
               <a:t>四级</a:t>
             </a:r>
+            <a:endParaRPr lang="zh-CN" altLang="en-US"/>
           </a:p>
           <a:p>
             <a:pPr lvl="4"/>
@@ -1822,18 +1639,13 @@
               <a:rPr lang="zh-CN" altLang="en-US"/>
               <a:t>五级</a:t>
             </a:r>
+            <a:endParaRPr lang="zh-CN" altLang="en-US"/>
           </a:p>
         </p:txBody>
       </p:sp>
       <p:sp>
         <p:nvSpPr>
-          <p:cNvPr id="5" name="日期占位符 4">
-            <a:extLst>
-              <a:ext uri="{FF2B5EF4-FFF2-40B4-BE49-F238E27FC236}">
-                <a16:creationId xmlns:a16="http://schemas.microsoft.com/office/drawing/2014/main" id="{124844DB-C5C7-466C-B59F-F7998ED690D9}"/>
-              </a:ext>
-            </a:extLst>
-          </p:cNvPr>
+          <p:cNvPr id="5" name="日期占位符 4"/>
           <p:cNvSpPr>
             <a:spLocks noGrp="1"/>
           </p:cNvSpPr>
@@ -1848,7 +1660,6 @@
           <a:p>
             <a:fld id="{A9B9EAAC-8ED9-4267-9552-24A483EA9319}" type="datetimeFigureOut">
               <a:rPr lang="zh-CN" altLang="en-US" smtClean="0"/>
-              <a:t>2025/11/30</a:t>
             </a:fld>
             <a:endParaRPr lang="zh-CN" altLang="en-US"/>
           </a:p>
@@ -1856,13 +1667,7 @@
       </p:sp>
       <p:sp>
         <p:nvSpPr>
-          <p:cNvPr id="6" name="页脚占位符 5">
-            <a:extLst>
-              <a:ext uri="{FF2B5EF4-FFF2-40B4-BE49-F238E27FC236}">
-                <a16:creationId xmlns:a16="http://schemas.microsoft.com/office/drawing/2014/main" id="{79A8E245-40B9-5575-27B7-BFC4E1637A81}"/>
-              </a:ext>
-            </a:extLst>
-          </p:cNvPr>
+          <p:cNvPr id="6" name="页脚占位符 5"/>
           <p:cNvSpPr>
             <a:spLocks noGrp="1"/>
           </p:cNvSpPr>
@@ -1881,13 +1686,7 @@
       </p:sp>
       <p:sp>
         <p:nvSpPr>
-          <p:cNvPr id="7" name="灯片编号占位符 6">
-            <a:extLst>
-              <a:ext uri="{FF2B5EF4-FFF2-40B4-BE49-F238E27FC236}">
-                <a16:creationId xmlns:a16="http://schemas.microsoft.com/office/drawing/2014/main" id="{17C10DBB-6582-048C-86E3-20C5C6788949}"/>
-              </a:ext>
-            </a:extLst>
-          </p:cNvPr>
+          <p:cNvPr id="7" name="灯片编号占位符 6"/>
           <p:cNvSpPr>
             <a:spLocks noGrp="1"/>
           </p:cNvSpPr>
@@ -1902,18 +1701,12 @@
           <a:p>
             <a:fld id="{587776B8-99DC-46DB-8FBE-9573F2250FE8}" type="slidenum">
               <a:rPr lang="zh-CN" altLang="en-US" smtClean="0"/>
-              <a:t>‹#›</a:t>
             </a:fld>
             <a:endParaRPr lang="zh-CN" altLang="en-US"/>
           </a:p>
         </p:txBody>
       </p:sp>
     </p:spTree>
-    <p:extLst>
-      <p:ext uri="{BB962C8B-B14F-4D97-AF65-F5344CB8AC3E}">
-        <p14:creationId xmlns:p14="http://schemas.microsoft.com/office/powerpoint/2010/main" val="337516987"/>
-      </p:ext>
-    </p:extLst>
   </p:cSld>
   <p:clrMapOvr>
     <a:masterClrMapping/>
@@ -1940,13 +1733,7 @@
       </p:grpSpPr>
       <p:sp>
         <p:nvSpPr>
-          <p:cNvPr id="2" name="标题 1">
-            <a:extLst>
-              <a:ext uri="{FF2B5EF4-FFF2-40B4-BE49-F238E27FC236}">
-                <a16:creationId xmlns:a16="http://schemas.microsoft.com/office/drawing/2014/main" id="{6380E2FC-DA74-CF3E-99FE-A4A1E386C16A}"/>
-              </a:ext>
-            </a:extLst>
-          </p:cNvPr>
+          <p:cNvPr id="2" name="标题 1"/>
           <p:cNvSpPr>
             <a:spLocks noGrp="1"/>
           </p:cNvSpPr>
@@ -1968,18 +1755,13 @@
               <a:rPr lang="zh-CN" altLang="en-US"/>
               <a:t>单击此处编辑母版标题样式</a:t>
             </a:r>
+            <a:endParaRPr lang="zh-CN" altLang="en-US"/>
           </a:p>
         </p:txBody>
       </p:sp>
       <p:sp>
         <p:nvSpPr>
-          <p:cNvPr id="3" name="文本占位符 2">
-            <a:extLst>
-              <a:ext uri="{FF2B5EF4-FFF2-40B4-BE49-F238E27FC236}">
-                <a16:creationId xmlns:a16="http://schemas.microsoft.com/office/drawing/2014/main" id="{58C02208-5197-0BB1-666B-5E1167DEC1F2}"/>
-              </a:ext>
-            </a:extLst>
-          </p:cNvPr>
+          <p:cNvPr id="3" name="文本占位符 2"/>
           <p:cNvSpPr>
             <a:spLocks noGrp="1"/>
           </p:cNvSpPr>
@@ -2039,18 +1821,13 @@
               <a:rPr lang="zh-CN" altLang="en-US"/>
               <a:t>单击此处编辑母版文本样式</a:t>
             </a:r>
+            <a:endParaRPr lang="zh-CN" altLang="en-US"/>
           </a:p>
         </p:txBody>
       </p:sp>
       <p:sp>
         <p:nvSpPr>
-          <p:cNvPr id="4" name="内容占位符 3">
-            <a:extLst>
-              <a:ext uri="{FF2B5EF4-FFF2-40B4-BE49-F238E27FC236}">
-                <a16:creationId xmlns:a16="http://schemas.microsoft.com/office/drawing/2014/main" id="{D57AB402-026E-096B-3E6C-027C971D3105}"/>
-              </a:ext>
-            </a:extLst>
-          </p:cNvPr>
+          <p:cNvPr id="4" name="内容占位符 3"/>
           <p:cNvSpPr>
             <a:spLocks noGrp="1"/>
           </p:cNvSpPr>
@@ -2073,6 +1850,7 @@
               <a:rPr lang="zh-CN" altLang="en-US"/>
               <a:t>单击此处编辑母版文本样式</a:t>
             </a:r>
+            <a:endParaRPr lang="zh-CN" altLang="en-US"/>
           </a:p>
           <a:p>
             <a:pPr lvl="1"/>
@@ -2080,6 +1858,7 @@
               <a:rPr lang="zh-CN" altLang="en-US"/>
               <a:t>二级</a:t>
             </a:r>
+            <a:endParaRPr lang="zh-CN" altLang="en-US"/>
           </a:p>
           <a:p>
             <a:pPr lvl="2"/>
@@ -2087,6 +1866,7 @@
               <a:rPr lang="zh-CN" altLang="en-US"/>
               <a:t>三级</a:t>
             </a:r>
+            <a:endParaRPr lang="zh-CN" altLang="en-US"/>
           </a:p>
           <a:p>
             <a:pPr lvl="3"/>
@@ -2094,6 +1874,7 @@
               <a:rPr lang="zh-CN" altLang="en-US"/>
               <a:t>四级</a:t>
             </a:r>
+            <a:endParaRPr lang="zh-CN" altLang="en-US"/>
           </a:p>
           <a:p>
             <a:pPr lvl="4"/>
@@ -2101,18 +1882,13 @@
               <a:rPr lang="zh-CN" altLang="en-US"/>
               <a:t>五级</a:t>
             </a:r>
+            <a:endParaRPr lang="zh-CN" altLang="en-US"/>
           </a:p>
         </p:txBody>
       </p:sp>
       <p:sp>
         <p:nvSpPr>
-          <p:cNvPr id="5" name="文本占位符 4">
-            <a:extLst>
-              <a:ext uri="{FF2B5EF4-FFF2-40B4-BE49-F238E27FC236}">
-                <a16:creationId xmlns:a16="http://schemas.microsoft.com/office/drawing/2014/main" id="{1BFA6783-E898-7CF8-FE7A-FCD9ECA55DB2}"/>
-              </a:ext>
-            </a:extLst>
-          </p:cNvPr>
+          <p:cNvPr id="5" name="文本占位符 4"/>
           <p:cNvSpPr>
             <a:spLocks noGrp="1"/>
           </p:cNvSpPr>
@@ -2172,18 +1948,13 @@
               <a:rPr lang="zh-CN" altLang="en-US"/>
               <a:t>单击此处编辑母版文本样式</a:t>
             </a:r>
+            <a:endParaRPr lang="zh-CN" altLang="en-US"/>
           </a:p>
         </p:txBody>
       </p:sp>
       <p:sp>
         <p:nvSpPr>
-          <p:cNvPr id="6" name="内容占位符 5">
-            <a:extLst>
-              <a:ext uri="{FF2B5EF4-FFF2-40B4-BE49-F238E27FC236}">
-                <a16:creationId xmlns:a16="http://schemas.microsoft.com/office/drawing/2014/main" id="{F3C5CDCC-EA0D-8742-B46C-FD02299D4230}"/>
-              </a:ext>
-            </a:extLst>
-          </p:cNvPr>
+          <p:cNvPr id="6" name="内容占位符 5"/>
           <p:cNvSpPr>
             <a:spLocks noGrp="1"/>
           </p:cNvSpPr>
@@ -2206,6 +1977,7 @@
               <a:rPr lang="zh-CN" altLang="en-US"/>
               <a:t>单击此处编辑母版文本样式</a:t>
             </a:r>
+            <a:endParaRPr lang="zh-CN" altLang="en-US"/>
           </a:p>
           <a:p>
             <a:pPr lvl="1"/>
@@ -2213,6 +1985,7 @@
               <a:rPr lang="zh-CN" altLang="en-US"/>
               <a:t>二级</a:t>
             </a:r>
+            <a:endParaRPr lang="zh-CN" altLang="en-US"/>
           </a:p>
           <a:p>
             <a:pPr lvl="2"/>
@@ -2220,6 +1993,7 @@
               <a:rPr lang="zh-CN" altLang="en-US"/>
               <a:t>三级</a:t>
             </a:r>
+            <a:endParaRPr lang="zh-CN" altLang="en-US"/>
           </a:p>
           <a:p>
             <a:pPr lvl="3"/>
@@ -2227,6 +2001,7 @@
               <a:rPr lang="zh-CN" altLang="en-US"/>
               <a:t>四级</a:t>
             </a:r>
+            <a:endParaRPr lang="zh-CN" altLang="en-US"/>
           </a:p>
           <a:p>
             <a:pPr lvl="4"/>
@@ -2234,18 +2009,13 @@
               <a:rPr lang="zh-CN" altLang="en-US"/>
               <a:t>五级</a:t>
             </a:r>
+            <a:endParaRPr lang="zh-CN" altLang="en-US"/>
           </a:p>
         </p:txBody>
       </p:sp>
       <p:sp>
         <p:nvSpPr>
-          <p:cNvPr id="7" name="日期占位符 6">
-            <a:extLst>
-              <a:ext uri="{FF2B5EF4-FFF2-40B4-BE49-F238E27FC236}">
-                <a16:creationId xmlns:a16="http://schemas.microsoft.com/office/drawing/2014/main" id="{729A47D9-9F72-E1E4-F58E-240CCCC78B8A}"/>
-              </a:ext>
-            </a:extLst>
-          </p:cNvPr>
+          <p:cNvPr id="7" name="日期占位符 6"/>
           <p:cNvSpPr>
             <a:spLocks noGrp="1"/>
           </p:cNvSpPr>
@@ -2260,7 +2030,6 @@
           <a:p>
             <a:fld id="{A9B9EAAC-8ED9-4267-9552-24A483EA9319}" type="datetimeFigureOut">
               <a:rPr lang="zh-CN" altLang="en-US" smtClean="0"/>
-              <a:t>2025/11/30</a:t>
             </a:fld>
             <a:endParaRPr lang="zh-CN" altLang="en-US"/>
           </a:p>
@@ -2268,13 +2037,7 @@
       </p:sp>
       <p:sp>
         <p:nvSpPr>
-          <p:cNvPr id="8" name="页脚占位符 7">
-            <a:extLst>
-              <a:ext uri="{FF2B5EF4-FFF2-40B4-BE49-F238E27FC236}">
-                <a16:creationId xmlns:a16="http://schemas.microsoft.com/office/drawing/2014/main" id="{48899A30-D403-81A4-67AB-3C5F8B97FB5D}"/>
-              </a:ext>
-            </a:extLst>
-          </p:cNvPr>
+          <p:cNvPr id="8" name="页脚占位符 7"/>
           <p:cNvSpPr>
             <a:spLocks noGrp="1"/>
           </p:cNvSpPr>
@@ -2293,13 +2056,7 @@
       </p:sp>
       <p:sp>
         <p:nvSpPr>
-          <p:cNvPr id="9" name="灯片编号占位符 8">
-            <a:extLst>
-              <a:ext uri="{FF2B5EF4-FFF2-40B4-BE49-F238E27FC236}">
-                <a16:creationId xmlns:a16="http://schemas.microsoft.com/office/drawing/2014/main" id="{7C544B8C-3D17-E159-68F6-89B9883C4C0E}"/>
-              </a:ext>
-            </a:extLst>
-          </p:cNvPr>
+          <p:cNvPr id="9" name="灯片编号占位符 8"/>
           <p:cNvSpPr>
             <a:spLocks noGrp="1"/>
           </p:cNvSpPr>
@@ -2314,18 +2071,12 @@
           <a:p>
             <a:fld id="{587776B8-99DC-46DB-8FBE-9573F2250FE8}" type="slidenum">
               <a:rPr lang="zh-CN" altLang="en-US" smtClean="0"/>
-              <a:t>‹#›</a:t>
             </a:fld>
             <a:endParaRPr lang="zh-CN" altLang="en-US"/>
           </a:p>
         </p:txBody>
       </p:sp>
     </p:spTree>
-    <p:extLst>
-      <p:ext uri="{BB962C8B-B14F-4D97-AF65-F5344CB8AC3E}">
-        <p14:creationId xmlns:p14="http://schemas.microsoft.com/office/powerpoint/2010/main" val="1077034537"/>
-      </p:ext>
-    </p:extLst>
   </p:cSld>
   <p:clrMapOvr>
     <a:masterClrMapping/>
@@ -2352,13 +2103,7 @@
       </p:grpSpPr>
       <p:sp>
         <p:nvSpPr>
-          <p:cNvPr id="2" name="标题 1">
-            <a:extLst>
-              <a:ext uri="{FF2B5EF4-FFF2-40B4-BE49-F238E27FC236}">
-                <a16:creationId xmlns:a16="http://schemas.microsoft.com/office/drawing/2014/main" id="{07D7B58D-76F5-60B8-DCE7-8140BDE1D39F}"/>
-              </a:ext>
-            </a:extLst>
-          </p:cNvPr>
+          <p:cNvPr id="2" name="标题 1"/>
           <p:cNvSpPr>
             <a:spLocks noGrp="1"/>
           </p:cNvSpPr>
@@ -2375,18 +2120,13 @@
               <a:rPr lang="zh-CN" altLang="en-US"/>
               <a:t>单击此处编辑母版标题样式</a:t>
             </a:r>
+            <a:endParaRPr lang="zh-CN" altLang="en-US"/>
           </a:p>
         </p:txBody>
       </p:sp>
       <p:sp>
         <p:nvSpPr>
-          <p:cNvPr id="3" name="日期占位符 2">
-            <a:extLst>
-              <a:ext uri="{FF2B5EF4-FFF2-40B4-BE49-F238E27FC236}">
-                <a16:creationId xmlns:a16="http://schemas.microsoft.com/office/drawing/2014/main" id="{22741B8B-33C7-40D1-F2B5-B8023E613049}"/>
-              </a:ext>
-            </a:extLst>
-          </p:cNvPr>
+          <p:cNvPr id="3" name="日期占位符 2"/>
           <p:cNvSpPr>
             <a:spLocks noGrp="1"/>
           </p:cNvSpPr>
@@ -2401,7 +2141,6 @@
           <a:p>
             <a:fld id="{A9B9EAAC-8ED9-4267-9552-24A483EA9319}" type="datetimeFigureOut">
               <a:rPr lang="zh-CN" altLang="en-US" smtClean="0"/>
-              <a:t>2025/11/30</a:t>
             </a:fld>
             <a:endParaRPr lang="zh-CN" altLang="en-US"/>
           </a:p>
@@ -2409,13 +2148,7 @@
       </p:sp>
       <p:sp>
         <p:nvSpPr>
-          <p:cNvPr id="4" name="页脚占位符 3">
-            <a:extLst>
-              <a:ext uri="{FF2B5EF4-FFF2-40B4-BE49-F238E27FC236}">
-                <a16:creationId xmlns:a16="http://schemas.microsoft.com/office/drawing/2014/main" id="{6ECF9FA0-2392-3F2C-A3E3-ACBA6246DEF9}"/>
-              </a:ext>
-            </a:extLst>
-          </p:cNvPr>
+          <p:cNvPr id="4" name="页脚占位符 3"/>
           <p:cNvSpPr>
             <a:spLocks noGrp="1"/>
           </p:cNvSpPr>
@@ -2434,13 +2167,7 @@
       </p:sp>
       <p:sp>
         <p:nvSpPr>
-          <p:cNvPr id="5" name="灯片编号占位符 4">
-            <a:extLst>
-              <a:ext uri="{FF2B5EF4-FFF2-40B4-BE49-F238E27FC236}">
-                <a16:creationId xmlns:a16="http://schemas.microsoft.com/office/drawing/2014/main" id="{F2CF7E94-FBC4-C10C-FF4A-4C478400594D}"/>
-              </a:ext>
-            </a:extLst>
-          </p:cNvPr>
+          <p:cNvPr id="5" name="灯片编号占位符 4"/>
           <p:cNvSpPr>
             <a:spLocks noGrp="1"/>
           </p:cNvSpPr>
@@ -2455,18 +2182,12 @@
           <a:p>
             <a:fld id="{587776B8-99DC-46DB-8FBE-9573F2250FE8}" type="slidenum">
               <a:rPr lang="zh-CN" altLang="en-US" smtClean="0"/>
-              <a:t>‹#›</a:t>
             </a:fld>
             <a:endParaRPr lang="zh-CN" altLang="en-US"/>
           </a:p>
         </p:txBody>
       </p:sp>
     </p:spTree>
-    <p:extLst>
-      <p:ext uri="{BB962C8B-B14F-4D97-AF65-F5344CB8AC3E}">
-        <p14:creationId xmlns:p14="http://schemas.microsoft.com/office/powerpoint/2010/main" val="3711058134"/>
-      </p:ext>
-    </p:extLst>
   </p:cSld>
   <p:clrMapOvr>
     <a:masterClrMapping/>
@@ -2493,13 +2214,7 @@
       </p:grpSpPr>
       <p:sp>
         <p:nvSpPr>
-          <p:cNvPr id="2" name="日期占位符 1">
-            <a:extLst>
-              <a:ext uri="{FF2B5EF4-FFF2-40B4-BE49-F238E27FC236}">
-                <a16:creationId xmlns:a16="http://schemas.microsoft.com/office/drawing/2014/main" id="{4B912756-4256-5B60-D276-D293338F8526}"/>
-              </a:ext>
-            </a:extLst>
-          </p:cNvPr>
+          <p:cNvPr id="2" name="日期占位符 1"/>
           <p:cNvSpPr>
             <a:spLocks noGrp="1"/>
           </p:cNvSpPr>
@@ -2514,7 +2229,6 @@
           <a:p>
             <a:fld id="{A9B9EAAC-8ED9-4267-9552-24A483EA9319}" type="datetimeFigureOut">
               <a:rPr lang="zh-CN" altLang="en-US" smtClean="0"/>
-              <a:t>2025/11/30</a:t>
             </a:fld>
             <a:endParaRPr lang="zh-CN" altLang="en-US"/>
           </a:p>
@@ -2522,13 +2236,7 @@
       </p:sp>
       <p:sp>
         <p:nvSpPr>
-          <p:cNvPr id="3" name="页脚占位符 2">
-            <a:extLst>
-              <a:ext uri="{FF2B5EF4-FFF2-40B4-BE49-F238E27FC236}">
-                <a16:creationId xmlns:a16="http://schemas.microsoft.com/office/drawing/2014/main" id="{F77FB703-8930-25FF-8AB8-282E2FD6D5A6}"/>
-              </a:ext>
-            </a:extLst>
-          </p:cNvPr>
+          <p:cNvPr id="3" name="页脚占位符 2"/>
           <p:cNvSpPr>
             <a:spLocks noGrp="1"/>
           </p:cNvSpPr>
@@ -2547,13 +2255,7 @@
       </p:sp>
       <p:sp>
         <p:nvSpPr>
-          <p:cNvPr id="4" name="灯片编号占位符 3">
-            <a:extLst>
-              <a:ext uri="{FF2B5EF4-FFF2-40B4-BE49-F238E27FC236}">
-                <a16:creationId xmlns:a16="http://schemas.microsoft.com/office/drawing/2014/main" id="{54E0EBAB-F112-8A8B-FB72-ADEC89878618}"/>
-              </a:ext>
-            </a:extLst>
-          </p:cNvPr>
+          <p:cNvPr id="4" name="灯片编号占位符 3"/>
           <p:cNvSpPr>
             <a:spLocks noGrp="1"/>
           </p:cNvSpPr>
@@ -2568,18 +2270,12 @@
           <a:p>
             <a:fld id="{587776B8-99DC-46DB-8FBE-9573F2250FE8}" type="slidenum">
               <a:rPr lang="zh-CN" altLang="en-US" smtClean="0"/>
-              <a:t>‹#›</a:t>
             </a:fld>
             <a:endParaRPr lang="zh-CN" altLang="en-US"/>
           </a:p>
         </p:txBody>
       </p:sp>
     </p:spTree>
-    <p:extLst>
-      <p:ext uri="{BB962C8B-B14F-4D97-AF65-F5344CB8AC3E}">
-        <p14:creationId xmlns:p14="http://schemas.microsoft.com/office/powerpoint/2010/main" val="846700217"/>
-      </p:ext>
-    </p:extLst>
   </p:cSld>
   <p:clrMapOvr>
     <a:masterClrMapping/>
@@ -2606,13 +2302,7 @@
       </p:grpSpPr>
       <p:sp>
         <p:nvSpPr>
-          <p:cNvPr id="2" name="标题 1">
-            <a:extLst>
-              <a:ext uri="{FF2B5EF4-FFF2-40B4-BE49-F238E27FC236}">
-                <a16:creationId xmlns:a16="http://schemas.microsoft.com/office/drawing/2014/main" id="{C3BDADF9-3E62-32CF-E72C-CE959A4493FC}"/>
-              </a:ext>
-            </a:extLst>
-          </p:cNvPr>
+          <p:cNvPr id="2" name="标题 1"/>
           <p:cNvSpPr>
             <a:spLocks noGrp="1"/>
           </p:cNvSpPr>
@@ -2638,18 +2328,13 @@
               <a:rPr lang="zh-CN" altLang="en-US"/>
               <a:t>单击此处编辑母版标题样式</a:t>
             </a:r>
+            <a:endParaRPr lang="zh-CN" altLang="en-US"/>
           </a:p>
         </p:txBody>
       </p:sp>
       <p:sp>
         <p:nvSpPr>
-          <p:cNvPr id="3" name="内容占位符 2">
-            <a:extLst>
-              <a:ext uri="{FF2B5EF4-FFF2-40B4-BE49-F238E27FC236}">
-                <a16:creationId xmlns:a16="http://schemas.microsoft.com/office/drawing/2014/main" id="{F206F01A-C86E-297B-F9EB-9F389D3C34E2}"/>
-              </a:ext>
-            </a:extLst>
-          </p:cNvPr>
+          <p:cNvPr id="3" name="内容占位符 2"/>
           <p:cNvSpPr>
             <a:spLocks noGrp="1"/>
           </p:cNvSpPr>
@@ -2700,6 +2385,7 @@
               <a:rPr lang="zh-CN" altLang="en-US"/>
               <a:t>单击此处编辑母版文本样式</a:t>
             </a:r>
+            <a:endParaRPr lang="zh-CN" altLang="en-US"/>
           </a:p>
           <a:p>
             <a:pPr lvl="1"/>
@@ -2707,6 +2393,7 @@
               <a:rPr lang="zh-CN" altLang="en-US"/>
               <a:t>二级</a:t>
             </a:r>
+            <a:endParaRPr lang="zh-CN" altLang="en-US"/>
           </a:p>
           <a:p>
             <a:pPr lvl="2"/>
@@ -2714,6 +2401,7 @@
               <a:rPr lang="zh-CN" altLang="en-US"/>
               <a:t>三级</a:t>
             </a:r>
+            <a:endParaRPr lang="zh-CN" altLang="en-US"/>
           </a:p>
           <a:p>
             <a:pPr lvl="3"/>
@@ -2721,6 +2409,7 @@
               <a:rPr lang="zh-CN" altLang="en-US"/>
               <a:t>四级</a:t>
             </a:r>
+            <a:endParaRPr lang="zh-CN" altLang="en-US"/>
           </a:p>
           <a:p>
             <a:pPr lvl="4"/>
@@ -2728,18 +2417,13 @@
               <a:rPr lang="zh-CN" altLang="en-US"/>
               <a:t>五级</a:t>
             </a:r>
+            <a:endParaRPr lang="zh-CN" altLang="en-US"/>
           </a:p>
         </p:txBody>
       </p:sp>
       <p:sp>
         <p:nvSpPr>
-          <p:cNvPr id="4" name="文本占位符 3">
-            <a:extLst>
-              <a:ext uri="{FF2B5EF4-FFF2-40B4-BE49-F238E27FC236}">
-                <a16:creationId xmlns:a16="http://schemas.microsoft.com/office/drawing/2014/main" id="{D34F2B7A-B97F-5705-C910-95E1CF3A0BD7}"/>
-              </a:ext>
-            </a:extLst>
-          </p:cNvPr>
+          <p:cNvPr id="4" name="文本占位符 3"/>
           <p:cNvSpPr>
             <a:spLocks noGrp="1"/>
           </p:cNvSpPr>
@@ -2799,18 +2483,13 @@
               <a:rPr lang="zh-CN" altLang="en-US"/>
               <a:t>单击此处编辑母版文本样式</a:t>
             </a:r>
+            <a:endParaRPr lang="zh-CN" altLang="en-US"/>
           </a:p>
         </p:txBody>
       </p:sp>
       <p:sp>
         <p:nvSpPr>
-          <p:cNvPr id="5" name="日期占位符 4">
-            <a:extLst>
-              <a:ext uri="{FF2B5EF4-FFF2-40B4-BE49-F238E27FC236}">
-                <a16:creationId xmlns:a16="http://schemas.microsoft.com/office/drawing/2014/main" id="{A8376849-263E-A214-13CC-B16D7E5A7839}"/>
-              </a:ext>
-            </a:extLst>
-          </p:cNvPr>
+          <p:cNvPr id="5" name="日期占位符 4"/>
           <p:cNvSpPr>
             <a:spLocks noGrp="1"/>
           </p:cNvSpPr>
@@ -2825,7 +2504,6 @@
           <a:p>
             <a:fld id="{A9B9EAAC-8ED9-4267-9552-24A483EA9319}" type="datetimeFigureOut">
               <a:rPr lang="zh-CN" altLang="en-US" smtClean="0"/>
-              <a:t>2025/11/30</a:t>
             </a:fld>
             <a:endParaRPr lang="zh-CN" altLang="en-US"/>
           </a:p>
@@ -2833,13 +2511,7 @@
       </p:sp>
       <p:sp>
         <p:nvSpPr>
-          <p:cNvPr id="6" name="页脚占位符 5">
-            <a:extLst>
-              <a:ext uri="{FF2B5EF4-FFF2-40B4-BE49-F238E27FC236}">
-                <a16:creationId xmlns:a16="http://schemas.microsoft.com/office/drawing/2014/main" id="{72DF8142-494D-3CA1-6F34-DD863BD92869}"/>
-              </a:ext>
-            </a:extLst>
-          </p:cNvPr>
+          <p:cNvPr id="6" name="页脚占位符 5"/>
           <p:cNvSpPr>
             <a:spLocks noGrp="1"/>
           </p:cNvSpPr>
@@ -2858,13 +2530,7 @@
       </p:sp>
       <p:sp>
         <p:nvSpPr>
-          <p:cNvPr id="7" name="灯片编号占位符 6">
-            <a:extLst>
-              <a:ext uri="{FF2B5EF4-FFF2-40B4-BE49-F238E27FC236}">
-                <a16:creationId xmlns:a16="http://schemas.microsoft.com/office/drawing/2014/main" id="{5A4D44E3-55C7-27CB-0087-A662BF5DA7AC}"/>
-              </a:ext>
-            </a:extLst>
-          </p:cNvPr>
+          <p:cNvPr id="7" name="灯片编号占位符 6"/>
           <p:cNvSpPr>
             <a:spLocks noGrp="1"/>
           </p:cNvSpPr>
@@ -2879,18 +2545,12 @@
           <a:p>
             <a:fld id="{587776B8-99DC-46DB-8FBE-9573F2250FE8}" type="slidenum">
               <a:rPr lang="zh-CN" altLang="en-US" smtClean="0"/>
-              <a:t>‹#›</a:t>
             </a:fld>
             <a:endParaRPr lang="zh-CN" altLang="en-US"/>
           </a:p>
         </p:txBody>
       </p:sp>
     </p:spTree>
-    <p:extLst>
-      <p:ext uri="{BB962C8B-B14F-4D97-AF65-F5344CB8AC3E}">
-        <p14:creationId xmlns:p14="http://schemas.microsoft.com/office/powerpoint/2010/main" val="2133956359"/>
-      </p:ext>
-    </p:extLst>
   </p:cSld>
   <p:clrMapOvr>
     <a:masterClrMapping/>
@@ -2917,13 +2577,7 @@
       </p:grpSpPr>
       <p:sp>
         <p:nvSpPr>
-          <p:cNvPr id="2" name="标题 1">
-            <a:extLst>
-              <a:ext uri="{FF2B5EF4-FFF2-40B4-BE49-F238E27FC236}">
-                <a16:creationId xmlns:a16="http://schemas.microsoft.com/office/drawing/2014/main" id="{2FE38B9A-B968-3F40-630B-4BBC597FC4C3}"/>
-              </a:ext>
-            </a:extLst>
-          </p:cNvPr>
+          <p:cNvPr id="2" name="标题 1"/>
           <p:cNvSpPr>
             <a:spLocks noGrp="1"/>
           </p:cNvSpPr>
@@ -2949,18 +2603,13 @@
               <a:rPr lang="zh-CN" altLang="en-US"/>
               <a:t>单击此处编辑母版标题样式</a:t>
             </a:r>
+            <a:endParaRPr lang="zh-CN" altLang="en-US"/>
           </a:p>
         </p:txBody>
       </p:sp>
       <p:sp>
         <p:nvSpPr>
-          <p:cNvPr id="3" name="图片占位符 2">
-            <a:extLst>
-              <a:ext uri="{FF2B5EF4-FFF2-40B4-BE49-F238E27FC236}">
-                <a16:creationId xmlns:a16="http://schemas.microsoft.com/office/drawing/2014/main" id="{79991D71-FD6E-D85C-261D-ADC98FFDC939}"/>
-              </a:ext>
-            </a:extLst>
-          </p:cNvPr>
+          <p:cNvPr id="3" name="图片占位符 2"/>
           <p:cNvSpPr>
             <a:spLocks noGrp="1"/>
           </p:cNvSpPr>
@@ -3021,13 +2670,7 @@
       </p:sp>
       <p:sp>
         <p:nvSpPr>
-          <p:cNvPr id="4" name="文本占位符 3">
-            <a:extLst>
-              <a:ext uri="{FF2B5EF4-FFF2-40B4-BE49-F238E27FC236}">
-                <a16:creationId xmlns:a16="http://schemas.microsoft.com/office/drawing/2014/main" id="{67BEF16D-52E1-AB3A-4F42-624C260C2BDE}"/>
-              </a:ext>
-            </a:extLst>
-          </p:cNvPr>
+          <p:cNvPr id="4" name="文本占位符 3"/>
           <p:cNvSpPr>
             <a:spLocks noGrp="1"/>
           </p:cNvSpPr>
@@ -3087,18 +2730,13 @@
               <a:rPr lang="zh-CN" altLang="en-US"/>
               <a:t>单击此处编辑母版文本样式</a:t>
             </a:r>
+            <a:endParaRPr lang="zh-CN" altLang="en-US"/>
           </a:p>
         </p:txBody>
       </p:sp>
       <p:sp>
         <p:nvSpPr>
-          <p:cNvPr id="5" name="日期占位符 4">
-            <a:extLst>
-              <a:ext uri="{FF2B5EF4-FFF2-40B4-BE49-F238E27FC236}">
-                <a16:creationId xmlns:a16="http://schemas.microsoft.com/office/drawing/2014/main" id="{266151D4-7B77-9FCE-E80B-C81AD0A96466}"/>
-              </a:ext>
-            </a:extLst>
-          </p:cNvPr>
+          <p:cNvPr id="5" name="日期占位符 4"/>
           <p:cNvSpPr>
             <a:spLocks noGrp="1"/>
           </p:cNvSpPr>
@@ -3113,7 +2751,6 @@
           <a:p>
             <a:fld id="{A9B9EAAC-8ED9-4267-9552-24A483EA9319}" type="datetimeFigureOut">
               <a:rPr lang="zh-CN" altLang="en-US" smtClean="0"/>
-              <a:t>2025/11/30</a:t>
             </a:fld>
             <a:endParaRPr lang="zh-CN" altLang="en-US"/>
           </a:p>
@@ -3121,13 +2758,7 @@
       </p:sp>
       <p:sp>
         <p:nvSpPr>
-          <p:cNvPr id="6" name="页脚占位符 5">
-            <a:extLst>
-              <a:ext uri="{FF2B5EF4-FFF2-40B4-BE49-F238E27FC236}">
-                <a16:creationId xmlns:a16="http://schemas.microsoft.com/office/drawing/2014/main" id="{51A4B4DE-878D-87A5-9087-5F1C8A232A7F}"/>
-              </a:ext>
-            </a:extLst>
-          </p:cNvPr>
+          <p:cNvPr id="6" name="页脚占位符 5"/>
           <p:cNvSpPr>
             <a:spLocks noGrp="1"/>
           </p:cNvSpPr>
@@ -3146,13 +2777,7 @@
       </p:sp>
       <p:sp>
         <p:nvSpPr>
-          <p:cNvPr id="7" name="灯片编号占位符 6">
-            <a:extLst>
-              <a:ext uri="{FF2B5EF4-FFF2-40B4-BE49-F238E27FC236}">
-                <a16:creationId xmlns:a16="http://schemas.microsoft.com/office/drawing/2014/main" id="{DCEBB7B5-4541-0EEE-8641-356E6A3B5625}"/>
-              </a:ext>
-            </a:extLst>
-          </p:cNvPr>
+          <p:cNvPr id="7" name="灯片编号占位符 6"/>
           <p:cNvSpPr>
             <a:spLocks noGrp="1"/>
           </p:cNvSpPr>
@@ -3167,18 +2792,12 @@
           <a:p>
             <a:fld id="{587776B8-99DC-46DB-8FBE-9573F2250FE8}" type="slidenum">
               <a:rPr lang="zh-CN" altLang="en-US" smtClean="0"/>
-              <a:t>‹#›</a:t>
             </a:fld>
             <a:endParaRPr lang="zh-CN" altLang="en-US"/>
           </a:p>
         </p:txBody>
       </p:sp>
     </p:spTree>
-    <p:extLst>
-      <p:ext uri="{BB962C8B-B14F-4D97-AF65-F5344CB8AC3E}">
-        <p14:creationId xmlns:p14="http://schemas.microsoft.com/office/powerpoint/2010/main" val="711326568"/>
-      </p:ext>
-    </p:extLst>
   </p:cSld>
   <p:clrMapOvr>
     <a:masterClrMapping/>
@@ -3210,13 +2829,7 @@
       </p:grpSpPr>
       <p:sp>
         <p:nvSpPr>
-          <p:cNvPr id="2" name="标题占位符 1">
-            <a:extLst>
-              <a:ext uri="{FF2B5EF4-FFF2-40B4-BE49-F238E27FC236}">
-                <a16:creationId xmlns:a16="http://schemas.microsoft.com/office/drawing/2014/main" id="{A5F70C9F-E0F1-63C2-49E1-1FD1F05936BB}"/>
-              </a:ext>
-            </a:extLst>
-          </p:cNvPr>
+          <p:cNvPr id="2" name="标题占位符 1"/>
           <p:cNvSpPr>
             <a:spLocks noGrp="1"/>
           </p:cNvSpPr>
@@ -3243,18 +2856,13 @@
               <a:rPr lang="zh-CN" altLang="en-US"/>
               <a:t>单击此处编辑母版标题样式</a:t>
             </a:r>
+            <a:endParaRPr lang="zh-CN" altLang="en-US"/>
           </a:p>
         </p:txBody>
       </p:sp>
       <p:sp>
         <p:nvSpPr>
-          <p:cNvPr id="3" name="文本占位符 2">
-            <a:extLst>
-              <a:ext uri="{FF2B5EF4-FFF2-40B4-BE49-F238E27FC236}">
-                <a16:creationId xmlns:a16="http://schemas.microsoft.com/office/drawing/2014/main" id="{BEC058C2-9A46-7C86-93FE-1878BF87C5D0}"/>
-              </a:ext>
-            </a:extLst>
-          </p:cNvPr>
+          <p:cNvPr id="3" name="文本占位符 2"/>
           <p:cNvSpPr>
             <a:spLocks noGrp="1"/>
           </p:cNvSpPr>
@@ -3282,6 +2890,7 @@
               <a:rPr lang="zh-CN" altLang="en-US"/>
               <a:t>单击此处编辑母版文本样式</a:t>
             </a:r>
+            <a:endParaRPr lang="zh-CN" altLang="en-US"/>
           </a:p>
           <a:p>
             <a:pPr lvl="1"/>
@@ -3289,6 +2898,7 @@
               <a:rPr lang="zh-CN" altLang="en-US"/>
               <a:t>二级</a:t>
             </a:r>
+            <a:endParaRPr lang="zh-CN" altLang="en-US"/>
           </a:p>
           <a:p>
             <a:pPr lvl="2"/>
@@ -3296,6 +2906,7 @@
               <a:rPr lang="zh-CN" altLang="en-US"/>
               <a:t>三级</a:t>
             </a:r>
+            <a:endParaRPr lang="zh-CN" altLang="en-US"/>
           </a:p>
           <a:p>
             <a:pPr lvl="3"/>
@@ -3303,6 +2914,7 @@
               <a:rPr lang="zh-CN" altLang="en-US"/>
               <a:t>四级</a:t>
             </a:r>
+            <a:endParaRPr lang="zh-CN" altLang="en-US"/>
           </a:p>
           <a:p>
             <a:pPr lvl="4"/>
@@ -3310,18 +2922,13 @@
               <a:rPr lang="zh-CN" altLang="en-US"/>
               <a:t>五级</a:t>
             </a:r>
+            <a:endParaRPr lang="zh-CN" altLang="en-US"/>
           </a:p>
         </p:txBody>
       </p:sp>
       <p:sp>
         <p:nvSpPr>
-          <p:cNvPr id="4" name="日期占位符 3">
-            <a:extLst>
-              <a:ext uri="{FF2B5EF4-FFF2-40B4-BE49-F238E27FC236}">
-                <a16:creationId xmlns:a16="http://schemas.microsoft.com/office/drawing/2014/main" id="{0171F931-599C-F4CF-97A8-545462DFDF35}"/>
-              </a:ext>
-            </a:extLst>
-          </p:cNvPr>
+          <p:cNvPr id="4" name="日期占位符 3"/>
           <p:cNvSpPr>
             <a:spLocks noGrp="1"/>
           </p:cNvSpPr>
@@ -3354,7 +2961,6 @@
           <a:p>
             <a:fld id="{A9B9EAAC-8ED9-4267-9552-24A483EA9319}" type="datetimeFigureOut">
               <a:rPr lang="zh-CN" altLang="en-US" smtClean="0"/>
-              <a:t>2025/11/30</a:t>
             </a:fld>
             <a:endParaRPr lang="zh-CN" altLang="en-US"/>
           </a:p>
@@ -3362,13 +2968,7 @@
       </p:sp>
       <p:sp>
         <p:nvSpPr>
-          <p:cNvPr id="5" name="页脚占位符 4">
-            <a:extLst>
-              <a:ext uri="{FF2B5EF4-FFF2-40B4-BE49-F238E27FC236}">
-                <a16:creationId xmlns:a16="http://schemas.microsoft.com/office/drawing/2014/main" id="{9B23BD43-301E-6CD5-CF5E-D0DDD4C7653D}"/>
-              </a:ext>
-            </a:extLst>
-          </p:cNvPr>
+          <p:cNvPr id="5" name="页脚占位符 4"/>
           <p:cNvSpPr>
             <a:spLocks noGrp="1"/>
           </p:cNvSpPr>
@@ -3405,13 +3005,7 @@
       </p:sp>
       <p:sp>
         <p:nvSpPr>
-          <p:cNvPr id="6" name="灯片编号占位符 5">
-            <a:extLst>
-              <a:ext uri="{FF2B5EF4-FFF2-40B4-BE49-F238E27FC236}">
-                <a16:creationId xmlns:a16="http://schemas.microsoft.com/office/drawing/2014/main" id="{F5ED97F4-BE23-1957-E8B2-88D80C1D0674}"/>
-              </a:ext>
-            </a:extLst>
-          </p:cNvPr>
+          <p:cNvPr id="6" name="灯片编号占位符 5"/>
           <p:cNvSpPr>
             <a:spLocks noGrp="1"/>
           </p:cNvSpPr>
@@ -3444,18 +3038,12 @@
           <a:p>
             <a:fld id="{587776B8-99DC-46DB-8FBE-9573F2250FE8}" type="slidenum">
               <a:rPr lang="zh-CN" altLang="en-US" smtClean="0"/>
-              <a:t>‹#›</a:t>
             </a:fld>
             <a:endParaRPr lang="zh-CN" altLang="en-US"/>
           </a:p>
         </p:txBody>
       </p:sp>
     </p:spTree>
-    <p:extLst>
-      <p:ext uri="{BB962C8B-B14F-4D97-AF65-F5344CB8AC3E}">
-        <p14:creationId xmlns:p14="http://schemas.microsoft.com/office/powerpoint/2010/main" val="3072194696"/>
-      </p:ext>
-    </p:extLst>
   </p:cSld>
   <p:clrMap bg1="lt1" tx1="dk1" bg2="lt2" tx2="dk2" accent1="accent1" accent2="accent2" accent3="accent3" accent4="accent4" accent5="accent5" accent6="accent6" hlink="hlink" folHlink="folHlink"/>
   <p:sldLayoutIdLst>
@@ -3500,7 +3088,7 @@
         <a:spcBef>
           <a:spcPts val="1000"/>
         </a:spcBef>
-        <a:buFont typeface="Arial" panose="020B0604020202020204" pitchFamily="34" charset="0"/>
+        <a:buFont typeface="Arial" panose="020B0604020202090204" pitchFamily="34" charset="0"/>
         <a:buChar char="•"/>
         <a:defRPr sz="2800" kern="1200">
           <a:solidFill>
@@ -3518,7 +3106,7 @@
         <a:spcBef>
           <a:spcPts val="500"/>
         </a:spcBef>
-        <a:buFont typeface="Arial" panose="020B0604020202020204" pitchFamily="34" charset="0"/>
+        <a:buFont typeface="Arial" panose="020B0604020202090204" pitchFamily="34" charset="0"/>
         <a:buChar char="•"/>
         <a:defRPr sz="2400" kern="1200">
           <a:solidFill>
@@ -3536,7 +3124,7 @@
         <a:spcBef>
           <a:spcPts val="500"/>
         </a:spcBef>
-        <a:buFont typeface="Arial" panose="020B0604020202020204" pitchFamily="34" charset="0"/>
+        <a:buFont typeface="Arial" panose="020B0604020202090204" pitchFamily="34" charset="0"/>
         <a:buChar char="•"/>
         <a:defRPr sz="2000" kern="1200">
           <a:solidFill>
@@ -3554,7 +3142,7 @@
         <a:spcBef>
           <a:spcPts val="500"/>
         </a:spcBef>
-        <a:buFont typeface="Arial" panose="020B0604020202020204" pitchFamily="34" charset="0"/>
+        <a:buFont typeface="Arial" panose="020B0604020202090204" pitchFamily="34" charset="0"/>
         <a:buChar char="•"/>
         <a:defRPr sz="1800" kern="1200">
           <a:solidFill>
@@ -3572,7 +3160,7 @@
         <a:spcBef>
           <a:spcPts val="500"/>
         </a:spcBef>
-        <a:buFont typeface="Arial" panose="020B0604020202020204" pitchFamily="34" charset="0"/>
+        <a:buFont typeface="Arial" panose="020B0604020202090204" pitchFamily="34" charset="0"/>
         <a:buChar char="•"/>
         <a:defRPr sz="1800" kern="1200">
           <a:solidFill>
@@ -3590,7 +3178,7 @@
         <a:spcBef>
           <a:spcPts val="500"/>
         </a:spcBef>
-        <a:buFont typeface="Arial" panose="020B0604020202020204" pitchFamily="34" charset="0"/>
+        <a:buFont typeface="Arial" panose="020B0604020202090204" pitchFamily="34" charset="0"/>
         <a:buChar char="•"/>
         <a:defRPr sz="1800" kern="1200">
           <a:solidFill>
@@ -3608,7 +3196,7 @@
         <a:spcBef>
           <a:spcPts val="500"/>
         </a:spcBef>
-        <a:buFont typeface="Arial" panose="020B0604020202020204" pitchFamily="34" charset="0"/>
+        <a:buFont typeface="Arial" panose="020B0604020202090204" pitchFamily="34" charset="0"/>
         <a:buChar char="•"/>
         <a:defRPr sz="1800" kern="1200">
           <a:solidFill>
@@ -3626,7 +3214,7 @@
         <a:spcBef>
           <a:spcPts val="500"/>
         </a:spcBef>
-        <a:buFont typeface="Arial" panose="020B0604020202020204" pitchFamily="34" charset="0"/>
+        <a:buFont typeface="Arial" panose="020B0604020202090204" pitchFamily="34" charset="0"/>
         <a:buChar char="•"/>
         <a:defRPr sz="1800" kern="1200">
           <a:solidFill>
@@ -3644,7 +3232,7 @@
         <a:spcBef>
           <a:spcPts val="500"/>
         </a:spcBef>
-        <a:buFont typeface="Arial" panose="020B0604020202020204" pitchFamily="34" charset="0"/>
+        <a:buFont typeface="Arial" panose="020B0604020202090204" pitchFamily="34" charset="0"/>
         <a:buChar char="•"/>
         <a:defRPr sz="1800" kern="1200">
           <a:solidFill>
@@ -3774,20 +3362,14 @@
       </p:grpSpPr>
       <p:pic>
         <p:nvPicPr>
-          <p:cNvPr id="8" name="图片 7">
-            <a:extLst>
-              <a:ext uri="{FF2B5EF4-FFF2-40B4-BE49-F238E27FC236}">
-                <a16:creationId xmlns:a16="http://schemas.microsoft.com/office/drawing/2014/main" id="{888971FF-38D5-43EF-AEAB-1FCD8FCDA8C4}"/>
-              </a:ext>
-            </a:extLst>
-          </p:cNvPr>
+          <p:cNvPr id="8" name="图片 7"/>
           <p:cNvPicPr>
             <a:picLocks noChangeAspect="1"/>
           </p:cNvPicPr>
           <p:nvPr/>
         </p:nvPicPr>
         <p:blipFill>
-          <a:blip r:embed="rId2">
+          <a:blip r:embed="rId1">
             <a:extLst>
               <a:ext uri="{28A0092B-C50C-407E-A947-70E740481C1C}">
                 <a14:useLocalDpi xmlns:a14="http://schemas.microsoft.com/office/drawing/2010/main" val="0"/>
@@ -3810,13 +3392,7 @@
       </p:pic>
       <p:sp>
         <p:nvSpPr>
-          <p:cNvPr id="10" name="矩形 9">
-            <a:extLst>
-              <a:ext uri="{FF2B5EF4-FFF2-40B4-BE49-F238E27FC236}">
-                <a16:creationId xmlns:a16="http://schemas.microsoft.com/office/drawing/2014/main" id="{0F56DD7F-8255-476B-9EC6-C53321F92149}"/>
-              </a:ext>
-            </a:extLst>
-          </p:cNvPr>
+          <p:cNvPr id="10" name="矩形 9"/>
           <p:cNvSpPr/>
           <p:nvPr/>
         </p:nvSpPr>
@@ -3912,18 +3488,19 @@
               </a:rPr>
               <a:t>roblem</a:t>
             </a:r>
+            <a:endParaRPr lang="en-US" altLang="zh-CN" sz="4800" b="1" i="0" dirty="0">
+              <a:solidFill>
+                <a:schemeClr val="bg1"/>
+              </a:solidFill>
+              <a:effectLst/>
+              <a:latin typeface="Harmony"/>
+            </a:endParaRPr>
           </a:p>
         </p:txBody>
       </p:sp>
       <p:sp>
         <p:nvSpPr>
-          <p:cNvPr id="15" name="平行四边形 14">
-            <a:extLst>
-              <a:ext uri="{FF2B5EF4-FFF2-40B4-BE49-F238E27FC236}">
-                <a16:creationId xmlns:a16="http://schemas.microsoft.com/office/drawing/2014/main" id="{D7F0E690-6592-4097-BF51-75E7C382F258}"/>
-              </a:ext>
-            </a:extLst>
-          </p:cNvPr>
+          <p:cNvPr id="15" name="平行四边形 14"/>
           <p:cNvSpPr/>
           <p:nvPr/>
         </p:nvSpPr>
@@ -3971,13 +3548,7 @@
       </p:sp>
       <p:sp>
         <p:nvSpPr>
-          <p:cNvPr id="16" name="平行四边形 15">
-            <a:extLst>
-              <a:ext uri="{FF2B5EF4-FFF2-40B4-BE49-F238E27FC236}">
-                <a16:creationId xmlns:a16="http://schemas.microsoft.com/office/drawing/2014/main" id="{A094E650-D683-4077-B8CC-8A016732BD2B}"/>
-              </a:ext>
-            </a:extLst>
-          </p:cNvPr>
+          <p:cNvPr id="16" name="平行四边形 15"/>
           <p:cNvSpPr/>
           <p:nvPr/>
         </p:nvSpPr>
@@ -4025,13 +3596,7 @@
       </p:sp>
       <p:sp>
         <p:nvSpPr>
-          <p:cNvPr id="2" name="文本框 1">
-            <a:extLst>
-              <a:ext uri="{FF2B5EF4-FFF2-40B4-BE49-F238E27FC236}">
-                <a16:creationId xmlns:a16="http://schemas.microsoft.com/office/drawing/2014/main" id="{70711BE9-BF55-8A5A-40B2-C83F945FFB78}"/>
-              </a:ext>
-            </a:extLst>
-          </p:cNvPr>
+          <p:cNvPr id="2" name="文本框 1"/>
           <p:cNvSpPr txBox="1"/>
           <p:nvPr/>
         </p:nvSpPr>
@@ -4056,18 +3621,13 @@
               <a:rPr lang="zh-CN" altLang="en-US" sz="2800" dirty="0"/>
               <a:t>谢骐骏，许景轶，朱泽豪</a:t>
             </a:r>
+            <a:endParaRPr lang="zh-CN" altLang="en-US" sz="2800" dirty="0"/>
           </a:p>
         </p:txBody>
       </p:sp>
       <p:sp>
         <p:nvSpPr>
-          <p:cNvPr id="3" name="文本框 2">
-            <a:extLst>
-              <a:ext uri="{FF2B5EF4-FFF2-40B4-BE49-F238E27FC236}">
-                <a16:creationId xmlns:a16="http://schemas.microsoft.com/office/drawing/2014/main" id="{4E75E70A-53F3-433F-8E9D-0F7BA43EFE0B}"/>
-              </a:ext>
-            </a:extLst>
-          </p:cNvPr>
+          <p:cNvPr id="3" name="文本框 2"/>
           <p:cNvSpPr txBox="1"/>
           <p:nvPr/>
         </p:nvSpPr>
@@ -4091,26 +3651,22 @@
               <a:rPr lang="en-US" altLang="zh-CN" dirty="0"/>
               <a:t>Group 17</a:t>
             </a:r>
+            <a:endParaRPr lang="en-US" altLang="zh-CN" dirty="0"/>
           </a:p>
         </p:txBody>
       </p:sp>
     </p:spTree>
-    <p:extLst>
-      <p:ext uri="{BB962C8B-B14F-4D97-AF65-F5344CB8AC3E}">
-        <p14:creationId xmlns:p14="http://schemas.microsoft.com/office/powerpoint/2010/main" val="1529558982"/>
-      </p:ext>
-    </p:extLst>
   </p:cSld>
   <p:clrMapOvr>
     <a:masterClrMapping/>
   </p:clrMapOvr>
-  <mc:AlternateContent xmlns:mc="http://schemas.openxmlformats.org/markup-compatibility/2006" xmlns:p14="http://schemas.microsoft.com/office/powerpoint/2010/main">
-    <mc:Choice Requires="p14">
+  <mc:AlternateContent xmlns:mc="http://schemas.openxmlformats.org/markup-compatibility/2006">
+    <mc:Choice xmlns:p14="http://schemas.microsoft.com/office/powerpoint/2010/main" Requires="p14">
       <p:transition spd="med" p14:dur="700">
         <p:fade/>
       </p:transition>
     </mc:Choice>
-    <mc:Fallback xmlns="">
+    <mc:Fallback>
       <p:transition spd="med">
         <p:fade/>
       </p:transition>
@@ -4138,13 +3694,7 @@
       </p:grpSpPr>
       <p:grpSp>
         <p:nvGrpSpPr>
-          <p:cNvPr id="6" name="组合 5">
-            <a:extLst>
-              <a:ext uri="{FF2B5EF4-FFF2-40B4-BE49-F238E27FC236}">
-                <a16:creationId xmlns:a16="http://schemas.microsoft.com/office/drawing/2014/main" id="{6A978EE0-6762-4070-9208-727D6A2C888D}"/>
-              </a:ext>
-            </a:extLst>
-          </p:cNvPr>
+          <p:cNvPr id="6" name="组合 5"/>
           <p:cNvGrpSpPr/>
           <p:nvPr/>
         </p:nvGrpSpPr>
@@ -4158,13 +3708,7 @@
         </p:grpSpPr>
         <p:sp>
           <p:nvSpPr>
-            <p:cNvPr id="2" name="矩形 1">
-              <a:extLst>
-                <a:ext uri="{FF2B5EF4-FFF2-40B4-BE49-F238E27FC236}">
-                  <a16:creationId xmlns:a16="http://schemas.microsoft.com/office/drawing/2014/main" id="{0BBA72C2-6658-4903-90B0-3DB09CD96F31}"/>
-                </a:ext>
-              </a:extLst>
-            </p:cNvPr>
+            <p:cNvPr id="2" name="矩形 1"/>
             <p:cNvSpPr/>
             <p:nvPr/>
           </p:nvSpPr>
@@ -4210,13 +3754,7 @@
         </p:sp>
         <p:sp>
           <p:nvSpPr>
-            <p:cNvPr id="3" name="矩形 2">
-              <a:extLst>
-                <a:ext uri="{FF2B5EF4-FFF2-40B4-BE49-F238E27FC236}">
-                  <a16:creationId xmlns:a16="http://schemas.microsoft.com/office/drawing/2014/main" id="{C88DC6F7-3F54-4EFD-919D-1EC401B96C18}"/>
-                </a:ext>
-              </a:extLst>
-            </p:cNvPr>
+            <p:cNvPr id="3" name="矩形 2"/>
             <p:cNvSpPr/>
             <p:nvPr/>
           </p:nvSpPr>
@@ -4262,13 +3800,7 @@
         </p:sp>
         <p:cxnSp>
           <p:nvCxnSpPr>
-            <p:cNvPr id="5" name="直接连接符 4">
-              <a:extLst>
-                <a:ext uri="{FF2B5EF4-FFF2-40B4-BE49-F238E27FC236}">
-                  <a16:creationId xmlns:a16="http://schemas.microsoft.com/office/drawing/2014/main" id="{ABB1D33E-6A58-4E88-95E9-6A4048F9D03F}"/>
-                </a:ext>
-              </a:extLst>
-            </p:cNvPr>
+            <p:cNvPr id="5" name="直接连接符 4"/>
             <p:cNvCxnSpPr/>
             <p:nvPr/>
           </p:nvCxnSpPr>
@@ -4304,20 +3836,14 @@
       </p:grpSp>
       <p:pic>
         <p:nvPicPr>
-          <p:cNvPr id="8" name="图片 7">
-            <a:extLst>
-              <a:ext uri="{FF2B5EF4-FFF2-40B4-BE49-F238E27FC236}">
-                <a16:creationId xmlns:a16="http://schemas.microsoft.com/office/drawing/2014/main" id="{DD0E7411-EFC8-4009-A22F-AE54C44AD598}"/>
-              </a:ext>
-            </a:extLst>
-          </p:cNvPr>
+          <p:cNvPr id="8" name="图片 7"/>
           <p:cNvPicPr>
             <a:picLocks noChangeAspect="1"/>
           </p:cNvPicPr>
           <p:nvPr/>
         </p:nvPicPr>
         <p:blipFill>
-          <a:blip r:embed="rId2">
+          <a:blip r:embed="rId1">
             <a:extLst>
               <a:ext uri="{28A0092B-C50C-407E-A947-70E740481C1C}">
                 <a14:useLocalDpi xmlns:a14="http://schemas.microsoft.com/office/drawing/2010/main" val="0"/>
@@ -4340,13 +3866,7 @@
       </p:pic>
       <p:sp>
         <p:nvSpPr>
-          <p:cNvPr id="9" name="文本框 8">
-            <a:extLst>
-              <a:ext uri="{FF2B5EF4-FFF2-40B4-BE49-F238E27FC236}">
-                <a16:creationId xmlns:a16="http://schemas.microsoft.com/office/drawing/2014/main" id="{29E2F821-98A7-4B7B-811D-5DAD6270ADCA}"/>
-              </a:ext>
-            </a:extLst>
-          </p:cNvPr>
+          <p:cNvPr id="9" name="文本框 8"/>
           <p:cNvSpPr txBox="1"/>
           <p:nvPr/>
         </p:nvSpPr>
@@ -4400,13 +3920,7 @@
       </p:sp>
       <p:sp>
         <p:nvSpPr>
-          <p:cNvPr id="7" name="文本框 6">
-            <a:extLst>
-              <a:ext uri="{FF2B5EF4-FFF2-40B4-BE49-F238E27FC236}">
-                <a16:creationId xmlns:a16="http://schemas.microsoft.com/office/drawing/2014/main" id="{73BAC2B6-051E-3705-31E6-5625E6793B7F}"/>
-              </a:ext>
-            </a:extLst>
-          </p:cNvPr>
+          <p:cNvPr id="7" name="文本框 6"/>
           <p:cNvSpPr txBox="1"/>
           <p:nvPr/>
         </p:nvSpPr>
@@ -4468,25 +3982,25 @@
               </a:rPr>
               <a:t>:</a:t>
             </a:r>
+            <a:endParaRPr lang="en-US" altLang="zh-CN" sz="2400" b="1" dirty="0">
+              <a:solidFill>
+                <a:srgbClr val="0F1115"/>
+              </a:solidFill>
+              <a:latin typeface="+mn-ea"/>
+            </a:endParaRPr>
           </a:p>
         </p:txBody>
       </p:sp>
       <p:pic>
         <p:nvPicPr>
-          <p:cNvPr id="12" name="图片 11">
-            <a:extLst>
-              <a:ext uri="{FF2B5EF4-FFF2-40B4-BE49-F238E27FC236}">
-                <a16:creationId xmlns:a16="http://schemas.microsoft.com/office/drawing/2014/main" id="{8B2EE441-7EFD-3B29-B077-2CCB16E577AF}"/>
-              </a:ext>
-            </a:extLst>
-          </p:cNvPr>
+          <p:cNvPr id="12" name="图片 11"/>
           <p:cNvPicPr>
             <a:picLocks noChangeAspect="1"/>
           </p:cNvPicPr>
           <p:nvPr/>
         </p:nvPicPr>
         <p:blipFill>
-          <a:blip r:embed="rId3"/>
+          <a:blip r:embed="rId2"/>
           <a:stretch>
             <a:fillRect/>
           </a:stretch>
@@ -4507,17 +4021,11 @@
           </a:solidFill>
         </p:spPr>
       </p:pic>
-      <mc:AlternateContent xmlns:mc="http://schemas.openxmlformats.org/markup-compatibility/2006" xmlns:a14="http://schemas.microsoft.com/office/drawing/2010/main">
-        <mc:Choice Requires="a14">
+      <mc:AlternateContent xmlns:mc="http://schemas.openxmlformats.org/markup-compatibility/2006">
+        <mc:Choice xmlns:a14="http://schemas.microsoft.com/office/drawing/2010/main" Requires="a14">
           <p:sp>
             <p:nvSpPr>
-              <p:cNvPr id="13" name="文本框 12">
-                <a:extLst>
-                  <a:ext uri="{FF2B5EF4-FFF2-40B4-BE49-F238E27FC236}">
-                    <a16:creationId xmlns:a16="http://schemas.microsoft.com/office/drawing/2014/main" id="{15FEC8D2-FC0B-1AF7-FAEB-CFA33DDAACDC}"/>
-                  </a:ext>
-                </a:extLst>
-              </p:cNvPr>
+              <p:cNvPr id="13" name="文本框 12"/>
               <p:cNvSpPr txBox="1"/>
               <p:nvPr/>
             </p:nvSpPr>
@@ -4627,6 +4135,7 @@
                   <a:rPr lang="en-US" altLang="zh-CN" sz="2400" dirty="0"/>
                   <a:t>is true, that means we find a solution, otherwise there is no solution.</a:t>
                 </a:r>
+                <a:endParaRPr lang="en-US" altLang="zh-CN" sz="2400" dirty="0"/>
               </a:p>
               <a:p>
                 <a:r>
@@ -4650,6 +4159,7 @@
                   <a:rPr lang="en-US" altLang="zh-CN" sz="2400" dirty="0"/>
                   <a:t>.</a:t>
                 </a:r>
+                <a:endParaRPr lang="en-US" altLang="zh-CN" sz="2400" dirty="0"/>
               </a:p>
               <a:p>
                 <a:r>
@@ -4872,20 +4382,21 @@
                   </a:rPr>
                   <a:t> are too large.</a:t>
                 </a:r>
+                <a:endParaRPr lang="en-US" altLang="zh-CN" sz="2400" b="0" i="0" dirty="0">
+                  <a:solidFill>
+                    <a:srgbClr val="0F1115"/>
+                  </a:solidFill>
+                  <a:effectLst/>
+                  <a:latin typeface="+mn-ea"/>
+                </a:endParaRPr>
               </a:p>
             </p:txBody>
           </p:sp>
         </mc:Choice>
-        <mc:Fallback xmlns="">
+        <mc:Fallback>
           <p:sp>
             <p:nvSpPr>
-              <p:cNvPr id="13" name="文本框 12">
-                <a:extLst>
-                  <a:ext uri="{FF2B5EF4-FFF2-40B4-BE49-F238E27FC236}">
-                    <a16:creationId xmlns:a16="http://schemas.microsoft.com/office/drawing/2014/main" id="{15FEC8D2-FC0B-1AF7-FAEB-CFA33DDAACDC}"/>
-                  </a:ext>
-                </a:extLst>
-              </p:cNvPr>
+              <p:cNvPr id="13" name="文本框 12"/>
               <p:cNvSpPr txBox="1">
                 <a:spLocks noRot="1" noChangeAspect="1" noMove="1" noResize="1" noEditPoints="1" noAdjustHandles="1" noChangeArrowheads="1" noChangeShapeType="1" noTextEdit="1"/>
               </p:cNvSpPr>
@@ -4899,10 +4410,10 @@
               <a:prstGeom prst="rect">
                 <a:avLst/>
               </a:prstGeom>
-              <a:blipFill>
-                <a:blip r:embed="rId4"/>
+              <a:blipFill rotWithShape="1">
+                <a:blip r:embed="rId3"/>
                 <a:stretch>
-                  <a:fillRect l="-776" t="-1305" b="-4961"/>
+                  <a:fillRect l="-58" t="-296" r="-54" b="-10256"/>
                 </a:stretch>
               </a:blipFill>
               <a:ln>
@@ -4919,7 +4430,7 @@
               <a:lstStyle/>
               <a:p>
                 <a:r>
-                  <a:rPr lang="zh-CN" altLang="en-US">
+                  <a:rPr lang="en-US" altLang="en-US">
                     <a:noFill/>
                   </a:rPr>
                   <a:t> </a:t>
@@ -4931,13 +4442,7 @@
       </mc:AlternateContent>
       <p:sp>
         <p:nvSpPr>
-          <p:cNvPr id="16" name="文本框 15">
-            <a:extLst>
-              <a:ext uri="{FF2B5EF4-FFF2-40B4-BE49-F238E27FC236}">
-                <a16:creationId xmlns:a16="http://schemas.microsoft.com/office/drawing/2014/main" id="{62C49F0F-73C5-2D2B-AC97-0BF56945F0C6}"/>
-              </a:ext>
-            </a:extLst>
-          </p:cNvPr>
+          <p:cNvPr id="16" name="文本框 15"/>
           <p:cNvSpPr txBox="1"/>
           <p:nvPr/>
         </p:nvSpPr>
@@ -5012,22 +4517,17 @@
         </p:txBody>
       </p:sp>
     </p:spTree>
-    <p:extLst>
-      <p:ext uri="{BB962C8B-B14F-4D97-AF65-F5344CB8AC3E}">
-        <p14:creationId xmlns:p14="http://schemas.microsoft.com/office/powerpoint/2010/main" val="793032494"/>
-      </p:ext>
-    </p:extLst>
   </p:cSld>
   <p:clrMapOvr>
     <a:masterClrMapping/>
   </p:clrMapOvr>
-  <mc:AlternateContent xmlns:mc="http://schemas.openxmlformats.org/markup-compatibility/2006" xmlns:p14="http://schemas.microsoft.com/office/powerpoint/2010/main">
-    <mc:Choice Requires="p14">
+  <mc:AlternateContent xmlns:mc="http://schemas.openxmlformats.org/markup-compatibility/2006">
+    <mc:Choice xmlns:p14="http://schemas.microsoft.com/office/powerpoint/2010/main" Requires="p14">
       <p:transition spd="med" p14:dur="700">
         <p:fade/>
       </p:transition>
     </mc:Choice>
-    <mc:Fallback xmlns="">
+    <mc:Fallback>
       <p:transition spd="med">
         <p:fade/>
       </p:transition>
@@ -5055,16 +4555,8 @@
       </p:grpSpPr>
       <p:sp>
         <p:nvSpPr>
-          <p:cNvPr id="3" name="文本占位符 7">
-            <a:extLst>
-              <a:ext uri="{FF2B5EF4-FFF2-40B4-BE49-F238E27FC236}">
-                <a16:creationId xmlns:a16="http://schemas.microsoft.com/office/drawing/2014/main" id="{EBC32E5D-6A59-45C3-9ED1-2070B4C8A47E}"/>
-              </a:ext>
-            </a:extLst>
-          </p:cNvPr>
-          <p:cNvSpPr txBox="1">
-            <a:spLocks/>
-          </p:cNvSpPr>
+          <p:cNvPr id="3" name="文本占位符 7"/>
+          <p:cNvSpPr txBox="1"/>
           <p:nvPr/>
         </p:nvSpPr>
         <p:spPr>
@@ -5198,13 +4690,7 @@
       </p:sp>
       <p:sp>
         <p:nvSpPr>
-          <p:cNvPr id="5" name="矩形 4">
-            <a:extLst>
-              <a:ext uri="{FF2B5EF4-FFF2-40B4-BE49-F238E27FC236}">
-                <a16:creationId xmlns:a16="http://schemas.microsoft.com/office/drawing/2014/main" id="{0D81D8D2-8A83-42E3-86DB-56BF0F32563E}"/>
-              </a:ext>
-            </a:extLst>
-          </p:cNvPr>
+          <p:cNvPr id="5" name="矩形 4"/>
           <p:cNvSpPr/>
           <p:nvPr/>
         </p:nvSpPr>
@@ -5250,16 +4736,8 @@
       </p:sp>
       <p:sp>
         <p:nvSpPr>
-          <p:cNvPr id="6" name="文本占位符 9">
-            <a:extLst>
-              <a:ext uri="{FF2B5EF4-FFF2-40B4-BE49-F238E27FC236}">
-                <a16:creationId xmlns:a16="http://schemas.microsoft.com/office/drawing/2014/main" id="{96FDE63E-6F26-45D3-A70F-D4EF5DD888A9}"/>
-              </a:ext>
-            </a:extLst>
-          </p:cNvPr>
-          <p:cNvSpPr txBox="1">
-            <a:spLocks/>
-          </p:cNvSpPr>
+          <p:cNvPr id="6" name="文本占位符 9"/>
+          <p:cNvSpPr txBox="1"/>
           <p:nvPr/>
         </p:nvSpPr>
         <p:spPr>
@@ -5391,13 +4869,7 @@
       </p:sp>
       <p:sp>
         <p:nvSpPr>
-          <p:cNvPr id="7" name="矩形: 圆角 6">
-            <a:extLst>
-              <a:ext uri="{FF2B5EF4-FFF2-40B4-BE49-F238E27FC236}">
-                <a16:creationId xmlns:a16="http://schemas.microsoft.com/office/drawing/2014/main" id="{E94F8EBD-3E9E-403E-845F-399B3A89E8CA}"/>
-              </a:ext>
-            </a:extLst>
-          </p:cNvPr>
+          <p:cNvPr id="7" name="矩形: 圆角 6"/>
           <p:cNvSpPr/>
           <p:nvPr/>
         </p:nvSpPr>
@@ -5445,22 +4917,17 @@
         </p:txBody>
       </p:sp>
     </p:spTree>
-    <p:extLst>
-      <p:ext uri="{BB962C8B-B14F-4D97-AF65-F5344CB8AC3E}">
-        <p14:creationId xmlns:p14="http://schemas.microsoft.com/office/powerpoint/2010/main" val="3532630283"/>
-      </p:ext>
-    </p:extLst>
   </p:cSld>
   <p:clrMapOvr>
     <a:masterClrMapping/>
   </p:clrMapOvr>
-  <mc:AlternateContent xmlns:mc="http://schemas.openxmlformats.org/markup-compatibility/2006" xmlns:p14="http://schemas.microsoft.com/office/powerpoint/2010/main">
-    <mc:Choice Requires="p14">
+  <mc:AlternateContent xmlns:mc="http://schemas.openxmlformats.org/markup-compatibility/2006">
+    <mc:Choice xmlns:p14="http://schemas.microsoft.com/office/powerpoint/2010/main" Requires="p14">
       <p:transition spd="med" p14:dur="700">
         <p:fade/>
       </p:transition>
     </mc:Choice>
-    <mc:Fallback xmlns="">
+    <mc:Fallback>
       <p:transition spd="med">
         <p:fade/>
       </p:transition>
@@ -5488,13 +4955,7 @@
       </p:grpSpPr>
       <p:grpSp>
         <p:nvGrpSpPr>
-          <p:cNvPr id="6" name="组合 5">
-            <a:extLst>
-              <a:ext uri="{FF2B5EF4-FFF2-40B4-BE49-F238E27FC236}">
-                <a16:creationId xmlns:a16="http://schemas.microsoft.com/office/drawing/2014/main" id="{6A978EE0-6762-4070-9208-727D6A2C888D}"/>
-              </a:ext>
-            </a:extLst>
-          </p:cNvPr>
+          <p:cNvPr id="6" name="组合 5"/>
           <p:cNvGrpSpPr/>
           <p:nvPr/>
         </p:nvGrpSpPr>
@@ -5508,13 +4969,7 @@
         </p:grpSpPr>
         <p:sp>
           <p:nvSpPr>
-            <p:cNvPr id="2" name="矩形 1">
-              <a:extLst>
-                <a:ext uri="{FF2B5EF4-FFF2-40B4-BE49-F238E27FC236}">
-                  <a16:creationId xmlns:a16="http://schemas.microsoft.com/office/drawing/2014/main" id="{0BBA72C2-6658-4903-90B0-3DB09CD96F31}"/>
-                </a:ext>
-              </a:extLst>
-            </p:cNvPr>
+            <p:cNvPr id="2" name="矩形 1"/>
             <p:cNvSpPr/>
             <p:nvPr/>
           </p:nvSpPr>
@@ -5560,13 +5015,7 @@
         </p:sp>
         <p:sp>
           <p:nvSpPr>
-            <p:cNvPr id="3" name="矩形 2">
-              <a:extLst>
-                <a:ext uri="{FF2B5EF4-FFF2-40B4-BE49-F238E27FC236}">
-                  <a16:creationId xmlns:a16="http://schemas.microsoft.com/office/drawing/2014/main" id="{C88DC6F7-3F54-4EFD-919D-1EC401B96C18}"/>
-                </a:ext>
-              </a:extLst>
-            </p:cNvPr>
+            <p:cNvPr id="3" name="矩形 2"/>
             <p:cNvSpPr/>
             <p:nvPr/>
           </p:nvSpPr>
@@ -5612,13 +5061,7 @@
         </p:sp>
         <p:cxnSp>
           <p:nvCxnSpPr>
-            <p:cNvPr id="5" name="直接连接符 4">
-              <a:extLst>
-                <a:ext uri="{FF2B5EF4-FFF2-40B4-BE49-F238E27FC236}">
-                  <a16:creationId xmlns:a16="http://schemas.microsoft.com/office/drawing/2014/main" id="{ABB1D33E-6A58-4E88-95E9-6A4048F9D03F}"/>
-                </a:ext>
-              </a:extLst>
-            </p:cNvPr>
+            <p:cNvPr id="5" name="直接连接符 4"/>
             <p:cNvCxnSpPr/>
             <p:nvPr/>
           </p:nvCxnSpPr>
@@ -5654,20 +5097,14 @@
       </p:grpSp>
       <p:pic>
         <p:nvPicPr>
-          <p:cNvPr id="8" name="图片 7">
-            <a:extLst>
-              <a:ext uri="{FF2B5EF4-FFF2-40B4-BE49-F238E27FC236}">
-                <a16:creationId xmlns:a16="http://schemas.microsoft.com/office/drawing/2014/main" id="{DD0E7411-EFC8-4009-A22F-AE54C44AD598}"/>
-              </a:ext>
-            </a:extLst>
-          </p:cNvPr>
+          <p:cNvPr id="8" name="图片 7"/>
           <p:cNvPicPr>
             <a:picLocks noChangeAspect="1"/>
           </p:cNvPicPr>
           <p:nvPr/>
         </p:nvPicPr>
         <p:blipFill>
-          <a:blip r:embed="rId2">
+          <a:blip r:embed="rId1">
             <a:extLst>
               <a:ext uri="{28A0092B-C50C-407E-A947-70E740481C1C}">
                 <a14:useLocalDpi xmlns:a14="http://schemas.microsoft.com/office/drawing/2010/main" val="0"/>
@@ -5690,13 +5127,7 @@
       </p:pic>
       <p:sp>
         <p:nvSpPr>
-          <p:cNvPr id="9" name="文本框 8">
-            <a:extLst>
-              <a:ext uri="{FF2B5EF4-FFF2-40B4-BE49-F238E27FC236}">
-                <a16:creationId xmlns:a16="http://schemas.microsoft.com/office/drawing/2014/main" id="{29E2F821-98A7-4B7B-811D-5DAD6270ADCA}"/>
-              </a:ext>
-            </a:extLst>
-          </p:cNvPr>
+          <p:cNvPr id="9" name="文本框 8"/>
           <p:cNvSpPr txBox="1"/>
           <p:nvPr/>
         </p:nvSpPr>
@@ -5734,13 +5165,7 @@
       </p:sp>
       <p:sp>
         <p:nvSpPr>
-          <p:cNvPr id="4" name="文本框 3">
-            <a:extLst>
-              <a:ext uri="{FF2B5EF4-FFF2-40B4-BE49-F238E27FC236}">
-                <a16:creationId xmlns:a16="http://schemas.microsoft.com/office/drawing/2014/main" id="{554405BD-FD51-D075-BB1D-9CADD378EE81}"/>
-              </a:ext>
-            </a:extLst>
-          </p:cNvPr>
+          <p:cNvPr id="4" name="文本框 3"/>
           <p:cNvSpPr txBox="1"/>
           <p:nvPr/>
         </p:nvSpPr>
@@ -5775,6 +5200,13 @@
               </a:rPr>
               <a:t>Introduction:</a:t>
             </a:r>
+            <a:endParaRPr lang="en-US" altLang="zh-CN" sz="2400" b="0" i="0" dirty="0">
+              <a:solidFill>
+                <a:srgbClr val="0F1115"/>
+              </a:solidFill>
+              <a:effectLst/>
+              <a:latin typeface="+mn-ea"/>
+            </a:endParaRPr>
           </a:p>
           <a:p>
             <a:r>
@@ -5835,20 +5267,14 @@
       </p:sp>
       <p:pic>
         <p:nvPicPr>
-          <p:cNvPr id="11" name="图片 10">
-            <a:extLst>
-              <a:ext uri="{FF2B5EF4-FFF2-40B4-BE49-F238E27FC236}">
-                <a16:creationId xmlns:a16="http://schemas.microsoft.com/office/drawing/2014/main" id="{CAA40F7B-4D18-3E58-B0B1-46B8B0C936A0}"/>
-              </a:ext>
-            </a:extLst>
-          </p:cNvPr>
+          <p:cNvPr id="11" name="图片 10"/>
           <p:cNvPicPr>
             <a:picLocks noChangeAspect="1"/>
           </p:cNvPicPr>
           <p:nvPr/>
         </p:nvPicPr>
         <p:blipFill>
-          <a:blip r:embed="rId3">
+          <a:blip r:embed="rId2">
             <a:extLst>
               <a:ext uri="{28A0092B-C50C-407E-A947-70E740481C1C}">
                 <a14:useLocalDpi xmlns:a14="http://schemas.microsoft.com/office/drawing/2010/main" val="0"/>
@@ -5871,13 +5297,7 @@
       </p:pic>
       <p:sp>
         <p:nvSpPr>
-          <p:cNvPr id="12" name="文本框 11">
-            <a:extLst>
-              <a:ext uri="{FF2B5EF4-FFF2-40B4-BE49-F238E27FC236}">
-                <a16:creationId xmlns:a16="http://schemas.microsoft.com/office/drawing/2014/main" id="{59FC4F96-93F0-4B23-937A-2C5924803256}"/>
-              </a:ext>
-            </a:extLst>
-          </p:cNvPr>
+          <p:cNvPr id="12" name="文本框 11"/>
           <p:cNvSpPr txBox="1"/>
           <p:nvPr/>
         </p:nvSpPr>
@@ -5903,7 +5323,7 @@
             </a:r>
             <a:r>
               <a:rPr lang="en-US" altLang="zh-CN" dirty="0">
-                <a:hlinkClick r:id="rId4"/>
+                <a:hlinkClick r:id="rId3"/>
               </a:rPr>
               <a:t>here</a:t>
             </a:r>
@@ -5912,22 +5332,17 @@
         </p:txBody>
       </p:sp>
     </p:spTree>
-    <p:extLst>
-      <p:ext uri="{BB962C8B-B14F-4D97-AF65-F5344CB8AC3E}">
-        <p14:creationId xmlns:p14="http://schemas.microsoft.com/office/powerpoint/2010/main" val="764108514"/>
-      </p:ext>
-    </p:extLst>
   </p:cSld>
   <p:clrMapOvr>
     <a:masterClrMapping/>
   </p:clrMapOvr>
-  <mc:AlternateContent xmlns:mc="http://schemas.openxmlformats.org/markup-compatibility/2006" xmlns:p14="http://schemas.microsoft.com/office/powerpoint/2010/main">
-    <mc:Choice Requires="p14">
+  <mc:AlternateContent xmlns:mc="http://schemas.openxmlformats.org/markup-compatibility/2006">
+    <mc:Choice xmlns:p14="http://schemas.microsoft.com/office/powerpoint/2010/main" Requires="p14">
       <p:transition spd="med" p14:dur="700">
         <p:fade/>
       </p:transition>
     </mc:Choice>
-    <mc:Fallback xmlns="">
+    <mc:Fallback>
       <p:transition spd="med">
         <p:fade/>
       </p:transition>
@@ -5955,13 +5370,7 @@
       </p:grpSpPr>
       <p:grpSp>
         <p:nvGrpSpPr>
-          <p:cNvPr id="6" name="组合 5">
-            <a:extLst>
-              <a:ext uri="{FF2B5EF4-FFF2-40B4-BE49-F238E27FC236}">
-                <a16:creationId xmlns:a16="http://schemas.microsoft.com/office/drawing/2014/main" id="{6A978EE0-6762-4070-9208-727D6A2C888D}"/>
-              </a:ext>
-            </a:extLst>
-          </p:cNvPr>
+          <p:cNvPr id="6" name="组合 5"/>
           <p:cNvGrpSpPr/>
           <p:nvPr/>
         </p:nvGrpSpPr>
@@ -5975,13 +5384,7 @@
         </p:grpSpPr>
         <p:sp>
           <p:nvSpPr>
-            <p:cNvPr id="2" name="矩形 1">
-              <a:extLst>
-                <a:ext uri="{FF2B5EF4-FFF2-40B4-BE49-F238E27FC236}">
-                  <a16:creationId xmlns:a16="http://schemas.microsoft.com/office/drawing/2014/main" id="{0BBA72C2-6658-4903-90B0-3DB09CD96F31}"/>
-                </a:ext>
-              </a:extLst>
-            </p:cNvPr>
+            <p:cNvPr id="2" name="矩形 1"/>
             <p:cNvSpPr/>
             <p:nvPr/>
           </p:nvSpPr>
@@ -6027,13 +5430,7 @@
         </p:sp>
         <p:sp>
           <p:nvSpPr>
-            <p:cNvPr id="3" name="矩形 2">
-              <a:extLst>
-                <a:ext uri="{FF2B5EF4-FFF2-40B4-BE49-F238E27FC236}">
-                  <a16:creationId xmlns:a16="http://schemas.microsoft.com/office/drawing/2014/main" id="{C88DC6F7-3F54-4EFD-919D-1EC401B96C18}"/>
-                </a:ext>
-              </a:extLst>
-            </p:cNvPr>
+            <p:cNvPr id="3" name="矩形 2"/>
             <p:cNvSpPr/>
             <p:nvPr/>
           </p:nvSpPr>
@@ -6079,13 +5476,7 @@
         </p:sp>
         <p:cxnSp>
           <p:nvCxnSpPr>
-            <p:cNvPr id="5" name="直接连接符 4">
-              <a:extLst>
-                <a:ext uri="{FF2B5EF4-FFF2-40B4-BE49-F238E27FC236}">
-                  <a16:creationId xmlns:a16="http://schemas.microsoft.com/office/drawing/2014/main" id="{ABB1D33E-6A58-4E88-95E9-6A4048F9D03F}"/>
-                </a:ext>
-              </a:extLst>
-            </p:cNvPr>
+            <p:cNvPr id="5" name="直接连接符 4"/>
             <p:cNvCxnSpPr/>
             <p:nvPr/>
           </p:nvCxnSpPr>
@@ -6121,20 +5512,14 @@
       </p:grpSp>
       <p:pic>
         <p:nvPicPr>
-          <p:cNvPr id="8" name="图片 7">
-            <a:extLst>
-              <a:ext uri="{FF2B5EF4-FFF2-40B4-BE49-F238E27FC236}">
-                <a16:creationId xmlns:a16="http://schemas.microsoft.com/office/drawing/2014/main" id="{DD0E7411-EFC8-4009-A22F-AE54C44AD598}"/>
-              </a:ext>
-            </a:extLst>
-          </p:cNvPr>
+          <p:cNvPr id="8" name="图片 7"/>
           <p:cNvPicPr>
             <a:picLocks noChangeAspect="1"/>
           </p:cNvPicPr>
           <p:nvPr/>
         </p:nvPicPr>
         <p:blipFill>
-          <a:blip r:embed="rId2">
+          <a:blip r:embed="rId1">
             <a:extLst>
               <a:ext uri="{28A0092B-C50C-407E-A947-70E740481C1C}">
                 <a14:useLocalDpi xmlns:a14="http://schemas.microsoft.com/office/drawing/2010/main" val="0"/>
@@ -6157,13 +5542,7 @@
       </p:pic>
       <p:sp>
         <p:nvSpPr>
-          <p:cNvPr id="9" name="文本框 8">
-            <a:extLst>
-              <a:ext uri="{FF2B5EF4-FFF2-40B4-BE49-F238E27FC236}">
-                <a16:creationId xmlns:a16="http://schemas.microsoft.com/office/drawing/2014/main" id="{29E2F821-98A7-4B7B-811D-5DAD6270ADCA}"/>
-              </a:ext>
-            </a:extLst>
-          </p:cNvPr>
+          <p:cNvPr id="9" name="文本框 8"/>
           <p:cNvSpPr txBox="1"/>
           <p:nvPr/>
         </p:nvSpPr>
@@ -6199,17 +5578,11 @@
           </a:p>
         </p:txBody>
       </p:sp>
-      <mc:AlternateContent xmlns:mc="http://schemas.openxmlformats.org/markup-compatibility/2006" xmlns:a14="http://schemas.microsoft.com/office/drawing/2010/main">
-        <mc:Choice Requires="a14">
+      <mc:AlternateContent xmlns:mc="http://schemas.openxmlformats.org/markup-compatibility/2006">
+        <mc:Choice xmlns:a14="http://schemas.microsoft.com/office/drawing/2010/main" Requires="a14">
           <p:sp>
             <p:nvSpPr>
-              <p:cNvPr id="13" name="Rectangle 3">
-                <a:extLst>
-                  <a:ext uri="{FF2B5EF4-FFF2-40B4-BE49-F238E27FC236}">
-                    <a16:creationId xmlns:a16="http://schemas.microsoft.com/office/drawing/2014/main" id="{C41944D3-2F46-FFC0-17EF-52E8AD0A297E}"/>
-                  </a:ext>
-                </a:extLst>
-              </p:cNvPr>
+              <p:cNvPr id="13" name="Rectangle 3"/>
               <p:cNvSpPr>
                 <a:spLocks noChangeArrowheads="1"/>
               </p:cNvSpPr>
@@ -6237,16 +5610,11 @@
                   </a:schemeClr>
                 </a:solidFill>
                 <a:miter lim="800000"/>
-                <a:headEnd/>
-                <a:tailEnd/>
               </a:ln>
               <a:effectLst/>
             </p:spPr>
             <p:txBody>
               <a:bodyPr vert="horz" wrap="square" lIns="0" tIns="25392" rIns="0" bIns="0" numCol="1" anchor="ctr" anchorCtr="0" compatLnSpc="1">
-                <a:prstTxWarp prst="textNoShape">
-                  <a:avLst/>
-                </a:prstTxWarp>
                 <a:spAutoFit/>
               </a:bodyPr>
               <a:lstStyle/>
@@ -6330,6 +5698,10 @@
                   </a:rPr>
                   <a:t>. How the "neighborhood" is defined is crucial, as it determines the search space of the algorithm. For example, in the Traveling Salesman Problem, neighborhood operations could include swapping two cities or reversing a segment of the route.</a:t>
                 </a:r>
+                <a:endParaRPr lang="en-US" altLang="zh-CN" sz="2400" b="0" dirty="0">
+                  <a:effectLst/>
+                  <a:latin typeface="+mn-ea"/>
+                </a:endParaRPr>
               </a:p>
               <a:p>
                 <a:pPr eaLnBrk="0" fontAlgn="base" hangingPunct="0">
@@ -6440,7 +5812,6 @@
                   <a:buSzTx/>
                   <a:buFontTx/>
                   <a:buNone/>
-                  <a:tabLst/>
                 </a:pPr>
                 <a:endParaRPr kumimoji="0" lang="zh-CN" altLang="zh-CN" sz="2400" b="0" i="0" u="none" strike="noStrike" cap="none" normalizeH="0" baseline="0" dirty="0">
                   <a:ln>
@@ -6453,16 +5824,10 @@
             </p:txBody>
           </p:sp>
         </mc:Choice>
-        <mc:Fallback xmlns="">
+        <mc:Fallback>
           <p:sp>
             <p:nvSpPr>
-              <p:cNvPr id="13" name="Rectangle 3">
-                <a:extLst>
-                  <a:ext uri="{FF2B5EF4-FFF2-40B4-BE49-F238E27FC236}">
-                    <a16:creationId xmlns:a16="http://schemas.microsoft.com/office/drawing/2014/main" id="{C41944D3-2F46-FFC0-17EF-52E8AD0A297E}"/>
-                  </a:ext>
-                </a:extLst>
-              </p:cNvPr>
+              <p:cNvPr id="13" name="Rectangle 3"/>
               <p:cNvSpPr>
                 <a:spLocks noRot="1" noChangeAspect="1" noMove="1" noResize="1" noEditPoints="1" noAdjustHandles="1" noChangeArrowheads="1" noChangeShapeType="1" noTextEdit="1"/>
               </p:cNvSpPr>
@@ -6476,10 +5841,10 @@
               <a:prstGeom prst="rect">
                 <a:avLst/>
               </a:prstGeom>
-              <a:blipFill>
-                <a:blip r:embed="rId3"/>
+              <a:blipFill rotWithShape="1">
+                <a:blip r:embed="rId2"/>
                 <a:stretch>
-                  <a:fillRect l="-1613" t="-1624" r="-1828"/>
+                  <a:fillRect l="-57" t="-951" r="-52" b="-1924"/>
                 </a:stretch>
               </a:blipFill>
               <a:ln w="9525">
@@ -6490,8 +5855,6 @@
                   </a:schemeClr>
                 </a:solidFill>
                 <a:miter lim="800000"/>
-                <a:headEnd/>
-                <a:tailEnd/>
               </a:ln>
               <a:effectLst/>
             </p:spPr>
@@ -6500,7 +5863,7 @@
               <a:lstStyle/>
               <a:p>
                 <a:r>
-                  <a:rPr lang="zh-CN" altLang="en-US">
+                  <a:rPr lang="en-US" altLang="en-US">
                     <a:noFill/>
                   </a:rPr>
                   <a:t> </a:t>
@@ -6511,22 +5874,17 @@
         </mc:Fallback>
       </mc:AlternateContent>
     </p:spTree>
-    <p:extLst>
-      <p:ext uri="{BB962C8B-B14F-4D97-AF65-F5344CB8AC3E}">
-        <p14:creationId xmlns:p14="http://schemas.microsoft.com/office/powerpoint/2010/main" val="871965109"/>
-      </p:ext>
-    </p:extLst>
   </p:cSld>
   <p:clrMapOvr>
     <a:masterClrMapping/>
   </p:clrMapOvr>
-  <mc:AlternateContent xmlns:mc="http://schemas.openxmlformats.org/markup-compatibility/2006" xmlns:p14="http://schemas.microsoft.com/office/powerpoint/2010/main">
-    <mc:Choice Requires="p14">
+  <mc:AlternateContent xmlns:mc="http://schemas.openxmlformats.org/markup-compatibility/2006">
+    <mc:Choice xmlns:p14="http://schemas.microsoft.com/office/powerpoint/2010/main" Requires="p14">
       <p:transition spd="med" p14:dur="700">
         <p:fade/>
       </p:transition>
     </mc:Choice>
-    <mc:Fallback xmlns="">
+    <mc:Fallback>
       <p:transition spd="med">
         <p:fade/>
       </p:transition>
@@ -6554,13 +5912,7 @@
       </p:grpSpPr>
       <p:grpSp>
         <p:nvGrpSpPr>
-          <p:cNvPr id="6" name="组合 5">
-            <a:extLst>
-              <a:ext uri="{FF2B5EF4-FFF2-40B4-BE49-F238E27FC236}">
-                <a16:creationId xmlns:a16="http://schemas.microsoft.com/office/drawing/2014/main" id="{6A978EE0-6762-4070-9208-727D6A2C888D}"/>
-              </a:ext>
-            </a:extLst>
-          </p:cNvPr>
+          <p:cNvPr id="6" name="组合 5"/>
           <p:cNvGrpSpPr/>
           <p:nvPr/>
         </p:nvGrpSpPr>
@@ -6574,13 +5926,7 @@
         </p:grpSpPr>
         <p:sp>
           <p:nvSpPr>
-            <p:cNvPr id="2" name="矩形 1">
-              <a:extLst>
-                <a:ext uri="{FF2B5EF4-FFF2-40B4-BE49-F238E27FC236}">
-                  <a16:creationId xmlns:a16="http://schemas.microsoft.com/office/drawing/2014/main" id="{0BBA72C2-6658-4903-90B0-3DB09CD96F31}"/>
-                </a:ext>
-              </a:extLst>
-            </p:cNvPr>
+            <p:cNvPr id="2" name="矩形 1"/>
             <p:cNvSpPr/>
             <p:nvPr/>
           </p:nvSpPr>
@@ -6626,13 +5972,7 @@
         </p:sp>
         <p:sp>
           <p:nvSpPr>
-            <p:cNvPr id="3" name="矩形 2">
-              <a:extLst>
-                <a:ext uri="{FF2B5EF4-FFF2-40B4-BE49-F238E27FC236}">
-                  <a16:creationId xmlns:a16="http://schemas.microsoft.com/office/drawing/2014/main" id="{C88DC6F7-3F54-4EFD-919D-1EC401B96C18}"/>
-                </a:ext>
-              </a:extLst>
-            </p:cNvPr>
+            <p:cNvPr id="3" name="矩形 2"/>
             <p:cNvSpPr/>
             <p:nvPr/>
           </p:nvSpPr>
@@ -6678,13 +6018,7 @@
         </p:sp>
         <p:cxnSp>
           <p:nvCxnSpPr>
-            <p:cNvPr id="5" name="直接连接符 4">
-              <a:extLst>
-                <a:ext uri="{FF2B5EF4-FFF2-40B4-BE49-F238E27FC236}">
-                  <a16:creationId xmlns:a16="http://schemas.microsoft.com/office/drawing/2014/main" id="{ABB1D33E-6A58-4E88-95E9-6A4048F9D03F}"/>
-                </a:ext>
-              </a:extLst>
-            </p:cNvPr>
+            <p:cNvPr id="5" name="直接连接符 4"/>
             <p:cNvCxnSpPr/>
             <p:nvPr/>
           </p:nvCxnSpPr>
@@ -6720,20 +6054,14 @@
       </p:grpSp>
       <p:pic>
         <p:nvPicPr>
-          <p:cNvPr id="8" name="图片 7">
-            <a:extLst>
-              <a:ext uri="{FF2B5EF4-FFF2-40B4-BE49-F238E27FC236}">
-                <a16:creationId xmlns:a16="http://schemas.microsoft.com/office/drawing/2014/main" id="{DD0E7411-EFC8-4009-A22F-AE54C44AD598}"/>
-              </a:ext>
-            </a:extLst>
-          </p:cNvPr>
+          <p:cNvPr id="8" name="图片 7"/>
           <p:cNvPicPr>
             <a:picLocks noChangeAspect="1"/>
           </p:cNvPicPr>
           <p:nvPr/>
         </p:nvPicPr>
         <p:blipFill>
-          <a:blip r:embed="rId2">
+          <a:blip r:embed="rId1">
             <a:extLst>
               <a:ext uri="{28A0092B-C50C-407E-A947-70E740481C1C}">
                 <a14:useLocalDpi xmlns:a14="http://schemas.microsoft.com/office/drawing/2010/main" val="0"/>
@@ -6756,13 +6084,7 @@
       </p:pic>
       <p:sp>
         <p:nvSpPr>
-          <p:cNvPr id="9" name="文本框 8">
-            <a:extLst>
-              <a:ext uri="{FF2B5EF4-FFF2-40B4-BE49-F238E27FC236}">
-                <a16:creationId xmlns:a16="http://schemas.microsoft.com/office/drawing/2014/main" id="{29E2F821-98A7-4B7B-811D-5DAD6270ADCA}"/>
-              </a:ext>
-            </a:extLst>
-          </p:cNvPr>
+          <p:cNvPr id="9" name="文本框 8"/>
           <p:cNvSpPr txBox="1"/>
           <p:nvPr/>
         </p:nvSpPr>
@@ -6800,13 +6122,7 @@
       </p:sp>
       <p:sp>
         <p:nvSpPr>
-          <p:cNvPr id="4" name="文本框 3">
-            <a:extLst>
-              <a:ext uri="{FF2B5EF4-FFF2-40B4-BE49-F238E27FC236}">
-                <a16:creationId xmlns:a16="http://schemas.microsoft.com/office/drawing/2014/main" id="{13421F29-59A3-2AF2-DEDC-4E2F96C32875}"/>
-              </a:ext>
-            </a:extLst>
-          </p:cNvPr>
+          <p:cNvPr id="4" name="文本框 3"/>
           <p:cNvSpPr txBox="1"/>
           <p:nvPr/>
         </p:nvSpPr>
@@ -6834,17 +6150,11 @@
           </a:p>
         </p:txBody>
       </p:sp>
-      <mc:AlternateContent xmlns:mc="http://schemas.openxmlformats.org/markup-compatibility/2006" xmlns:a14="http://schemas.microsoft.com/office/drawing/2010/main">
-        <mc:Choice Requires="a14">
+      <mc:AlternateContent xmlns:mc="http://schemas.openxmlformats.org/markup-compatibility/2006">
+        <mc:Choice xmlns:a14="http://schemas.microsoft.com/office/drawing/2010/main" Requires="a14">
           <p:sp>
             <p:nvSpPr>
-              <p:cNvPr id="7" name="文本框 6">
-                <a:extLst>
-                  <a:ext uri="{FF2B5EF4-FFF2-40B4-BE49-F238E27FC236}">
-                    <a16:creationId xmlns:a16="http://schemas.microsoft.com/office/drawing/2014/main" id="{09751286-4609-02CC-2EA3-72F6280F4902}"/>
-                  </a:ext>
-                </a:extLst>
-              </p:cNvPr>
+              <p:cNvPr id="7" name="文本框 6"/>
               <p:cNvSpPr txBox="1"/>
               <p:nvPr/>
             </p:nvSpPr>
@@ -7028,6 +6338,12 @@
                   </a:rPr>
                   <a:t>.Then we repeat the following steps:</a:t>
                 </a:r>
+                <a:endParaRPr lang="en-US" altLang="zh-CN" sz="2400" dirty="0">
+                  <a:solidFill>
+                    <a:schemeClr val="tx1"/>
+                  </a:solidFill>
+                  <a:latin typeface="+mn-ea"/>
+                </a:endParaRPr>
               </a:p>
               <a:p>
                 <a:pPr marL="342900" indent="-342900">
@@ -7148,6 +6464,13 @@
                   </a:rPr>
                   <a:t>.</a:t>
                 </a:r>
+                <a:endParaRPr lang="en-US" altLang="zh-CN" sz="2400" dirty="0">
+                  <a:solidFill>
+                    <a:schemeClr val="tx1"/>
+                  </a:solidFill>
+                  <a:effectLst/>
+                  <a:latin typeface="+mn-ea"/>
+                </a:endParaRPr>
               </a:p>
               <a:p>
                 <a:pPr marL="342900" indent="-342900">
@@ -7383,6 +6706,12 @@
                   </a:rPr>
                   <a:t>).</a:t>
                 </a:r>
+                <a:endParaRPr lang="en-US" altLang="zh-CN" sz="2400" dirty="0">
+                  <a:solidFill>
+                    <a:schemeClr val="tx1"/>
+                  </a:solidFill>
+                  <a:latin typeface="+mn-ea"/>
+                </a:endParaRPr>
               </a:p>
               <a:p>
                 <a:pPr marL="342900" indent="-342900">
@@ -7597,16 +6926,10 @@
             </p:txBody>
           </p:sp>
         </mc:Choice>
-        <mc:Fallback xmlns="">
+        <mc:Fallback>
           <p:sp>
             <p:nvSpPr>
-              <p:cNvPr id="7" name="文本框 6">
-                <a:extLst>
-                  <a:ext uri="{FF2B5EF4-FFF2-40B4-BE49-F238E27FC236}">
-                    <a16:creationId xmlns:a16="http://schemas.microsoft.com/office/drawing/2014/main" id="{09751286-4609-02CC-2EA3-72F6280F4902}"/>
-                  </a:ext>
-                </a:extLst>
-              </p:cNvPr>
+              <p:cNvPr id="7" name="文本框 6"/>
               <p:cNvSpPr txBox="1">
                 <a:spLocks noRot="1" noChangeAspect="1" noMove="1" noResize="1" noEditPoints="1" noAdjustHandles="1" noChangeArrowheads="1" noChangeShapeType="1" noTextEdit="1"/>
               </p:cNvSpPr>
@@ -7620,10 +6943,10 @@
               <a:prstGeom prst="rect">
                 <a:avLst/>
               </a:prstGeom>
-              <a:blipFill>
-                <a:blip r:embed="rId3"/>
+              <a:blipFill rotWithShape="1">
+                <a:blip r:embed="rId2"/>
                 <a:stretch>
-                  <a:fillRect l="-802" t="-847"/>
+                  <a:fillRect l="-60" t="-155" r="-59" b="-8804"/>
                 </a:stretch>
               </a:blipFill>
               <a:ln>
@@ -7640,7 +6963,7 @@
               <a:lstStyle/>
               <a:p>
                 <a:r>
-                  <a:rPr lang="zh-CN" altLang="en-US">
+                  <a:rPr lang="en-US" altLang="en-US">
                     <a:noFill/>
                   </a:rPr>
                   <a:t> </a:t>
@@ -7651,22 +6974,17 @@
         </mc:Fallback>
       </mc:AlternateContent>
     </p:spTree>
-    <p:extLst>
-      <p:ext uri="{BB962C8B-B14F-4D97-AF65-F5344CB8AC3E}">
-        <p14:creationId xmlns:p14="http://schemas.microsoft.com/office/powerpoint/2010/main" val="2853438067"/>
-      </p:ext>
-    </p:extLst>
   </p:cSld>
   <p:clrMapOvr>
     <a:masterClrMapping/>
   </p:clrMapOvr>
-  <mc:AlternateContent xmlns:mc="http://schemas.openxmlformats.org/markup-compatibility/2006" xmlns:p14="http://schemas.microsoft.com/office/powerpoint/2010/main">
-    <mc:Choice Requires="p14">
+  <mc:AlternateContent xmlns:mc="http://schemas.openxmlformats.org/markup-compatibility/2006">
+    <mc:Choice xmlns:p14="http://schemas.microsoft.com/office/powerpoint/2010/main" Requires="p14">
       <p:transition spd="med" p14:dur="700">
         <p:fade/>
       </p:transition>
     </mc:Choice>
-    <mc:Fallback xmlns="">
+    <mc:Fallback>
       <p:transition spd="med">
         <p:fade/>
       </p:transition>
@@ -7694,13 +7012,7 @@
       </p:grpSpPr>
       <p:grpSp>
         <p:nvGrpSpPr>
-          <p:cNvPr id="6" name="组合 5">
-            <a:extLst>
-              <a:ext uri="{FF2B5EF4-FFF2-40B4-BE49-F238E27FC236}">
-                <a16:creationId xmlns:a16="http://schemas.microsoft.com/office/drawing/2014/main" id="{6A978EE0-6762-4070-9208-727D6A2C888D}"/>
-              </a:ext>
-            </a:extLst>
-          </p:cNvPr>
+          <p:cNvPr id="6" name="组合 5"/>
           <p:cNvGrpSpPr/>
           <p:nvPr/>
         </p:nvGrpSpPr>
@@ -7714,13 +7026,7 @@
         </p:grpSpPr>
         <p:sp>
           <p:nvSpPr>
-            <p:cNvPr id="2" name="矩形 1">
-              <a:extLst>
-                <a:ext uri="{FF2B5EF4-FFF2-40B4-BE49-F238E27FC236}">
-                  <a16:creationId xmlns:a16="http://schemas.microsoft.com/office/drawing/2014/main" id="{0BBA72C2-6658-4903-90B0-3DB09CD96F31}"/>
-                </a:ext>
-              </a:extLst>
-            </p:cNvPr>
+            <p:cNvPr id="2" name="矩形 1"/>
             <p:cNvSpPr/>
             <p:nvPr/>
           </p:nvSpPr>
@@ -7766,13 +7072,7 @@
         </p:sp>
         <p:sp>
           <p:nvSpPr>
-            <p:cNvPr id="3" name="矩形 2">
-              <a:extLst>
-                <a:ext uri="{FF2B5EF4-FFF2-40B4-BE49-F238E27FC236}">
-                  <a16:creationId xmlns:a16="http://schemas.microsoft.com/office/drawing/2014/main" id="{C88DC6F7-3F54-4EFD-919D-1EC401B96C18}"/>
-                </a:ext>
-              </a:extLst>
-            </p:cNvPr>
+            <p:cNvPr id="3" name="矩形 2"/>
             <p:cNvSpPr/>
             <p:nvPr/>
           </p:nvSpPr>
@@ -7818,13 +7118,7 @@
         </p:sp>
         <p:cxnSp>
           <p:nvCxnSpPr>
-            <p:cNvPr id="5" name="直接连接符 4">
-              <a:extLst>
-                <a:ext uri="{FF2B5EF4-FFF2-40B4-BE49-F238E27FC236}">
-                  <a16:creationId xmlns:a16="http://schemas.microsoft.com/office/drawing/2014/main" id="{ABB1D33E-6A58-4E88-95E9-6A4048F9D03F}"/>
-                </a:ext>
-              </a:extLst>
-            </p:cNvPr>
+            <p:cNvPr id="5" name="直接连接符 4"/>
             <p:cNvCxnSpPr/>
             <p:nvPr/>
           </p:nvCxnSpPr>
@@ -7860,20 +7154,14 @@
       </p:grpSp>
       <p:pic>
         <p:nvPicPr>
-          <p:cNvPr id="8" name="图片 7">
-            <a:extLst>
-              <a:ext uri="{FF2B5EF4-FFF2-40B4-BE49-F238E27FC236}">
-                <a16:creationId xmlns:a16="http://schemas.microsoft.com/office/drawing/2014/main" id="{DD0E7411-EFC8-4009-A22F-AE54C44AD598}"/>
-              </a:ext>
-            </a:extLst>
-          </p:cNvPr>
+          <p:cNvPr id="8" name="图片 7"/>
           <p:cNvPicPr>
             <a:picLocks noChangeAspect="1"/>
           </p:cNvPicPr>
           <p:nvPr/>
         </p:nvPicPr>
         <p:blipFill>
-          <a:blip r:embed="rId2">
+          <a:blip r:embed="rId1">
             <a:extLst>
               <a:ext uri="{28A0092B-C50C-407E-A947-70E740481C1C}">
                 <a14:useLocalDpi xmlns:a14="http://schemas.microsoft.com/office/drawing/2010/main" val="0"/>
@@ -7896,13 +7184,7 @@
       </p:pic>
       <p:sp>
         <p:nvSpPr>
-          <p:cNvPr id="9" name="文本框 8">
-            <a:extLst>
-              <a:ext uri="{FF2B5EF4-FFF2-40B4-BE49-F238E27FC236}">
-                <a16:creationId xmlns:a16="http://schemas.microsoft.com/office/drawing/2014/main" id="{29E2F821-98A7-4B7B-811D-5DAD6270ADCA}"/>
-              </a:ext>
-            </a:extLst>
-          </p:cNvPr>
+          <p:cNvPr id="9" name="文本框 8"/>
           <p:cNvSpPr txBox="1"/>
           <p:nvPr/>
         </p:nvSpPr>
@@ -7938,17 +7220,11 @@
           </a:p>
         </p:txBody>
       </p:sp>
-      <mc:AlternateContent xmlns:mc="http://schemas.openxmlformats.org/markup-compatibility/2006" xmlns:a14="http://schemas.microsoft.com/office/drawing/2010/main">
-        <mc:Choice Requires="a14">
+      <mc:AlternateContent xmlns:mc="http://schemas.openxmlformats.org/markup-compatibility/2006">
+        <mc:Choice xmlns:a14="http://schemas.microsoft.com/office/drawing/2010/main" Requires="a14">
           <p:sp>
             <p:nvSpPr>
-              <p:cNvPr id="4" name="文本框 3">
-                <a:extLst>
-                  <a:ext uri="{FF2B5EF4-FFF2-40B4-BE49-F238E27FC236}">
-                    <a16:creationId xmlns:a16="http://schemas.microsoft.com/office/drawing/2014/main" id="{E7EA271A-E21E-1E89-C266-1592D335C663}"/>
-                  </a:ext>
-                </a:extLst>
-              </p:cNvPr>
+              <p:cNvPr id="4" name="文本框 3"/>
               <p:cNvSpPr txBox="1"/>
               <p:nvPr/>
             </p:nvSpPr>
@@ -8283,6 +7559,13 @@
                   </a:rPr>
                   <a:t>When T is very low: The value of P becomes very small, meaning the algorithm almost only accepts better solutions. Its behavior converges to that of a local search / greedy algorithm.</a:t>
                 </a:r>
+                <a:endParaRPr lang="en-US" altLang="zh-CN" sz="2400" b="0" dirty="0">
+                  <a:solidFill>
+                    <a:schemeClr val="tx1"/>
+                  </a:solidFill>
+                  <a:effectLst/>
+                  <a:latin typeface="+mn-ea"/>
+                </a:endParaRPr>
               </a:p>
               <a:p>
                 <a:endParaRPr lang="zh-CN" altLang="en-US" sz="2400" dirty="0">
@@ -8295,16 +7578,10 @@
             </p:txBody>
           </p:sp>
         </mc:Choice>
-        <mc:Fallback xmlns="">
+        <mc:Fallback>
           <p:sp>
             <p:nvSpPr>
-              <p:cNvPr id="4" name="文本框 3">
-                <a:extLst>
-                  <a:ext uri="{FF2B5EF4-FFF2-40B4-BE49-F238E27FC236}">
-                    <a16:creationId xmlns:a16="http://schemas.microsoft.com/office/drawing/2014/main" id="{E7EA271A-E21E-1E89-C266-1592D335C663}"/>
-                  </a:ext>
-                </a:extLst>
-              </p:cNvPr>
+              <p:cNvPr id="4" name="文本框 3"/>
               <p:cNvSpPr txBox="1">
                 <a:spLocks noRot="1" noChangeAspect="1" noMove="1" noResize="1" noEditPoints="1" noAdjustHandles="1" noChangeArrowheads="1" noChangeShapeType="1" noTextEdit="1"/>
               </p:cNvSpPr>
@@ -8318,10 +7595,10 @@
               <a:prstGeom prst="rect">
                 <a:avLst/>
               </a:prstGeom>
-              <a:blipFill>
-                <a:blip r:embed="rId3"/>
+              <a:blipFill rotWithShape="1">
+                <a:blip r:embed="rId2"/>
                 <a:stretch>
-                  <a:fillRect l="-833" t="-913"/>
+                  <a:fillRect l="-1" t="-7" r="1" b="13"/>
                 </a:stretch>
               </a:blipFill>
             </p:spPr>
@@ -8330,7 +7607,7 @@
               <a:lstStyle/>
               <a:p>
                 <a:r>
-                  <a:rPr lang="zh-CN" altLang="en-US">
+                  <a:rPr lang="en-US" altLang="en-US">
                     <a:noFill/>
                   </a:rPr>
                   <a:t> </a:t>
@@ -8341,22 +7618,17 @@
         </mc:Fallback>
       </mc:AlternateContent>
     </p:spTree>
-    <p:extLst>
-      <p:ext uri="{BB962C8B-B14F-4D97-AF65-F5344CB8AC3E}">
-        <p14:creationId xmlns:p14="http://schemas.microsoft.com/office/powerpoint/2010/main" val="2320291119"/>
-      </p:ext>
-    </p:extLst>
   </p:cSld>
   <p:clrMapOvr>
     <a:masterClrMapping/>
   </p:clrMapOvr>
-  <mc:AlternateContent xmlns:mc="http://schemas.openxmlformats.org/markup-compatibility/2006" xmlns:p14="http://schemas.microsoft.com/office/powerpoint/2010/main">
-    <mc:Choice Requires="p14">
+  <mc:AlternateContent xmlns:mc="http://schemas.openxmlformats.org/markup-compatibility/2006">
+    <mc:Choice xmlns:p14="http://schemas.microsoft.com/office/powerpoint/2010/main" Requires="p14">
       <p:transition spd="med" p14:dur="700">
         <p:fade/>
       </p:transition>
     </mc:Choice>
-    <mc:Fallback xmlns="">
+    <mc:Fallback>
       <p:transition spd="med">
         <p:fade/>
       </p:transition>
@@ -8384,13 +7656,7 @@
       </p:grpSpPr>
       <p:grpSp>
         <p:nvGrpSpPr>
-          <p:cNvPr id="6" name="组合 5">
-            <a:extLst>
-              <a:ext uri="{FF2B5EF4-FFF2-40B4-BE49-F238E27FC236}">
-                <a16:creationId xmlns:a16="http://schemas.microsoft.com/office/drawing/2014/main" id="{6A978EE0-6762-4070-9208-727D6A2C888D}"/>
-              </a:ext>
-            </a:extLst>
-          </p:cNvPr>
+          <p:cNvPr id="6" name="组合 5"/>
           <p:cNvGrpSpPr/>
           <p:nvPr/>
         </p:nvGrpSpPr>
@@ -8404,13 +7670,7 @@
         </p:grpSpPr>
         <p:sp>
           <p:nvSpPr>
-            <p:cNvPr id="2" name="矩形 1">
-              <a:extLst>
-                <a:ext uri="{FF2B5EF4-FFF2-40B4-BE49-F238E27FC236}">
-                  <a16:creationId xmlns:a16="http://schemas.microsoft.com/office/drawing/2014/main" id="{0BBA72C2-6658-4903-90B0-3DB09CD96F31}"/>
-                </a:ext>
-              </a:extLst>
-            </p:cNvPr>
+            <p:cNvPr id="2" name="矩形 1"/>
             <p:cNvSpPr/>
             <p:nvPr/>
           </p:nvSpPr>
@@ -8456,13 +7716,7 @@
         </p:sp>
         <p:sp>
           <p:nvSpPr>
-            <p:cNvPr id="3" name="矩形 2">
-              <a:extLst>
-                <a:ext uri="{FF2B5EF4-FFF2-40B4-BE49-F238E27FC236}">
-                  <a16:creationId xmlns:a16="http://schemas.microsoft.com/office/drawing/2014/main" id="{C88DC6F7-3F54-4EFD-919D-1EC401B96C18}"/>
-                </a:ext>
-              </a:extLst>
-            </p:cNvPr>
+            <p:cNvPr id="3" name="矩形 2"/>
             <p:cNvSpPr/>
             <p:nvPr/>
           </p:nvSpPr>
@@ -8508,13 +7762,7 @@
         </p:sp>
         <p:cxnSp>
           <p:nvCxnSpPr>
-            <p:cNvPr id="5" name="直接连接符 4">
-              <a:extLst>
-                <a:ext uri="{FF2B5EF4-FFF2-40B4-BE49-F238E27FC236}">
-                  <a16:creationId xmlns:a16="http://schemas.microsoft.com/office/drawing/2014/main" id="{ABB1D33E-6A58-4E88-95E9-6A4048F9D03F}"/>
-                </a:ext>
-              </a:extLst>
-            </p:cNvPr>
+            <p:cNvPr id="5" name="直接连接符 4"/>
             <p:cNvCxnSpPr/>
             <p:nvPr/>
           </p:nvCxnSpPr>
@@ -8550,20 +7798,14 @@
       </p:grpSp>
       <p:pic>
         <p:nvPicPr>
-          <p:cNvPr id="8" name="图片 7">
-            <a:extLst>
-              <a:ext uri="{FF2B5EF4-FFF2-40B4-BE49-F238E27FC236}">
-                <a16:creationId xmlns:a16="http://schemas.microsoft.com/office/drawing/2014/main" id="{DD0E7411-EFC8-4009-A22F-AE54C44AD598}"/>
-              </a:ext>
-            </a:extLst>
-          </p:cNvPr>
+          <p:cNvPr id="8" name="图片 7"/>
           <p:cNvPicPr>
             <a:picLocks noChangeAspect="1"/>
           </p:cNvPicPr>
           <p:nvPr/>
         </p:nvPicPr>
         <p:blipFill>
-          <a:blip r:embed="rId2">
+          <a:blip r:embed="rId1">
             <a:extLst>
               <a:ext uri="{28A0092B-C50C-407E-A947-70E740481C1C}">
                 <a14:useLocalDpi xmlns:a14="http://schemas.microsoft.com/office/drawing/2010/main" val="0"/>
@@ -8586,13 +7828,7 @@
       </p:pic>
       <p:sp>
         <p:nvSpPr>
-          <p:cNvPr id="9" name="文本框 8">
-            <a:extLst>
-              <a:ext uri="{FF2B5EF4-FFF2-40B4-BE49-F238E27FC236}">
-                <a16:creationId xmlns:a16="http://schemas.microsoft.com/office/drawing/2014/main" id="{29E2F821-98A7-4B7B-811D-5DAD6270ADCA}"/>
-              </a:ext>
-            </a:extLst>
-          </p:cNvPr>
+          <p:cNvPr id="9" name="文本框 8"/>
           <p:cNvSpPr txBox="1"/>
           <p:nvPr/>
         </p:nvSpPr>
@@ -8628,17 +7864,11 @@
           </a:p>
         </p:txBody>
       </p:sp>
-      <mc:AlternateContent xmlns:mc="http://schemas.openxmlformats.org/markup-compatibility/2006" xmlns:a14="http://schemas.microsoft.com/office/drawing/2010/main">
-        <mc:Choice Requires="a14">
+      <mc:AlternateContent xmlns:mc="http://schemas.openxmlformats.org/markup-compatibility/2006">
+        <mc:Choice xmlns:a14="http://schemas.microsoft.com/office/drawing/2010/main" Requires="a14">
           <p:sp>
             <p:nvSpPr>
-              <p:cNvPr id="4" name="文本框 3">
-                <a:extLst>
-                  <a:ext uri="{FF2B5EF4-FFF2-40B4-BE49-F238E27FC236}">
-                    <a16:creationId xmlns:a16="http://schemas.microsoft.com/office/drawing/2014/main" id="{3855A28F-0A56-57D8-9867-B4501EF6B56C}"/>
-                  </a:ext>
-                </a:extLst>
-              </p:cNvPr>
+              <p:cNvPr id="4" name="文本框 3"/>
               <p:cNvSpPr txBox="1"/>
               <p:nvPr/>
             </p:nvSpPr>
@@ -8854,10 +8084,17 @@
                   </a:rPr>
                   <a:t>Here is the setting of our program:</a:t>
                 </a:r>
+                <a:endParaRPr lang="en-US" altLang="zh-CN" sz="2400" b="0" dirty="0">
+                  <a:solidFill>
+                    <a:schemeClr val="tx1"/>
+                  </a:solidFill>
+                  <a:effectLst/>
+                  <a:latin typeface="+mn-ea"/>
+                </a:endParaRPr>
               </a:p>
               <a:p>
                 <a:pPr marL="285750" indent="-285750">
-                  <a:buFont typeface="Arial" panose="020B0604020202020204" pitchFamily="34" charset="0"/>
+                  <a:buFont typeface="Arial" panose="020B0604020202090204" pitchFamily="34" charset="0"/>
                   <a:buChar char="•"/>
                 </a:pPr>
                 <a:r>
@@ -8880,10 +8117,17 @@
                   </a:rPr>
                   <a:t>: randomly assigning all numbers to the three buckets.</a:t>
                 </a:r>
+                <a:endParaRPr lang="en-US" altLang="zh-CN" sz="2400" b="0" dirty="0">
+                  <a:solidFill>
+                    <a:schemeClr val="tx1"/>
+                  </a:solidFill>
+                  <a:effectLst/>
+                  <a:latin typeface="+mn-ea"/>
+                </a:endParaRPr>
               </a:p>
               <a:p>
                 <a:pPr marL="285750" indent="-285750">
-                  <a:buFont typeface="Arial" panose="020B0604020202020204" pitchFamily="34" charset="0"/>
+                  <a:buFont typeface="Arial" panose="020B0604020202090204" pitchFamily="34" charset="0"/>
                   <a:buChar char="•"/>
                 </a:pPr>
                 <a:r>
@@ -8995,7 +8239,17 @@
                                 <a:effectLst/>
                                 <a:latin typeface="Cambria Math" panose="02040503050406030204" pitchFamily="18" charset="0"/>
                               </a:rPr>
-                              <m:t>1, </m:t>
+                              <m:t>1</m:t>
+                            </m:r>
+                            <m:r>
+                              <a:rPr lang="en-US" altLang="zh-CN" sz="2400" b="0" i="0" dirty="0" smtClean="0">
+                                <a:solidFill>
+                                  <a:schemeClr val="tx1"/>
+                                </a:solidFill>
+                                <a:effectLst/>
+                                <a:latin typeface="Cambria Math" panose="02040503050406030204" pitchFamily="18" charset="0"/>
+                              </a:rPr>
+                              <m:t>, </m:t>
                             </m:r>
                             <m:r>
                               <m:rPr>
@@ -9018,7 +8272,17 @@
                                 <a:effectLst/>
                                 <a:latin typeface="Cambria Math" panose="02040503050406030204" pitchFamily="18" charset="0"/>
                               </a:rPr>
-                              <m:t>2, </m:t>
+                              <m:t>2</m:t>
+                            </m:r>
+                            <m:r>
+                              <a:rPr lang="en-US" altLang="zh-CN" sz="2400" b="0" i="0" dirty="0" smtClean="0">
+                                <a:solidFill>
+                                  <a:schemeClr val="tx1"/>
+                                </a:solidFill>
+                                <a:effectLst/>
+                                <a:latin typeface="Cambria Math" panose="02040503050406030204" pitchFamily="18" charset="0"/>
+                              </a:rPr>
+                              <m:t>, </m:t>
                             </m:r>
                             <m:r>
                               <m:rPr>
@@ -9101,7 +8365,17 @@
                         <a:effectLst/>
                         <a:latin typeface="Cambria Math" panose="02040503050406030204" pitchFamily="18" charset="0"/>
                       </a:rPr>
-                      <m:t>1, </m:t>
+                      <m:t>1</m:t>
+                    </m:r>
+                    <m:r>
+                      <a:rPr lang="en-US" altLang="zh-CN" sz="2400" b="0" i="0" dirty="0" smtClean="0">
+                        <a:solidFill>
+                          <a:schemeClr val="tx1"/>
+                        </a:solidFill>
+                        <a:effectLst/>
+                        <a:latin typeface="Cambria Math" panose="02040503050406030204" pitchFamily="18" charset="0"/>
+                      </a:rPr>
+                      <m:t>, </m:t>
                     </m:r>
                     <m:r>
                       <m:rPr>
@@ -9124,7 +8398,17 @@
                         <a:effectLst/>
                         <a:latin typeface="Cambria Math" panose="02040503050406030204" pitchFamily="18" charset="0"/>
                       </a:rPr>
-                      <m:t>2, </m:t>
+                      <m:t>2</m:t>
+                    </m:r>
+                    <m:r>
+                      <a:rPr lang="en-US" altLang="zh-CN" sz="2400" b="0" i="0" dirty="0" smtClean="0">
+                        <a:solidFill>
+                          <a:schemeClr val="tx1"/>
+                        </a:solidFill>
+                        <a:effectLst/>
+                        <a:latin typeface="Cambria Math" panose="02040503050406030204" pitchFamily="18" charset="0"/>
+                      </a:rPr>
+                      <m:t>, </m:t>
                     </m:r>
                     <m:r>
                       <m:rPr>
@@ -9147,7 +8431,17 @@
                         <a:effectLst/>
                         <a:latin typeface="Cambria Math" panose="02040503050406030204" pitchFamily="18" charset="0"/>
                       </a:rPr>
-                      <m:t>3}</m:t>
+                      <m:t>3</m:t>
+                    </m:r>
+                    <m:r>
+                      <a:rPr lang="en-US" altLang="zh-CN" sz="2400" b="0" i="0" dirty="0" smtClean="0">
+                        <a:solidFill>
+                          <a:schemeClr val="tx1"/>
+                        </a:solidFill>
+                        <a:effectLst/>
+                        <a:latin typeface="Cambria Math" panose="02040503050406030204" pitchFamily="18" charset="0"/>
+                      </a:rPr>
+                      <m:t>}</m:t>
                     </m:r>
                   </m:oMath>
                 </a14:m>
@@ -9161,7 +8455,7 @@
               </a:p>
               <a:p>
                 <a:pPr marL="285750" indent="-285750">
-                  <a:buFont typeface="Arial" panose="020B0604020202020204" pitchFamily="34" charset="0"/>
+                  <a:buFont typeface="Arial" panose="020B0604020202090204" pitchFamily="34" charset="0"/>
                   <a:buChar char="•"/>
                 </a:pPr>
                 <a:r>
@@ -9226,10 +8520,17 @@
                   </a:rPr>
                   <a:t>.</a:t>
                 </a:r>
+                <a:endParaRPr lang="en-US" altLang="zh-CN" sz="2400" b="0" dirty="0">
+                  <a:solidFill>
+                    <a:schemeClr val="tx1"/>
+                  </a:solidFill>
+                  <a:effectLst/>
+                  <a:latin typeface="+mn-ea"/>
+                </a:endParaRPr>
               </a:p>
               <a:p>
                 <a:pPr marL="285750" indent="-285750">
-                  <a:buFont typeface="Arial" panose="020B0604020202020204" pitchFamily="34" charset="0"/>
+                  <a:buFont typeface="Arial" panose="020B0604020202090204" pitchFamily="34" charset="0"/>
                   <a:buChar char="•"/>
                 </a:pPr>
                 <a:r>
@@ -9330,6 +8631,13 @@
                   </a:rPr>
                   <a:t> becomes 0 during the runtime, it indicates a solution exists and we have found one, which we then output.</a:t>
                 </a:r>
+                <a:endParaRPr lang="en-US" altLang="zh-CN" sz="2400" b="0" dirty="0">
+                  <a:solidFill>
+                    <a:schemeClr val="tx1"/>
+                  </a:solidFill>
+                  <a:effectLst/>
+                  <a:latin typeface="+mn-ea"/>
+                </a:endParaRPr>
               </a:p>
               <a:p>
                 <a:endParaRPr lang="en-US" altLang="zh-CN" sz="2400" b="0" dirty="0">
@@ -9352,16 +8660,10 @@
             </p:txBody>
           </p:sp>
         </mc:Choice>
-        <mc:Fallback xmlns="">
+        <mc:Fallback>
           <p:sp>
             <p:nvSpPr>
-              <p:cNvPr id="4" name="文本框 3">
-                <a:extLst>
-                  <a:ext uri="{FF2B5EF4-FFF2-40B4-BE49-F238E27FC236}">
-                    <a16:creationId xmlns:a16="http://schemas.microsoft.com/office/drawing/2014/main" id="{3855A28F-0A56-57D8-9867-B4501EF6B56C}"/>
-                  </a:ext>
-                </a:extLst>
-              </p:cNvPr>
+              <p:cNvPr id="4" name="文本框 3"/>
               <p:cNvSpPr txBox="1">
                 <a:spLocks noRot="1" noChangeAspect="1" noMove="1" noResize="1" noEditPoints="1" noAdjustHandles="1" noChangeArrowheads="1" noChangeShapeType="1" noTextEdit="1"/>
               </p:cNvSpPr>
@@ -9375,10 +8677,10 @@
               <a:prstGeom prst="rect">
                 <a:avLst/>
               </a:prstGeom>
-              <a:blipFill>
-                <a:blip r:embed="rId3"/>
+              <a:blipFill rotWithShape="1">
+                <a:blip r:embed="rId2"/>
                 <a:stretch>
-                  <a:fillRect l="-834" t="-872" r="-1279"/>
+                  <a:fillRect l="-1" t="-4" r="2" b="-4518"/>
                 </a:stretch>
               </a:blipFill>
             </p:spPr>
@@ -9387,7 +8689,7 @@
               <a:lstStyle/>
               <a:p>
                 <a:r>
-                  <a:rPr lang="zh-CN" altLang="en-US">
+                  <a:rPr lang="en-US" altLang="en-US">
                     <a:noFill/>
                   </a:rPr>
                   <a:t> </a:t>
@@ -9398,22 +8700,17 @@
         </mc:Fallback>
       </mc:AlternateContent>
     </p:spTree>
-    <p:extLst>
-      <p:ext uri="{BB962C8B-B14F-4D97-AF65-F5344CB8AC3E}">
-        <p14:creationId xmlns:p14="http://schemas.microsoft.com/office/powerpoint/2010/main" val="3446584106"/>
-      </p:ext>
-    </p:extLst>
   </p:cSld>
   <p:clrMapOvr>
     <a:masterClrMapping/>
   </p:clrMapOvr>
-  <mc:AlternateContent xmlns:mc="http://schemas.openxmlformats.org/markup-compatibility/2006" xmlns:p14="http://schemas.microsoft.com/office/powerpoint/2010/main">
-    <mc:Choice Requires="p14">
+  <mc:AlternateContent xmlns:mc="http://schemas.openxmlformats.org/markup-compatibility/2006">
+    <mc:Choice xmlns:p14="http://schemas.microsoft.com/office/powerpoint/2010/main" Requires="p14">
       <p:transition spd="med" p14:dur="700">
         <p:fade/>
       </p:transition>
     </mc:Choice>
-    <mc:Fallback xmlns="">
+    <mc:Fallback>
       <p:transition spd="med">
         <p:fade/>
       </p:transition>
@@ -9441,13 +8738,7 @@
       </p:grpSpPr>
       <p:grpSp>
         <p:nvGrpSpPr>
-          <p:cNvPr id="6" name="组合 5">
-            <a:extLst>
-              <a:ext uri="{FF2B5EF4-FFF2-40B4-BE49-F238E27FC236}">
-                <a16:creationId xmlns:a16="http://schemas.microsoft.com/office/drawing/2014/main" id="{6A978EE0-6762-4070-9208-727D6A2C888D}"/>
-              </a:ext>
-            </a:extLst>
-          </p:cNvPr>
+          <p:cNvPr id="6" name="组合 5"/>
           <p:cNvGrpSpPr/>
           <p:nvPr/>
         </p:nvGrpSpPr>
@@ -9461,13 +8752,7 @@
         </p:grpSpPr>
         <p:sp>
           <p:nvSpPr>
-            <p:cNvPr id="2" name="矩形 1">
-              <a:extLst>
-                <a:ext uri="{FF2B5EF4-FFF2-40B4-BE49-F238E27FC236}">
-                  <a16:creationId xmlns:a16="http://schemas.microsoft.com/office/drawing/2014/main" id="{0BBA72C2-6658-4903-90B0-3DB09CD96F31}"/>
-                </a:ext>
-              </a:extLst>
-            </p:cNvPr>
+            <p:cNvPr id="2" name="矩形 1"/>
             <p:cNvSpPr/>
             <p:nvPr/>
           </p:nvSpPr>
@@ -9513,13 +8798,7 @@
         </p:sp>
         <p:sp>
           <p:nvSpPr>
-            <p:cNvPr id="3" name="矩形 2">
-              <a:extLst>
-                <a:ext uri="{FF2B5EF4-FFF2-40B4-BE49-F238E27FC236}">
-                  <a16:creationId xmlns:a16="http://schemas.microsoft.com/office/drawing/2014/main" id="{C88DC6F7-3F54-4EFD-919D-1EC401B96C18}"/>
-                </a:ext>
-              </a:extLst>
-            </p:cNvPr>
+            <p:cNvPr id="3" name="矩形 2"/>
             <p:cNvSpPr/>
             <p:nvPr/>
           </p:nvSpPr>
@@ -9565,13 +8844,7 @@
         </p:sp>
         <p:cxnSp>
           <p:nvCxnSpPr>
-            <p:cNvPr id="5" name="直接连接符 4">
-              <a:extLst>
-                <a:ext uri="{FF2B5EF4-FFF2-40B4-BE49-F238E27FC236}">
-                  <a16:creationId xmlns:a16="http://schemas.microsoft.com/office/drawing/2014/main" id="{ABB1D33E-6A58-4E88-95E9-6A4048F9D03F}"/>
-                </a:ext>
-              </a:extLst>
-            </p:cNvPr>
+            <p:cNvPr id="5" name="直接连接符 4"/>
             <p:cNvCxnSpPr/>
             <p:nvPr/>
           </p:nvCxnSpPr>
@@ -9607,20 +8880,14 @@
       </p:grpSp>
       <p:pic>
         <p:nvPicPr>
-          <p:cNvPr id="8" name="图片 7">
-            <a:extLst>
-              <a:ext uri="{FF2B5EF4-FFF2-40B4-BE49-F238E27FC236}">
-                <a16:creationId xmlns:a16="http://schemas.microsoft.com/office/drawing/2014/main" id="{DD0E7411-EFC8-4009-A22F-AE54C44AD598}"/>
-              </a:ext>
-            </a:extLst>
-          </p:cNvPr>
+          <p:cNvPr id="8" name="图片 7"/>
           <p:cNvPicPr>
             <a:picLocks noChangeAspect="1"/>
           </p:cNvPicPr>
           <p:nvPr/>
         </p:nvPicPr>
         <p:blipFill>
-          <a:blip r:embed="rId2">
+          <a:blip r:embed="rId1">
             <a:extLst>
               <a:ext uri="{28A0092B-C50C-407E-A947-70E740481C1C}">
                 <a14:useLocalDpi xmlns:a14="http://schemas.microsoft.com/office/drawing/2010/main" val="0"/>
@@ -9643,13 +8910,7 @@
       </p:pic>
       <p:sp>
         <p:nvSpPr>
-          <p:cNvPr id="9" name="文本框 8">
-            <a:extLst>
-              <a:ext uri="{FF2B5EF4-FFF2-40B4-BE49-F238E27FC236}">
-                <a16:creationId xmlns:a16="http://schemas.microsoft.com/office/drawing/2014/main" id="{29E2F821-98A7-4B7B-811D-5DAD6270ADCA}"/>
-              </a:ext>
-            </a:extLst>
-          </p:cNvPr>
+          <p:cNvPr id="9" name="文本框 8"/>
           <p:cNvSpPr txBox="1"/>
           <p:nvPr/>
         </p:nvSpPr>
@@ -9689,13 +8950,7 @@
         <mc:Choice xmlns:a14="http://schemas.microsoft.com/office/drawing/2010/main" Requires="a14">
           <p:sp>
             <p:nvSpPr>
-              <p:cNvPr id="7" name="文本框 6">
-                <a:extLst>
-                  <a:ext uri="{FF2B5EF4-FFF2-40B4-BE49-F238E27FC236}">
-                    <a16:creationId xmlns:a16="http://schemas.microsoft.com/office/drawing/2014/main" id="{9D98E320-1C02-A770-AB95-2ECB105EAC17}"/>
-                  </a:ext>
-                </a:extLst>
-              </p:cNvPr>
+              <p:cNvPr id="7" name="文本框 6"/>
               <p:cNvSpPr txBox="1"/>
               <p:nvPr/>
             </p:nvSpPr>
@@ -9724,6 +8979,7 @@
                   <a:rPr lang="en-US" altLang="zh-CN" sz="2400" dirty="0"/>
                   <a:t>Time complexity in one step:</a:t>
                 </a:r>
+                <a:endParaRPr lang="en-US" altLang="zh-CN" sz="2400" dirty="0"/>
               </a:p>
               <a:p>
                 <a:pPr marL="342900" indent="-342900">
@@ -9751,6 +9007,7 @@
                   <a:rPr lang="en-US" altLang="zh-CN" sz="2400" dirty="0"/>
                   <a:t>): O(1)</a:t>
                 </a:r>
+                <a:endParaRPr lang="en-US" altLang="zh-CN" sz="2400" dirty="0"/>
               </a:p>
               <a:p>
                 <a:pPr marL="342900" indent="-342900">
@@ -9793,6 +9050,7 @@
                   <a:rPr lang="en-US" altLang="zh-CN" sz="2400" dirty="0"/>
                   <a:t>: O(1)</a:t>
                 </a:r>
+                <a:endParaRPr lang="en-US" altLang="zh-CN" sz="2400" dirty="0"/>
               </a:p>
               <a:p>
                 <a:r>
@@ -10354,6 +9612,9 @@
                   </a:rPr>
                   <a:t>Noted that the parameter values have an important impact on the solution. We need to adjust the parameters to ensure the accuracy of the solution.</a:t>
                 </a:r>
+                <a:endParaRPr lang="en-US" altLang="zh-CN" sz="2400" dirty="0">
+                  <a:latin typeface="+mn-ea"/>
+                </a:endParaRPr>
               </a:p>
             </p:txBody>
           </p:sp>
@@ -10361,13 +9622,7 @@
         <mc:Fallback>
           <p:sp>
             <p:nvSpPr>
-              <p:cNvPr id="7" name="文本框 6">
-                <a:extLst>
-                  <a:ext uri="{FF2B5EF4-FFF2-40B4-BE49-F238E27FC236}">
-                    <a16:creationId xmlns:a16="http://schemas.microsoft.com/office/drawing/2014/main" id="{9D98E320-1C02-A770-AB95-2ECB105EAC17}"/>
-                  </a:ext>
-                </a:extLst>
-              </p:cNvPr>
+              <p:cNvPr id="7" name="文本框 6"/>
               <p:cNvSpPr txBox="1">
                 <a:spLocks noRot="1" noChangeAspect="1" noMove="1" noResize="1" noEditPoints="1" noAdjustHandles="1" noChangeArrowheads="1" noChangeShapeType="1" noTextEdit="1"/>
               </p:cNvSpPr>
@@ -10381,10 +9636,10 @@
               <a:prstGeom prst="rect">
                 <a:avLst/>
               </a:prstGeom>
-              <a:blipFill>
-                <a:blip r:embed="rId3"/>
+              <a:blipFill rotWithShape="1">
+                <a:blip r:embed="rId2"/>
                 <a:stretch>
-                  <a:fillRect l="-813" t="-1026" b="-2346"/>
+                  <a:fillRect l="-1" t="-11" r="6" b="-2383"/>
                 </a:stretch>
               </a:blipFill>
             </p:spPr>
@@ -10393,7 +9648,7 @@
               <a:lstStyle/>
               <a:p>
                 <a:r>
-                  <a:rPr lang="zh-CN" altLang="en-US">
+                  <a:rPr lang="en-US" altLang="en-US">
                     <a:noFill/>
                   </a:rPr>
                   <a:t> </a:t>
@@ -10404,22 +9659,17 @@
         </mc:Fallback>
       </mc:AlternateContent>
     </p:spTree>
-    <p:extLst>
-      <p:ext uri="{BB962C8B-B14F-4D97-AF65-F5344CB8AC3E}">
-        <p14:creationId xmlns:p14="http://schemas.microsoft.com/office/powerpoint/2010/main" val="3839324301"/>
-      </p:ext>
-    </p:extLst>
   </p:cSld>
   <p:clrMapOvr>
     <a:masterClrMapping/>
   </p:clrMapOvr>
-  <mc:AlternateContent xmlns:mc="http://schemas.openxmlformats.org/markup-compatibility/2006" xmlns:p14="http://schemas.microsoft.com/office/powerpoint/2010/main">
-    <mc:Choice Requires="p14">
+  <mc:AlternateContent xmlns:mc="http://schemas.openxmlformats.org/markup-compatibility/2006">
+    <mc:Choice xmlns:p14="http://schemas.microsoft.com/office/powerpoint/2010/main" Requires="p14">
       <p:transition spd="med" p14:dur="700">
         <p:fade/>
       </p:transition>
     </mc:Choice>
-    <mc:Fallback xmlns="">
+    <mc:Fallback>
       <p:transition spd="med">
         <p:fade/>
       </p:transition>
@@ -10447,16 +9697,8 @@
       </p:grpSpPr>
       <p:sp>
         <p:nvSpPr>
-          <p:cNvPr id="3" name="文本占位符 7">
-            <a:extLst>
-              <a:ext uri="{FF2B5EF4-FFF2-40B4-BE49-F238E27FC236}">
-                <a16:creationId xmlns:a16="http://schemas.microsoft.com/office/drawing/2014/main" id="{EBC32E5D-6A59-45C3-9ED1-2070B4C8A47E}"/>
-              </a:ext>
-            </a:extLst>
-          </p:cNvPr>
-          <p:cNvSpPr txBox="1">
-            <a:spLocks/>
-          </p:cNvSpPr>
+          <p:cNvPr id="3" name="文本占位符 7"/>
+          <p:cNvSpPr txBox="1"/>
           <p:nvPr/>
         </p:nvSpPr>
         <p:spPr>
@@ -10590,13 +9832,7 @@
       </p:sp>
       <p:sp>
         <p:nvSpPr>
-          <p:cNvPr id="5" name="矩形 4">
-            <a:extLst>
-              <a:ext uri="{FF2B5EF4-FFF2-40B4-BE49-F238E27FC236}">
-                <a16:creationId xmlns:a16="http://schemas.microsoft.com/office/drawing/2014/main" id="{0D81D8D2-8A83-42E3-86DB-56BF0F32563E}"/>
-              </a:ext>
-            </a:extLst>
-          </p:cNvPr>
+          <p:cNvPr id="5" name="矩形 4"/>
           <p:cNvSpPr/>
           <p:nvPr/>
         </p:nvSpPr>
@@ -10642,16 +9878,8 @@
       </p:sp>
       <p:sp>
         <p:nvSpPr>
-          <p:cNvPr id="6" name="文本占位符 9">
-            <a:extLst>
-              <a:ext uri="{FF2B5EF4-FFF2-40B4-BE49-F238E27FC236}">
-                <a16:creationId xmlns:a16="http://schemas.microsoft.com/office/drawing/2014/main" id="{96FDE63E-6F26-45D3-A70F-D4EF5DD888A9}"/>
-              </a:ext>
-            </a:extLst>
-          </p:cNvPr>
-          <p:cNvSpPr txBox="1">
-            <a:spLocks/>
-          </p:cNvSpPr>
+          <p:cNvPr id="6" name="文本占位符 9"/>
+          <p:cNvSpPr txBox="1"/>
           <p:nvPr/>
         </p:nvSpPr>
         <p:spPr>
@@ -10783,13 +10011,7 @@
       </p:sp>
       <p:sp>
         <p:nvSpPr>
-          <p:cNvPr id="7" name="矩形: 圆角 6">
-            <a:extLst>
-              <a:ext uri="{FF2B5EF4-FFF2-40B4-BE49-F238E27FC236}">
-                <a16:creationId xmlns:a16="http://schemas.microsoft.com/office/drawing/2014/main" id="{E94F8EBD-3E9E-403E-845F-399B3A89E8CA}"/>
-              </a:ext>
-            </a:extLst>
-          </p:cNvPr>
+          <p:cNvPr id="7" name="矩形: 圆角 6"/>
           <p:cNvSpPr/>
           <p:nvPr/>
         </p:nvSpPr>
@@ -10837,22 +10059,17 @@
         </p:txBody>
       </p:sp>
     </p:spTree>
-    <p:extLst>
-      <p:ext uri="{BB962C8B-B14F-4D97-AF65-F5344CB8AC3E}">
-        <p14:creationId xmlns:p14="http://schemas.microsoft.com/office/powerpoint/2010/main" val="3399146986"/>
-      </p:ext>
-    </p:extLst>
   </p:cSld>
   <p:clrMapOvr>
     <a:masterClrMapping/>
   </p:clrMapOvr>
-  <mc:AlternateContent xmlns:mc="http://schemas.openxmlformats.org/markup-compatibility/2006" xmlns:p14="http://schemas.microsoft.com/office/powerpoint/2010/main">
-    <mc:Choice Requires="p14">
+  <mc:AlternateContent xmlns:mc="http://schemas.openxmlformats.org/markup-compatibility/2006">
+    <mc:Choice xmlns:p14="http://schemas.microsoft.com/office/powerpoint/2010/main" Requires="p14">
       <p:transition spd="med" p14:dur="700">
         <p:fade/>
       </p:transition>
     </mc:Choice>
-    <mc:Fallback xmlns="">
+    <mc:Fallback>
       <p:transition spd="med">
         <p:fade/>
       </p:transition>
@@ -10880,13 +10097,7 @@
       </p:grpSpPr>
       <p:grpSp>
         <p:nvGrpSpPr>
-          <p:cNvPr id="6" name="组合 5">
-            <a:extLst>
-              <a:ext uri="{FF2B5EF4-FFF2-40B4-BE49-F238E27FC236}">
-                <a16:creationId xmlns:a16="http://schemas.microsoft.com/office/drawing/2014/main" id="{6A978EE0-6762-4070-9208-727D6A2C888D}"/>
-              </a:ext>
-            </a:extLst>
-          </p:cNvPr>
+          <p:cNvPr id="6" name="组合 5"/>
           <p:cNvGrpSpPr/>
           <p:nvPr/>
         </p:nvGrpSpPr>
@@ -10900,13 +10111,7 @@
         </p:grpSpPr>
         <p:sp>
           <p:nvSpPr>
-            <p:cNvPr id="2" name="矩形 1">
-              <a:extLst>
-                <a:ext uri="{FF2B5EF4-FFF2-40B4-BE49-F238E27FC236}">
-                  <a16:creationId xmlns:a16="http://schemas.microsoft.com/office/drawing/2014/main" id="{0BBA72C2-6658-4903-90B0-3DB09CD96F31}"/>
-                </a:ext>
-              </a:extLst>
-            </p:cNvPr>
+            <p:cNvPr id="2" name="矩形 1"/>
             <p:cNvSpPr/>
             <p:nvPr/>
           </p:nvSpPr>
@@ -10952,13 +10157,7 @@
         </p:sp>
         <p:sp>
           <p:nvSpPr>
-            <p:cNvPr id="3" name="矩形 2">
-              <a:extLst>
-                <a:ext uri="{FF2B5EF4-FFF2-40B4-BE49-F238E27FC236}">
-                  <a16:creationId xmlns:a16="http://schemas.microsoft.com/office/drawing/2014/main" id="{C88DC6F7-3F54-4EFD-919D-1EC401B96C18}"/>
-                </a:ext>
-              </a:extLst>
-            </p:cNvPr>
+            <p:cNvPr id="3" name="矩形 2"/>
             <p:cNvSpPr/>
             <p:nvPr/>
           </p:nvSpPr>
@@ -11004,13 +10203,7 @@
         </p:sp>
         <p:cxnSp>
           <p:nvCxnSpPr>
-            <p:cNvPr id="5" name="直接连接符 4">
-              <a:extLst>
-                <a:ext uri="{FF2B5EF4-FFF2-40B4-BE49-F238E27FC236}">
-                  <a16:creationId xmlns:a16="http://schemas.microsoft.com/office/drawing/2014/main" id="{ABB1D33E-6A58-4E88-95E9-6A4048F9D03F}"/>
-                </a:ext>
-              </a:extLst>
-            </p:cNvPr>
+            <p:cNvPr id="5" name="直接连接符 4"/>
             <p:cNvCxnSpPr/>
             <p:nvPr/>
           </p:nvCxnSpPr>
@@ -11046,20 +10239,14 @@
       </p:grpSp>
       <p:pic>
         <p:nvPicPr>
-          <p:cNvPr id="8" name="图片 7">
-            <a:extLst>
-              <a:ext uri="{FF2B5EF4-FFF2-40B4-BE49-F238E27FC236}">
-                <a16:creationId xmlns:a16="http://schemas.microsoft.com/office/drawing/2014/main" id="{DD0E7411-EFC8-4009-A22F-AE54C44AD598}"/>
-              </a:ext>
-            </a:extLst>
-          </p:cNvPr>
+          <p:cNvPr id="8" name="图片 7"/>
           <p:cNvPicPr>
             <a:picLocks noChangeAspect="1"/>
           </p:cNvPicPr>
           <p:nvPr/>
         </p:nvPicPr>
         <p:blipFill>
-          <a:blip r:embed="rId2">
+          <a:blip r:embed="rId1">
             <a:extLst>
               <a:ext uri="{28A0092B-C50C-407E-A947-70E740481C1C}">
                 <a14:useLocalDpi xmlns:a14="http://schemas.microsoft.com/office/drawing/2010/main" val="0"/>
@@ -11082,13 +10269,7 @@
       </p:pic>
       <p:sp>
         <p:nvSpPr>
-          <p:cNvPr id="9" name="文本框 8">
-            <a:extLst>
-              <a:ext uri="{FF2B5EF4-FFF2-40B4-BE49-F238E27FC236}">
-                <a16:creationId xmlns:a16="http://schemas.microsoft.com/office/drawing/2014/main" id="{29E2F821-98A7-4B7B-811D-5DAD6270ADCA}"/>
-              </a:ext>
-            </a:extLst>
-          </p:cNvPr>
+          <p:cNvPr id="9" name="文本框 8"/>
           <p:cNvSpPr txBox="1"/>
           <p:nvPr/>
         </p:nvSpPr>
@@ -11126,13 +10307,7 @@
       </p:sp>
       <p:sp>
         <p:nvSpPr>
-          <p:cNvPr id="10" name="文本框 9">
-            <a:extLst>
-              <a:ext uri="{FF2B5EF4-FFF2-40B4-BE49-F238E27FC236}">
-                <a16:creationId xmlns:a16="http://schemas.microsoft.com/office/drawing/2014/main" id="{ADADF9A3-D4C7-F7A3-D6D2-2B4EB576024F}"/>
-              </a:ext>
-            </a:extLst>
-          </p:cNvPr>
+          <p:cNvPr id="10" name="文本框 9"/>
           <p:cNvSpPr txBox="1"/>
           <p:nvPr/>
         </p:nvSpPr>
@@ -11228,18 +10403,19 @@
               </a:rPr>
               <a:t>, aimed at evaluating the computable range of DP under large-scale data and performing fitting analysis on its empirical time complexity.</a:t>
             </a:r>
+            <a:endParaRPr lang="en-US" altLang="zh-CN" sz="2400" b="0" i="0" dirty="0">
+              <a:solidFill>
+                <a:srgbClr val="0F1115"/>
+              </a:solidFill>
+              <a:effectLst/>
+              <a:latin typeface="+mn-ea"/>
+            </a:endParaRPr>
           </a:p>
         </p:txBody>
       </p:sp>
       <p:sp>
         <p:nvSpPr>
-          <p:cNvPr id="15" name="文本框 14">
-            <a:extLst>
-              <a:ext uri="{FF2B5EF4-FFF2-40B4-BE49-F238E27FC236}">
-                <a16:creationId xmlns:a16="http://schemas.microsoft.com/office/drawing/2014/main" id="{41933058-686A-E100-EBDF-609EA33A080C}"/>
-              </a:ext>
-            </a:extLst>
-          </p:cNvPr>
+          <p:cNvPr id="15" name="文本框 14"/>
           <p:cNvSpPr txBox="1"/>
           <p:nvPr/>
         </p:nvSpPr>
@@ -11315,26 +10491,28 @@
               </a:rPr>
               <a:t>, used for benchmarking the runtime performance of DFS under conventional scales.</a:t>
             </a:r>
+            <a:endParaRPr lang="en-US" altLang="zh-CN" sz="2400" b="0" i="0" dirty="0">
+              <a:solidFill>
+                <a:srgbClr val="0F1115"/>
+              </a:solidFill>
+              <a:effectLst/>
+              <a:latin typeface="+mn-ea"/>
+            </a:endParaRPr>
           </a:p>
         </p:txBody>
       </p:sp>
     </p:spTree>
-    <p:extLst>
-      <p:ext uri="{BB962C8B-B14F-4D97-AF65-F5344CB8AC3E}">
-        <p14:creationId xmlns:p14="http://schemas.microsoft.com/office/powerpoint/2010/main" val="3924728006"/>
-      </p:ext>
-    </p:extLst>
   </p:cSld>
   <p:clrMapOvr>
     <a:masterClrMapping/>
   </p:clrMapOvr>
-  <mc:AlternateContent xmlns:mc="http://schemas.openxmlformats.org/markup-compatibility/2006" xmlns:p14="http://schemas.microsoft.com/office/powerpoint/2010/main">
-    <mc:Choice Requires="p14">
+  <mc:AlternateContent xmlns:mc="http://schemas.openxmlformats.org/markup-compatibility/2006">
+    <mc:Choice xmlns:p14="http://schemas.microsoft.com/office/powerpoint/2010/main" Requires="p14">
       <p:transition spd="med" p14:dur="700">
         <p:fade/>
       </p:transition>
     </mc:Choice>
-    <mc:Fallback xmlns="">
+    <mc:Fallback>
       <p:transition spd="med">
         <p:fade/>
       </p:transition>
@@ -11362,16 +10540,8 @@
       </p:grpSpPr>
       <p:sp>
         <p:nvSpPr>
-          <p:cNvPr id="19" name="文本占位符 9">
-            <a:extLst>
-              <a:ext uri="{FF2B5EF4-FFF2-40B4-BE49-F238E27FC236}">
-                <a16:creationId xmlns:a16="http://schemas.microsoft.com/office/drawing/2014/main" id="{E58531CA-3B04-494D-9628-8AF5FB87348D}"/>
-              </a:ext>
-            </a:extLst>
-          </p:cNvPr>
-          <p:cNvSpPr txBox="1">
-            <a:spLocks/>
-          </p:cNvSpPr>
+          <p:cNvPr id="19" name="文本占位符 9"/>
+          <p:cNvSpPr txBox="1"/>
           <p:nvPr/>
         </p:nvSpPr>
         <p:spPr>
@@ -11506,16 +10676,8 @@
       </p:sp>
       <p:sp>
         <p:nvSpPr>
-          <p:cNvPr id="21" name="文本占位符 9">
-            <a:extLst>
-              <a:ext uri="{FF2B5EF4-FFF2-40B4-BE49-F238E27FC236}">
-                <a16:creationId xmlns:a16="http://schemas.microsoft.com/office/drawing/2014/main" id="{D5AA9880-A104-4717-BCC5-D5BD986CC4EE}"/>
-              </a:ext>
-            </a:extLst>
-          </p:cNvPr>
-          <p:cNvSpPr txBox="1">
-            <a:spLocks/>
-          </p:cNvSpPr>
+          <p:cNvPr id="21" name="文本占位符 9"/>
+          <p:cNvSpPr txBox="1"/>
           <p:nvPr/>
         </p:nvSpPr>
         <p:spPr>
@@ -11650,13 +10812,7 @@
       </p:sp>
       <p:sp>
         <p:nvSpPr>
-          <p:cNvPr id="39" name="矩形 38">
-            <a:extLst>
-              <a:ext uri="{FF2B5EF4-FFF2-40B4-BE49-F238E27FC236}">
-                <a16:creationId xmlns:a16="http://schemas.microsoft.com/office/drawing/2014/main" id="{39B6571D-3351-4E1F-B282-13814EA3955E}"/>
-              </a:ext>
-            </a:extLst>
-          </p:cNvPr>
+          <p:cNvPr id="39" name="矩形 38"/>
           <p:cNvSpPr/>
           <p:nvPr/>
         </p:nvSpPr>
@@ -11705,13 +10861,7 @@
       </p:sp>
       <p:sp>
         <p:nvSpPr>
-          <p:cNvPr id="16" name="椭圆 15">
-            <a:extLst>
-              <a:ext uri="{FF2B5EF4-FFF2-40B4-BE49-F238E27FC236}">
-                <a16:creationId xmlns:a16="http://schemas.microsoft.com/office/drawing/2014/main" id="{635DB516-2291-4206-9425-EF067A090E4A}"/>
-              </a:ext>
-            </a:extLst>
-          </p:cNvPr>
+          <p:cNvPr id="16" name="椭圆 15"/>
           <p:cNvSpPr/>
           <p:nvPr/>
         </p:nvSpPr>
@@ -11767,13 +10917,7 @@
       </p:sp>
       <p:sp>
         <p:nvSpPr>
-          <p:cNvPr id="14" name="文本框 13">
-            <a:extLst>
-              <a:ext uri="{FF2B5EF4-FFF2-40B4-BE49-F238E27FC236}">
-                <a16:creationId xmlns:a16="http://schemas.microsoft.com/office/drawing/2014/main" id="{3394BD53-4B53-46FC-AB5B-F1E5AE9AA38B}"/>
-              </a:ext>
-            </a:extLst>
-          </p:cNvPr>
+          <p:cNvPr id="14" name="文本框 13"/>
           <p:cNvSpPr txBox="1"/>
           <p:nvPr/>
         </p:nvSpPr>
@@ -11830,13 +10974,7 @@
       </p:sp>
       <p:sp>
         <p:nvSpPr>
-          <p:cNvPr id="22" name="椭圆 21">
-            <a:extLst>
-              <a:ext uri="{FF2B5EF4-FFF2-40B4-BE49-F238E27FC236}">
-                <a16:creationId xmlns:a16="http://schemas.microsoft.com/office/drawing/2014/main" id="{DD45444E-D34B-4098-8ACD-8A4301513AE7}"/>
-              </a:ext>
-            </a:extLst>
-          </p:cNvPr>
+          <p:cNvPr id="22" name="椭圆 21"/>
           <p:cNvSpPr/>
           <p:nvPr/>
         </p:nvSpPr>
@@ -11892,13 +11030,7 @@
       </p:sp>
       <p:sp>
         <p:nvSpPr>
-          <p:cNvPr id="23" name="文本框 22">
-            <a:extLst>
-              <a:ext uri="{FF2B5EF4-FFF2-40B4-BE49-F238E27FC236}">
-                <a16:creationId xmlns:a16="http://schemas.microsoft.com/office/drawing/2014/main" id="{76924AE3-E386-410B-8364-CACF3BEAF00D}"/>
-              </a:ext>
-            </a:extLst>
-          </p:cNvPr>
+          <p:cNvPr id="23" name="文本框 22"/>
           <p:cNvSpPr txBox="1"/>
           <p:nvPr/>
         </p:nvSpPr>
@@ -11955,13 +11087,7 @@
       </p:sp>
       <p:sp>
         <p:nvSpPr>
-          <p:cNvPr id="27" name="椭圆 26">
-            <a:extLst>
-              <a:ext uri="{FF2B5EF4-FFF2-40B4-BE49-F238E27FC236}">
-                <a16:creationId xmlns:a16="http://schemas.microsoft.com/office/drawing/2014/main" id="{3F7C26D6-E082-4A34-B901-94A95B5FB122}"/>
-              </a:ext>
-            </a:extLst>
-          </p:cNvPr>
+          <p:cNvPr id="27" name="椭圆 26"/>
           <p:cNvSpPr/>
           <p:nvPr/>
         </p:nvSpPr>
@@ -12017,13 +11143,7 @@
       </p:sp>
       <p:sp>
         <p:nvSpPr>
-          <p:cNvPr id="28" name="文本框 27">
-            <a:extLst>
-              <a:ext uri="{FF2B5EF4-FFF2-40B4-BE49-F238E27FC236}">
-                <a16:creationId xmlns:a16="http://schemas.microsoft.com/office/drawing/2014/main" id="{977ED2F1-F165-4D36-B040-1D6888073236}"/>
-              </a:ext>
-            </a:extLst>
-          </p:cNvPr>
+          <p:cNvPr id="28" name="文本框 27"/>
           <p:cNvSpPr txBox="1"/>
           <p:nvPr/>
         </p:nvSpPr>
@@ -12080,13 +11200,7 @@
       </p:sp>
       <p:sp>
         <p:nvSpPr>
-          <p:cNvPr id="40" name="文本框 39">
-            <a:extLst>
-              <a:ext uri="{FF2B5EF4-FFF2-40B4-BE49-F238E27FC236}">
-                <a16:creationId xmlns:a16="http://schemas.microsoft.com/office/drawing/2014/main" id="{F877AB13-19B7-4045-8A11-871D21DDD0BD}"/>
-              </a:ext>
-            </a:extLst>
-          </p:cNvPr>
+          <p:cNvPr id="40" name="文本框 39"/>
           <p:cNvSpPr txBox="1"/>
           <p:nvPr/>
         </p:nvSpPr>
@@ -12143,16 +11257,8 @@
       </p:sp>
       <p:sp>
         <p:nvSpPr>
-          <p:cNvPr id="31" name="文本占位符 9">
-            <a:extLst>
-              <a:ext uri="{FF2B5EF4-FFF2-40B4-BE49-F238E27FC236}">
-                <a16:creationId xmlns:a16="http://schemas.microsoft.com/office/drawing/2014/main" id="{B4171F9E-281B-4A7B-B0F5-F24157CB6841}"/>
-              </a:ext>
-            </a:extLst>
-          </p:cNvPr>
-          <p:cNvSpPr txBox="1">
-            <a:spLocks/>
-          </p:cNvSpPr>
+          <p:cNvPr id="31" name="文本占位符 9"/>
+          <p:cNvSpPr txBox="1"/>
           <p:nvPr/>
         </p:nvSpPr>
         <p:spPr>
@@ -12287,13 +11393,7 @@
       </p:sp>
       <p:sp>
         <p:nvSpPr>
-          <p:cNvPr id="29" name="矩形: 圆角 28">
-            <a:extLst>
-              <a:ext uri="{FF2B5EF4-FFF2-40B4-BE49-F238E27FC236}">
-                <a16:creationId xmlns:a16="http://schemas.microsoft.com/office/drawing/2014/main" id="{C9AC30D8-98B1-481D-9482-889319CBEB73}"/>
-              </a:ext>
-            </a:extLst>
-          </p:cNvPr>
+          <p:cNvPr id="29" name="矩形: 圆角 28"/>
           <p:cNvSpPr/>
           <p:nvPr/>
         </p:nvSpPr>
@@ -12345,16 +11445,8 @@
       </p:sp>
       <p:sp>
         <p:nvSpPr>
-          <p:cNvPr id="12" name="文本占位符 9">
-            <a:extLst>
-              <a:ext uri="{FF2B5EF4-FFF2-40B4-BE49-F238E27FC236}">
-                <a16:creationId xmlns:a16="http://schemas.microsoft.com/office/drawing/2014/main" id="{C13F5147-793D-5E56-FDCA-0723CBA6CC96}"/>
-              </a:ext>
-            </a:extLst>
-          </p:cNvPr>
-          <p:cNvSpPr txBox="1">
-            <a:spLocks/>
-          </p:cNvSpPr>
+          <p:cNvPr id="12" name="文本占位符 9"/>
+          <p:cNvSpPr txBox="1"/>
           <p:nvPr/>
         </p:nvSpPr>
         <p:spPr>
@@ -12489,13 +11581,7 @@
       </p:sp>
       <p:sp>
         <p:nvSpPr>
-          <p:cNvPr id="15" name="椭圆 14">
-            <a:extLst>
-              <a:ext uri="{FF2B5EF4-FFF2-40B4-BE49-F238E27FC236}">
-                <a16:creationId xmlns:a16="http://schemas.microsoft.com/office/drawing/2014/main" id="{61670A56-873D-7BF8-88AA-28A2EB19670C}"/>
-              </a:ext>
-            </a:extLst>
-          </p:cNvPr>
+          <p:cNvPr id="15" name="椭圆 14"/>
           <p:cNvSpPr/>
           <p:nvPr/>
         </p:nvSpPr>
@@ -12551,13 +11637,7 @@
       </p:sp>
       <p:sp>
         <p:nvSpPr>
-          <p:cNvPr id="17" name="文本框 16">
-            <a:extLst>
-              <a:ext uri="{FF2B5EF4-FFF2-40B4-BE49-F238E27FC236}">
-                <a16:creationId xmlns:a16="http://schemas.microsoft.com/office/drawing/2014/main" id="{ED8E008A-939E-F58F-534B-2F0D264C7CFD}"/>
-              </a:ext>
-            </a:extLst>
-          </p:cNvPr>
+          <p:cNvPr id="17" name="文本框 16"/>
           <p:cNvSpPr txBox="1"/>
           <p:nvPr/>
         </p:nvSpPr>
@@ -12613,22 +11693,17 @@
         </p:txBody>
       </p:sp>
     </p:spTree>
-    <p:extLst>
-      <p:ext uri="{BB962C8B-B14F-4D97-AF65-F5344CB8AC3E}">
-        <p14:creationId xmlns:p14="http://schemas.microsoft.com/office/powerpoint/2010/main" val="1369830559"/>
-      </p:ext>
-    </p:extLst>
   </p:cSld>
   <p:clrMapOvr>
     <a:masterClrMapping/>
   </p:clrMapOvr>
-  <mc:AlternateContent xmlns:mc="http://schemas.openxmlformats.org/markup-compatibility/2006" xmlns:p14="http://schemas.microsoft.com/office/powerpoint/2010/main">
-    <mc:Choice Requires="p14">
+  <mc:AlternateContent xmlns:mc="http://schemas.openxmlformats.org/markup-compatibility/2006">
+    <mc:Choice xmlns:p14="http://schemas.microsoft.com/office/powerpoint/2010/main" Requires="p14">
       <p:transition spd="med" p14:dur="700">
         <p:fade/>
       </p:transition>
     </mc:Choice>
-    <mc:Fallback xmlns="">
+    <mc:Fallback>
       <p:transition spd="med">
         <p:fade/>
       </p:transition>
@@ -12656,13 +11731,7 @@
       </p:grpSpPr>
       <p:grpSp>
         <p:nvGrpSpPr>
-          <p:cNvPr id="6" name="组合 5">
-            <a:extLst>
-              <a:ext uri="{FF2B5EF4-FFF2-40B4-BE49-F238E27FC236}">
-                <a16:creationId xmlns:a16="http://schemas.microsoft.com/office/drawing/2014/main" id="{6A978EE0-6762-4070-9208-727D6A2C888D}"/>
-              </a:ext>
-            </a:extLst>
-          </p:cNvPr>
+          <p:cNvPr id="6" name="组合 5"/>
           <p:cNvGrpSpPr/>
           <p:nvPr/>
         </p:nvGrpSpPr>
@@ -12676,13 +11745,7 @@
         </p:grpSpPr>
         <p:sp>
           <p:nvSpPr>
-            <p:cNvPr id="2" name="矩形 1">
-              <a:extLst>
-                <a:ext uri="{FF2B5EF4-FFF2-40B4-BE49-F238E27FC236}">
-                  <a16:creationId xmlns:a16="http://schemas.microsoft.com/office/drawing/2014/main" id="{0BBA72C2-6658-4903-90B0-3DB09CD96F31}"/>
-                </a:ext>
-              </a:extLst>
-            </p:cNvPr>
+            <p:cNvPr id="2" name="矩形 1"/>
             <p:cNvSpPr/>
             <p:nvPr/>
           </p:nvSpPr>
@@ -12728,13 +11791,7 @@
         </p:sp>
         <p:sp>
           <p:nvSpPr>
-            <p:cNvPr id="3" name="矩形 2">
-              <a:extLst>
-                <a:ext uri="{FF2B5EF4-FFF2-40B4-BE49-F238E27FC236}">
-                  <a16:creationId xmlns:a16="http://schemas.microsoft.com/office/drawing/2014/main" id="{C88DC6F7-3F54-4EFD-919D-1EC401B96C18}"/>
-                </a:ext>
-              </a:extLst>
-            </p:cNvPr>
+            <p:cNvPr id="3" name="矩形 2"/>
             <p:cNvSpPr/>
             <p:nvPr/>
           </p:nvSpPr>
@@ -12780,13 +11837,7 @@
         </p:sp>
         <p:cxnSp>
           <p:nvCxnSpPr>
-            <p:cNvPr id="5" name="直接连接符 4">
-              <a:extLst>
-                <a:ext uri="{FF2B5EF4-FFF2-40B4-BE49-F238E27FC236}">
-                  <a16:creationId xmlns:a16="http://schemas.microsoft.com/office/drawing/2014/main" id="{ABB1D33E-6A58-4E88-95E9-6A4048F9D03F}"/>
-                </a:ext>
-              </a:extLst>
-            </p:cNvPr>
+            <p:cNvPr id="5" name="直接连接符 4"/>
             <p:cNvCxnSpPr/>
             <p:nvPr/>
           </p:nvCxnSpPr>
@@ -12822,20 +11873,14 @@
       </p:grpSp>
       <p:pic>
         <p:nvPicPr>
-          <p:cNvPr id="8" name="图片 7">
-            <a:extLst>
-              <a:ext uri="{FF2B5EF4-FFF2-40B4-BE49-F238E27FC236}">
-                <a16:creationId xmlns:a16="http://schemas.microsoft.com/office/drawing/2014/main" id="{DD0E7411-EFC8-4009-A22F-AE54C44AD598}"/>
-              </a:ext>
-            </a:extLst>
-          </p:cNvPr>
+          <p:cNvPr id="8" name="图片 7"/>
           <p:cNvPicPr>
             <a:picLocks noChangeAspect="1"/>
           </p:cNvPicPr>
           <p:nvPr/>
         </p:nvPicPr>
         <p:blipFill>
-          <a:blip r:embed="rId2">
+          <a:blip r:embed="rId1">
             <a:extLst>
               <a:ext uri="{28A0092B-C50C-407E-A947-70E740481C1C}">
                 <a14:useLocalDpi xmlns:a14="http://schemas.microsoft.com/office/drawing/2010/main" val="0"/>
@@ -12858,13 +11903,7 @@
       </p:pic>
       <p:sp>
         <p:nvSpPr>
-          <p:cNvPr id="9" name="文本框 8">
-            <a:extLst>
-              <a:ext uri="{FF2B5EF4-FFF2-40B4-BE49-F238E27FC236}">
-                <a16:creationId xmlns:a16="http://schemas.microsoft.com/office/drawing/2014/main" id="{29E2F821-98A7-4B7B-811D-5DAD6270ADCA}"/>
-              </a:ext>
-            </a:extLst>
-          </p:cNvPr>
+          <p:cNvPr id="9" name="文本框 8"/>
           <p:cNvSpPr txBox="1"/>
           <p:nvPr/>
         </p:nvSpPr>
@@ -12902,13 +11941,7 @@
       </p:sp>
       <p:sp>
         <p:nvSpPr>
-          <p:cNvPr id="7" name="文本框 6">
-            <a:extLst>
-              <a:ext uri="{FF2B5EF4-FFF2-40B4-BE49-F238E27FC236}">
-                <a16:creationId xmlns:a16="http://schemas.microsoft.com/office/drawing/2014/main" id="{EA209E87-B0FD-0750-E95D-A8DCFD72F788}"/>
-              </a:ext>
-            </a:extLst>
-          </p:cNvPr>
+          <p:cNvPr id="7" name="文本框 6"/>
           <p:cNvSpPr txBox="1"/>
           <p:nvPr/>
         </p:nvSpPr>
@@ -12963,6 +11996,13 @@
               </a:rPr>
               <a:t>, the DFS algorithm experiences a significant increase in computation time when its pruning strategy becomes ineffective. In some cases, the calculation time even becomes excessively long.</a:t>
             </a:r>
+            <a:endParaRPr lang="en-US" altLang="zh-CN" sz="2400" i="0" dirty="0">
+              <a:solidFill>
+                <a:srgbClr val="0F1115"/>
+              </a:solidFill>
+              <a:effectLst/>
+              <a:latin typeface="+mn-ea"/>
+            </a:endParaRPr>
           </a:p>
           <a:p>
             <a:r>
@@ -12982,1724 +12022,16 @@
       </p:sp>
       <mc:AlternateContent xmlns:mc="http://schemas.openxmlformats.org/markup-compatibility/2006">
         <mc:Choice xmlns:a14="http://schemas.microsoft.com/office/drawing/2010/main" Requires="a14">
-          <p:graphicFrame>
-            <p:nvGraphicFramePr>
-              <p:cNvPr id="11" name="表格 11">
-                <a:extLst>
-                  <a:ext uri="{FF2B5EF4-FFF2-40B4-BE49-F238E27FC236}">
-                    <a16:creationId xmlns:a16="http://schemas.microsoft.com/office/drawing/2014/main" id="{7014AC93-EDA8-0F64-E2FF-894A9CB072C6}"/>
-                  </a:ext>
-                </a:extLst>
-              </p:cNvPr>
-              <p:cNvGraphicFramePr>
-                <a:graphicFrameLocks noGrp="1"/>
-              </p:cNvGraphicFramePr>
-              <p:nvPr>
-                <p:extLst>
-                  <p:ext uri="{D42A27DB-BD31-4B8C-83A1-F6EECF244321}">
-                    <p14:modId xmlns:p14="http://schemas.microsoft.com/office/powerpoint/2010/main" val="3502293867"/>
-                  </p:ext>
-                </p:extLst>
-              </p:nvPr>
-            </p:nvGraphicFramePr>
-            <p:xfrm>
-              <a:off x="526472" y="2577535"/>
-              <a:ext cx="4809008" cy="3977640"/>
-            </p:xfrm>
-            <a:graphic>
-              <a:graphicData uri="http://schemas.openxmlformats.org/drawingml/2006/table">
-                <a:tbl>
-                  <a:tblPr firstRow="1" bandRow="1">
-                    <a:tableStyleId>{5C22544A-7EE6-4342-B048-85BDC9FD1C3A}</a:tableStyleId>
-                  </a:tblPr>
-                  <a:tblGrid>
-                    <a:gridCol w="680891">
-                      <a:extLst>
-                        <a:ext uri="{9D8B030D-6E8A-4147-A177-3AD203B41FA5}">
-                          <a16:colId xmlns:a16="http://schemas.microsoft.com/office/drawing/2014/main" val="4172842207"/>
-                        </a:ext>
-                      </a:extLst>
-                    </a:gridCol>
-                    <a:gridCol w="1083076">
-                      <a:extLst>
-                        <a:ext uri="{9D8B030D-6E8A-4147-A177-3AD203B41FA5}">
-                          <a16:colId xmlns:a16="http://schemas.microsoft.com/office/drawing/2014/main" val="4162194800"/>
-                        </a:ext>
-                      </a:extLst>
-                    </a:gridCol>
-                    <a:gridCol w="1083076">
-                      <a:extLst>
-                        <a:ext uri="{9D8B030D-6E8A-4147-A177-3AD203B41FA5}">
-                          <a16:colId xmlns:a16="http://schemas.microsoft.com/office/drawing/2014/main" val="1223569633"/>
-                        </a:ext>
-                      </a:extLst>
-                    </a:gridCol>
-                    <a:gridCol w="958788">
-                      <a:extLst>
-                        <a:ext uri="{9D8B030D-6E8A-4147-A177-3AD203B41FA5}">
-                          <a16:colId xmlns:a16="http://schemas.microsoft.com/office/drawing/2014/main" val="1645643747"/>
-                        </a:ext>
-                      </a:extLst>
-                    </a:gridCol>
-                    <a:gridCol w="1003177">
-                      <a:extLst>
-                        <a:ext uri="{9D8B030D-6E8A-4147-A177-3AD203B41FA5}">
-                          <a16:colId xmlns:a16="http://schemas.microsoft.com/office/drawing/2014/main" val="2080431657"/>
-                        </a:ext>
-                      </a:extLst>
-                    </a:gridCol>
-                  </a:tblGrid>
-                  <a:tr h="303315">
-                    <a:tc>
-                      <a:txBody>
-                        <a:bodyPr/>
-                        <a:lstStyle/>
-                        <a:p>
-                          <a14:m>
-                            <m:oMathPara xmlns:m="http://schemas.openxmlformats.org/officeDocument/2006/math">
-                              <m:oMathParaPr>
-                                <m:jc m:val="centerGroup"/>
-                              </m:oMathParaPr>
-                              <m:oMath xmlns:m="http://schemas.openxmlformats.org/officeDocument/2006/math">
-                                <m:r>
-                                  <a:rPr lang="en-US" altLang="zh-CN" b="1" i="1" smtClean="0">
-                                    <a:latin typeface="Cambria Math" panose="02040503050406030204" pitchFamily="18" charset="0"/>
-                                  </a:rPr>
-                                  <m:t>𝒏</m:t>
-                                </m:r>
-                              </m:oMath>
-                            </m:oMathPara>
-                          </a14:m>
-                          <a:endParaRPr lang="zh-CN" altLang="en-US" dirty="0"/>
-                        </a:p>
-                      </a:txBody>
-                      <a:tcPr/>
-                    </a:tc>
-                    <a:tc>
-                      <a:txBody>
-                        <a:bodyPr/>
-                        <a:lstStyle/>
-                        <a:p>
-                          <a:r>
-                            <a:rPr lang="en-US" altLang="zh-CN" dirty="0"/>
-                            <a:t>Average Time</a:t>
-                          </a:r>
-                          <a:endParaRPr lang="zh-CN" altLang="en-US" dirty="0"/>
-                        </a:p>
-                      </a:txBody>
-                      <a:tcPr/>
-                    </a:tc>
-                    <a:tc>
-                      <a:txBody>
-                        <a:bodyPr/>
-                        <a:lstStyle/>
-                        <a:p>
-                          <a:r>
-                            <a:rPr lang="en-US" altLang="zh-CN" dirty="0"/>
-                            <a:t>Max Time</a:t>
-                          </a:r>
-                          <a:endParaRPr lang="zh-CN" altLang="en-US" dirty="0"/>
-                        </a:p>
-                      </a:txBody>
-                      <a:tcPr/>
-                    </a:tc>
-                    <a:tc>
-                      <a:txBody>
-                        <a:bodyPr/>
-                        <a:lstStyle/>
-                        <a:p>
-                          <a:r>
-                            <a:rPr lang="en-US" altLang="zh-CN" dirty="0"/>
-                            <a:t>Min Time</a:t>
-                          </a:r>
-                          <a:endParaRPr lang="zh-CN" altLang="en-US" dirty="0"/>
-                        </a:p>
-                      </a:txBody>
-                      <a:tcPr/>
-                    </a:tc>
-                    <a:tc>
-                      <a:txBody>
-                        <a:bodyPr/>
-                        <a:lstStyle/>
-                        <a:p>
-                          <a:r>
-                            <a:rPr lang="en-US" altLang="zh-CN" dirty="0"/>
-                            <a:t>Variance</a:t>
-                          </a:r>
-                          <a:endParaRPr lang="zh-CN" altLang="en-US" dirty="0"/>
-                        </a:p>
-                      </a:txBody>
-                      <a:tcPr/>
-                    </a:tc>
-                    <a:extLst>
-                      <a:ext uri="{0D108BD9-81ED-4DB2-BD59-A6C34878D82A}">
-                        <a16:rowId xmlns:a16="http://schemas.microsoft.com/office/drawing/2014/main" val="3319958754"/>
-                      </a:ext>
-                    </a:extLst>
-                  </a:tr>
-                  <a:tr h="370840">
-                    <a:tc>
-                      <a:txBody>
-                        <a:bodyPr/>
-                        <a:lstStyle/>
-                        <a:p>
-                          <a:r>
-                            <a:rPr lang="en-US" altLang="zh-CN" dirty="0"/>
-                            <a:t>10</a:t>
-                          </a:r>
-                          <a:endParaRPr lang="zh-CN" altLang="en-US" dirty="0"/>
-                        </a:p>
-                      </a:txBody>
-                      <a:tcPr/>
-                    </a:tc>
-                    <a:tc>
-                      <a:txBody>
-                        <a:bodyPr/>
-                        <a:lstStyle/>
-                        <a:p>
-                          <a:r>
-                            <a:rPr lang="en-US" altLang="zh-CN" dirty="0"/>
-                            <a:t>0.0080</a:t>
-                          </a:r>
-                          <a:endParaRPr lang="zh-CN" altLang="en-US" dirty="0"/>
-                        </a:p>
-                      </a:txBody>
-                      <a:tcPr/>
-                    </a:tc>
-                    <a:tc>
-                      <a:txBody>
-                        <a:bodyPr/>
-                        <a:lstStyle/>
-                        <a:p>
-                          <a:r>
-                            <a:rPr lang="en-US" altLang="zh-CN" dirty="0"/>
-                            <a:t>0.0182</a:t>
-                          </a:r>
-                          <a:endParaRPr lang="zh-CN" altLang="en-US" dirty="0"/>
-                        </a:p>
-                      </a:txBody>
-                      <a:tcPr/>
-                    </a:tc>
-                    <a:tc>
-                      <a:txBody>
-                        <a:bodyPr/>
-                        <a:lstStyle/>
-                        <a:p>
-                          <a:r>
-                            <a:rPr lang="en-US" altLang="zh-CN" dirty="0"/>
-                            <a:t>0.0054</a:t>
-                          </a:r>
-                          <a:endParaRPr lang="zh-CN" altLang="en-US" dirty="0"/>
-                        </a:p>
-                      </a:txBody>
-                      <a:tcPr/>
-                    </a:tc>
-                    <a:tc>
-                      <a:txBody>
-                        <a:bodyPr/>
-                        <a:lstStyle/>
-                        <a:p>
-                          <a:r>
-                            <a:rPr lang="en-US" altLang="zh-CN" dirty="0"/>
-                            <a:t>5.12e-5</a:t>
-                          </a:r>
-                          <a:endParaRPr lang="zh-CN" altLang="en-US" dirty="0"/>
-                        </a:p>
-                      </a:txBody>
-                      <a:tcPr/>
-                    </a:tc>
-                    <a:extLst>
-                      <a:ext uri="{0D108BD9-81ED-4DB2-BD59-A6C34878D82A}">
-                        <a16:rowId xmlns:a16="http://schemas.microsoft.com/office/drawing/2014/main" val="775620235"/>
-                      </a:ext>
-                    </a:extLst>
-                  </a:tr>
-                  <a:tr h="370840">
-                    <a:tc>
-                      <a:txBody>
-                        <a:bodyPr/>
-                        <a:lstStyle/>
-                        <a:p>
-                          <a:r>
-                            <a:rPr lang="en-US" altLang="zh-CN" dirty="0"/>
-                            <a:t>15</a:t>
-                          </a:r>
-                          <a:endParaRPr lang="zh-CN" altLang="en-US" dirty="0"/>
-                        </a:p>
-                      </a:txBody>
-                      <a:tcPr/>
-                    </a:tc>
-                    <a:tc>
-                      <a:txBody>
-                        <a:bodyPr/>
-                        <a:lstStyle/>
-                        <a:p>
-                          <a:r>
-                            <a:rPr lang="en-US" altLang="zh-CN" dirty="0"/>
-                            <a:t>0.0081</a:t>
-                          </a:r>
-                          <a:endParaRPr lang="zh-CN" altLang="en-US" dirty="0"/>
-                        </a:p>
-                      </a:txBody>
-                      <a:tcPr/>
-                    </a:tc>
-                    <a:tc>
-                      <a:txBody>
-                        <a:bodyPr/>
-                        <a:lstStyle/>
-                        <a:p>
-                          <a:r>
-                            <a:rPr lang="en-US" altLang="zh-CN" dirty="0"/>
-                            <a:t>0.0145</a:t>
-                          </a:r>
-                          <a:endParaRPr lang="zh-CN" altLang="en-US" dirty="0"/>
-                        </a:p>
-                      </a:txBody>
-                      <a:tcPr/>
-                    </a:tc>
-                    <a:tc>
-                      <a:txBody>
-                        <a:bodyPr/>
-                        <a:lstStyle/>
-                        <a:p>
-                          <a:r>
-                            <a:rPr lang="en-US" altLang="zh-CN" dirty="0"/>
-                            <a:t>0.0044</a:t>
-                          </a:r>
-                          <a:endParaRPr lang="zh-CN" altLang="en-US" dirty="0"/>
-                        </a:p>
-                      </a:txBody>
-                      <a:tcPr/>
-                    </a:tc>
-                    <a:tc>
-                      <a:txBody>
-                        <a:bodyPr/>
-                        <a:lstStyle/>
-                        <a:p>
-                          <a:r>
-                            <a:rPr lang="en-US" altLang="zh-CN" dirty="0"/>
-                            <a:t>2.19e-5</a:t>
-                          </a:r>
-                          <a:endParaRPr lang="zh-CN" altLang="en-US" dirty="0"/>
-                        </a:p>
-                      </a:txBody>
-                      <a:tcPr/>
-                    </a:tc>
-                    <a:extLst>
-                      <a:ext uri="{0D108BD9-81ED-4DB2-BD59-A6C34878D82A}">
-                        <a16:rowId xmlns:a16="http://schemas.microsoft.com/office/drawing/2014/main" val="904967786"/>
-                      </a:ext>
-                    </a:extLst>
-                  </a:tr>
-                  <a:tr h="370840">
-                    <a:tc>
-                      <a:txBody>
-                        <a:bodyPr/>
-                        <a:lstStyle/>
-                        <a:p>
-                          <a:r>
-                            <a:rPr lang="en-US" altLang="zh-CN" dirty="0"/>
-                            <a:t>20</a:t>
-                          </a:r>
-                          <a:endParaRPr lang="zh-CN" altLang="en-US" dirty="0"/>
-                        </a:p>
-                      </a:txBody>
-                      <a:tcPr/>
-                    </a:tc>
-                    <a:tc>
-                      <a:txBody>
-                        <a:bodyPr/>
-                        <a:lstStyle/>
-                        <a:p>
-                          <a:r>
-                            <a:rPr lang="en-US" altLang="zh-CN" dirty="0"/>
-                            <a:t>0.0078</a:t>
-                          </a:r>
-                          <a:endParaRPr lang="zh-CN" altLang="en-US" dirty="0"/>
-                        </a:p>
-                      </a:txBody>
-                      <a:tcPr/>
-                    </a:tc>
-                    <a:tc>
-                      <a:txBody>
-                        <a:bodyPr/>
-                        <a:lstStyle/>
-                        <a:p>
-                          <a:r>
-                            <a:rPr lang="en-US" altLang="zh-CN" dirty="0"/>
-                            <a:t>0.0149</a:t>
-                          </a:r>
-                          <a:endParaRPr lang="zh-CN" altLang="en-US" dirty="0"/>
-                        </a:p>
-                      </a:txBody>
-                      <a:tcPr/>
-                    </a:tc>
-                    <a:tc>
-                      <a:txBody>
-                        <a:bodyPr/>
-                        <a:lstStyle/>
-                        <a:p>
-                          <a:r>
-                            <a:rPr lang="en-US" altLang="zh-CN" dirty="0"/>
-                            <a:t>0.0042</a:t>
-                          </a:r>
-                          <a:endParaRPr lang="zh-CN" altLang="en-US" dirty="0"/>
-                        </a:p>
-                      </a:txBody>
-                      <a:tcPr/>
-                    </a:tc>
-                    <a:tc>
-                      <a:txBody>
-                        <a:bodyPr/>
-                        <a:lstStyle/>
-                        <a:p>
-                          <a:r>
-                            <a:rPr lang="en-US" altLang="zh-CN" dirty="0"/>
-                            <a:t>1.92e-5</a:t>
-                          </a:r>
-                          <a:endParaRPr lang="zh-CN" altLang="en-US" dirty="0"/>
-                        </a:p>
-                      </a:txBody>
-                      <a:tcPr/>
-                    </a:tc>
-                    <a:extLst>
-                      <a:ext uri="{0D108BD9-81ED-4DB2-BD59-A6C34878D82A}">
-                        <a16:rowId xmlns:a16="http://schemas.microsoft.com/office/drawing/2014/main" val="2987634297"/>
-                      </a:ext>
-                    </a:extLst>
-                  </a:tr>
-                  <a:tr h="370840">
-                    <a:tc>
-                      <a:txBody>
-                        <a:bodyPr/>
-                        <a:lstStyle/>
-                        <a:p>
-                          <a:r>
-                            <a:rPr lang="en-US" altLang="zh-CN" dirty="0"/>
-                            <a:t>25</a:t>
-                          </a:r>
-                          <a:endParaRPr lang="zh-CN" altLang="en-US" dirty="0"/>
-                        </a:p>
-                      </a:txBody>
-                      <a:tcPr/>
-                    </a:tc>
-                    <a:tc>
-                      <a:txBody>
-                        <a:bodyPr/>
-                        <a:lstStyle/>
-                        <a:p>
-                          <a:r>
-                            <a:rPr lang="en-US" altLang="zh-CN" dirty="0"/>
-                            <a:t>0.0064</a:t>
-                          </a:r>
-                          <a:endParaRPr lang="zh-CN" altLang="en-US" dirty="0"/>
-                        </a:p>
-                      </a:txBody>
-                      <a:tcPr/>
-                    </a:tc>
-                    <a:tc>
-                      <a:txBody>
-                        <a:bodyPr/>
-                        <a:lstStyle/>
-                        <a:p>
-                          <a:r>
-                            <a:rPr lang="en-US" altLang="zh-CN" dirty="0"/>
-                            <a:t>0.0101</a:t>
-                          </a:r>
-                          <a:endParaRPr lang="zh-CN" altLang="en-US" dirty="0"/>
-                        </a:p>
-                      </a:txBody>
-                      <a:tcPr/>
-                    </a:tc>
-                    <a:tc>
-                      <a:txBody>
-                        <a:bodyPr/>
-                        <a:lstStyle/>
-                        <a:p>
-                          <a:r>
-                            <a:rPr lang="en-US" altLang="zh-CN" dirty="0"/>
-                            <a:t>0.0043</a:t>
-                          </a:r>
-                          <a:endParaRPr lang="zh-CN" altLang="en-US" dirty="0"/>
-                        </a:p>
-                      </a:txBody>
-                      <a:tcPr/>
-                    </a:tc>
-                    <a:tc>
-                      <a:txBody>
-                        <a:bodyPr/>
-                        <a:lstStyle/>
-                        <a:p>
-                          <a:r>
-                            <a:rPr lang="en-US" altLang="zh-CN" dirty="0"/>
-                            <a:t>6.82e-6</a:t>
-                          </a:r>
-                          <a:endParaRPr lang="zh-CN" altLang="en-US" dirty="0"/>
-                        </a:p>
-                      </a:txBody>
-                      <a:tcPr/>
-                    </a:tc>
-                    <a:extLst>
-                      <a:ext uri="{0D108BD9-81ED-4DB2-BD59-A6C34878D82A}">
-                        <a16:rowId xmlns:a16="http://schemas.microsoft.com/office/drawing/2014/main" val="758652192"/>
-                      </a:ext>
-                    </a:extLst>
-                  </a:tr>
-                  <a:tr h="370840">
-                    <a:tc>
-                      <a:txBody>
-                        <a:bodyPr/>
-                        <a:lstStyle/>
-                        <a:p>
-                          <a:r>
-                            <a:rPr lang="en-US" altLang="zh-CN" dirty="0"/>
-                            <a:t>30</a:t>
-                          </a:r>
-                          <a:endParaRPr lang="zh-CN" altLang="en-US" dirty="0"/>
-                        </a:p>
-                      </a:txBody>
-                      <a:tcPr/>
-                    </a:tc>
-                    <a:tc>
-                      <a:txBody>
-                        <a:bodyPr/>
-                        <a:lstStyle/>
-                        <a:p>
-                          <a:r>
-                            <a:rPr lang="en-US" altLang="zh-CN" dirty="0"/>
-                            <a:t>0.0921</a:t>
-                          </a:r>
-                          <a:endParaRPr lang="zh-CN" altLang="en-US" dirty="0"/>
-                        </a:p>
-                      </a:txBody>
-                      <a:tcPr/>
-                    </a:tc>
-                    <a:tc>
-                      <a:txBody>
-                        <a:bodyPr/>
-                        <a:lstStyle/>
-                        <a:p>
-                          <a:r>
-                            <a:rPr lang="en-US" altLang="zh-CN" dirty="0"/>
-                            <a:t>0.1373</a:t>
-                          </a:r>
-                          <a:endParaRPr lang="zh-CN" altLang="en-US" dirty="0"/>
-                        </a:p>
-                      </a:txBody>
-                      <a:tcPr/>
-                    </a:tc>
-                    <a:tc>
-                      <a:txBody>
-                        <a:bodyPr/>
-                        <a:lstStyle/>
-                        <a:p>
-                          <a:r>
-                            <a:rPr lang="en-US" altLang="zh-CN" dirty="0"/>
-                            <a:t>0.0049</a:t>
-                          </a:r>
-                          <a:endParaRPr lang="zh-CN" altLang="en-US" dirty="0"/>
-                        </a:p>
-                      </a:txBody>
-                      <a:tcPr/>
-                    </a:tc>
-                    <a:tc>
-                      <a:txBody>
-                        <a:bodyPr/>
-                        <a:lstStyle/>
-                        <a:p>
-                          <a:r>
-                            <a:rPr lang="en-US" altLang="zh-CN" dirty="0"/>
-                            <a:t>0.0045</a:t>
-                          </a:r>
-                          <a:endParaRPr lang="zh-CN" altLang="en-US" dirty="0"/>
-                        </a:p>
-                      </a:txBody>
-                      <a:tcPr/>
-                    </a:tc>
-                    <a:extLst>
-                      <a:ext uri="{0D108BD9-81ED-4DB2-BD59-A6C34878D82A}">
-                        <a16:rowId xmlns:a16="http://schemas.microsoft.com/office/drawing/2014/main" val="1402023300"/>
-                      </a:ext>
-                    </a:extLst>
-                  </a:tr>
-                  <a:tr h="370840">
-                    <a:tc>
-                      <a:txBody>
-                        <a:bodyPr/>
-                        <a:lstStyle/>
-                        <a:p>
-                          <a:r>
-                            <a:rPr lang="en-US" altLang="zh-CN" dirty="0"/>
-                            <a:t>35</a:t>
-                          </a:r>
-                          <a:endParaRPr lang="zh-CN" altLang="en-US" dirty="0"/>
-                        </a:p>
-                      </a:txBody>
-                      <a:tcPr/>
-                    </a:tc>
-                    <a:tc>
-                      <a:txBody>
-                        <a:bodyPr/>
-                        <a:lstStyle/>
-                        <a:p>
-                          <a:r>
-                            <a:rPr lang="en-US" altLang="zh-CN" dirty="0"/>
-                            <a:t>2.3341</a:t>
-                          </a:r>
-                          <a:endParaRPr lang="zh-CN" altLang="en-US" dirty="0"/>
-                        </a:p>
-                      </a:txBody>
-                      <a:tcPr/>
-                    </a:tc>
-                    <a:tc>
-                      <a:txBody>
-                        <a:bodyPr/>
-                        <a:lstStyle/>
-                        <a:p>
-                          <a:r>
-                            <a:rPr lang="en-US" altLang="zh-CN" dirty="0"/>
-                            <a:t>9.2076</a:t>
-                          </a:r>
-                          <a:endParaRPr lang="zh-CN" altLang="en-US" dirty="0"/>
-                        </a:p>
-                      </a:txBody>
-                      <a:tcPr/>
-                    </a:tc>
-                    <a:tc>
-                      <a:txBody>
-                        <a:bodyPr/>
-                        <a:lstStyle/>
-                        <a:p>
-                          <a:r>
-                            <a:rPr lang="en-US" altLang="zh-CN" dirty="0"/>
-                            <a:t>0.0043</a:t>
-                          </a:r>
-                          <a:endParaRPr lang="zh-CN" altLang="en-US" dirty="0"/>
-                        </a:p>
-                      </a:txBody>
-                      <a:tcPr/>
-                    </a:tc>
-                    <a:tc>
-                      <a:txBody>
-                        <a:bodyPr/>
-                        <a:lstStyle/>
-                        <a:p>
-                          <a:r>
-                            <a:rPr lang="en-US" altLang="zh-CN" dirty="0"/>
-                            <a:t>7.41</a:t>
-                          </a:r>
-                          <a:endParaRPr lang="zh-CN" altLang="en-US" dirty="0"/>
-                        </a:p>
-                      </a:txBody>
-                      <a:tcPr/>
-                    </a:tc>
-                    <a:extLst>
-                      <a:ext uri="{0D108BD9-81ED-4DB2-BD59-A6C34878D82A}">
-                        <a16:rowId xmlns:a16="http://schemas.microsoft.com/office/drawing/2014/main" val="3248808280"/>
-                      </a:ext>
-                    </a:extLst>
-                  </a:tr>
-                  <a:tr h="370840">
-                    <a:tc>
-                      <a:txBody>
-                        <a:bodyPr/>
-                        <a:lstStyle/>
-                        <a:p>
-                          <a:r>
-                            <a:rPr lang="en-US" altLang="zh-CN" dirty="0"/>
-                            <a:t>40</a:t>
-                          </a:r>
-                          <a:endParaRPr lang="zh-CN" altLang="en-US" dirty="0"/>
-                        </a:p>
-                      </a:txBody>
-                      <a:tcPr/>
-                    </a:tc>
-                    <a:tc>
-                      <a:txBody>
-                        <a:bodyPr/>
-                        <a:lstStyle/>
-                        <a:p>
-                          <a:r>
-                            <a:rPr lang="en-US" altLang="zh-CN" dirty="0"/>
-                            <a:t>3.1284</a:t>
-                          </a:r>
-                          <a:endParaRPr lang="zh-CN" altLang="en-US" dirty="0"/>
-                        </a:p>
-                      </a:txBody>
-                      <a:tcPr/>
-                    </a:tc>
-                    <a:tc>
-                      <a:txBody>
-                        <a:bodyPr/>
-                        <a:lstStyle/>
-                        <a:p>
-                          <a:r>
-                            <a:rPr lang="en-US" altLang="zh-CN" dirty="0"/>
-                            <a:t>11.2849</a:t>
-                          </a:r>
-                          <a:endParaRPr lang="zh-CN" altLang="en-US" dirty="0"/>
-                        </a:p>
-                      </a:txBody>
-                      <a:tcPr/>
-                    </a:tc>
-                    <a:tc>
-                      <a:txBody>
-                        <a:bodyPr/>
-                        <a:lstStyle/>
-                        <a:p>
-                          <a:r>
-                            <a:rPr lang="en-US" altLang="zh-CN" dirty="0"/>
-                            <a:t>0.0043</a:t>
-                          </a:r>
-                          <a:endParaRPr lang="zh-CN" altLang="en-US" dirty="0"/>
-                        </a:p>
-                      </a:txBody>
-                      <a:tcPr/>
-                    </a:tc>
-                    <a:tc>
-                      <a:txBody>
-                        <a:bodyPr/>
-                        <a:lstStyle/>
-                        <a:p>
-                          <a:r>
-                            <a:rPr lang="en-US" altLang="zh-CN" dirty="0"/>
-                            <a:t>17.92</a:t>
-                          </a:r>
-                          <a:endParaRPr lang="zh-CN" altLang="en-US" dirty="0"/>
-                        </a:p>
-                      </a:txBody>
-                      <a:tcPr/>
-                    </a:tc>
-                    <a:extLst>
-                      <a:ext uri="{0D108BD9-81ED-4DB2-BD59-A6C34878D82A}">
-                        <a16:rowId xmlns:a16="http://schemas.microsoft.com/office/drawing/2014/main" val="1777896625"/>
-                      </a:ext>
-                    </a:extLst>
-                  </a:tr>
-                  <a:tr h="370840">
-                    <a:tc>
-                      <a:txBody>
-                        <a:bodyPr/>
-                        <a:lstStyle/>
-                        <a:p>
-                          <a:r>
-                            <a:rPr lang="en-US" altLang="zh-CN" dirty="0"/>
-                            <a:t>45</a:t>
-                          </a:r>
-                          <a:endParaRPr lang="zh-CN" altLang="en-US" dirty="0"/>
-                        </a:p>
-                      </a:txBody>
-                      <a:tcPr/>
-                    </a:tc>
-                    <a:tc>
-                      <a:txBody>
-                        <a:bodyPr/>
-                        <a:lstStyle/>
-                        <a:p>
-                          <a:r>
-                            <a:rPr lang="en-US" altLang="zh-CN" dirty="0"/>
-                            <a:t>-</a:t>
-                          </a:r>
-                          <a:endParaRPr lang="zh-CN" altLang="en-US" dirty="0"/>
-                        </a:p>
-                      </a:txBody>
-                      <a:tcPr/>
-                    </a:tc>
-                    <a:tc>
-                      <a:txBody>
-                        <a:bodyPr/>
-                        <a:lstStyle/>
-                        <a:p>
-                          <a:r>
-                            <a:rPr lang="en-US" altLang="zh-CN" dirty="0"/>
-                            <a:t>Time out</a:t>
-                          </a:r>
-                          <a:endParaRPr lang="zh-CN" altLang="en-US" dirty="0"/>
-                        </a:p>
-                      </a:txBody>
-                      <a:tcPr/>
-                    </a:tc>
-                    <a:tc>
-                      <a:txBody>
-                        <a:bodyPr/>
-                        <a:lstStyle/>
-                        <a:p>
-                          <a:r>
-                            <a:rPr lang="en-US" altLang="zh-CN" dirty="0"/>
-                            <a:t>0.0040</a:t>
-                          </a:r>
-                          <a:endParaRPr lang="zh-CN" altLang="en-US" dirty="0"/>
-                        </a:p>
-                      </a:txBody>
-                      <a:tcPr/>
-                    </a:tc>
-                    <a:tc>
-                      <a:txBody>
-                        <a:bodyPr/>
-                        <a:lstStyle/>
-                        <a:p>
-                          <a:r>
-                            <a:rPr lang="en-US" altLang="zh-CN" dirty="0"/>
-                            <a:t>-</a:t>
-                          </a:r>
-                          <a:endParaRPr lang="zh-CN" altLang="en-US" dirty="0"/>
-                        </a:p>
-                      </a:txBody>
-                      <a:tcPr/>
-                    </a:tc>
-                    <a:extLst>
-                      <a:ext uri="{0D108BD9-81ED-4DB2-BD59-A6C34878D82A}">
-                        <a16:rowId xmlns:a16="http://schemas.microsoft.com/office/drawing/2014/main" val="2097181202"/>
-                      </a:ext>
-                    </a:extLst>
-                  </a:tr>
-                  <a:tr h="370840">
-                    <a:tc>
-                      <a:txBody>
-                        <a:bodyPr/>
-                        <a:lstStyle/>
-                        <a:p>
-                          <a:r>
-                            <a:rPr lang="en-US" altLang="zh-CN" dirty="0"/>
-                            <a:t>50</a:t>
-                          </a:r>
-                          <a:endParaRPr lang="zh-CN" altLang="en-US" dirty="0"/>
-                        </a:p>
-                      </a:txBody>
-                      <a:tcPr/>
-                    </a:tc>
-                    <a:tc>
-                      <a:txBody>
-                        <a:bodyPr/>
-                        <a:lstStyle/>
-                        <a:p>
-                          <a:r>
-                            <a:rPr lang="en-US" altLang="zh-CN" dirty="0"/>
-                            <a:t>103.034</a:t>
-                          </a:r>
-                          <a:endParaRPr lang="zh-CN" altLang="en-US" dirty="0"/>
-                        </a:p>
-                      </a:txBody>
-                      <a:tcPr/>
-                    </a:tc>
-                    <a:tc>
-                      <a:txBody>
-                        <a:bodyPr/>
-                        <a:lstStyle/>
-                        <a:p>
-                          <a:r>
-                            <a:rPr lang="en-US" altLang="zh-CN" dirty="0"/>
-                            <a:t>254.204</a:t>
-                          </a:r>
-                          <a:endParaRPr lang="zh-CN" altLang="en-US" dirty="0"/>
-                        </a:p>
-                      </a:txBody>
-                      <a:tcPr/>
-                    </a:tc>
-                    <a:tc>
-                      <a:txBody>
-                        <a:bodyPr/>
-                        <a:lstStyle/>
-                        <a:p>
-                          <a:r>
-                            <a:rPr lang="en-US" altLang="zh-CN" dirty="0"/>
-                            <a:t>0.0044</a:t>
-                          </a:r>
-                          <a:endParaRPr lang="zh-CN" altLang="en-US" dirty="0"/>
-                        </a:p>
-                      </a:txBody>
-                      <a:tcPr/>
-                    </a:tc>
-                    <a:tc>
-                      <a:txBody>
-                        <a:bodyPr/>
-                        <a:lstStyle/>
-                        <a:p>
-                          <a:r>
-                            <a:rPr lang="en-US" altLang="zh-CN" dirty="0"/>
-                            <a:t>12813.5</a:t>
-                          </a:r>
-                          <a:endParaRPr lang="zh-CN" altLang="en-US" dirty="0"/>
-                        </a:p>
-                      </a:txBody>
-                      <a:tcPr/>
-                    </a:tc>
-                    <a:extLst>
-                      <a:ext uri="{0D108BD9-81ED-4DB2-BD59-A6C34878D82A}">
-                        <a16:rowId xmlns:a16="http://schemas.microsoft.com/office/drawing/2014/main" val="2229650930"/>
-                      </a:ext>
-                    </a:extLst>
-                  </a:tr>
-                </a:tbl>
-              </a:graphicData>
-            </a:graphic>
-          </p:graphicFrame>
-        </mc:Choice>
-        <mc:Fallback>
-          <p:graphicFrame>
-            <p:nvGraphicFramePr>
-              <p:cNvPr id="11" name="表格 11">
-                <a:extLst>
-                  <a:ext uri="{FF2B5EF4-FFF2-40B4-BE49-F238E27FC236}">
-                    <a16:creationId xmlns:a16="http://schemas.microsoft.com/office/drawing/2014/main" id="{7014AC93-EDA8-0F64-E2FF-894A9CB072C6}"/>
-                  </a:ext>
-                </a:extLst>
-              </p:cNvPr>
-              <p:cNvGraphicFramePr>
-                <a:graphicFrameLocks noGrp="1"/>
-              </p:cNvGraphicFramePr>
-              <p:nvPr>
-                <p:extLst>
-                  <p:ext uri="{D42A27DB-BD31-4B8C-83A1-F6EECF244321}">
-                    <p14:modId xmlns:p14="http://schemas.microsoft.com/office/powerpoint/2010/main" val="3502293867"/>
-                  </p:ext>
-                </p:extLst>
-              </p:nvPr>
-            </p:nvGraphicFramePr>
-            <p:xfrm>
-              <a:off x="526472" y="2577535"/>
-              <a:ext cx="4809008" cy="3977640"/>
-            </p:xfrm>
-            <a:graphic>
-              <a:graphicData uri="http://schemas.openxmlformats.org/drawingml/2006/table">
-                <a:tbl>
-                  <a:tblPr firstRow="1" bandRow="1">
-                    <a:tableStyleId>{5C22544A-7EE6-4342-B048-85BDC9FD1C3A}</a:tableStyleId>
-                  </a:tblPr>
-                  <a:tblGrid>
-                    <a:gridCol w="680891">
-                      <a:extLst>
-                        <a:ext uri="{9D8B030D-6E8A-4147-A177-3AD203B41FA5}">
-                          <a16:colId xmlns:a16="http://schemas.microsoft.com/office/drawing/2014/main" val="4172842207"/>
-                        </a:ext>
-                      </a:extLst>
-                    </a:gridCol>
-                    <a:gridCol w="1083076">
-                      <a:extLst>
-                        <a:ext uri="{9D8B030D-6E8A-4147-A177-3AD203B41FA5}">
-                          <a16:colId xmlns:a16="http://schemas.microsoft.com/office/drawing/2014/main" val="4162194800"/>
-                        </a:ext>
-                      </a:extLst>
-                    </a:gridCol>
-                    <a:gridCol w="1083076">
-                      <a:extLst>
-                        <a:ext uri="{9D8B030D-6E8A-4147-A177-3AD203B41FA5}">
-                          <a16:colId xmlns:a16="http://schemas.microsoft.com/office/drawing/2014/main" val="1223569633"/>
-                        </a:ext>
-                      </a:extLst>
-                    </a:gridCol>
-                    <a:gridCol w="958788">
-                      <a:extLst>
-                        <a:ext uri="{9D8B030D-6E8A-4147-A177-3AD203B41FA5}">
-                          <a16:colId xmlns:a16="http://schemas.microsoft.com/office/drawing/2014/main" val="1645643747"/>
-                        </a:ext>
-                      </a:extLst>
-                    </a:gridCol>
-                    <a:gridCol w="1003177">
-                      <a:extLst>
-                        <a:ext uri="{9D8B030D-6E8A-4147-A177-3AD203B41FA5}">
-                          <a16:colId xmlns:a16="http://schemas.microsoft.com/office/drawing/2014/main" val="2080431657"/>
-                        </a:ext>
-                      </a:extLst>
-                    </a:gridCol>
-                  </a:tblGrid>
-                  <a:tr h="640080">
-                    <a:tc>
-                      <a:txBody>
-                        <a:bodyPr/>
-                        <a:lstStyle/>
-                        <a:p>
-                          <a:endParaRPr lang="zh-CN"/>
-                        </a:p>
-                      </a:txBody>
-                      <a:tcPr>
-                        <a:blipFill>
-                          <a:blip r:embed="rId3"/>
-                          <a:stretch>
-                            <a:fillRect l="-893" t="-4762" r="-608929" b="-536190"/>
-                          </a:stretch>
-                        </a:blipFill>
-                      </a:tcPr>
-                    </a:tc>
-                    <a:tc>
-                      <a:txBody>
-                        <a:bodyPr/>
-                        <a:lstStyle/>
-                        <a:p>
-                          <a:r>
-                            <a:rPr lang="en-US" altLang="zh-CN" dirty="0"/>
-                            <a:t>Average Time</a:t>
-                          </a:r>
-                          <a:endParaRPr lang="zh-CN" altLang="en-US" dirty="0"/>
-                        </a:p>
-                      </a:txBody>
-                      <a:tcPr/>
-                    </a:tc>
-                    <a:tc>
-                      <a:txBody>
-                        <a:bodyPr/>
-                        <a:lstStyle/>
-                        <a:p>
-                          <a:r>
-                            <a:rPr lang="en-US" altLang="zh-CN" dirty="0"/>
-                            <a:t>Max Time</a:t>
-                          </a:r>
-                          <a:endParaRPr lang="zh-CN" altLang="en-US" dirty="0"/>
-                        </a:p>
-                      </a:txBody>
-                      <a:tcPr/>
-                    </a:tc>
-                    <a:tc>
-                      <a:txBody>
-                        <a:bodyPr/>
-                        <a:lstStyle/>
-                        <a:p>
-                          <a:r>
-                            <a:rPr lang="en-US" altLang="zh-CN" dirty="0"/>
-                            <a:t>Min Time</a:t>
-                          </a:r>
-                          <a:endParaRPr lang="zh-CN" altLang="en-US" dirty="0"/>
-                        </a:p>
-                      </a:txBody>
-                      <a:tcPr/>
-                    </a:tc>
-                    <a:tc>
-                      <a:txBody>
-                        <a:bodyPr/>
-                        <a:lstStyle/>
-                        <a:p>
-                          <a:r>
-                            <a:rPr lang="en-US" altLang="zh-CN" dirty="0"/>
-                            <a:t>Variance</a:t>
-                          </a:r>
-                          <a:endParaRPr lang="zh-CN" altLang="en-US" dirty="0"/>
-                        </a:p>
-                      </a:txBody>
-                      <a:tcPr/>
-                    </a:tc>
-                    <a:extLst>
-                      <a:ext uri="{0D108BD9-81ED-4DB2-BD59-A6C34878D82A}">
-                        <a16:rowId xmlns:a16="http://schemas.microsoft.com/office/drawing/2014/main" val="3319958754"/>
-                      </a:ext>
-                    </a:extLst>
-                  </a:tr>
-                  <a:tr h="370840">
-                    <a:tc>
-                      <a:txBody>
-                        <a:bodyPr/>
-                        <a:lstStyle/>
-                        <a:p>
-                          <a:r>
-                            <a:rPr lang="en-US" altLang="zh-CN" dirty="0"/>
-                            <a:t>10</a:t>
-                          </a:r>
-                          <a:endParaRPr lang="zh-CN" altLang="en-US" dirty="0"/>
-                        </a:p>
-                      </a:txBody>
-                      <a:tcPr/>
-                    </a:tc>
-                    <a:tc>
-                      <a:txBody>
-                        <a:bodyPr/>
-                        <a:lstStyle/>
-                        <a:p>
-                          <a:r>
-                            <a:rPr lang="en-US" altLang="zh-CN" dirty="0"/>
-                            <a:t>0.0080</a:t>
-                          </a:r>
-                          <a:endParaRPr lang="zh-CN" altLang="en-US" dirty="0"/>
-                        </a:p>
-                      </a:txBody>
-                      <a:tcPr/>
-                    </a:tc>
-                    <a:tc>
-                      <a:txBody>
-                        <a:bodyPr/>
-                        <a:lstStyle/>
-                        <a:p>
-                          <a:r>
-                            <a:rPr lang="en-US" altLang="zh-CN" dirty="0"/>
-                            <a:t>0.0182</a:t>
-                          </a:r>
-                          <a:endParaRPr lang="zh-CN" altLang="en-US" dirty="0"/>
-                        </a:p>
-                      </a:txBody>
-                      <a:tcPr/>
-                    </a:tc>
-                    <a:tc>
-                      <a:txBody>
-                        <a:bodyPr/>
-                        <a:lstStyle/>
-                        <a:p>
-                          <a:r>
-                            <a:rPr lang="en-US" altLang="zh-CN" dirty="0"/>
-                            <a:t>0.0054</a:t>
-                          </a:r>
-                          <a:endParaRPr lang="zh-CN" altLang="en-US" dirty="0"/>
-                        </a:p>
-                      </a:txBody>
-                      <a:tcPr/>
-                    </a:tc>
-                    <a:tc>
-                      <a:txBody>
-                        <a:bodyPr/>
-                        <a:lstStyle/>
-                        <a:p>
-                          <a:r>
-                            <a:rPr lang="en-US" altLang="zh-CN" dirty="0"/>
-                            <a:t>5.12e-5</a:t>
-                          </a:r>
-                          <a:endParaRPr lang="zh-CN" altLang="en-US" dirty="0"/>
-                        </a:p>
-                      </a:txBody>
-                      <a:tcPr/>
-                    </a:tc>
-                    <a:extLst>
-                      <a:ext uri="{0D108BD9-81ED-4DB2-BD59-A6C34878D82A}">
-                        <a16:rowId xmlns:a16="http://schemas.microsoft.com/office/drawing/2014/main" val="775620235"/>
-                      </a:ext>
-                    </a:extLst>
-                  </a:tr>
-                  <a:tr h="370840">
-                    <a:tc>
-                      <a:txBody>
-                        <a:bodyPr/>
-                        <a:lstStyle/>
-                        <a:p>
-                          <a:r>
-                            <a:rPr lang="en-US" altLang="zh-CN" dirty="0"/>
-                            <a:t>15</a:t>
-                          </a:r>
-                          <a:endParaRPr lang="zh-CN" altLang="en-US" dirty="0"/>
-                        </a:p>
-                      </a:txBody>
-                      <a:tcPr/>
-                    </a:tc>
-                    <a:tc>
-                      <a:txBody>
-                        <a:bodyPr/>
-                        <a:lstStyle/>
-                        <a:p>
-                          <a:r>
-                            <a:rPr lang="en-US" altLang="zh-CN" dirty="0"/>
-                            <a:t>0.0081</a:t>
-                          </a:r>
-                          <a:endParaRPr lang="zh-CN" altLang="en-US" dirty="0"/>
-                        </a:p>
-                      </a:txBody>
-                      <a:tcPr/>
-                    </a:tc>
-                    <a:tc>
-                      <a:txBody>
-                        <a:bodyPr/>
-                        <a:lstStyle/>
-                        <a:p>
-                          <a:r>
-                            <a:rPr lang="en-US" altLang="zh-CN" dirty="0"/>
-                            <a:t>0.0145</a:t>
-                          </a:r>
-                          <a:endParaRPr lang="zh-CN" altLang="en-US" dirty="0"/>
-                        </a:p>
-                      </a:txBody>
-                      <a:tcPr/>
-                    </a:tc>
-                    <a:tc>
-                      <a:txBody>
-                        <a:bodyPr/>
-                        <a:lstStyle/>
-                        <a:p>
-                          <a:r>
-                            <a:rPr lang="en-US" altLang="zh-CN" dirty="0"/>
-                            <a:t>0.0044</a:t>
-                          </a:r>
-                          <a:endParaRPr lang="zh-CN" altLang="en-US" dirty="0"/>
-                        </a:p>
-                      </a:txBody>
-                      <a:tcPr/>
-                    </a:tc>
-                    <a:tc>
-                      <a:txBody>
-                        <a:bodyPr/>
-                        <a:lstStyle/>
-                        <a:p>
-                          <a:r>
-                            <a:rPr lang="en-US" altLang="zh-CN" dirty="0"/>
-                            <a:t>2.19e-5</a:t>
-                          </a:r>
-                          <a:endParaRPr lang="zh-CN" altLang="en-US" dirty="0"/>
-                        </a:p>
-                      </a:txBody>
-                      <a:tcPr/>
-                    </a:tc>
-                    <a:extLst>
-                      <a:ext uri="{0D108BD9-81ED-4DB2-BD59-A6C34878D82A}">
-                        <a16:rowId xmlns:a16="http://schemas.microsoft.com/office/drawing/2014/main" val="904967786"/>
-                      </a:ext>
-                    </a:extLst>
-                  </a:tr>
-                  <a:tr h="370840">
-                    <a:tc>
-                      <a:txBody>
-                        <a:bodyPr/>
-                        <a:lstStyle/>
-                        <a:p>
-                          <a:r>
-                            <a:rPr lang="en-US" altLang="zh-CN" dirty="0"/>
-                            <a:t>20</a:t>
-                          </a:r>
-                          <a:endParaRPr lang="zh-CN" altLang="en-US" dirty="0"/>
-                        </a:p>
-                      </a:txBody>
-                      <a:tcPr/>
-                    </a:tc>
-                    <a:tc>
-                      <a:txBody>
-                        <a:bodyPr/>
-                        <a:lstStyle/>
-                        <a:p>
-                          <a:r>
-                            <a:rPr lang="en-US" altLang="zh-CN" dirty="0"/>
-                            <a:t>0.0078</a:t>
-                          </a:r>
-                          <a:endParaRPr lang="zh-CN" altLang="en-US" dirty="0"/>
-                        </a:p>
-                      </a:txBody>
-                      <a:tcPr/>
-                    </a:tc>
-                    <a:tc>
-                      <a:txBody>
-                        <a:bodyPr/>
-                        <a:lstStyle/>
-                        <a:p>
-                          <a:r>
-                            <a:rPr lang="en-US" altLang="zh-CN" dirty="0"/>
-                            <a:t>0.0149</a:t>
-                          </a:r>
-                          <a:endParaRPr lang="zh-CN" altLang="en-US" dirty="0"/>
-                        </a:p>
-                      </a:txBody>
-                      <a:tcPr/>
-                    </a:tc>
-                    <a:tc>
-                      <a:txBody>
-                        <a:bodyPr/>
-                        <a:lstStyle/>
-                        <a:p>
-                          <a:r>
-                            <a:rPr lang="en-US" altLang="zh-CN" dirty="0"/>
-                            <a:t>0.0042</a:t>
-                          </a:r>
-                          <a:endParaRPr lang="zh-CN" altLang="en-US" dirty="0"/>
-                        </a:p>
-                      </a:txBody>
-                      <a:tcPr/>
-                    </a:tc>
-                    <a:tc>
-                      <a:txBody>
-                        <a:bodyPr/>
-                        <a:lstStyle/>
-                        <a:p>
-                          <a:r>
-                            <a:rPr lang="en-US" altLang="zh-CN" dirty="0"/>
-                            <a:t>1.92e-5</a:t>
-                          </a:r>
-                          <a:endParaRPr lang="zh-CN" altLang="en-US" dirty="0"/>
-                        </a:p>
-                      </a:txBody>
-                      <a:tcPr/>
-                    </a:tc>
-                    <a:extLst>
-                      <a:ext uri="{0D108BD9-81ED-4DB2-BD59-A6C34878D82A}">
-                        <a16:rowId xmlns:a16="http://schemas.microsoft.com/office/drawing/2014/main" val="2987634297"/>
-                      </a:ext>
-                    </a:extLst>
-                  </a:tr>
-                  <a:tr h="370840">
-                    <a:tc>
-                      <a:txBody>
-                        <a:bodyPr/>
-                        <a:lstStyle/>
-                        <a:p>
-                          <a:r>
-                            <a:rPr lang="en-US" altLang="zh-CN" dirty="0"/>
-                            <a:t>25</a:t>
-                          </a:r>
-                          <a:endParaRPr lang="zh-CN" altLang="en-US" dirty="0"/>
-                        </a:p>
-                      </a:txBody>
-                      <a:tcPr/>
-                    </a:tc>
-                    <a:tc>
-                      <a:txBody>
-                        <a:bodyPr/>
-                        <a:lstStyle/>
-                        <a:p>
-                          <a:r>
-                            <a:rPr lang="en-US" altLang="zh-CN" dirty="0"/>
-                            <a:t>0.0064</a:t>
-                          </a:r>
-                          <a:endParaRPr lang="zh-CN" altLang="en-US" dirty="0"/>
-                        </a:p>
-                      </a:txBody>
-                      <a:tcPr/>
-                    </a:tc>
-                    <a:tc>
-                      <a:txBody>
-                        <a:bodyPr/>
-                        <a:lstStyle/>
-                        <a:p>
-                          <a:r>
-                            <a:rPr lang="en-US" altLang="zh-CN" dirty="0"/>
-                            <a:t>0.0101</a:t>
-                          </a:r>
-                          <a:endParaRPr lang="zh-CN" altLang="en-US" dirty="0"/>
-                        </a:p>
-                      </a:txBody>
-                      <a:tcPr/>
-                    </a:tc>
-                    <a:tc>
-                      <a:txBody>
-                        <a:bodyPr/>
-                        <a:lstStyle/>
-                        <a:p>
-                          <a:r>
-                            <a:rPr lang="en-US" altLang="zh-CN" dirty="0"/>
-                            <a:t>0.0043</a:t>
-                          </a:r>
-                          <a:endParaRPr lang="zh-CN" altLang="en-US" dirty="0"/>
-                        </a:p>
-                      </a:txBody>
-                      <a:tcPr/>
-                    </a:tc>
-                    <a:tc>
-                      <a:txBody>
-                        <a:bodyPr/>
-                        <a:lstStyle/>
-                        <a:p>
-                          <a:r>
-                            <a:rPr lang="en-US" altLang="zh-CN" dirty="0"/>
-                            <a:t>6.82e-6</a:t>
-                          </a:r>
-                          <a:endParaRPr lang="zh-CN" altLang="en-US" dirty="0"/>
-                        </a:p>
-                      </a:txBody>
-                      <a:tcPr/>
-                    </a:tc>
-                    <a:extLst>
-                      <a:ext uri="{0D108BD9-81ED-4DB2-BD59-A6C34878D82A}">
-                        <a16:rowId xmlns:a16="http://schemas.microsoft.com/office/drawing/2014/main" val="758652192"/>
-                      </a:ext>
-                    </a:extLst>
-                  </a:tr>
-                  <a:tr h="370840">
-                    <a:tc>
-                      <a:txBody>
-                        <a:bodyPr/>
-                        <a:lstStyle/>
-                        <a:p>
-                          <a:r>
-                            <a:rPr lang="en-US" altLang="zh-CN" dirty="0"/>
-                            <a:t>30</a:t>
-                          </a:r>
-                          <a:endParaRPr lang="zh-CN" altLang="en-US" dirty="0"/>
-                        </a:p>
-                      </a:txBody>
-                      <a:tcPr/>
-                    </a:tc>
-                    <a:tc>
-                      <a:txBody>
-                        <a:bodyPr/>
-                        <a:lstStyle/>
-                        <a:p>
-                          <a:r>
-                            <a:rPr lang="en-US" altLang="zh-CN" dirty="0"/>
-                            <a:t>0.0921</a:t>
-                          </a:r>
-                          <a:endParaRPr lang="zh-CN" altLang="en-US" dirty="0"/>
-                        </a:p>
-                      </a:txBody>
-                      <a:tcPr/>
-                    </a:tc>
-                    <a:tc>
-                      <a:txBody>
-                        <a:bodyPr/>
-                        <a:lstStyle/>
-                        <a:p>
-                          <a:r>
-                            <a:rPr lang="en-US" altLang="zh-CN" dirty="0"/>
-                            <a:t>0.1373</a:t>
-                          </a:r>
-                          <a:endParaRPr lang="zh-CN" altLang="en-US" dirty="0"/>
-                        </a:p>
-                      </a:txBody>
-                      <a:tcPr/>
-                    </a:tc>
-                    <a:tc>
-                      <a:txBody>
-                        <a:bodyPr/>
-                        <a:lstStyle/>
-                        <a:p>
-                          <a:r>
-                            <a:rPr lang="en-US" altLang="zh-CN" dirty="0"/>
-                            <a:t>0.0049</a:t>
-                          </a:r>
-                          <a:endParaRPr lang="zh-CN" altLang="en-US" dirty="0"/>
-                        </a:p>
-                      </a:txBody>
-                      <a:tcPr/>
-                    </a:tc>
-                    <a:tc>
-                      <a:txBody>
-                        <a:bodyPr/>
-                        <a:lstStyle/>
-                        <a:p>
-                          <a:r>
-                            <a:rPr lang="en-US" altLang="zh-CN" dirty="0"/>
-                            <a:t>0.0045</a:t>
-                          </a:r>
-                          <a:endParaRPr lang="zh-CN" altLang="en-US" dirty="0"/>
-                        </a:p>
-                      </a:txBody>
-                      <a:tcPr/>
-                    </a:tc>
-                    <a:extLst>
-                      <a:ext uri="{0D108BD9-81ED-4DB2-BD59-A6C34878D82A}">
-                        <a16:rowId xmlns:a16="http://schemas.microsoft.com/office/drawing/2014/main" val="1402023300"/>
-                      </a:ext>
-                    </a:extLst>
-                  </a:tr>
-                  <a:tr h="370840">
-                    <a:tc>
-                      <a:txBody>
-                        <a:bodyPr/>
-                        <a:lstStyle/>
-                        <a:p>
-                          <a:r>
-                            <a:rPr lang="en-US" altLang="zh-CN" dirty="0"/>
-                            <a:t>35</a:t>
-                          </a:r>
-                          <a:endParaRPr lang="zh-CN" altLang="en-US" dirty="0"/>
-                        </a:p>
-                      </a:txBody>
-                      <a:tcPr/>
-                    </a:tc>
-                    <a:tc>
-                      <a:txBody>
-                        <a:bodyPr/>
-                        <a:lstStyle/>
-                        <a:p>
-                          <a:r>
-                            <a:rPr lang="en-US" altLang="zh-CN" dirty="0"/>
-                            <a:t>2.3341</a:t>
-                          </a:r>
-                          <a:endParaRPr lang="zh-CN" altLang="en-US" dirty="0"/>
-                        </a:p>
-                      </a:txBody>
-                      <a:tcPr/>
-                    </a:tc>
-                    <a:tc>
-                      <a:txBody>
-                        <a:bodyPr/>
-                        <a:lstStyle/>
-                        <a:p>
-                          <a:r>
-                            <a:rPr lang="en-US" altLang="zh-CN" dirty="0"/>
-                            <a:t>9.2076</a:t>
-                          </a:r>
-                          <a:endParaRPr lang="zh-CN" altLang="en-US" dirty="0"/>
-                        </a:p>
-                      </a:txBody>
-                      <a:tcPr/>
-                    </a:tc>
-                    <a:tc>
-                      <a:txBody>
-                        <a:bodyPr/>
-                        <a:lstStyle/>
-                        <a:p>
-                          <a:r>
-                            <a:rPr lang="en-US" altLang="zh-CN" dirty="0"/>
-                            <a:t>0.0043</a:t>
-                          </a:r>
-                          <a:endParaRPr lang="zh-CN" altLang="en-US" dirty="0"/>
-                        </a:p>
-                      </a:txBody>
-                      <a:tcPr/>
-                    </a:tc>
-                    <a:tc>
-                      <a:txBody>
-                        <a:bodyPr/>
-                        <a:lstStyle/>
-                        <a:p>
-                          <a:r>
-                            <a:rPr lang="en-US" altLang="zh-CN" dirty="0"/>
-                            <a:t>7.41</a:t>
-                          </a:r>
-                          <a:endParaRPr lang="zh-CN" altLang="en-US" dirty="0"/>
-                        </a:p>
-                      </a:txBody>
-                      <a:tcPr/>
-                    </a:tc>
-                    <a:extLst>
-                      <a:ext uri="{0D108BD9-81ED-4DB2-BD59-A6C34878D82A}">
-                        <a16:rowId xmlns:a16="http://schemas.microsoft.com/office/drawing/2014/main" val="3248808280"/>
-                      </a:ext>
-                    </a:extLst>
-                  </a:tr>
-                  <a:tr h="370840">
-                    <a:tc>
-                      <a:txBody>
-                        <a:bodyPr/>
-                        <a:lstStyle/>
-                        <a:p>
-                          <a:r>
-                            <a:rPr lang="en-US" altLang="zh-CN" dirty="0"/>
-                            <a:t>40</a:t>
-                          </a:r>
-                          <a:endParaRPr lang="zh-CN" altLang="en-US" dirty="0"/>
-                        </a:p>
-                      </a:txBody>
-                      <a:tcPr/>
-                    </a:tc>
-                    <a:tc>
-                      <a:txBody>
-                        <a:bodyPr/>
-                        <a:lstStyle/>
-                        <a:p>
-                          <a:r>
-                            <a:rPr lang="en-US" altLang="zh-CN" dirty="0"/>
-                            <a:t>3.1284</a:t>
-                          </a:r>
-                          <a:endParaRPr lang="zh-CN" altLang="en-US" dirty="0"/>
-                        </a:p>
-                      </a:txBody>
-                      <a:tcPr/>
-                    </a:tc>
-                    <a:tc>
-                      <a:txBody>
-                        <a:bodyPr/>
-                        <a:lstStyle/>
-                        <a:p>
-                          <a:r>
-                            <a:rPr lang="en-US" altLang="zh-CN" dirty="0"/>
-                            <a:t>11.2849</a:t>
-                          </a:r>
-                          <a:endParaRPr lang="zh-CN" altLang="en-US" dirty="0"/>
-                        </a:p>
-                      </a:txBody>
-                      <a:tcPr/>
-                    </a:tc>
-                    <a:tc>
-                      <a:txBody>
-                        <a:bodyPr/>
-                        <a:lstStyle/>
-                        <a:p>
-                          <a:r>
-                            <a:rPr lang="en-US" altLang="zh-CN" dirty="0"/>
-                            <a:t>0.0043</a:t>
-                          </a:r>
-                          <a:endParaRPr lang="zh-CN" altLang="en-US" dirty="0"/>
-                        </a:p>
-                      </a:txBody>
-                      <a:tcPr/>
-                    </a:tc>
-                    <a:tc>
-                      <a:txBody>
-                        <a:bodyPr/>
-                        <a:lstStyle/>
-                        <a:p>
-                          <a:r>
-                            <a:rPr lang="en-US" altLang="zh-CN" dirty="0"/>
-                            <a:t>17.92</a:t>
-                          </a:r>
-                          <a:endParaRPr lang="zh-CN" altLang="en-US" dirty="0"/>
-                        </a:p>
-                      </a:txBody>
-                      <a:tcPr/>
-                    </a:tc>
-                    <a:extLst>
-                      <a:ext uri="{0D108BD9-81ED-4DB2-BD59-A6C34878D82A}">
-                        <a16:rowId xmlns:a16="http://schemas.microsoft.com/office/drawing/2014/main" val="1777896625"/>
-                      </a:ext>
-                    </a:extLst>
-                  </a:tr>
-                  <a:tr h="370840">
-                    <a:tc>
-                      <a:txBody>
-                        <a:bodyPr/>
-                        <a:lstStyle/>
-                        <a:p>
-                          <a:r>
-                            <a:rPr lang="en-US" altLang="zh-CN" dirty="0"/>
-                            <a:t>45</a:t>
-                          </a:r>
-                          <a:endParaRPr lang="zh-CN" altLang="en-US" dirty="0"/>
-                        </a:p>
-                      </a:txBody>
-                      <a:tcPr/>
-                    </a:tc>
-                    <a:tc>
-                      <a:txBody>
-                        <a:bodyPr/>
-                        <a:lstStyle/>
-                        <a:p>
-                          <a:r>
-                            <a:rPr lang="en-US" altLang="zh-CN" dirty="0"/>
-                            <a:t>-</a:t>
-                          </a:r>
-                          <a:endParaRPr lang="zh-CN" altLang="en-US" dirty="0"/>
-                        </a:p>
-                      </a:txBody>
-                      <a:tcPr/>
-                    </a:tc>
-                    <a:tc>
-                      <a:txBody>
-                        <a:bodyPr/>
-                        <a:lstStyle/>
-                        <a:p>
-                          <a:r>
-                            <a:rPr lang="en-US" altLang="zh-CN" dirty="0"/>
-                            <a:t>Time out</a:t>
-                          </a:r>
-                          <a:endParaRPr lang="zh-CN" altLang="en-US" dirty="0"/>
-                        </a:p>
-                      </a:txBody>
-                      <a:tcPr/>
-                    </a:tc>
-                    <a:tc>
-                      <a:txBody>
-                        <a:bodyPr/>
-                        <a:lstStyle/>
-                        <a:p>
-                          <a:r>
-                            <a:rPr lang="en-US" altLang="zh-CN" dirty="0"/>
-                            <a:t>0.0040</a:t>
-                          </a:r>
-                          <a:endParaRPr lang="zh-CN" altLang="en-US" dirty="0"/>
-                        </a:p>
-                      </a:txBody>
-                      <a:tcPr/>
-                    </a:tc>
-                    <a:tc>
-                      <a:txBody>
-                        <a:bodyPr/>
-                        <a:lstStyle/>
-                        <a:p>
-                          <a:r>
-                            <a:rPr lang="en-US" altLang="zh-CN" dirty="0"/>
-                            <a:t>-</a:t>
-                          </a:r>
-                          <a:endParaRPr lang="zh-CN" altLang="en-US" dirty="0"/>
-                        </a:p>
-                      </a:txBody>
-                      <a:tcPr/>
-                    </a:tc>
-                    <a:extLst>
-                      <a:ext uri="{0D108BD9-81ED-4DB2-BD59-A6C34878D82A}">
-                        <a16:rowId xmlns:a16="http://schemas.microsoft.com/office/drawing/2014/main" val="2097181202"/>
-                      </a:ext>
-                    </a:extLst>
-                  </a:tr>
-                  <a:tr h="370840">
-                    <a:tc>
-                      <a:txBody>
-                        <a:bodyPr/>
-                        <a:lstStyle/>
-                        <a:p>
-                          <a:r>
-                            <a:rPr lang="en-US" altLang="zh-CN" dirty="0"/>
-                            <a:t>50</a:t>
-                          </a:r>
-                          <a:endParaRPr lang="zh-CN" altLang="en-US" dirty="0"/>
-                        </a:p>
-                      </a:txBody>
-                      <a:tcPr/>
-                    </a:tc>
-                    <a:tc>
-                      <a:txBody>
-                        <a:bodyPr/>
-                        <a:lstStyle/>
-                        <a:p>
-                          <a:r>
-                            <a:rPr lang="en-US" altLang="zh-CN" dirty="0"/>
-                            <a:t>103.034</a:t>
-                          </a:r>
-                          <a:endParaRPr lang="zh-CN" altLang="en-US" dirty="0"/>
-                        </a:p>
-                      </a:txBody>
-                      <a:tcPr/>
-                    </a:tc>
-                    <a:tc>
-                      <a:txBody>
-                        <a:bodyPr/>
-                        <a:lstStyle/>
-                        <a:p>
-                          <a:r>
-                            <a:rPr lang="en-US" altLang="zh-CN" dirty="0"/>
-                            <a:t>254.204</a:t>
-                          </a:r>
-                          <a:endParaRPr lang="zh-CN" altLang="en-US" dirty="0"/>
-                        </a:p>
-                      </a:txBody>
-                      <a:tcPr/>
-                    </a:tc>
-                    <a:tc>
-                      <a:txBody>
-                        <a:bodyPr/>
-                        <a:lstStyle/>
-                        <a:p>
-                          <a:r>
-                            <a:rPr lang="en-US" altLang="zh-CN" dirty="0"/>
-                            <a:t>0.0044</a:t>
-                          </a:r>
-                          <a:endParaRPr lang="zh-CN" altLang="en-US" dirty="0"/>
-                        </a:p>
-                      </a:txBody>
-                      <a:tcPr/>
-                    </a:tc>
-                    <a:tc>
-                      <a:txBody>
-                        <a:bodyPr/>
-                        <a:lstStyle/>
-                        <a:p>
-                          <a:r>
-                            <a:rPr lang="en-US" altLang="zh-CN" dirty="0"/>
-                            <a:t>12813.5</a:t>
-                          </a:r>
-                          <a:endParaRPr lang="zh-CN" altLang="en-US" dirty="0"/>
-                        </a:p>
-                      </a:txBody>
-                      <a:tcPr/>
-                    </a:tc>
-                    <a:extLst>
-                      <a:ext uri="{0D108BD9-81ED-4DB2-BD59-A6C34878D82A}">
-                        <a16:rowId xmlns:a16="http://schemas.microsoft.com/office/drawing/2014/main" val="2229650930"/>
-                      </a:ext>
-                    </a:extLst>
-                  </a:tr>
-                </a:tbl>
-              </a:graphicData>
-            </a:graphic>
-          </p:graphicFrame>
-        </mc:Fallback>
-      </mc:AlternateContent>
-      <mc:AlternateContent xmlns:mc="http://schemas.openxmlformats.org/markup-compatibility/2006">
-        <mc:Choice xmlns:a14="http://schemas.microsoft.com/office/drawing/2010/main" Requires="a14">
           <p:sp>
             <p:nvSpPr>
-              <p:cNvPr id="13" name="文本框 12">
-                <a:extLst>
-                  <a:ext uri="{FF2B5EF4-FFF2-40B4-BE49-F238E27FC236}">
-                    <a16:creationId xmlns:a16="http://schemas.microsoft.com/office/drawing/2014/main" id="{F2913403-F189-9A51-DD83-582175A25B51}"/>
-                  </a:ext>
-                </a:extLst>
-              </p:cNvPr>
+              <p:cNvPr id="13" name="文本框 12"/>
               <p:cNvSpPr txBox="1"/>
               <p:nvPr/>
             </p:nvSpPr>
             <p:spPr>
               <a:xfrm>
                 <a:off x="5710561" y="2801463"/>
-                <a:ext cx="6094520" cy="3552191"/>
+                <a:ext cx="6094520" cy="3686810"/>
               </a:xfrm>
               <a:prstGeom prst="rect">
                 <a:avLst/>
@@ -14718,7 +12050,7 @@
               <a:lstStyle/>
               <a:p>
                 <a:pPr algn="l">
-                  <a:buFont typeface="Arial" panose="020B0604020202020204" pitchFamily="34" charset="0"/>
+                  <a:buFont typeface="Arial" panose="020B0604020202090204" pitchFamily="34" charset="0"/>
                   <a:buChar char="•"/>
                 </a:pPr>
                 <a:r>
@@ -14836,10 +12168,17 @@
                   </a:rPr>
                   <a:t> represents the number of possible classification categories for each element.</a:t>
                 </a:r>
+                <a:endParaRPr lang="en-US" altLang="zh-CN" sz="2000" b="0" i="0" dirty="0">
+                  <a:solidFill>
+                    <a:srgbClr val="0F1115"/>
+                  </a:solidFill>
+                  <a:effectLst/>
+                  <a:latin typeface="+mn-ea"/>
+                </a:endParaRPr>
               </a:p>
               <a:p>
                 <a:pPr algn="l">
-                  <a:buFont typeface="Arial" panose="020B0604020202020204" pitchFamily="34" charset="0"/>
+                  <a:buFont typeface="Arial" panose="020B0604020202090204" pitchFamily="34" charset="0"/>
                   <a:buChar char="•"/>
                 </a:pPr>
                 <a:r>
@@ -14872,7 +12211,41 @@
                         <a:effectLst/>
                         <a:latin typeface="Cambria Math" panose="02040503050406030204" pitchFamily="18" charset="0"/>
                       </a:rPr>
-                      <m:t>=45</m:t>
+                      <m:t>=</m:t>
+                    </m:r>
+                    <m:r>
+                      <a:rPr lang="en-US" altLang="zh-CN" sz="2000" b="0" i="1" dirty="0" smtClean="0">
+                        <a:solidFill>
+                          <a:srgbClr val="0F1115"/>
+                        </a:solidFill>
+                        <a:effectLst/>
+                        <a:latin typeface="Cambria Math" panose="02040503050406030204" pitchFamily="18" charset="0"/>
+                      </a:rPr>
+                      <m:t>45</m:t>
+                    </m:r>
+                  </m:oMath>
+                </a14:m>
+                <a:r>
+                  <a:rPr lang="en-US" altLang="zh-CN" sz="2000" b="0" i="0" dirty="0">
+                    <a:solidFill>
+                      <a:srgbClr val="0F1115"/>
+                    </a:solidFill>
+                    <a:effectLst/>
+                    <a:latin typeface="+mn-ea"/>
+                  </a:rPr>
+                  <a:t>,</a:t>
+                </a:r>
+                <a14:m>
+                  <m:oMath xmlns:m="http://schemas.openxmlformats.org/officeDocument/2006/math">
+                    <m:r>
+                      <a:rPr lang="en-US" altLang="zh-CN" sz="2000" b="0" i="1" dirty="0" smtClean="0">
+                        <a:solidFill>
+                          <a:srgbClr val="0F1115"/>
+                        </a:solidFill>
+                        <a:effectLst/>
+                        <a:latin typeface="Cambria Math" panose="02040503050406030204" pitchFamily="18" charset="0"/>
+                      </a:rPr>
+                      <m:t>50</m:t>
                     </m:r>
                   </m:oMath>
                 </a14:m>
@@ -14886,10 +12259,17 @@
                   </a:rPr>
                   <a:t>, indicating that ineffective pruning significantly impacts DFS performance.</a:t>
                 </a:r>
+                <a:endParaRPr lang="en-US" altLang="zh-CN" sz="2000" b="0" i="0" dirty="0">
+                  <a:solidFill>
+                    <a:srgbClr val="0F1115"/>
+                  </a:solidFill>
+                  <a:effectLst/>
+                  <a:latin typeface="+mn-ea"/>
+                </a:endParaRPr>
               </a:p>
               <a:p>
                 <a:pPr algn="l">
-                  <a:buFont typeface="Arial" panose="020B0604020202020204" pitchFamily="34" charset="0"/>
+                  <a:buFont typeface="Arial" panose="020B0604020202090204" pitchFamily="34" charset="0"/>
                   <a:buChar char="•"/>
                 </a:pPr>
                 <a:r>
@@ -14922,7 +12302,27 @@
                         <a:effectLst/>
                         <a:latin typeface="Cambria Math" panose="02040503050406030204" pitchFamily="18" charset="0"/>
                       </a:rPr>
-                      <m:t>&lt;30 </m:t>
+                      <m:t>&lt;</m:t>
+                    </m:r>
+                    <m:r>
+                      <a:rPr lang="en-US" altLang="zh-CN" sz="2000" b="0" i="1" dirty="0" smtClean="0">
+                        <a:solidFill>
+                          <a:srgbClr val="0F1115"/>
+                        </a:solidFill>
+                        <a:effectLst/>
+                        <a:latin typeface="Cambria Math" panose="02040503050406030204" pitchFamily="18" charset="0"/>
+                      </a:rPr>
+                      <m:t>30</m:t>
+                    </m:r>
+                    <m:r>
+                      <a:rPr lang="en-US" altLang="zh-CN" sz="2000" b="0" i="1" dirty="0" smtClean="0">
+                        <a:solidFill>
+                          <a:srgbClr val="0F1115"/>
+                        </a:solidFill>
+                        <a:effectLst/>
+                        <a:latin typeface="Cambria Math" panose="02040503050406030204" pitchFamily="18" charset="0"/>
+                      </a:rPr>
+                      <m:t> </m:t>
                     </m:r>
                   </m:oMath>
                 </a14:m>
@@ -14936,6 +12336,13 @@
                   </a:rPr>
                   <a:t>and pruning remains effective, the algorithm performs well with running times at the millisecond level.</a:t>
                 </a:r>
+                <a:endParaRPr lang="en-US" altLang="zh-CN" sz="2000" b="0" i="0" dirty="0">
+                  <a:solidFill>
+                    <a:srgbClr val="0F1115"/>
+                  </a:solidFill>
+                  <a:effectLst/>
+                  <a:latin typeface="+mn-ea"/>
+                </a:endParaRPr>
               </a:p>
             </p:txBody>
           </p:sp>
@@ -14943,13 +12350,7 @@
         <mc:Fallback>
           <p:sp>
             <p:nvSpPr>
-              <p:cNvPr id="13" name="文本框 12">
-                <a:extLst>
-                  <a:ext uri="{FF2B5EF4-FFF2-40B4-BE49-F238E27FC236}">
-                    <a16:creationId xmlns:a16="http://schemas.microsoft.com/office/drawing/2014/main" id="{F2913403-F189-9A51-DD83-582175A25B51}"/>
-                  </a:ext>
-                </a:extLst>
-              </p:cNvPr>
+              <p:cNvPr id="13" name="文本框 12"/>
               <p:cNvSpPr txBox="1">
                 <a:spLocks noRot="1" noChangeAspect="1" noMove="1" noResize="1" noEditPoints="1" noAdjustHandles="1" noChangeArrowheads="1" noChangeShapeType="1" noTextEdit="1"/>
               </p:cNvSpPr>
@@ -14958,15 +12359,15 @@
             <p:spPr>
               <a:xfrm>
                 <a:off x="5710561" y="2801463"/>
-                <a:ext cx="6094520" cy="3552191"/>
+                <a:ext cx="6094520" cy="3686810"/>
               </a:xfrm>
               <a:prstGeom prst="rect">
                 <a:avLst/>
               </a:prstGeom>
-              <a:blipFill>
-                <a:blip r:embed="rId4"/>
+              <a:blipFill rotWithShape="1">
+                <a:blip r:embed="rId2"/>
                 <a:stretch>
-                  <a:fillRect l="-1100" t="-1031" r="-1700" b="-1203"/>
+                  <a:fillRect t="-13" r="7" b="13"/>
                 </a:stretch>
               </a:blipFill>
             </p:spPr>
@@ -14975,7 +12376,7 @@
               <a:lstStyle/>
               <a:p>
                 <a:r>
-                  <a:rPr lang="zh-CN" altLang="en-US">
+                  <a:rPr lang="en-US" altLang="en-US">
                     <a:noFill/>
                   </a:rPr>
                   <a:t> </a:t>
@@ -14985,23 +12386,42 @@
           </p:sp>
         </mc:Fallback>
       </mc:AlternateContent>
+      <p:pic>
+        <p:nvPicPr>
+          <p:cNvPr id="10" name="Picture 9" descr="287cfdd1-5861-4b6c-b93d-63237c808efe"/>
+          <p:cNvPicPr>
+            <a:picLocks noChangeAspect="1"/>
+          </p:cNvPicPr>
+          <p:nvPr/>
+        </p:nvPicPr>
+        <p:blipFill>
+          <a:blip r:embed="rId3"/>
+          <a:stretch>
+            <a:fillRect/>
+          </a:stretch>
+        </p:blipFill>
+        <p:spPr>
+          <a:xfrm>
+            <a:off x="46990" y="2816225"/>
+            <a:ext cx="5469890" cy="3355340"/>
+          </a:xfrm>
+          <a:prstGeom prst="rect">
+            <a:avLst/>
+          </a:prstGeom>
+        </p:spPr>
+      </p:pic>
     </p:spTree>
-    <p:extLst>
-      <p:ext uri="{BB962C8B-B14F-4D97-AF65-F5344CB8AC3E}">
-        <p14:creationId xmlns:p14="http://schemas.microsoft.com/office/powerpoint/2010/main" val="1792407509"/>
-      </p:ext>
-    </p:extLst>
   </p:cSld>
   <p:clrMapOvr>
     <a:masterClrMapping/>
   </p:clrMapOvr>
-  <mc:AlternateContent xmlns:mc="http://schemas.openxmlformats.org/markup-compatibility/2006" xmlns:p14="http://schemas.microsoft.com/office/powerpoint/2010/main">
-    <mc:Choice Requires="p14">
+  <mc:AlternateContent xmlns:mc="http://schemas.openxmlformats.org/markup-compatibility/2006">
+    <mc:Choice xmlns:p14="http://schemas.microsoft.com/office/powerpoint/2010/main" Requires="p14">
       <p:transition spd="med" p14:dur="700">
         <p:fade/>
       </p:transition>
     </mc:Choice>
-    <mc:Fallback xmlns="">
+    <mc:Fallback>
       <p:transition spd="med">
         <p:fade/>
       </p:transition>
@@ -15029,13 +12449,7 @@
       </p:grpSpPr>
       <p:grpSp>
         <p:nvGrpSpPr>
-          <p:cNvPr id="6" name="组合 5">
-            <a:extLst>
-              <a:ext uri="{FF2B5EF4-FFF2-40B4-BE49-F238E27FC236}">
-                <a16:creationId xmlns:a16="http://schemas.microsoft.com/office/drawing/2014/main" id="{6A978EE0-6762-4070-9208-727D6A2C888D}"/>
-              </a:ext>
-            </a:extLst>
-          </p:cNvPr>
+          <p:cNvPr id="6" name="组合 5"/>
           <p:cNvGrpSpPr/>
           <p:nvPr/>
         </p:nvGrpSpPr>
@@ -15049,13 +12463,7 @@
         </p:grpSpPr>
         <p:sp>
           <p:nvSpPr>
-            <p:cNvPr id="2" name="矩形 1">
-              <a:extLst>
-                <a:ext uri="{FF2B5EF4-FFF2-40B4-BE49-F238E27FC236}">
-                  <a16:creationId xmlns:a16="http://schemas.microsoft.com/office/drawing/2014/main" id="{0BBA72C2-6658-4903-90B0-3DB09CD96F31}"/>
-                </a:ext>
-              </a:extLst>
-            </p:cNvPr>
+            <p:cNvPr id="2" name="矩形 1"/>
             <p:cNvSpPr/>
             <p:nvPr/>
           </p:nvSpPr>
@@ -15101,13 +12509,7 @@
         </p:sp>
         <p:sp>
           <p:nvSpPr>
-            <p:cNvPr id="3" name="矩形 2">
-              <a:extLst>
-                <a:ext uri="{FF2B5EF4-FFF2-40B4-BE49-F238E27FC236}">
-                  <a16:creationId xmlns:a16="http://schemas.microsoft.com/office/drawing/2014/main" id="{C88DC6F7-3F54-4EFD-919D-1EC401B96C18}"/>
-                </a:ext>
-              </a:extLst>
-            </p:cNvPr>
+            <p:cNvPr id="3" name="矩形 2"/>
             <p:cNvSpPr/>
             <p:nvPr/>
           </p:nvSpPr>
@@ -15153,13 +12555,7 @@
         </p:sp>
         <p:cxnSp>
           <p:nvCxnSpPr>
-            <p:cNvPr id="5" name="直接连接符 4">
-              <a:extLst>
-                <a:ext uri="{FF2B5EF4-FFF2-40B4-BE49-F238E27FC236}">
-                  <a16:creationId xmlns:a16="http://schemas.microsoft.com/office/drawing/2014/main" id="{ABB1D33E-6A58-4E88-95E9-6A4048F9D03F}"/>
-                </a:ext>
-              </a:extLst>
-            </p:cNvPr>
+            <p:cNvPr id="5" name="直接连接符 4"/>
             <p:cNvCxnSpPr/>
             <p:nvPr/>
           </p:nvCxnSpPr>
@@ -15195,20 +12591,14 @@
       </p:grpSp>
       <p:pic>
         <p:nvPicPr>
-          <p:cNvPr id="8" name="图片 7">
-            <a:extLst>
-              <a:ext uri="{FF2B5EF4-FFF2-40B4-BE49-F238E27FC236}">
-                <a16:creationId xmlns:a16="http://schemas.microsoft.com/office/drawing/2014/main" id="{DD0E7411-EFC8-4009-A22F-AE54C44AD598}"/>
-              </a:ext>
-            </a:extLst>
-          </p:cNvPr>
+          <p:cNvPr id="8" name="图片 7"/>
           <p:cNvPicPr>
             <a:picLocks noChangeAspect="1"/>
           </p:cNvPicPr>
           <p:nvPr/>
         </p:nvPicPr>
         <p:blipFill>
-          <a:blip r:embed="rId2">
+          <a:blip r:embed="rId1">
             <a:extLst>
               <a:ext uri="{28A0092B-C50C-407E-A947-70E740481C1C}">
                 <a14:useLocalDpi xmlns:a14="http://schemas.microsoft.com/office/drawing/2010/main" val="0"/>
@@ -15231,13 +12621,7 @@
       </p:pic>
       <p:sp>
         <p:nvSpPr>
-          <p:cNvPr id="9" name="文本框 8">
-            <a:extLst>
-              <a:ext uri="{FF2B5EF4-FFF2-40B4-BE49-F238E27FC236}">
-                <a16:creationId xmlns:a16="http://schemas.microsoft.com/office/drawing/2014/main" id="{29E2F821-98A7-4B7B-811D-5DAD6270ADCA}"/>
-              </a:ext>
-            </a:extLst>
-          </p:cNvPr>
+          <p:cNvPr id="9" name="文本框 8"/>
           <p:cNvSpPr txBox="1"/>
           <p:nvPr/>
         </p:nvSpPr>
@@ -15275,20 +12659,14 @@
       </p:sp>
       <p:pic>
         <p:nvPicPr>
-          <p:cNvPr id="7" name="图片 6">
-            <a:extLst>
-              <a:ext uri="{FF2B5EF4-FFF2-40B4-BE49-F238E27FC236}">
-                <a16:creationId xmlns:a16="http://schemas.microsoft.com/office/drawing/2014/main" id="{DFE51BE8-4C42-9356-14E7-078A18EBB0BC}"/>
-              </a:ext>
-            </a:extLst>
-          </p:cNvPr>
+          <p:cNvPr id="7" name="图片 6"/>
           <p:cNvPicPr>
             <a:picLocks noChangeAspect="1"/>
           </p:cNvPicPr>
           <p:nvPr/>
         </p:nvPicPr>
         <p:blipFill>
-          <a:blip r:embed="rId3">
+          <a:blip r:embed="rId2">
             <a:extLst>
               <a:ext uri="{28A0092B-C50C-407E-A947-70E740481C1C}">
                 <a14:useLocalDpi xmlns:a14="http://schemas.microsoft.com/office/drawing/2010/main" val="0"/>
@@ -15311,20 +12689,14 @@
       </p:pic>
       <p:pic>
         <p:nvPicPr>
-          <p:cNvPr id="12" name="图片 11">
-            <a:extLst>
-              <a:ext uri="{FF2B5EF4-FFF2-40B4-BE49-F238E27FC236}">
-                <a16:creationId xmlns:a16="http://schemas.microsoft.com/office/drawing/2014/main" id="{FF617B7E-824F-AB30-BA76-83C403FCFF61}"/>
-              </a:ext>
-            </a:extLst>
-          </p:cNvPr>
+          <p:cNvPr id="12" name="图片 11"/>
           <p:cNvPicPr>
             <a:picLocks noChangeAspect="1"/>
           </p:cNvPicPr>
           <p:nvPr/>
         </p:nvPicPr>
         <p:blipFill>
-          <a:blip r:embed="rId4">
+          <a:blip r:embed="rId3">
             <a:extLst>
               <a:ext uri="{28A0092B-C50C-407E-A947-70E740481C1C}">
                 <a14:useLocalDpi xmlns:a14="http://schemas.microsoft.com/office/drawing/2010/main" val="0"/>
@@ -15347,13 +12719,7 @@
       </p:pic>
       <p:sp>
         <p:nvSpPr>
-          <p:cNvPr id="14" name="文本框 13">
-            <a:extLst>
-              <a:ext uri="{FF2B5EF4-FFF2-40B4-BE49-F238E27FC236}">
-                <a16:creationId xmlns:a16="http://schemas.microsoft.com/office/drawing/2014/main" id="{369D66D6-7C88-531C-D03A-FD26A42E8847}"/>
-              </a:ext>
-            </a:extLst>
-          </p:cNvPr>
+          <p:cNvPr id="14" name="文本框 13"/>
           <p:cNvSpPr txBox="1"/>
           <p:nvPr/>
         </p:nvSpPr>
@@ -15389,13 +12755,7 @@
       </p:sp>
       <p:sp>
         <p:nvSpPr>
-          <p:cNvPr id="17" name="文本框 16">
-            <a:extLst>
-              <a:ext uri="{FF2B5EF4-FFF2-40B4-BE49-F238E27FC236}">
-                <a16:creationId xmlns:a16="http://schemas.microsoft.com/office/drawing/2014/main" id="{D685A92D-64D8-0130-C83C-D8632B1763D1}"/>
-              </a:ext>
-            </a:extLst>
-          </p:cNvPr>
+          <p:cNvPr id="17" name="文本框 16"/>
           <p:cNvSpPr txBox="1"/>
           <p:nvPr/>
         </p:nvSpPr>
@@ -15431,13 +12791,7 @@
       </p:sp>
       <p:sp>
         <p:nvSpPr>
-          <p:cNvPr id="21" name="文本框 20">
-            <a:extLst>
-              <a:ext uri="{FF2B5EF4-FFF2-40B4-BE49-F238E27FC236}">
-                <a16:creationId xmlns:a16="http://schemas.microsoft.com/office/drawing/2014/main" id="{CA31A6F5-9980-4445-A7EB-6ED73DAAA40E}"/>
-              </a:ext>
-            </a:extLst>
-          </p:cNvPr>
+          <p:cNvPr id="21" name="文本框 20"/>
           <p:cNvSpPr txBox="1"/>
           <p:nvPr/>
         </p:nvSpPr>
@@ -15479,22 +12833,17 @@
         </p:txBody>
       </p:sp>
     </p:spTree>
-    <p:extLst>
-      <p:ext uri="{BB962C8B-B14F-4D97-AF65-F5344CB8AC3E}">
-        <p14:creationId xmlns:p14="http://schemas.microsoft.com/office/powerpoint/2010/main" val="2271642251"/>
-      </p:ext>
-    </p:extLst>
   </p:cSld>
   <p:clrMapOvr>
     <a:masterClrMapping/>
   </p:clrMapOvr>
-  <mc:AlternateContent xmlns:mc="http://schemas.openxmlformats.org/markup-compatibility/2006" xmlns:p14="http://schemas.microsoft.com/office/powerpoint/2010/main">
-    <mc:Choice Requires="p14">
+  <mc:AlternateContent xmlns:mc="http://schemas.openxmlformats.org/markup-compatibility/2006">
+    <mc:Choice xmlns:p14="http://schemas.microsoft.com/office/powerpoint/2010/main" Requires="p14">
       <p:transition spd="med" p14:dur="700">
         <p:fade/>
       </p:transition>
     </mc:Choice>
-    <mc:Fallback xmlns="">
+    <mc:Fallback>
       <p:transition spd="med">
         <p:fade/>
       </p:transition>
@@ -15522,13 +12871,7 @@
       </p:grpSpPr>
       <p:grpSp>
         <p:nvGrpSpPr>
-          <p:cNvPr id="6" name="组合 5">
-            <a:extLst>
-              <a:ext uri="{FF2B5EF4-FFF2-40B4-BE49-F238E27FC236}">
-                <a16:creationId xmlns:a16="http://schemas.microsoft.com/office/drawing/2014/main" id="{6A978EE0-6762-4070-9208-727D6A2C888D}"/>
-              </a:ext>
-            </a:extLst>
-          </p:cNvPr>
+          <p:cNvPr id="6" name="组合 5"/>
           <p:cNvGrpSpPr/>
           <p:nvPr/>
         </p:nvGrpSpPr>
@@ -15542,13 +12885,7 @@
         </p:grpSpPr>
         <p:sp>
           <p:nvSpPr>
-            <p:cNvPr id="2" name="矩形 1">
-              <a:extLst>
-                <a:ext uri="{FF2B5EF4-FFF2-40B4-BE49-F238E27FC236}">
-                  <a16:creationId xmlns:a16="http://schemas.microsoft.com/office/drawing/2014/main" id="{0BBA72C2-6658-4903-90B0-3DB09CD96F31}"/>
-                </a:ext>
-              </a:extLst>
-            </p:cNvPr>
+            <p:cNvPr id="2" name="矩形 1"/>
             <p:cNvSpPr/>
             <p:nvPr/>
           </p:nvSpPr>
@@ -15594,13 +12931,7 @@
         </p:sp>
         <p:sp>
           <p:nvSpPr>
-            <p:cNvPr id="3" name="矩形 2">
-              <a:extLst>
-                <a:ext uri="{FF2B5EF4-FFF2-40B4-BE49-F238E27FC236}">
-                  <a16:creationId xmlns:a16="http://schemas.microsoft.com/office/drawing/2014/main" id="{C88DC6F7-3F54-4EFD-919D-1EC401B96C18}"/>
-                </a:ext>
-              </a:extLst>
-            </p:cNvPr>
+            <p:cNvPr id="3" name="矩形 2"/>
             <p:cNvSpPr/>
             <p:nvPr/>
           </p:nvSpPr>
@@ -15646,13 +12977,7 @@
         </p:sp>
         <p:cxnSp>
           <p:nvCxnSpPr>
-            <p:cNvPr id="5" name="直接连接符 4">
-              <a:extLst>
-                <a:ext uri="{FF2B5EF4-FFF2-40B4-BE49-F238E27FC236}">
-                  <a16:creationId xmlns:a16="http://schemas.microsoft.com/office/drawing/2014/main" id="{ABB1D33E-6A58-4E88-95E9-6A4048F9D03F}"/>
-                </a:ext>
-              </a:extLst>
-            </p:cNvPr>
+            <p:cNvPr id="5" name="直接连接符 4"/>
             <p:cNvCxnSpPr/>
             <p:nvPr/>
           </p:nvCxnSpPr>
@@ -15688,20 +13013,14 @@
       </p:grpSp>
       <p:pic>
         <p:nvPicPr>
-          <p:cNvPr id="8" name="图片 7">
-            <a:extLst>
-              <a:ext uri="{FF2B5EF4-FFF2-40B4-BE49-F238E27FC236}">
-                <a16:creationId xmlns:a16="http://schemas.microsoft.com/office/drawing/2014/main" id="{DD0E7411-EFC8-4009-A22F-AE54C44AD598}"/>
-              </a:ext>
-            </a:extLst>
-          </p:cNvPr>
+          <p:cNvPr id="8" name="图片 7"/>
           <p:cNvPicPr>
             <a:picLocks noChangeAspect="1"/>
           </p:cNvPicPr>
           <p:nvPr/>
         </p:nvPicPr>
         <p:blipFill>
-          <a:blip r:embed="rId2">
+          <a:blip r:embed="rId1">
             <a:extLst>
               <a:ext uri="{28A0092B-C50C-407E-A947-70E740481C1C}">
                 <a14:useLocalDpi xmlns:a14="http://schemas.microsoft.com/office/drawing/2010/main" val="0"/>
@@ -15724,13 +13043,7 @@
       </p:pic>
       <p:sp>
         <p:nvSpPr>
-          <p:cNvPr id="9" name="文本框 8">
-            <a:extLst>
-              <a:ext uri="{FF2B5EF4-FFF2-40B4-BE49-F238E27FC236}">
-                <a16:creationId xmlns:a16="http://schemas.microsoft.com/office/drawing/2014/main" id="{29E2F821-98A7-4B7B-811D-5DAD6270ADCA}"/>
-              </a:ext>
-            </a:extLst>
-          </p:cNvPr>
+          <p:cNvPr id="9" name="文本框 8"/>
           <p:cNvSpPr txBox="1"/>
           <p:nvPr/>
         </p:nvSpPr>
@@ -15768,20 +13081,14 @@
       </p:sp>
       <p:pic>
         <p:nvPicPr>
-          <p:cNvPr id="7" name="图片 6">
-            <a:extLst>
-              <a:ext uri="{FF2B5EF4-FFF2-40B4-BE49-F238E27FC236}">
-                <a16:creationId xmlns:a16="http://schemas.microsoft.com/office/drawing/2014/main" id="{44982D21-CC2D-3D3D-8AD3-14E7E1B1B19F}"/>
-              </a:ext>
-            </a:extLst>
-          </p:cNvPr>
+          <p:cNvPr id="7" name="图片 6"/>
           <p:cNvPicPr>
             <a:picLocks noChangeAspect="1"/>
           </p:cNvPicPr>
           <p:nvPr/>
         </p:nvPicPr>
         <p:blipFill>
-          <a:blip r:embed="rId3">
+          <a:blip r:embed="rId2">
             <a:extLst>
               <a:ext uri="{28A0092B-C50C-407E-A947-70E740481C1C}">
                 <a14:useLocalDpi xmlns:a14="http://schemas.microsoft.com/office/drawing/2010/main" val="0"/>
@@ -15804,13 +13111,7 @@
       </p:pic>
       <p:sp>
         <p:nvSpPr>
-          <p:cNvPr id="12" name="文本框 11">
-            <a:extLst>
-              <a:ext uri="{FF2B5EF4-FFF2-40B4-BE49-F238E27FC236}">
-                <a16:creationId xmlns:a16="http://schemas.microsoft.com/office/drawing/2014/main" id="{465AB4E8-95B0-A066-7CD9-BAE7F003C423}"/>
-              </a:ext>
-            </a:extLst>
-          </p:cNvPr>
+          <p:cNvPr id="12" name="文本框 11"/>
           <p:cNvSpPr txBox="1"/>
           <p:nvPr/>
         </p:nvSpPr>
@@ -15845,6 +13146,13 @@
               </a:rPr>
               <a:t>This is the performance visualization of the dynamic programming algorithm with simultaneous increases in n and sum. The goodness-of-fit R² = 0.9959 indicates that the model accurately describes the algorithm's time complexity.</a:t>
             </a:r>
+            <a:endParaRPr lang="en-US" altLang="zh-CN" sz="2000" b="0" i="0" dirty="0">
+              <a:solidFill>
+                <a:srgbClr val="0F1115"/>
+              </a:solidFill>
+              <a:effectLst/>
+              <a:latin typeface="+mn-ea"/>
+            </a:endParaRPr>
           </a:p>
           <a:p>
             <a:r>
@@ -15864,22 +13172,17 @@
         </p:txBody>
       </p:sp>
     </p:spTree>
-    <p:extLst>
-      <p:ext uri="{BB962C8B-B14F-4D97-AF65-F5344CB8AC3E}">
-        <p14:creationId xmlns:p14="http://schemas.microsoft.com/office/powerpoint/2010/main" val="848476188"/>
-      </p:ext>
-    </p:extLst>
   </p:cSld>
   <p:clrMapOvr>
     <a:masterClrMapping/>
   </p:clrMapOvr>
-  <mc:AlternateContent xmlns:mc="http://schemas.openxmlformats.org/markup-compatibility/2006" xmlns:p14="http://schemas.microsoft.com/office/powerpoint/2010/main">
-    <mc:Choice Requires="p14">
+  <mc:AlternateContent xmlns:mc="http://schemas.openxmlformats.org/markup-compatibility/2006">
+    <mc:Choice xmlns:p14="http://schemas.microsoft.com/office/powerpoint/2010/main" Requires="p14">
       <p:transition spd="med" p14:dur="700">
         <p:fade/>
       </p:transition>
     </mc:Choice>
-    <mc:Fallback xmlns="">
+    <mc:Fallback>
       <p:transition spd="med">
         <p:fade/>
       </p:transition>
@@ -15907,13 +13210,7 @@
       </p:grpSpPr>
       <p:grpSp>
         <p:nvGrpSpPr>
-          <p:cNvPr id="6" name="组合 5">
-            <a:extLst>
-              <a:ext uri="{FF2B5EF4-FFF2-40B4-BE49-F238E27FC236}">
-                <a16:creationId xmlns:a16="http://schemas.microsoft.com/office/drawing/2014/main" id="{6A978EE0-6762-4070-9208-727D6A2C888D}"/>
-              </a:ext>
-            </a:extLst>
-          </p:cNvPr>
+          <p:cNvPr id="6" name="组合 5"/>
           <p:cNvGrpSpPr/>
           <p:nvPr/>
         </p:nvGrpSpPr>
@@ -15927,13 +13224,7 @@
         </p:grpSpPr>
         <p:sp>
           <p:nvSpPr>
-            <p:cNvPr id="2" name="矩形 1">
-              <a:extLst>
-                <a:ext uri="{FF2B5EF4-FFF2-40B4-BE49-F238E27FC236}">
-                  <a16:creationId xmlns:a16="http://schemas.microsoft.com/office/drawing/2014/main" id="{0BBA72C2-6658-4903-90B0-3DB09CD96F31}"/>
-                </a:ext>
-              </a:extLst>
-            </p:cNvPr>
+            <p:cNvPr id="2" name="矩形 1"/>
             <p:cNvSpPr/>
             <p:nvPr/>
           </p:nvSpPr>
@@ -15979,13 +13270,7 @@
         </p:sp>
         <p:sp>
           <p:nvSpPr>
-            <p:cNvPr id="3" name="矩形 2">
-              <a:extLst>
-                <a:ext uri="{FF2B5EF4-FFF2-40B4-BE49-F238E27FC236}">
-                  <a16:creationId xmlns:a16="http://schemas.microsoft.com/office/drawing/2014/main" id="{C88DC6F7-3F54-4EFD-919D-1EC401B96C18}"/>
-                </a:ext>
-              </a:extLst>
-            </p:cNvPr>
+            <p:cNvPr id="3" name="矩形 2"/>
             <p:cNvSpPr/>
             <p:nvPr/>
           </p:nvSpPr>
@@ -16031,13 +13316,7 @@
         </p:sp>
         <p:cxnSp>
           <p:nvCxnSpPr>
-            <p:cNvPr id="5" name="直接连接符 4">
-              <a:extLst>
-                <a:ext uri="{FF2B5EF4-FFF2-40B4-BE49-F238E27FC236}">
-                  <a16:creationId xmlns:a16="http://schemas.microsoft.com/office/drawing/2014/main" id="{ABB1D33E-6A58-4E88-95E9-6A4048F9D03F}"/>
-                </a:ext>
-              </a:extLst>
-            </p:cNvPr>
+            <p:cNvPr id="5" name="直接连接符 4"/>
             <p:cNvCxnSpPr/>
             <p:nvPr/>
           </p:nvCxnSpPr>
@@ -16073,20 +13352,14 @@
       </p:grpSp>
       <p:pic>
         <p:nvPicPr>
-          <p:cNvPr id="8" name="图片 7">
-            <a:extLst>
-              <a:ext uri="{FF2B5EF4-FFF2-40B4-BE49-F238E27FC236}">
-                <a16:creationId xmlns:a16="http://schemas.microsoft.com/office/drawing/2014/main" id="{DD0E7411-EFC8-4009-A22F-AE54C44AD598}"/>
-              </a:ext>
-            </a:extLst>
-          </p:cNvPr>
+          <p:cNvPr id="8" name="图片 7"/>
           <p:cNvPicPr>
             <a:picLocks noChangeAspect="1"/>
           </p:cNvPicPr>
           <p:nvPr/>
         </p:nvPicPr>
         <p:blipFill>
-          <a:blip r:embed="rId2">
+          <a:blip r:embed="rId1">
             <a:extLst>
               <a:ext uri="{28A0092B-C50C-407E-A947-70E740481C1C}">
                 <a14:useLocalDpi xmlns:a14="http://schemas.microsoft.com/office/drawing/2010/main" val="0"/>
@@ -16109,13 +13382,7 @@
       </p:pic>
       <p:sp>
         <p:nvSpPr>
-          <p:cNvPr id="9" name="文本框 8">
-            <a:extLst>
-              <a:ext uri="{FF2B5EF4-FFF2-40B4-BE49-F238E27FC236}">
-                <a16:creationId xmlns:a16="http://schemas.microsoft.com/office/drawing/2014/main" id="{29E2F821-98A7-4B7B-811D-5DAD6270ADCA}"/>
-              </a:ext>
-            </a:extLst>
-          </p:cNvPr>
+          <p:cNvPr id="9" name="文本框 8"/>
           <p:cNvSpPr txBox="1"/>
           <p:nvPr/>
         </p:nvSpPr>
@@ -16155,13 +13422,7 @@
         <mc:Choice xmlns:a14="http://schemas.microsoft.com/office/drawing/2010/main" Requires="a14">
           <p:sp>
             <p:nvSpPr>
-              <p:cNvPr id="4" name="文本框 3">
-                <a:extLst>
-                  <a:ext uri="{FF2B5EF4-FFF2-40B4-BE49-F238E27FC236}">
-                    <a16:creationId xmlns:a16="http://schemas.microsoft.com/office/drawing/2014/main" id="{66715289-D2DE-49AB-4EDF-E8118D24BE4B}"/>
-                  </a:ext>
-                </a:extLst>
-              </p:cNvPr>
+              <p:cNvPr id="4" name="文本框 3"/>
               <p:cNvSpPr txBox="1"/>
               <p:nvPr/>
             </p:nvSpPr>
@@ -16192,6 +13453,9 @@
                   </a:rPr>
                   <a:t>We construct two types of data to test SA.</a:t>
                 </a:r>
+                <a:endParaRPr lang="en-US" altLang="zh-CN" sz="2000" dirty="0">
+                  <a:latin typeface="+mn-ea"/>
+                </a:endParaRPr>
               </a:p>
               <a:p>
                 <a:r>
@@ -16532,13 +13796,7 @@
         <mc:Fallback>
           <p:sp>
             <p:nvSpPr>
-              <p:cNvPr id="4" name="文本框 3">
-                <a:extLst>
-                  <a:ext uri="{FF2B5EF4-FFF2-40B4-BE49-F238E27FC236}">
-                    <a16:creationId xmlns:a16="http://schemas.microsoft.com/office/drawing/2014/main" id="{66715289-D2DE-49AB-4EDF-E8118D24BE4B}"/>
-                  </a:ext>
-                </a:extLst>
-              </p:cNvPr>
+              <p:cNvPr id="4" name="文本框 3"/>
               <p:cNvSpPr txBox="1">
                 <a:spLocks noRot="1" noChangeAspect="1" noMove="1" noResize="1" noEditPoints="1" noAdjustHandles="1" noChangeArrowheads="1" noChangeShapeType="1" noTextEdit="1"/>
               </p:cNvSpPr>
@@ -16552,10 +13810,10 @@
               <a:prstGeom prst="rect">
                 <a:avLst/>
               </a:prstGeom>
-              <a:blipFill>
-                <a:blip r:embed="rId3"/>
+              <a:blipFill rotWithShape="1">
+                <a:blip r:embed="rId2"/>
                 <a:stretch>
-                  <a:fillRect l="-557" t="-1866" b="-5597"/>
+                  <a:fillRect l="-1" t="-9" r="4" b="3"/>
                 </a:stretch>
               </a:blipFill>
             </p:spPr>
@@ -16564,7 +13822,7 @@
               <a:lstStyle/>
               <a:p>
                 <a:r>
-                  <a:rPr lang="zh-CN" altLang="en-US">
+                  <a:rPr lang="en-US" altLang="en-US">
                     <a:noFill/>
                   </a:rPr>
                   <a:t> </a:t>
@@ -16578,13 +13836,7 @@
         <mc:Choice xmlns:a14="http://schemas.microsoft.com/office/drawing/2010/main" Requires="a14">
           <p:sp>
             <p:nvSpPr>
-              <p:cNvPr id="7" name="文本框 6">
-                <a:extLst>
-                  <a:ext uri="{FF2B5EF4-FFF2-40B4-BE49-F238E27FC236}">
-                    <a16:creationId xmlns:a16="http://schemas.microsoft.com/office/drawing/2014/main" id="{CE3DF1C6-8757-049C-91E2-588C700F16FE}"/>
-                  </a:ext>
-                </a:extLst>
-              </p:cNvPr>
+              <p:cNvPr id="7" name="文本框 6"/>
               <p:cNvSpPr txBox="1"/>
               <p:nvPr/>
             </p:nvSpPr>
@@ -16649,7 +13901,13 @@
                             <a:rPr lang="en-US" altLang="zh-CN" b="0" i="0" smtClean="0">
                               <a:latin typeface="Cambria Math" panose="02040503050406030204" pitchFamily="18" charset="0"/>
                             </a:rPr>
-                            <m:t>=1</m:t>
+                            <m:t>=</m:t>
+                          </m:r>
+                          <m:r>
+                            <a:rPr lang="en-US" altLang="zh-CN" b="0" i="0" smtClean="0">
+                              <a:latin typeface="Cambria Math" panose="02040503050406030204" pitchFamily="18" charset="0"/>
+                            </a:rPr>
+                            <m:t>1</m:t>
                           </m:r>
                         </m:sub>
                         <m:sup>
@@ -16794,7 +14052,19 @@
                         <a:rPr lang="en-US" altLang="zh-CN" b="0" i="0" smtClean="0">
                           <a:latin typeface="Cambria Math" panose="02040503050406030204" pitchFamily="18" charset="0"/>
                         </a:rPr>
-                        <m:t>(1,</m:t>
+                        <m:t>(</m:t>
+                      </m:r>
+                      <m:r>
+                        <a:rPr lang="en-US" altLang="zh-CN" b="0" i="0" smtClean="0">
+                          <a:latin typeface="Cambria Math" panose="02040503050406030204" pitchFamily="18" charset="0"/>
+                        </a:rPr>
+                        <m:t>1</m:t>
+                      </m:r>
+                      <m:r>
+                        <a:rPr lang="en-US" altLang="zh-CN" b="0" i="0" smtClean="0">
+                          <a:latin typeface="Cambria Math" panose="02040503050406030204" pitchFamily="18" charset="0"/>
+                        </a:rPr>
+                        <m:t>,</m:t>
                       </m:r>
                       <m:sSup>
                         <m:sSupPr>
@@ -16838,13 +14108,7 @@
         <mc:Fallback>
           <p:sp>
             <p:nvSpPr>
-              <p:cNvPr id="7" name="文本框 6">
-                <a:extLst>
-                  <a:ext uri="{FF2B5EF4-FFF2-40B4-BE49-F238E27FC236}">
-                    <a16:creationId xmlns:a16="http://schemas.microsoft.com/office/drawing/2014/main" id="{CE3DF1C6-8757-049C-91E2-588C700F16FE}"/>
-                  </a:ext>
-                </a:extLst>
-              </p:cNvPr>
+              <p:cNvPr id="7" name="文本框 6"/>
               <p:cNvSpPr txBox="1">
                 <a:spLocks noRot="1" noChangeAspect="1" noMove="1" noResize="1" noEditPoints="1" noAdjustHandles="1" noChangeArrowheads="1" noChangeShapeType="1" noTextEdit="1"/>
               </p:cNvSpPr>
@@ -16858,10 +14122,10 @@
               <a:prstGeom prst="rect">
                 <a:avLst/>
               </a:prstGeom>
-              <a:blipFill>
-                <a:blip r:embed="rId4"/>
+              <a:blipFill rotWithShape="1">
+                <a:blip r:embed="rId3"/>
                 <a:stretch>
-                  <a:fillRect/>
+                  <a:fillRect l="-12" t="-34" r="6" b="45"/>
                 </a:stretch>
               </a:blipFill>
             </p:spPr>
@@ -16870,7 +14134,7 @@
               <a:lstStyle/>
               <a:p>
                 <a:r>
-                  <a:rPr lang="zh-CN" altLang="en-US">
+                  <a:rPr lang="en-US" altLang="en-US">
                     <a:noFill/>
                   </a:rPr>
                   <a:t> </a:t>
@@ -16884,13 +14148,7 @@
         <mc:Choice xmlns:a14="http://schemas.microsoft.com/office/drawing/2010/main" Requires="a14">
           <p:sp>
             <p:nvSpPr>
-              <p:cNvPr id="12" name="文本框 11">
-                <a:extLst>
-                  <a:ext uri="{FF2B5EF4-FFF2-40B4-BE49-F238E27FC236}">
-                    <a16:creationId xmlns:a16="http://schemas.microsoft.com/office/drawing/2014/main" id="{7A9976EF-F1E8-6C09-7D4B-8114893BF369}"/>
-                  </a:ext>
-                </a:extLst>
-              </p:cNvPr>
+              <p:cNvPr id="12" name="文本框 11"/>
               <p:cNvSpPr txBox="1"/>
               <p:nvPr/>
             </p:nvSpPr>
@@ -17093,6 +14351,13 @@
                   </a:rPr>
                   <a:t>is preserved after combination.</a:t>
                 </a:r>
+                <a:endParaRPr lang="en-US" altLang="zh-CN" sz="2000" b="0" i="0" dirty="0">
+                  <a:solidFill>
+                    <a:srgbClr val="0F1115"/>
+                  </a:solidFill>
+                  <a:effectLst/>
+                  <a:latin typeface="+mn-ea"/>
+                </a:endParaRPr>
               </a:p>
               <a:p>
                 <a:r>
@@ -17122,6 +14387,12 @@
                   </a:rPr>
                   <a:t> for most 10 times, until it finds solution. We also collect how many times the program running when it finds solution.</a:t>
                 </a:r>
+                <a:endParaRPr lang="en-US" altLang="zh-CN" sz="2000" dirty="0">
+                  <a:solidFill>
+                    <a:srgbClr val="0F1115"/>
+                  </a:solidFill>
+                  <a:latin typeface="+mn-ea"/>
+                </a:endParaRPr>
               </a:p>
               <a:p>
                 <a:r>
@@ -17151,7 +14422,25 @@
                         </a:solidFill>
                         <a:latin typeface="+mn-ea"/>
                       </a:rPr>
-                      <m:t>=20,</m:t>
+                      <m:t>=</m:t>
+                    </m:r>
+                    <m:r>
+                      <a:rPr lang="en-US" altLang="zh-CN" sz="2000" b="0" i="1" smtClean="0">
+                        <a:solidFill>
+                          <a:srgbClr val="0F1115"/>
+                        </a:solidFill>
+                        <a:latin typeface="+mn-ea"/>
+                      </a:rPr>
+                      <m:t>20</m:t>
+                    </m:r>
+                    <m:r>
+                      <a:rPr lang="en-US" altLang="zh-CN" sz="2000" b="0" i="1" smtClean="0">
+                        <a:solidFill>
+                          <a:srgbClr val="0F1115"/>
+                        </a:solidFill>
+                        <a:latin typeface="+mn-ea"/>
+                      </a:rPr>
+                      <m:t>,</m:t>
                     </m:r>
                     <m:r>
                       <a:rPr lang="en-US" altLang="zh-CN" sz="2000" b="0" i="1" smtClean="0">
@@ -17169,7 +14458,16 @@
                         </a:solidFill>
                         <a:latin typeface="+mn-ea"/>
                       </a:rPr>
-                      <m:t>≥10</m:t>
+                      <m:t>≥</m:t>
+                    </m:r>
+                    <m:r>
+                      <a:rPr lang="en-US" altLang="zh-CN" sz="2000" b="0" i="1" smtClean="0">
+                        <a:solidFill>
+                          <a:srgbClr val="0F1115"/>
+                        </a:solidFill>
+                        <a:latin typeface="+mn-ea"/>
+                      </a:rPr>
+                      <m:t>10</m:t>
                     </m:r>
                     <m:r>
                       <a:rPr lang="en-US" altLang="zh-CN" sz="2000" b="0" i="0" smtClean="0">
@@ -17216,13 +14514,7 @@
         <mc:Fallback>
           <p:sp>
             <p:nvSpPr>
-              <p:cNvPr id="12" name="文本框 11">
-                <a:extLst>
-                  <a:ext uri="{FF2B5EF4-FFF2-40B4-BE49-F238E27FC236}">
-                    <a16:creationId xmlns:a16="http://schemas.microsoft.com/office/drawing/2014/main" id="{7A9976EF-F1E8-6C09-7D4B-8114893BF369}"/>
-                  </a:ext>
-                </a:extLst>
-              </p:cNvPr>
+              <p:cNvPr id="12" name="文本框 11"/>
               <p:cNvSpPr txBox="1">
                 <a:spLocks noRot="1" noChangeAspect="1" noMove="1" noResize="1" noEditPoints="1" noAdjustHandles="1" noChangeArrowheads="1" noChangeShapeType="1" noTextEdit="1"/>
               </p:cNvSpPr>
@@ -17236,10 +14528,10 @@
               <a:prstGeom prst="rect">
                 <a:avLst/>
               </a:prstGeom>
-              <a:blipFill>
-                <a:blip r:embed="rId5"/>
+              <a:blipFill rotWithShape="1">
+                <a:blip r:embed="rId4"/>
                 <a:stretch>
-                  <a:fillRect l="-588" t="-1630" b="-4076"/>
+                  <a:fillRect l="-1" t="-4" r="1" b="10"/>
                 </a:stretch>
               </a:blipFill>
             </p:spPr>
@@ -17248,7 +14540,7 @@
               <a:lstStyle/>
               <a:p>
                 <a:r>
-                  <a:rPr lang="zh-CN" altLang="en-US">
+                  <a:rPr lang="en-US" altLang="en-US">
                     <a:noFill/>
                   </a:rPr>
                   <a:t> </a:t>
@@ -17259,22 +14551,17 @@
         </mc:Fallback>
       </mc:AlternateContent>
     </p:spTree>
-    <p:extLst>
-      <p:ext uri="{BB962C8B-B14F-4D97-AF65-F5344CB8AC3E}">
-        <p14:creationId xmlns:p14="http://schemas.microsoft.com/office/powerpoint/2010/main" val="4241509223"/>
-      </p:ext>
-    </p:extLst>
   </p:cSld>
   <p:clrMapOvr>
     <a:masterClrMapping/>
   </p:clrMapOvr>
-  <mc:AlternateContent xmlns:mc="http://schemas.openxmlformats.org/markup-compatibility/2006" xmlns:p14="http://schemas.microsoft.com/office/powerpoint/2010/main">
-    <mc:Choice Requires="p14">
+  <mc:AlternateContent xmlns:mc="http://schemas.openxmlformats.org/markup-compatibility/2006">
+    <mc:Choice xmlns:p14="http://schemas.microsoft.com/office/powerpoint/2010/main" Requires="p14">
       <p:transition spd="med" p14:dur="700">
         <p:fade/>
       </p:transition>
     </mc:Choice>
-    <mc:Fallback xmlns="">
+    <mc:Fallback>
       <p:transition spd="med">
         <p:fade/>
       </p:transition>
@@ -17302,13 +14589,7 @@
       </p:grpSpPr>
       <p:grpSp>
         <p:nvGrpSpPr>
-          <p:cNvPr id="6" name="组合 5">
-            <a:extLst>
-              <a:ext uri="{FF2B5EF4-FFF2-40B4-BE49-F238E27FC236}">
-                <a16:creationId xmlns:a16="http://schemas.microsoft.com/office/drawing/2014/main" id="{6A978EE0-6762-4070-9208-727D6A2C888D}"/>
-              </a:ext>
-            </a:extLst>
-          </p:cNvPr>
+          <p:cNvPr id="6" name="组合 5"/>
           <p:cNvGrpSpPr/>
           <p:nvPr/>
         </p:nvGrpSpPr>
@@ -17322,13 +14603,7 @@
         </p:grpSpPr>
         <p:sp>
           <p:nvSpPr>
-            <p:cNvPr id="2" name="矩形 1">
-              <a:extLst>
-                <a:ext uri="{FF2B5EF4-FFF2-40B4-BE49-F238E27FC236}">
-                  <a16:creationId xmlns:a16="http://schemas.microsoft.com/office/drawing/2014/main" id="{0BBA72C2-6658-4903-90B0-3DB09CD96F31}"/>
-                </a:ext>
-              </a:extLst>
-            </p:cNvPr>
+            <p:cNvPr id="2" name="矩形 1"/>
             <p:cNvSpPr/>
             <p:nvPr/>
           </p:nvSpPr>
@@ -17374,13 +14649,7 @@
         </p:sp>
         <p:sp>
           <p:nvSpPr>
-            <p:cNvPr id="3" name="矩形 2">
-              <a:extLst>
-                <a:ext uri="{FF2B5EF4-FFF2-40B4-BE49-F238E27FC236}">
-                  <a16:creationId xmlns:a16="http://schemas.microsoft.com/office/drawing/2014/main" id="{C88DC6F7-3F54-4EFD-919D-1EC401B96C18}"/>
-                </a:ext>
-              </a:extLst>
-            </p:cNvPr>
+            <p:cNvPr id="3" name="矩形 2"/>
             <p:cNvSpPr/>
             <p:nvPr/>
           </p:nvSpPr>
@@ -17426,13 +14695,7 @@
         </p:sp>
         <p:cxnSp>
           <p:nvCxnSpPr>
-            <p:cNvPr id="5" name="直接连接符 4">
-              <a:extLst>
-                <a:ext uri="{FF2B5EF4-FFF2-40B4-BE49-F238E27FC236}">
-                  <a16:creationId xmlns:a16="http://schemas.microsoft.com/office/drawing/2014/main" id="{ABB1D33E-6A58-4E88-95E9-6A4048F9D03F}"/>
-                </a:ext>
-              </a:extLst>
-            </p:cNvPr>
+            <p:cNvPr id="5" name="直接连接符 4"/>
             <p:cNvCxnSpPr/>
             <p:nvPr/>
           </p:nvCxnSpPr>
@@ -17468,20 +14731,14 @@
       </p:grpSp>
       <p:pic>
         <p:nvPicPr>
-          <p:cNvPr id="8" name="图片 7">
-            <a:extLst>
-              <a:ext uri="{FF2B5EF4-FFF2-40B4-BE49-F238E27FC236}">
-                <a16:creationId xmlns:a16="http://schemas.microsoft.com/office/drawing/2014/main" id="{DD0E7411-EFC8-4009-A22F-AE54C44AD598}"/>
-              </a:ext>
-            </a:extLst>
-          </p:cNvPr>
+          <p:cNvPr id="8" name="图片 7"/>
           <p:cNvPicPr>
             <a:picLocks noChangeAspect="1"/>
           </p:cNvPicPr>
           <p:nvPr/>
         </p:nvPicPr>
         <p:blipFill>
-          <a:blip r:embed="rId2">
+          <a:blip r:embed="rId1">
             <a:extLst>
               <a:ext uri="{28A0092B-C50C-407E-A947-70E740481C1C}">
                 <a14:useLocalDpi xmlns:a14="http://schemas.microsoft.com/office/drawing/2010/main" val="0"/>
@@ -17504,13 +14761,7 @@
       </p:pic>
       <p:sp>
         <p:nvSpPr>
-          <p:cNvPr id="9" name="文本框 8">
-            <a:extLst>
-              <a:ext uri="{FF2B5EF4-FFF2-40B4-BE49-F238E27FC236}">
-                <a16:creationId xmlns:a16="http://schemas.microsoft.com/office/drawing/2014/main" id="{29E2F821-98A7-4B7B-811D-5DAD6270ADCA}"/>
-              </a:ext>
-            </a:extLst>
-          </p:cNvPr>
+          <p:cNvPr id="9" name="文本框 8"/>
           <p:cNvSpPr txBox="1"/>
           <p:nvPr/>
         </p:nvSpPr>
@@ -17550,13 +14801,7 @@
         <mc:Choice xmlns:a14="http://schemas.microsoft.com/office/drawing/2010/main" Requires="a14">
           <p:sp>
             <p:nvSpPr>
-              <p:cNvPr id="10" name="文本框 9">
-                <a:extLst>
-                  <a:ext uri="{FF2B5EF4-FFF2-40B4-BE49-F238E27FC236}">
-                    <a16:creationId xmlns:a16="http://schemas.microsoft.com/office/drawing/2014/main" id="{12814648-9CB3-0ECE-62BF-6A91FB0DA619}"/>
-                  </a:ext>
-                </a:extLst>
-              </p:cNvPr>
+              <p:cNvPr id="10" name="文本框 9"/>
               <p:cNvSpPr txBox="1"/>
               <p:nvPr/>
             </p:nvSpPr>
@@ -17636,6 +14881,13 @@
                   </a:rPr>
                   <a:t>.</a:t>
                 </a:r>
+                <a:endParaRPr lang="en-US" altLang="zh-CN" sz="2000" b="0" i="0" dirty="0">
+                  <a:solidFill>
+                    <a:srgbClr val="0F1115"/>
+                  </a:solidFill>
+                  <a:effectLst/>
+                  <a:latin typeface="+mn-ea"/>
+                </a:endParaRPr>
               </a:p>
               <a:p>
                 <a:pPr algn="l">
@@ -17673,7 +14925,17 @@
                         <a:effectLst/>
                         <a:latin typeface="+mn-ea"/>
                       </a:rPr>
-                      <m:t>=1000</m:t>
+                      <m:t>=</m:t>
+                    </m:r>
+                    <m:r>
+                      <a:rPr lang="en-US" altLang="zh-CN" sz="2000" b="0" i="1" dirty="0" smtClean="0">
+                        <a:solidFill>
+                          <a:srgbClr val="0F1115"/>
+                        </a:solidFill>
+                        <a:effectLst/>
+                        <a:latin typeface="+mn-ea"/>
+                      </a:rPr>
+                      <m:t>1000</m:t>
                     </m:r>
                   </m:oMath>
                 </a14:m>
@@ -17697,7 +14959,27 @@
                         <a:effectLst/>
                         <a:latin typeface="+mn-ea"/>
                       </a:rPr>
-                      <m:t>[1,</m:t>
+                      <m:t>[</m:t>
+                    </m:r>
+                    <m:r>
+                      <a:rPr lang="en-US" altLang="zh-CN" sz="2000" b="0" i="1" smtClean="0">
+                        <a:solidFill>
+                          <a:srgbClr val="0F1115"/>
+                        </a:solidFill>
+                        <a:effectLst/>
+                        <a:latin typeface="+mn-ea"/>
+                      </a:rPr>
+                      <m:t>1</m:t>
+                    </m:r>
+                    <m:r>
+                      <a:rPr lang="en-US" altLang="zh-CN" sz="2000" b="0" i="1" smtClean="0">
+                        <a:solidFill>
+                          <a:srgbClr val="0F1115"/>
+                        </a:solidFill>
+                        <a:effectLst/>
+                        <a:latin typeface="+mn-ea"/>
+                      </a:rPr>
+                      <m:t>,</m:t>
                     </m:r>
                     <m:sSup>
                       <m:sSupPr>
@@ -17778,6 +15060,13 @@
                   </a:rPr>
                   <a:t> are first allocated to the three buckets. The script then gradually populates each bucket with randomly generated numbers while ensuring the target sums are not exceeded. Finally, a consistency adjustment is performed to make the total sum of the array strictly divisible by the number of buckets, thereby guaranteeing the existence of a perfect three-way partition for every generated instance.</a:t>
                 </a:r>
+                <a:endParaRPr lang="en-US" altLang="zh-CN" sz="2000" b="0" i="0" dirty="0">
+                  <a:solidFill>
+                    <a:srgbClr val="0F1115"/>
+                  </a:solidFill>
+                  <a:effectLst/>
+                  <a:latin typeface="+mn-ea"/>
+                </a:endParaRPr>
               </a:p>
               <a:p>
                 <a:pPr>
@@ -17813,13 +15102,7 @@
         <mc:Fallback>
           <p:sp>
             <p:nvSpPr>
-              <p:cNvPr id="10" name="文本框 9">
-                <a:extLst>
-                  <a:ext uri="{FF2B5EF4-FFF2-40B4-BE49-F238E27FC236}">
-                    <a16:creationId xmlns:a16="http://schemas.microsoft.com/office/drawing/2014/main" id="{12814648-9CB3-0ECE-62BF-6A91FB0DA619}"/>
-                  </a:ext>
-                </a:extLst>
-              </p:cNvPr>
+              <p:cNvPr id="10" name="文本框 9"/>
               <p:cNvSpPr txBox="1">
                 <a:spLocks noRot="1" noChangeAspect="1" noMove="1" noResize="1" noEditPoints="1" noAdjustHandles="1" noChangeArrowheads="1" noChangeShapeType="1" noTextEdit="1"/>
               </p:cNvSpPr>
@@ -17833,10 +15116,10 @@
               <a:prstGeom prst="rect">
                 <a:avLst/>
               </a:prstGeom>
-              <a:blipFill>
-                <a:blip r:embed="rId3"/>
+              <a:blipFill rotWithShape="1">
+                <a:blip r:embed="rId2"/>
                 <a:stretch>
-                  <a:fillRect l="-568" t="-717" r="-1875" b="-1578"/>
+                  <a:fillRect l="-1" t="-12" r="5" b="-5688"/>
                 </a:stretch>
               </a:blipFill>
             </p:spPr>
@@ -17845,7 +15128,7 @@
               <a:lstStyle/>
               <a:p>
                 <a:r>
-                  <a:rPr lang="zh-CN" altLang="en-US">
+                  <a:rPr lang="en-US" altLang="en-US">
                     <a:noFill/>
                   </a:rPr>
                   <a:t> </a:t>
@@ -17856,22 +15139,17 @@
         </mc:Fallback>
       </mc:AlternateContent>
     </p:spTree>
-    <p:extLst>
-      <p:ext uri="{BB962C8B-B14F-4D97-AF65-F5344CB8AC3E}">
-        <p14:creationId xmlns:p14="http://schemas.microsoft.com/office/powerpoint/2010/main" val="777071004"/>
-      </p:ext>
-    </p:extLst>
   </p:cSld>
   <p:clrMapOvr>
     <a:masterClrMapping/>
   </p:clrMapOvr>
-  <mc:AlternateContent xmlns:mc="http://schemas.openxmlformats.org/markup-compatibility/2006" xmlns:p14="http://schemas.microsoft.com/office/powerpoint/2010/main">
-    <mc:Choice Requires="p14">
+  <mc:AlternateContent xmlns:mc="http://schemas.openxmlformats.org/markup-compatibility/2006">
+    <mc:Choice xmlns:p14="http://schemas.microsoft.com/office/powerpoint/2010/main" Requires="p14">
       <p:transition spd="med" p14:dur="700">
         <p:fade/>
       </p:transition>
     </mc:Choice>
-    <mc:Fallback xmlns="">
+    <mc:Fallback>
       <p:transition spd="med">
         <p:fade/>
       </p:transition>
@@ -17899,13 +15177,7 @@
       </p:grpSpPr>
       <p:grpSp>
         <p:nvGrpSpPr>
-          <p:cNvPr id="6" name="组合 5">
-            <a:extLst>
-              <a:ext uri="{FF2B5EF4-FFF2-40B4-BE49-F238E27FC236}">
-                <a16:creationId xmlns:a16="http://schemas.microsoft.com/office/drawing/2014/main" id="{6A978EE0-6762-4070-9208-727D6A2C888D}"/>
-              </a:ext>
-            </a:extLst>
-          </p:cNvPr>
+          <p:cNvPr id="6" name="组合 5"/>
           <p:cNvGrpSpPr/>
           <p:nvPr/>
         </p:nvGrpSpPr>
@@ -17919,13 +15191,7 @@
         </p:grpSpPr>
         <p:sp>
           <p:nvSpPr>
-            <p:cNvPr id="2" name="矩形 1">
-              <a:extLst>
-                <a:ext uri="{FF2B5EF4-FFF2-40B4-BE49-F238E27FC236}">
-                  <a16:creationId xmlns:a16="http://schemas.microsoft.com/office/drawing/2014/main" id="{0BBA72C2-6658-4903-90B0-3DB09CD96F31}"/>
-                </a:ext>
-              </a:extLst>
-            </p:cNvPr>
+            <p:cNvPr id="2" name="矩形 1"/>
             <p:cNvSpPr/>
             <p:nvPr/>
           </p:nvSpPr>
@@ -17971,13 +15237,7 @@
         </p:sp>
         <p:sp>
           <p:nvSpPr>
-            <p:cNvPr id="3" name="矩形 2">
-              <a:extLst>
-                <a:ext uri="{FF2B5EF4-FFF2-40B4-BE49-F238E27FC236}">
-                  <a16:creationId xmlns:a16="http://schemas.microsoft.com/office/drawing/2014/main" id="{C88DC6F7-3F54-4EFD-919D-1EC401B96C18}"/>
-                </a:ext>
-              </a:extLst>
-            </p:cNvPr>
+            <p:cNvPr id="3" name="矩形 2"/>
             <p:cNvSpPr/>
             <p:nvPr/>
           </p:nvSpPr>
@@ -18023,13 +15283,7 @@
         </p:sp>
         <p:cxnSp>
           <p:nvCxnSpPr>
-            <p:cNvPr id="5" name="直接连接符 4">
-              <a:extLst>
-                <a:ext uri="{FF2B5EF4-FFF2-40B4-BE49-F238E27FC236}">
-                  <a16:creationId xmlns:a16="http://schemas.microsoft.com/office/drawing/2014/main" id="{ABB1D33E-6A58-4E88-95E9-6A4048F9D03F}"/>
-                </a:ext>
-              </a:extLst>
-            </p:cNvPr>
+            <p:cNvPr id="5" name="直接连接符 4"/>
             <p:cNvCxnSpPr/>
             <p:nvPr/>
           </p:nvCxnSpPr>
@@ -18065,20 +15319,14 @@
       </p:grpSp>
       <p:pic>
         <p:nvPicPr>
-          <p:cNvPr id="8" name="图片 7">
-            <a:extLst>
-              <a:ext uri="{FF2B5EF4-FFF2-40B4-BE49-F238E27FC236}">
-                <a16:creationId xmlns:a16="http://schemas.microsoft.com/office/drawing/2014/main" id="{DD0E7411-EFC8-4009-A22F-AE54C44AD598}"/>
-              </a:ext>
-            </a:extLst>
-          </p:cNvPr>
+          <p:cNvPr id="8" name="图片 7"/>
           <p:cNvPicPr>
             <a:picLocks noChangeAspect="1"/>
           </p:cNvPicPr>
           <p:nvPr/>
         </p:nvPicPr>
         <p:blipFill>
-          <a:blip r:embed="rId2">
+          <a:blip r:embed="rId1">
             <a:extLst>
               <a:ext uri="{28A0092B-C50C-407E-A947-70E740481C1C}">
                 <a14:useLocalDpi xmlns:a14="http://schemas.microsoft.com/office/drawing/2010/main" val="0"/>
@@ -18101,13 +15349,7 @@
       </p:pic>
       <p:sp>
         <p:nvSpPr>
-          <p:cNvPr id="9" name="文本框 8">
-            <a:extLst>
-              <a:ext uri="{FF2B5EF4-FFF2-40B4-BE49-F238E27FC236}">
-                <a16:creationId xmlns:a16="http://schemas.microsoft.com/office/drawing/2014/main" id="{29E2F821-98A7-4B7B-811D-5DAD6270ADCA}"/>
-              </a:ext>
-            </a:extLst>
-          </p:cNvPr>
+          <p:cNvPr id="9" name="文本框 8"/>
           <p:cNvSpPr txBox="1"/>
           <p:nvPr/>
         </p:nvSpPr>
@@ -18145,13 +15387,7 @@
       </p:sp>
       <p:sp>
         <p:nvSpPr>
-          <p:cNvPr id="4" name="文本框 3">
-            <a:extLst>
-              <a:ext uri="{FF2B5EF4-FFF2-40B4-BE49-F238E27FC236}">
-                <a16:creationId xmlns:a16="http://schemas.microsoft.com/office/drawing/2014/main" id="{2BA201ED-83EE-85CB-6445-DA339D25A95B}"/>
-              </a:ext>
-            </a:extLst>
-          </p:cNvPr>
+          <p:cNvPr id="4" name="文本框 3"/>
           <p:cNvSpPr txBox="1"/>
           <p:nvPr/>
         </p:nvSpPr>
@@ -18283,22 +15519,17 @@
         </p:txBody>
       </p:sp>
     </p:spTree>
-    <p:extLst>
-      <p:ext uri="{BB962C8B-B14F-4D97-AF65-F5344CB8AC3E}">
-        <p14:creationId xmlns:p14="http://schemas.microsoft.com/office/powerpoint/2010/main" val="1141571903"/>
-      </p:ext>
-    </p:extLst>
   </p:cSld>
   <p:clrMapOvr>
     <a:masterClrMapping/>
   </p:clrMapOvr>
-  <mc:AlternateContent xmlns:mc="http://schemas.openxmlformats.org/markup-compatibility/2006" xmlns:p14="http://schemas.microsoft.com/office/powerpoint/2010/main">
-    <mc:Choice Requires="p14">
+  <mc:AlternateContent xmlns:mc="http://schemas.openxmlformats.org/markup-compatibility/2006">
+    <mc:Choice xmlns:p14="http://schemas.microsoft.com/office/powerpoint/2010/main" Requires="p14">
       <p:transition spd="med" p14:dur="700">
         <p:fade/>
       </p:transition>
     </mc:Choice>
-    <mc:Fallback xmlns="">
+    <mc:Fallback>
       <p:transition spd="med">
         <p:fade/>
       </p:transition>
@@ -18326,13 +15557,7 @@
       </p:grpSpPr>
       <p:grpSp>
         <p:nvGrpSpPr>
-          <p:cNvPr id="6" name="组合 5">
-            <a:extLst>
-              <a:ext uri="{FF2B5EF4-FFF2-40B4-BE49-F238E27FC236}">
-                <a16:creationId xmlns:a16="http://schemas.microsoft.com/office/drawing/2014/main" id="{6A978EE0-6762-4070-9208-727D6A2C888D}"/>
-              </a:ext>
-            </a:extLst>
-          </p:cNvPr>
+          <p:cNvPr id="6" name="组合 5"/>
           <p:cNvGrpSpPr/>
           <p:nvPr/>
         </p:nvGrpSpPr>
@@ -18346,13 +15571,7 @@
         </p:grpSpPr>
         <p:sp>
           <p:nvSpPr>
-            <p:cNvPr id="2" name="矩形 1">
-              <a:extLst>
-                <a:ext uri="{FF2B5EF4-FFF2-40B4-BE49-F238E27FC236}">
-                  <a16:creationId xmlns:a16="http://schemas.microsoft.com/office/drawing/2014/main" id="{0BBA72C2-6658-4903-90B0-3DB09CD96F31}"/>
-                </a:ext>
-              </a:extLst>
-            </p:cNvPr>
+            <p:cNvPr id="2" name="矩形 1"/>
             <p:cNvSpPr/>
             <p:nvPr/>
           </p:nvSpPr>
@@ -18398,13 +15617,7 @@
         </p:sp>
         <p:sp>
           <p:nvSpPr>
-            <p:cNvPr id="3" name="矩形 2">
-              <a:extLst>
-                <a:ext uri="{FF2B5EF4-FFF2-40B4-BE49-F238E27FC236}">
-                  <a16:creationId xmlns:a16="http://schemas.microsoft.com/office/drawing/2014/main" id="{C88DC6F7-3F54-4EFD-919D-1EC401B96C18}"/>
-                </a:ext>
-              </a:extLst>
-            </p:cNvPr>
+            <p:cNvPr id="3" name="矩形 2"/>
             <p:cNvSpPr/>
             <p:nvPr/>
           </p:nvSpPr>
@@ -18450,13 +15663,7 @@
         </p:sp>
         <p:cxnSp>
           <p:nvCxnSpPr>
-            <p:cNvPr id="5" name="直接连接符 4">
-              <a:extLst>
-                <a:ext uri="{FF2B5EF4-FFF2-40B4-BE49-F238E27FC236}">
-                  <a16:creationId xmlns:a16="http://schemas.microsoft.com/office/drawing/2014/main" id="{ABB1D33E-6A58-4E88-95E9-6A4048F9D03F}"/>
-                </a:ext>
-              </a:extLst>
-            </p:cNvPr>
+            <p:cNvPr id="5" name="直接连接符 4"/>
             <p:cNvCxnSpPr/>
             <p:nvPr/>
           </p:nvCxnSpPr>
@@ -18492,20 +15699,14 @@
       </p:grpSp>
       <p:pic>
         <p:nvPicPr>
-          <p:cNvPr id="8" name="图片 7">
-            <a:extLst>
-              <a:ext uri="{FF2B5EF4-FFF2-40B4-BE49-F238E27FC236}">
-                <a16:creationId xmlns:a16="http://schemas.microsoft.com/office/drawing/2014/main" id="{DD0E7411-EFC8-4009-A22F-AE54C44AD598}"/>
-              </a:ext>
-            </a:extLst>
-          </p:cNvPr>
+          <p:cNvPr id="8" name="图片 7"/>
           <p:cNvPicPr>
             <a:picLocks noChangeAspect="1"/>
           </p:cNvPicPr>
           <p:nvPr/>
         </p:nvPicPr>
         <p:blipFill>
-          <a:blip r:embed="rId2">
+          <a:blip r:embed="rId1">
             <a:extLst>
               <a:ext uri="{28A0092B-C50C-407E-A947-70E740481C1C}">
                 <a14:useLocalDpi xmlns:a14="http://schemas.microsoft.com/office/drawing/2010/main" val="0"/>
@@ -18528,13 +15729,7 @@
       </p:pic>
       <p:sp>
         <p:nvSpPr>
-          <p:cNvPr id="9" name="文本框 8">
-            <a:extLst>
-              <a:ext uri="{FF2B5EF4-FFF2-40B4-BE49-F238E27FC236}">
-                <a16:creationId xmlns:a16="http://schemas.microsoft.com/office/drawing/2014/main" id="{29E2F821-98A7-4B7B-811D-5DAD6270ADCA}"/>
-              </a:ext>
-            </a:extLst>
-          </p:cNvPr>
+          <p:cNvPr id="9" name="文本框 8"/>
           <p:cNvSpPr txBox="1"/>
           <p:nvPr/>
         </p:nvSpPr>
@@ -18572,13 +15767,7 @@
       </p:sp>
       <p:sp>
         <p:nvSpPr>
-          <p:cNvPr id="10" name="文本框 9">
-            <a:extLst>
-              <a:ext uri="{FF2B5EF4-FFF2-40B4-BE49-F238E27FC236}">
-                <a16:creationId xmlns:a16="http://schemas.microsoft.com/office/drawing/2014/main" id="{1D21651F-BD34-8912-6802-B9D3284E8DDC}"/>
-              </a:ext>
-            </a:extLst>
-          </p:cNvPr>
+          <p:cNvPr id="10" name="文本框 9"/>
           <p:cNvSpPr txBox="1"/>
           <p:nvPr/>
         </p:nvSpPr>
@@ -18656,6 +15845,10 @@
               </a:rPr>
               <a:t>, leading to drastically degraded performance.</a:t>
             </a:r>
+            <a:endParaRPr lang="en-US" altLang="zh-CN" sz="2400" b="0" dirty="0">
+              <a:effectLst/>
+              <a:latin typeface="+mn-ea"/>
+            </a:endParaRPr>
           </a:p>
           <a:p>
             <a:pPr marL="342900" indent="-342900">
@@ -18697,6 +15890,10 @@
               </a:rPr>
               <a:t>, potentially failing to return results for extremely large inputs.</a:t>
             </a:r>
+            <a:endParaRPr lang="en-US" altLang="zh-CN" sz="2400" b="0" dirty="0">
+              <a:effectLst/>
+              <a:latin typeface="+mn-ea"/>
+            </a:endParaRPr>
           </a:p>
           <a:p>
             <a:pPr marL="342900" indent="-342900">
@@ -18793,26 +15990,25 @@
               </a:rPr>
               <a:t>.</a:t>
             </a:r>
+            <a:endParaRPr lang="en-US" altLang="zh-CN" sz="2400" b="0" dirty="0">
+              <a:effectLst/>
+              <a:latin typeface="+mn-ea"/>
+            </a:endParaRPr>
           </a:p>
         </p:txBody>
       </p:sp>
     </p:spTree>
-    <p:extLst>
-      <p:ext uri="{BB962C8B-B14F-4D97-AF65-F5344CB8AC3E}">
-        <p14:creationId xmlns:p14="http://schemas.microsoft.com/office/powerpoint/2010/main" val="2215369014"/>
-      </p:ext>
-    </p:extLst>
   </p:cSld>
   <p:clrMapOvr>
     <a:masterClrMapping/>
   </p:clrMapOvr>
-  <mc:AlternateContent xmlns:mc="http://schemas.openxmlformats.org/markup-compatibility/2006" xmlns:p14="http://schemas.microsoft.com/office/powerpoint/2010/main">
-    <mc:Choice Requires="p14">
+  <mc:AlternateContent xmlns:mc="http://schemas.openxmlformats.org/markup-compatibility/2006">
+    <mc:Choice xmlns:p14="http://schemas.microsoft.com/office/powerpoint/2010/main" Requires="p14">
       <p:transition spd="med" p14:dur="700">
         <p:fade/>
       </p:transition>
     </mc:Choice>
-    <mc:Fallback xmlns="">
+    <mc:Fallback>
       <p:transition spd="med">
         <p:fade/>
       </p:transition>
@@ -18840,20 +16036,14 @@
       </p:grpSpPr>
       <p:pic>
         <p:nvPicPr>
-          <p:cNvPr id="8" name="图片 7">
-            <a:extLst>
-              <a:ext uri="{FF2B5EF4-FFF2-40B4-BE49-F238E27FC236}">
-                <a16:creationId xmlns:a16="http://schemas.microsoft.com/office/drawing/2014/main" id="{888971FF-38D5-43EF-AEAB-1FCD8FCDA8C4}"/>
-              </a:ext>
-            </a:extLst>
-          </p:cNvPr>
+          <p:cNvPr id="8" name="图片 7"/>
           <p:cNvPicPr>
             <a:picLocks noChangeAspect="1"/>
           </p:cNvPicPr>
           <p:nvPr/>
         </p:nvPicPr>
         <p:blipFill>
-          <a:blip r:embed="rId2">
+          <a:blip r:embed="rId1">
             <a:extLst>
               <a:ext uri="{28A0092B-C50C-407E-A947-70E740481C1C}">
                 <a14:useLocalDpi xmlns:a14="http://schemas.microsoft.com/office/drawing/2010/main" val="0"/>
@@ -18876,13 +16066,7 @@
       </p:pic>
       <p:sp>
         <p:nvSpPr>
-          <p:cNvPr id="10" name="矩形 9">
-            <a:extLst>
-              <a:ext uri="{FF2B5EF4-FFF2-40B4-BE49-F238E27FC236}">
-                <a16:creationId xmlns:a16="http://schemas.microsoft.com/office/drawing/2014/main" id="{0F56DD7F-8255-476B-9EC6-C53321F92149}"/>
-              </a:ext>
-            </a:extLst>
-          </p:cNvPr>
+          <p:cNvPr id="10" name="矩形 9"/>
           <p:cNvSpPr/>
           <p:nvPr/>
         </p:nvSpPr>
@@ -18923,21 +16107,15 @@
           <a:p>
             <a:pPr algn="ctr"/>
             <a:endParaRPr lang="zh-CN" altLang="en-US" sz="6000" spc="300" dirty="0">
-              <a:latin typeface="黑体" panose="02010609060101010101" pitchFamily="49" charset="-122"/>
-              <a:ea typeface="黑体" panose="02010609060101010101" pitchFamily="49" charset="-122"/>
+              <a:latin typeface="SimHei" panose="02010609060101010101" pitchFamily="49" charset="-122"/>
+              <a:ea typeface="SimHei" panose="02010609060101010101" pitchFamily="49" charset="-122"/>
             </a:endParaRPr>
           </a:p>
         </p:txBody>
       </p:sp>
       <p:sp>
         <p:nvSpPr>
-          <p:cNvPr id="15" name="平行四边形 14">
-            <a:extLst>
-              <a:ext uri="{FF2B5EF4-FFF2-40B4-BE49-F238E27FC236}">
-                <a16:creationId xmlns:a16="http://schemas.microsoft.com/office/drawing/2014/main" id="{D7F0E690-6592-4097-BF51-75E7C382F258}"/>
-              </a:ext>
-            </a:extLst>
-          </p:cNvPr>
+          <p:cNvPr id="15" name="平行四边形 14"/>
           <p:cNvSpPr/>
           <p:nvPr/>
         </p:nvSpPr>
@@ -18985,13 +16163,7 @@
       </p:sp>
       <p:sp>
         <p:nvSpPr>
-          <p:cNvPr id="16" name="平行四边形 15">
-            <a:extLst>
-              <a:ext uri="{FF2B5EF4-FFF2-40B4-BE49-F238E27FC236}">
-                <a16:creationId xmlns:a16="http://schemas.microsoft.com/office/drawing/2014/main" id="{A094E650-D683-4077-B8CC-8A016732BD2B}"/>
-              </a:ext>
-            </a:extLst>
-          </p:cNvPr>
+          <p:cNvPr id="16" name="平行四边形 15"/>
           <p:cNvSpPr/>
           <p:nvPr/>
         </p:nvSpPr>
@@ -19039,13 +16211,7 @@
       </p:sp>
       <p:sp>
         <p:nvSpPr>
-          <p:cNvPr id="21" name="矩形 20">
-            <a:extLst>
-              <a:ext uri="{FF2B5EF4-FFF2-40B4-BE49-F238E27FC236}">
-                <a16:creationId xmlns:a16="http://schemas.microsoft.com/office/drawing/2014/main" id="{1B61AB4E-87B5-41B4-9759-DE4CE9B4F88B}"/>
-              </a:ext>
-            </a:extLst>
-          </p:cNvPr>
+          <p:cNvPr id="21" name="矩形 20"/>
           <p:cNvSpPr/>
           <p:nvPr/>
         </p:nvSpPr>
@@ -19070,31 +16236,33 @@
                 <a:solidFill>
                   <a:schemeClr val="bg1"/>
                 </a:solidFill>
-                <a:latin typeface="黑体" panose="02010609060101010101" pitchFamily="49" charset="-122"/>
-                <a:ea typeface="黑体" panose="02010609060101010101" pitchFamily="49" charset="-122"/>
+                <a:latin typeface="SimHei" panose="02010609060101010101" pitchFamily="49" charset="-122"/>
+                <a:ea typeface="SimHei" panose="02010609060101010101" pitchFamily="49" charset="-122"/>
               </a:rPr>
               <a:t>Thank you!</a:t>
             </a:r>
+            <a:endParaRPr lang="en-US" altLang="zh-CN" sz="6000" b="1" spc="300" dirty="0">
+              <a:solidFill>
+                <a:schemeClr val="bg1"/>
+              </a:solidFill>
+              <a:latin typeface="SimHei" panose="02010609060101010101" pitchFamily="49" charset="-122"/>
+              <a:ea typeface="SimHei" panose="02010609060101010101" pitchFamily="49" charset="-122"/>
+            </a:endParaRPr>
           </a:p>
         </p:txBody>
       </p:sp>
     </p:spTree>
-    <p:extLst>
-      <p:ext uri="{BB962C8B-B14F-4D97-AF65-F5344CB8AC3E}">
-        <p14:creationId xmlns:p14="http://schemas.microsoft.com/office/powerpoint/2010/main" val="3989050521"/>
-      </p:ext>
-    </p:extLst>
   </p:cSld>
   <p:clrMapOvr>
     <a:masterClrMapping/>
   </p:clrMapOvr>
-  <mc:AlternateContent xmlns:mc="http://schemas.openxmlformats.org/markup-compatibility/2006" xmlns:p14="http://schemas.microsoft.com/office/powerpoint/2010/main">
-    <mc:Choice Requires="p14">
+  <mc:AlternateContent xmlns:mc="http://schemas.openxmlformats.org/markup-compatibility/2006">
+    <mc:Choice xmlns:p14="http://schemas.microsoft.com/office/powerpoint/2010/main" Requires="p14">
       <p:transition spd="med" p14:dur="700">
         <p:fade/>
       </p:transition>
     </mc:Choice>
-    <mc:Fallback xmlns="">
+    <mc:Fallback>
       <p:transition spd="med">
         <p:fade/>
       </p:transition>
@@ -19122,16 +16290,8 @@
       </p:grpSpPr>
       <p:sp>
         <p:nvSpPr>
-          <p:cNvPr id="3" name="文本占位符 7">
-            <a:extLst>
-              <a:ext uri="{FF2B5EF4-FFF2-40B4-BE49-F238E27FC236}">
-                <a16:creationId xmlns:a16="http://schemas.microsoft.com/office/drawing/2014/main" id="{EBC32E5D-6A59-45C3-9ED1-2070B4C8A47E}"/>
-              </a:ext>
-            </a:extLst>
-          </p:cNvPr>
-          <p:cNvSpPr txBox="1">
-            <a:spLocks/>
-          </p:cNvSpPr>
+          <p:cNvPr id="3" name="文本占位符 7"/>
+          <p:cNvSpPr txBox="1"/>
           <p:nvPr/>
         </p:nvSpPr>
         <p:spPr>
@@ -19265,13 +16425,7 @@
       </p:sp>
       <p:sp>
         <p:nvSpPr>
-          <p:cNvPr id="5" name="矩形 4">
-            <a:extLst>
-              <a:ext uri="{FF2B5EF4-FFF2-40B4-BE49-F238E27FC236}">
-                <a16:creationId xmlns:a16="http://schemas.microsoft.com/office/drawing/2014/main" id="{0D81D8D2-8A83-42E3-86DB-56BF0F32563E}"/>
-              </a:ext>
-            </a:extLst>
-          </p:cNvPr>
+          <p:cNvPr id="5" name="矩形 4"/>
           <p:cNvSpPr/>
           <p:nvPr/>
         </p:nvSpPr>
@@ -19317,16 +16471,8 @@
       </p:sp>
       <p:sp>
         <p:nvSpPr>
-          <p:cNvPr id="6" name="文本占位符 9">
-            <a:extLst>
-              <a:ext uri="{FF2B5EF4-FFF2-40B4-BE49-F238E27FC236}">
-                <a16:creationId xmlns:a16="http://schemas.microsoft.com/office/drawing/2014/main" id="{96FDE63E-6F26-45D3-A70F-D4EF5DD888A9}"/>
-              </a:ext>
-            </a:extLst>
-          </p:cNvPr>
-          <p:cNvSpPr txBox="1">
-            <a:spLocks/>
-          </p:cNvSpPr>
+          <p:cNvPr id="6" name="文本占位符 9"/>
+          <p:cNvSpPr txBox="1"/>
           <p:nvPr/>
         </p:nvSpPr>
         <p:spPr>
@@ -19458,13 +16604,7 @@
       </p:sp>
       <p:sp>
         <p:nvSpPr>
-          <p:cNvPr id="7" name="矩形: 圆角 6">
-            <a:extLst>
-              <a:ext uri="{FF2B5EF4-FFF2-40B4-BE49-F238E27FC236}">
-                <a16:creationId xmlns:a16="http://schemas.microsoft.com/office/drawing/2014/main" id="{E94F8EBD-3E9E-403E-845F-399B3A89E8CA}"/>
-              </a:ext>
-            </a:extLst>
-          </p:cNvPr>
+          <p:cNvPr id="7" name="矩形: 圆角 6"/>
           <p:cNvSpPr/>
           <p:nvPr/>
         </p:nvSpPr>
@@ -19512,22 +16652,17 @@
         </p:txBody>
       </p:sp>
     </p:spTree>
-    <p:extLst>
-      <p:ext uri="{BB962C8B-B14F-4D97-AF65-F5344CB8AC3E}">
-        <p14:creationId xmlns:p14="http://schemas.microsoft.com/office/powerpoint/2010/main" val="896476583"/>
-      </p:ext>
-    </p:extLst>
   </p:cSld>
   <p:clrMapOvr>
     <a:masterClrMapping/>
   </p:clrMapOvr>
-  <mc:AlternateContent xmlns:mc="http://schemas.openxmlformats.org/markup-compatibility/2006" xmlns:p14="http://schemas.microsoft.com/office/powerpoint/2010/main">
-    <mc:Choice Requires="p14">
+  <mc:AlternateContent xmlns:mc="http://schemas.openxmlformats.org/markup-compatibility/2006">
+    <mc:Choice xmlns:p14="http://schemas.microsoft.com/office/powerpoint/2010/main" Requires="p14">
       <p:transition spd="med" p14:dur="700">
         <p:fade/>
       </p:transition>
     </mc:Choice>
-    <mc:Fallback xmlns="">
+    <mc:Fallback>
       <p:transition spd="med">
         <p:fade/>
       </p:transition>
@@ -19555,13 +16690,7 @@
       </p:grpSpPr>
       <p:grpSp>
         <p:nvGrpSpPr>
-          <p:cNvPr id="6" name="组合 5">
-            <a:extLst>
-              <a:ext uri="{FF2B5EF4-FFF2-40B4-BE49-F238E27FC236}">
-                <a16:creationId xmlns:a16="http://schemas.microsoft.com/office/drawing/2014/main" id="{6A978EE0-6762-4070-9208-727D6A2C888D}"/>
-              </a:ext>
-            </a:extLst>
-          </p:cNvPr>
+          <p:cNvPr id="6" name="组合 5"/>
           <p:cNvGrpSpPr/>
           <p:nvPr/>
         </p:nvGrpSpPr>
@@ -19575,13 +16704,7 @@
         </p:grpSpPr>
         <p:sp>
           <p:nvSpPr>
-            <p:cNvPr id="2" name="矩形 1">
-              <a:extLst>
-                <a:ext uri="{FF2B5EF4-FFF2-40B4-BE49-F238E27FC236}">
-                  <a16:creationId xmlns:a16="http://schemas.microsoft.com/office/drawing/2014/main" id="{0BBA72C2-6658-4903-90B0-3DB09CD96F31}"/>
-                </a:ext>
-              </a:extLst>
-            </p:cNvPr>
+            <p:cNvPr id="2" name="矩形 1"/>
             <p:cNvSpPr/>
             <p:nvPr/>
           </p:nvSpPr>
@@ -19627,13 +16750,7 @@
         </p:sp>
         <p:sp>
           <p:nvSpPr>
-            <p:cNvPr id="3" name="矩形 2">
-              <a:extLst>
-                <a:ext uri="{FF2B5EF4-FFF2-40B4-BE49-F238E27FC236}">
-                  <a16:creationId xmlns:a16="http://schemas.microsoft.com/office/drawing/2014/main" id="{C88DC6F7-3F54-4EFD-919D-1EC401B96C18}"/>
-                </a:ext>
-              </a:extLst>
-            </p:cNvPr>
+            <p:cNvPr id="3" name="矩形 2"/>
             <p:cNvSpPr/>
             <p:nvPr/>
           </p:nvSpPr>
@@ -19679,13 +16796,7 @@
         </p:sp>
         <p:cxnSp>
           <p:nvCxnSpPr>
-            <p:cNvPr id="5" name="直接连接符 4">
-              <a:extLst>
-                <a:ext uri="{FF2B5EF4-FFF2-40B4-BE49-F238E27FC236}">
-                  <a16:creationId xmlns:a16="http://schemas.microsoft.com/office/drawing/2014/main" id="{ABB1D33E-6A58-4E88-95E9-6A4048F9D03F}"/>
-                </a:ext>
-              </a:extLst>
-            </p:cNvPr>
+            <p:cNvPr id="5" name="直接连接符 4"/>
             <p:cNvCxnSpPr/>
             <p:nvPr/>
           </p:nvCxnSpPr>
@@ -19721,20 +16832,14 @@
       </p:grpSp>
       <p:pic>
         <p:nvPicPr>
-          <p:cNvPr id="8" name="图片 7">
-            <a:extLst>
-              <a:ext uri="{FF2B5EF4-FFF2-40B4-BE49-F238E27FC236}">
-                <a16:creationId xmlns:a16="http://schemas.microsoft.com/office/drawing/2014/main" id="{DD0E7411-EFC8-4009-A22F-AE54C44AD598}"/>
-              </a:ext>
-            </a:extLst>
-          </p:cNvPr>
+          <p:cNvPr id="8" name="图片 7"/>
           <p:cNvPicPr>
             <a:picLocks noChangeAspect="1"/>
           </p:cNvPicPr>
           <p:nvPr/>
         </p:nvPicPr>
         <p:blipFill>
-          <a:blip r:embed="rId2">
+          <a:blip r:embed="rId1">
             <a:extLst>
               <a:ext uri="{28A0092B-C50C-407E-A947-70E740481C1C}">
                 <a14:useLocalDpi xmlns:a14="http://schemas.microsoft.com/office/drawing/2010/main" val="0"/>
@@ -19757,13 +16862,7 @@
       </p:pic>
       <p:sp>
         <p:nvSpPr>
-          <p:cNvPr id="9" name="文本框 8">
-            <a:extLst>
-              <a:ext uri="{FF2B5EF4-FFF2-40B4-BE49-F238E27FC236}">
-                <a16:creationId xmlns:a16="http://schemas.microsoft.com/office/drawing/2014/main" id="{29E2F821-98A7-4B7B-811D-5DAD6270ADCA}"/>
-              </a:ext>
-            </a:extLst>
-          </p:cNvPr>
+          <p:cNvPr id="9" name="文本框 8"/>
           <p:cNvSpPr txBox="1"/>
           <p:nvPr/>
         </p:nvSpPr>
@@ -19799,17 +16898,11 @@
           </a:p>
         </p:txBody>
       </p:sp>
-      <mc:AlternateContent xmlns:mc="http://schemas.openxmlformats.org/markup-compatibility/2006" xmlns:a14="http://schemas.microsoft.com/office/drawing/2010/main">
-        <mc:Choice Requires="a14">
+      <mc:AlternateContent xmlns:mc="http://schemas.openxmlformats.org/markup-compatibility/2006">
+        <mc:Choice xmlns:a14="http://schemas.microsoft.com/office/drawing/2010/main" Requires="a14">
           <p:sp>
             <p:nvSpPr>
-              <p:cNvPr id="10" name="矩形 9">
-                <a:extLst>
-                  <a:ext uri="{FF2B5EF4-FFF2-40B4-BE49-F238E27FC236}">
-                    <a16:creationId xmlns:a16="http://schemas.microsoft.com/office/drawing/2014/main" id="{BA1A71FC-24DE-44CC-A7B4-B871B8546747}"/>
-                  </a:ext>
-                </a:extLst>
-              </p:cNvPr>
+              <p:cNvPr id="10" name="矩形 9"/>
               <p:cNvSpPr/>
               <p:nvPr/>
             </p:nvSpPr>
@@ -20067,16 +17160,10 @@
             </p:txBody>
           </p:sp>
         </mc:Choice>
-        <mc:Fallback xmlns="">
+        <mc:Fallback>
           <p:sp>
             <p:nvSpPr>
-              <p:cNvPr id="10" name="矩形 9">
-                <a:extLst>
-                  <a:ext uri="{FF2B5EF4-FFF2-40B4-BE49-F238E27FC236}">
-                    <a16:creationId xmlns:a16="http://schemas.microsoft.com/office/drawing/2014/main" id="{BA1A71FC-24DE-44CC-A7B4-B871B8546747}"/>
-                  </a:ext>
-                </a:extLst>
-              </p:cNvPr>
+              <p:cNvPr id="10" name="矩形 9"/>
               <p:cNvSpPr>
                 <a:spLocks noRot="1" noChangeAspect="1" noMove="1" noResize="1" noEditPoints="1" noAdjustHandles="1" noChangeArrowheads="1" noChangeShapeType="1" noTextEdit="1"/>
               </p:cNvSpPr>
@@ -20090,22 +17177,38 @@
               <a:prstGeom prst="rect">
                 <a:avLst/>
               </a:prstGeom>
-              <a:blipFill>
-                <a:blip r:embed="rId3"/>
+              <a:blipFill rotWithShape="1">
+                <a:blip r:embed="rId2"/>
                 <a:stretch>
-                  <a:fillRect l="-826" r="-605"/>
+                  <a:fillRect l="-1" t="-30" r="1" b="29"/>
                 </a:stretch>
               </a:blipFill>
               <a:ln>
                 <a:noFill/>
               </a:ln>
             </p:spPr>
+            <p:style>
+              <a:lnRef idx="2">
+                <a:schemeClr val="accent1">
+                  <a:shade val="50000"/>
+                </a:schemeClr>
+              </a:lnRef>
+              <a:fillRef idx="1">
+                <a:schemeClr val="accent1"/>
+              </a:fillRef>
+              <a:effectRef idx="0">
+                <a:schemeClr val="accent1"/>
+              </a:effectRef>
+              <a:fontRef idx="minor">
+                <a:schemeClr val="lt1"/>
+              </a:fontRef>
+            </p:style>
             <p:txBody>
               <a:bodyPr/>
               <a:lstStyle/>
               <a:p>
                 <a:r>
-                  <a:rPr lang="zh-CN" altLang="en-US">
+                  <a:rPr lang="en-US" altLang="en-US">
                     <a:noFill/>
                   </a:rPr>
                   <a:t> </a:t>
@@ -20117,13 +17220,7 @@
       </mc:AlternateContent>
       <p:sp>
         <p:nvSpPr>
-          <p:cNvPr id="12" name="文本框 11">
-            <a:extLst>
-              <a:ext uri="{FF2B5EF4-FFF2-40B4-BE49-F238E27FC236}">
-                <a16:creationId xmlns:a16="http://schemas.microsoft.com/office/drawing/2014/main" id="{C430A91F-78FC-407E-4F03-4B5E03DA10EC}"/>
-              </a:ext>
-            </a:extLst>
-          </p:cNvPr>
+          <p:cNvPr id="12" name="文本框 11"/>
           <p:cNvSpPr txBox="1"/>
           <p:nvPr/>
         </p:nvSpPr>
@@ -20151,6 +17248,7 @@
               <a:rPr lang="zh-CN" altLang="en-US" sz="2400" dirty="0"/>
               <a:t>：</a:t>
             </a:r>
+            <a:endParaRPr lang="zh-CN" altLang="en-US" sz="2400" dirty="0"/>
           </a:p>
         </p:txBody>
       </p:sp>
@@ -20158,13 +17256,7 @@
         <mc:Choice xmlns:a14="http://schemas.microsoft.com/office/drawing/2010/main" Requires="a14">
           <p:sp>
             <p:nvSpPr>
-              <p:cNvPr id="15" name="文本框 14">
-                <a:extLst>
-                  <a:ext uri="{FF2B5EF4-FFF2-40B4-BE49-F238E27FC236}">
-                    <a16:creationId xmlns:a16="http://schemas.microsoft.com/office/drawing/2014/main" id="{72F0EE38-61FD-9974-172A-6316785FD4C3}"/>
-                  </a:ext>
-                </a:extLst>
-              </p:cNvPr>
+              <p:cNvPr id="15" name="文本框 14"/>
               <p:cNvSpPr txBox="1"/>
               <p:nvPr/>
             </p:nvSpPr>
@@ -20188,6 +17280,7 @@
                   <a:rPr lang="en-US" altLang="zh-CN" sz="2400" dirty="0"/>
                   <a:t>In order to discuss conveniently, we give some notations and assumptions as follows:</a:t>
                 </a:r>
+                <a:endParaRPr lang="en-US" altLang="zh-CN" sz="2400" dirty="0"/>
               </a:p>
               <a:p>
                 <a:pPr marL="285750" indent="-285750">
@@ -20379,7 +17472,13 @@
                           <a:rPr lang="en-US" altLang="zh-CN" sz="2400" b="0" i="0" smtClean="0">
                             <a:latin typeface="Cambria Math" panose="02040503050406030204" pitchFamily="18" charset="0"/>
                           </a:rPr>
-                          <m:t>=1</m:t>
+                          <m:t>=</m:t>
+                        </m:r>
+                        <m:r>
+                          <a:rPr lang="en-US" altLang="zh-CN" sz="2400" b="0" i="0" smtClean="0">
+                            <a:latin typeface="Cambria Math" panose="02040503050406030204" pitchFamily="18" charset="0"/>
+                          </a:rPr>
+                          <m:t>1</m:t>
                         </m:r>
                       </m:sub>
                       <m:sup>
@@ -20461,7 +17560,13 @@
                       <a:rPr lang="en-US" altLang="zh-CN" sz="2400" b="0" i="0" smtClean="0">
                         <a:latin typeface="Cambria Math" panose="02040503050406030204" pitchFamily="18" charset="0"/>
                       </a:rPr>
-                      <m:t>/3</m:t>
+                      <m:t>/</m:t>
+                    </m:r>
+                    <m:r>
+                      <a:rPr lang="en-US" altLang="zh-CN" sz="2400" b="0" i="0" smtClean="0">
+                        <a:latin typeface="Cambria Math" panose="02040503050406030204" pitchFamily="18" charset="0"/>
+                      </a:rPr>
+                      <m:t>3</m:t>
                     </m:r>
                   </m:oMath>
                 </a14:m>
@@ -20514,6 +17619,7 @@
                   <a:rPr lang="en-US" altLang="zh-CN" sz="2400" dirty="0"/>
                   <a:t> isn’t divisible by 3, then the answer is obviously no.</a:t>
                 </a:r>
+                <a:endParaRPr lang="en-US" altLang="zh-CN" sz="2400" dirty="0"/>
               </a:p>
             </p:txBody>
           </p:sp>
@@ -20521,13 +17627,7 @@
         <mc:Fallback>
           <p:sp>
             <p:nvSpPr>
-              <p:cNvPr id="15" name="文本框 14">
-                <a:extLst>
-                  <a:ext uri="{FF2B5EF4-FFF2-40B4-BE49-F238E27FC236}">
-                    <a16:creationId xmlns:a16="http://schemas.microsoft.com/office/drawing/2014/main" id="{72F0EE38-61FD-9974-172A-6316785FD4C3}"/>
-                  </a:ext>
-                </a:extLst>
-              </p:cNvPr>
+              <p:cNvPr id="15" name="文本框 14"/>
               <p:cNvSpPr txBox="1">
                 <a:spLocks noRot="1" noChangeAspect="1" noMove="1" noResize="1" noEditPoints="1" noAdjustHandles="1" noChangeArrowheads="1" noChangeShapeType="1" noTextEdit="1"/>
               </p:cNvSpPr>
@@ -20541,10 +17641,10 @@
               <a:prstGeom prst="rect">
                 <a:avLst/>
               </a:prstGeom>
-              <a:blipFill>
-                <a:blip r:embed="rId4"/>
+              <a:blipFill rotWithShape="1">
+                <a:blip r:embed="rId3"/>
                 <a:stretch>
-                  <a:fillRect l="-868" t="-2077" b="-5935"/>
+                  <a:fillRect l="-1" t="-8" r="4" b="-1419"/>
                 </a:stretch>
               </a:blipFill>
             </p:spPr>
@@ -20553,7 +17653,7 @@
               <a:lstStyle/>
               <a:p>
                 <a:r>
-                  <a:rPr lang="zh-CN" altLang="en-US">
+                  <a:rPr lang="en-US" altLang="en-US">
                     <a:noFill/>
                   </a:rPr>
                   <a:t> </a:t>
@@ -20564,22 +17664,17 @@
         </mc:Fallback>
       </mc:AlternateContent>
     </p:spTree>
-    <p:extLst>
-      <p:ext uri="{BB962C8B-B14F-4D97-AF65-F5344CB8AC3E}">
-        <p14:creationId xmlns:p14="http://schemas.microsoft.com/office/powerpoint/2010/main" val="1053559546"/>
-      </p:ext>
-    </p:extLst>
   </p:cSld>
   <p:clrMapOvr>
     <a:masterClrMapping/>
   </p:clrMapOvr>
-  <mc:AlternateContent xmlns:mc="http://schemas.openxmlformats.org/markup-compatibility/2006" xmlns:p14="http://schemas.microsoft.com/office/powerpoint/2010/main">
-    <mc:Choice Requires="p14">
+  <mc:AlternateContent xmlns:mc="http://schemas.openxmlformats.org/markup-compatibility/2006">
+    <mc:Choice xmlns:p14="http://schemas.microsoft.com/office/powerpoint/2010/main" Requires="p14">
       <p:transition spd="med" p14:dur="700">
         <p:fade/>
       </p:transition>
     </mc:Choice>
-    <mc:Fallback xmlns="">
+    <mc:Fallback>
       <p:transition spd="med">
         <p:fade/>
       </p:transition>
@@ -20607,13 +17702,7 @@
       </p:grpSpPr>
       <p:grpSp>
         <p:nvGrpSpPr>
-          <p:cNvPr id="6" name="组合 5">
-            <a:extLst>
-              <a:ext uri="{FF2B5EF4-FFF2-40B4-BE49-F238E27FC236}">
-                <a16:creationId xmlns:a16="http://schemas.microsoft.com/office/drawing/2014/main" id="{6A978EE0-6762-4070-9208-727D6A2C888D}"/>
-              </a:ext>
-            </a:extLst>
-          </p:cNvPr>
+          <p:cNvPr id="6" name="组合 5"/>
           <p:cNvGrpSpPr/>
           <p:nvPr/>
         </p:nvGrpSpPr>
@@ -20627,13 +17716,7 @@
         </p:grpSpPr>
         <p:sp>
           <p:nvSpPr>
-            <p:cNvPr id="2" name="矩形 1">
-              <a:extLst>
-                <a:ext uri="{FF2B5EF4-FFF2-40B4-BE49-F238E27FC236}">
-                  <a16:creationId xmlns:a16="http://schemas.microsoft.com/office/drawing/2014/main" id="{0BBA72C2-6658-4903-90B0-3DB09CD96F31}"/>
-                </a:ext>
-              </a:extLst>
-            </p:cNvPr>
+            <p:cNvPr id="2" name="矩形 1"/>
             <p:cNvSpPr/>
             <p:nvPr/>
           </p:nvSpPr>
@@ -20679,13 +17762,7 @@
         </p:sp>
         <p:sp>
           <p:nvSpPr>
-            <p:cNvPr id="3" name="矩形 2">
-              <a:extLst>
-                <a:ext uri="{FF2B5EF4-FFF2-40B4-BE49-F238E27FC236}">
-                  <a16:creationId xmlns:a16="http://schemas.microsoft.com/office/drawing/2014/main" id="{C88DC6F7-3F54-4EFD-919D-1EC401B96C18}"/>
-                </a:ext>
-              </a:extLst>
-            </p:cNvPr>
+            <p:cNvPr id="3" name="矩形 2"/>
             <p:cNvSpPr/>
             <p:nvPr/>
           </p:nvSpPr>
@@ -20731,13 +17808,7 @@
         </p:sp>
         <p:cxnSp>
           <p:nvCxnSpPr>
-            <p:cNvPr id="5" name="直接连接符 4">
-              <a:extLst>
-                <a:ext uri="{FF2B5EF4-FFF2-40B4-BE49-F238E27FC236}">
-                  <a16:creationId xmlns:a16="http://schemas.microsoft.com/office/drawing/2014/main" id="{ABB1D33E-6A58-4E88-95E9-6A4048F9D03F}"/>
-                </a:ext>
-              </a:extLst>
-            </p:cNvPr>
+            <p:cNvPr id="5" name="直接连接符 4"/>
             <p:cNvCxnSpPr/>
             <p:nvPr/>
           </p:nvCxnSpPr>
@@ -20773,20 +17844,14 @@
       </p:grpSp>
       <p:pic>
         <p:nvPicPr>
-          <p:cNvPr id="8" name="图片 7">
-            <a:extLst>
-              <a:ext uri="{FF2B5EF4-FFF2-40B4-BE49-F238E27FC236}">
-                <a16:creationId xmlns:a16="http://schemas.microsoft.com/office/drawing/2014/main" id="{DD0E7411-EFC8-4009-A22F-AE54C44AD598}"/>
-              </a:ext>
-            </a:extLst>
-          </p:cNvPr>
+          <p:cNvPr id="8" name="图片 7"/>
           <p:cNvPicPr>
             <a:picLocks noChangeAspect="1"/>
           </p:cNvPicPr>
           <p:nvPr/>
         </p:nvPicPr>
         <p:blipFill>
-          <a:blip r:embed="rId2">
+          <a:blip r:embed="rId1">
             <a:extLst>
               <a:ext uri="{28A0092B-C50C-407E-A947-70E740481C1C}">
                 <a14:useLocalDpi xmlns:a14="http://schemas.microsoft.com/office/drawing/2010/main" val="0"/>
@@ -20809,13 +17874,7 @@
       </p:pic>
       <p:sp>
         <p:nvSpPr>
-          <p:cNvPr id="9" name="文本框 8">
-            <a:extLst>
-              <a:ext uri="{FF2B5EF4-FFF2-40B4-BE49-F238E27FC236}">
-                <a16:creationId xmlns:a16="http://schemas.microsoft.com/office/drawing/2014/main" id="{29E2F821-98A7-4B7B-811D-5DAD6270ADCA}"/>
-              </a:ext>
-            </a:extLst>
-          </p:cNvPr>
+          <p:cNvPr id="9" name="文本框 8"/>
           <p:cNvSpPr txBox="1"/>
           <p:nvPr/>
         </p:nvSpPr>
@@ -20853,13 +17912,7 @@
       </p:sp>
       <p:sp>
         <p:nvSpPr>
-          <p:cNvPr id="4" name="文本框 3">
-            <a:extLst>
-              <a:ext uri="{FF2B5EF4-FFF2-40B4-BE49-F238E27FC236}">
-                <a16:creationId xmlns:a16="http://schemas.microsoft.com/office/drawing/2014/main" id="{ED228EFD-1EA3-0640-6E52-70A7131C2E25}"/>
-              </a:ext>
-            </a:extLst>
-          </p:cNvPr>
+          <p:cNvPr id="4" name="文本框 3"/>
           <p:cNvSpPr txBox="1"/>
           <p:nvPr/>
         </p:nvSpPr>
@@ -20887,18 +17940,13 @@
               <a:rPr lang="zh-CN" altLang="en-US" sz="2400" dirty="0"/>
               <a:t>：</a:t>
             </a:r>
+            <a:endParaRPr lang="zh-CN" altLang="en-US" sz="2400" dirty="0"/>
           </a:p>
         </p:txBody>
       </p:sp>
       <p:sp>
         <p:nvSpPr>
-          <p:cNvPr id="7" name="文本框 6">
-            <a:extLst>
-              <a:ext uri="{FF2B5EF4-FFF2-40B4-BE49-F238E27FC236}">
-                <a16:creationId xmlns:a16="http://schemas.microsoft.com/office/drawing/2014/main" id="{D4CBFDF8-876E-A99D-08B4-A32264E6E226}"/>
-              </a:ext>
-            </a:extLst>
-          </p:cNvPr>
+          <p:cNvPr id="7" name="文本框 6"/>
           <p:cNvSpPr txBox="1"/>
           <p:nvPr/>
         </p:nvSpPr>
@@ -21000,22 +18048,17 @@
         </p:txBody>
       </p:sp>
     </p:spTree>
-    <p:extLst>
-      <p:ext uri="{BB962C8B-B14F-4D97-AF65-F5344CB8AC3E}">
-        <p14:creationId xmlns:p14="http://schemas.microsoft.com/office/powerpoint/2010/main" val="1626706227"/>
-      </p:ext>
-    </p:extLst>
   </p:cSld>
   <p:clrMapOvr>
     <a:masterClrMapping/>
   </p:clrMapOvr>
-  <mc:AlternateContent xmlns:mc="http://schemas.openxmlformats.org/markup-compatibility/2006" xmlns:p14="http://schemas.microsoft.com/office/powerpoint/2010/main">
-    <mc:Choice Requires="p14">
+  <mc:AlternateContent xmlns:mc="http://schemas.openxmlformats.org/markup-compatibility/2006">
+    <mc:Choice xmlns:p14="http://schemas.microsoft.com/office/powerpoint/2010/main" Requires="p14">
       <p:transition spd="med" p14:dur="700">
         <p:fade/>
       </p:transition>
     </mc:Choice>
-    <mc:Fallback xmlns="">
+    <mc:Fallback>
       <p:transition spd="med">
         <p:fade/>
       </p:transition>
@@ -21043,16 +18086,8 @@
       </p:grpSpPr>
       <p:sp>
         <p:nvSpPr>
-          <p:cNvPr id="3" name="文本占位符 7">
-            <a:extLst>
-              <a:ext uri="{FF2B5EF4-FFF2-40B4-BE49-F238E27FC236}">
-                <a16:creationId xmlns:a16="http://schemas.microsoft.com/office/drawing/2014/main" id="{EBC32E5D-6A59-45C3-9ED1-2070B4C8A47E}"/>
-              </a:ext>
-            </a:extLst>
-          </p:cNvPr>
-          <p:cNvSpPr txBox="1">
-            <a:spLocks/>
-          </p:cNvSpPr>
+          <p:cNvPr id="3" name="文本占位符 7"/>
+          <p:cNvSpPr txBox="1"/>
           <p:nvPr/>
         </p:nvSpPr>
         <p:spPr>
@@ -21186,13 +18221,7 @@
       </p:sp>
       <p:sp>
         <p:nvSpPr>
-          <p:cNvPr id="5" name="矩形 4">
-            <a:extLst>
-              <a:ext uri="{FF2B5EF4-FFF2-40B4-BE49-F238E27FC236}">
-                <a16:creationId xmlns:a16="http://schemas.microsoft.com/office/drawing/2014/main" id="{0D81D8D2-8A83-42E3-86DB-56BF0F32563E}"/>
-              </a:ext>
-            </a:extLst>
-          </p:cNvPr>
+          <p:cNvPr id="5" name="矩形 4"/>
           <p:cNvSpPr/>
           <p:nvPr/>
         </p:nvSpPr>
@@ -21238,16 +18267,8 @@
       </p:sp>
       <p:sp>
         <p:nvSpPr>
-          <p:cNvPr id="6" name="文本占位符 9">
-            <a:extLst>
-              <a:ext uri="{FF2B5EF4-FFF2-40B4-BE49-F238E27FC236}">
-                <a16:creationId xmlns:a16="http://schemas.microsoft.com/office/drawing/2014/main" id="{96FDE63E-6F26-45D3-A70F-D4EF5DD888A9}"/>
-              </a:ext>
-            </a:extLst>
-          </p:cNvPr>
-          <p:cNvSpPr txBox="1">
-            <a:spLocks/>
-          </p:cNvSpPr>
+          <p:cNvPr id="6" name="文本占位符 9"/>
+          <p:cNvSpPr txBox="1"/>
           <p:nvPr/>
         </p:nvSpPr>
         <p:spPr>
@@ -21379,13 +18400,7 @@
       </p:sp>
       <p:sp>
         <p:nvSpPr>
-          <p:cNvPr id="7" name="矩形: 圆角 6">
-            <a:extLst>
-              <a:ext uri="{FF2B5EF4-FFF2-40B4-BE49-F238E27FC236}">
-                <a16:creationId xmlns:a16="http://schemas.microsoft.com/office/drawing/2014/main" id="{E94F8EBD-3E9E-403E-845F-399B3A89E8CA}"/>
-              </a:ext>
-            </a:extLst>
-          </p:cNvPr>
+          <p:cNvPr id="7" name="矩形: 圆角 6"/>
           <p:cNvSpPr/>
           <p:nvPr/>
         </p:nvSpPr>
@@ -21433,22 +18448,17 @@
         </p:txBody>
       </p:sp>
     </p:spTree>
-    <p:extLst>
-      <p:ext uri="{BB962C8B-B14F-4D97-AF65-F5344CB8AC3E}">
-        <p14:creationId xmlns:p14="http://schemas.microsoft.com/office/powerpoint/2010/main" val="104568493"/>
-      </p:ext>
-    </p:extLst>
   </p:cSld>
   <p:clrMapOvr>
     <a:masterClrMapping/>
   </p:clrMapOvr>
-  <mc:AlternateContent xmlns:mc="http://schemas.openxmlformats.org/markup-compatibility/2006" xmlns:p14="http://schemas.microsoft.com/office/powerpoint/2010/main">
-    <mc:Choice Requires="p14">
+  <mc:AlternateContent xmlns:mc="http://schemas.openxmlformats.org/markup-compatibility/2006">
+    <mc:Choice xmlns:p14="http://schemas.microsoft.com/office/powerpoint/2010/main" Requires="p14">
       <p:transition spd="med" p14:dur="700">
         <p:fade/>
       </p:transition>
     </mc:Choice>
-    <mc:Fallback xmlns="">
+    <mc:Fallback>
       <p:transition spd="med">
         <p:fade/>
       </p:transition>
@@ -21476,13 +18486,7 @@
       </p:grpSpPr>
       <p:grpSp>
         <p:nvGrpSpPr>
-          <p:cNvPr id="6" name="组合 5">
-            <a:extLst>
-              <a:ext uri="{FF2B5EF4-FFF2-40B4-BE49-F238E27FC236}">
-                <a16:creationId xmlns:a16="http://schemas.microsoft.com/office/drawing/2014/main" id="{6A978EE0-6762-4070-9208-727D6A2C888D}"/>
-              </a:ext>
-            </a:extLst>
-          </p:cNvPr>
+          <p:cNvPr id="6" name="组合 5"/>
           <p:cNvGrpSpPr/>
           <p:nvPr/>
         </p:nvGrpSpPr>
@@ -21496,13 +18500,7 @@
         </p:grpSpPr>
         <p:sp>
           <p:nvSpPr>
-            <p:cNvPr id="2" name="矩形 1">
-              <a:extLst>
-                <a:ext uri="{FF2B5EF4-FFF2-40B4-BE49-F238E27FC236}">
-                  <a16:creationId xmlns:a16="http://schemas.microsoft.com/office/drawing/2014/main" id="{0BBA72C2-6658-4903-90B0-3DB09CD96F31}"/>
-                </a:ext>
-              </a:extLst>
-            </p:cNvPr>
+            <p:cNvPr id="2" name="矩形 1"/>
             <p:cNvSpPr/>
             <p:nvPr/>
           </p:nvSpPr>
@@ -21548,13 +18546,7 @@
         </p:sp>
         <p:sp>
           <p:nvSpPr>
-            <p:cNvPr id="3" name="矩形 2">
-              <a:extLst>
-                <a:ext uri="{FF2B5EF4-FFF2-40B4-BE49-F238E27FC236}">
-                  <a16:creationId xmlns:a16="http://schemas.microsoft.com/office/drawing/2014/main" id="{C88DC6F7-3F54-4EFD-919D-1EC401B96C18}"/>
-                </a:ext>
-              </a:extLst>
-            </p:cNvPr>
+            <p:cNvPr id="3" name="矩形 2"/>
             <p:cNvSpPr/>
             <p:nvPr/>
           </p:nvSpPr>
@@ -21600,13 +18592,7 @@
         </p:sp>
         <p:cxnSp>
           <p:nvCxnSpPr>
-            <p:cNvPr id="5" name="直接连接符 4">
-              <a:extLst>
-                <a:ext uri="{FF2B5EF4-FFF2-40B4-BE49-F238E27FC236}">
-                  <a16:creationId xmlns:a16="http://schemas.microsoft.com/office/drawing/2014/main" id="{ABB1D33E-6A58-4E88-95E9-6A4048F9D03F}"/>
-                </a:ext>
-              </a:extLst>
-            </p:cNvPr>
+            <p:cNvPr id="5" name="直接连接符 4"/>
             <p:cNvCxnSpPr/>
             <p:nvPr/>
           </p:nvCxnSpPr>
@@ -21642,20 +18628,14 @@
       </p:grpSp>
       <p:pic>
         <p:nvPicPr>
-          <p:cNvPr id="8" name="图片 7">
-            <a:extLst>
-              <a:ext uri="{FF2B5EF4-FFF2-40B4-BE49-F238E27FC236}">
-                <a16:creationId xmlns:a16="http://schemas.microsoft.com/office/drawing/2014/main" id="{DD0E7411-EFC8-4009-A22F-AE54C44AD598}"/>
-              </a:ext>
-            </a:extLst>
-          </p:cNvPr>
+          <p:cNvPr id="8" name="图片 7"/>
           <p:cNvPicPr>
             <a:picLocks noChangeAspect="1"/>
           </p:cNvPicPr>
           <p:nvPr/>
         </p:nvPicPr>
         <p:blipFill>
-          <a:blip r:embed="rId2">
+          <a:blip r:embed="rId1">
             <a:extLst>
               <a:ext uri="{28A0092B-C50C-407E-A947-70E740481C1C}">
                 <a14:useLocalDpi xmlns:a14="http://schemas.microsoft.com/office/drawing/2010/main" val="0"/>
@@ -21678,13 +18658,7 @@
       </p:pic>
       <p:sp>
         <p:nvSpPr>
-          <p:cNvPr id="9" name="文本框 8">
-            <a:extLst>
-              <a:ext uri="{FF2B5EF4-FFF2-40B4-BE49-F238E27FC236}">
-                <a16:creationId xmlns:a16="http://schemas.microsoft.com/office/drawing/2014/main" id="{29E2F821-98A7-4B7B-811D-5DAD6270ADCA}"/>
-              </a:ext>
-            </a:extLst>
-          </p:cNvPr>
+          <p:cNvPr id="9" name="文本框 8"/>
           <p:cNvSpPr txBox="1"/>
           <p:nvPr/>
         </p:nvSpPr>
@@ -21720,17 +18694,11 @@
           </a:p>
         </p:txBody>
       </p:sp>
-      <mc:AlternateContent xmlns:mc="http://schemas.openxmlformats.org/markup-compatibility/2006" xmlns:a14="http://schemas.microsoft.com/office/drawing/2010/main">
-        <mc:Choice Requires="a14">
+      <mc:AlternateContent xmlns:mc="http://schemas.openxmlformats.org/markup-compatibility/2006">
+        <mc:Choice xmlns:a14="http://schemas.microsoft.com/office/drawing/2010/main" Requires="a14">
           <p:sp>
             <p:nvSpPr>
-              <p:cNvPr id="10" name="矩形 9">
-                <a:extLst>
-                  <a:ext uri="{FF2B5EF4-FFF2-40B4-BE49-F238E27FC236}">
-                    <a16:creationId xmlns:a16="http://schemas.microsoft.com/office/drawing/2014/main" id="{BA1A71FC-24DE-44CC-A7B4-B871B8546747}"/>
-                  </a:ext>
-                </a:extLst>
-              </p:cNvPr>
+              <p:cNvPr id="10" name="矩形 9"/>
               <p:cNvSpPr/>
               <p:nvPr/>
             </p:nvSpPr>
@@ -21783,6 +18751,13 @@
                   </a:rPr>
                   <a:t>Core Logic:</a:t>
                 </a:r>
+                <a:endParaRPr lang="en-US" altLang="zh-CN" sz="2400" b="1" i="0" dirty="0">
+                  <a:solidFill>
+                    <a:srgbClr val="0F1115"/>
+                  </a:solidFill>
+                  <a:effectLst/>
+                  <a:latin typeface="+mn-ea"/>
+                </a:endParaRPr>
               </a:p>
               <a:p>
                 <a:pPr algn="l"/>
@@ -21826,6 +18801,13 @@
                   </a:rPr>
                   <a:t> bucket 1, then bucket 2, finally bucket 3</a:t>
                 </a:r>
+                <a:endParaRPr lang="en-US" altLang="zh-CN" sz="2400" b="0" i="0" dirty="0">
+                  <a:solidFill>
+                    <a:srgbClr val="0F1115"/>
+                  </a:solidFill>
+                  <a:effectLst/>
+                  <a:latin typeface="+mn-ea"/>
+                </a:endParaRPr>
               </a:p>
               <a:p>
                 <a:pPr algn="l"/>
@@ -21912,6 +18894,13 @@
                   </a:rPr>
                   <a:t>: If current assignment fails, undo and try alternative placements</a:t>
                 </a:r>
+                <a:endParaRPr lang="en-US" altLang="zh-CN" sz="2400" b="0" i="0" dirty="0">
+                  <a:solidFill>
+                    <a:srgbClr val="0F1115"/>
+                  </a:solidFill>
+                  <a:effectLst/>
+                  <a:latin typeface="+mn-ea"/>
+                </a:endParaRPr>
               </a:p>
               <a:p>
                 <a:pPr algn="l"/>
@@ -22018,16 +19007,10 @@
             </p:txBody>
           </p:sp>
         </mc:Choice>
-        <mc:Fallback xmlns="">
+        <mc:Fallback>
           <p:sp>
             <p:nvSpPr>
-              <p:cNvPr id="10" name="矩形 9">
-                <a:extLst>
-                  <a:ext uri="{FF2B5EF4-FFF2-40B4-BE49-F238E27FC236}">
-                    <a16:creationId xmlns:a16="http://schemas.microsoft.com/office/drawing/2014/main" id="{BA1A71FC-24DE-44CC-A7B4-B871B8546747}"/>
-                  </a:ext>
-                </a:extLst>
-              </p:cNvPr>
+              <p:cNvPr id="10" name="矩形 9"/>
               <p:cNvSpPr>
                 <a:spLocks noRot="1" noChangeAspect="1" noMove="1" noResize="1" noEditPoints="1" noAdjustHandles="1" noChangeArrowheads="1" noChangeShapeType="1" noTextEdit="1"/>
               </p:cNvSpPr>
@@ -22041,22 +19024,38 @@
               <a:prstGeom prst="rect">
                 <a:avLst/>
               </a:prstGeom>
-              <a:blipFill>
-                <a:blip r:embed="rId3"/>
+              <a:blipFill rotWithShape="1">
+                <a:blip r:embed="rId2"/>
                 <a:stretch>
-                  <a:fillRect l="-826" t="-1633" b="-4719"/>
+                  <a:fillRect l="-1" t="-857" r="1" b="-870"/>
                 </a:stretch>
               </a:blipFill>
               <a:ln>
                 <a:noFill/>
               </a:ln>
             </p:spPr>
+            <p:style>
+              <a:lnRef idx="2">
+                <a:schemeClr val="accent1">
+                  <a:shade val="50000"/>
+                </a:schemeClr>
+              </a:lnRef>
+              <a:fillRef idx="1">
+                <a:schemeClr val="accent1"/>
+              </a:fillRef>
+              <a:effectRef idx="0">
+                <a:schemeClr val="accent1"/>
+              </a:effectRef>
+              <a:fontRef idx="minor">
+                <a:schemeClr val="lt1"/>
+              </a:fontRef>
+            </p:style>
             <p:txBody>
               <a:bodyPr/>
               <a:lstStyle/>
               <a:p>
                 <a:r>
-                  <a:rPr lang="zh-CN" altLang="en-US">
+                  <a:rPr lang="en-US" altLang="en-US">
                     <a:noFill/>
                   </a:rPr>
                   <a:t> </a:t>
@@ -22068,20 +19067,14 @@
       </mc:AlternateContent>
       <p:pic>
         <p:nvPicPr>
-          <p:cNvPr id="7" name="图片 6">
-            <a:extLst>
-              <a:ext uri="{FF2B5EF4-FFF2-40B4-BE49-F238E27FC236}">
-                <a16:creationId xmlns:a16="http://schemas.microsoft.com/office/drawing/2014/main" id="{DFBD1888-BFB8-FB39-09B2-EBB71C873679}"/>
-              </a:ext>
-            </a:extLst>
-          </p:cNvPr>
+          <p:cNvPr id="7" name="图片 6"/>
           <p:cNvPicPr>
             <a:picLocks noChangeAspect="1"/>
           </p:cNvPicPr>
           <p:nvPr/>
         </p:nvPicPr>
         <p:blipFill>
-          <a:blip r:embed="rId4"/>
+          <a:blip r:embed="rId3"/>
           <a:stretch>
             <a:fillRect/>
           </a:stretch>
@@ -22098,13 +19091,7 @@
       </p:pic>
       <p:sp>
         <p:nvSpPr>
-          <p:cNvPr id="11" name="文本框 10">
-            <a:extLst>
-              <a:ext uri="{FF2B5EF4-FFF2-40B4-BE49-F238E27FC236}">
-                <a16:creationId xmlns:a16="http://schemas.microsoft.com/office/drawing/2014/main" id="{F76EA53C-5EE8-6476-10A5-DC4AA45A1953}"/>
-              </a:ext>
-            </a:extLst>
-          </p:cNvPr>
+          <p:cNvPr id="11" name="文本框 10"/>
           <p:cNvSpPr txBox="1"/>
           <p:nvPr/>
         </p:nvSpPr>
@@ -22132,26 +19119,22 @@
               <a:rPr lang="zh-CN" altLang="en-US" sz="2400" dirty="0"/>
               <a:t>：</a:t>
             </a:r>
+            <a:endParaRPr lang="zh-CN" altLang="en-US" sz="2400" dirty="0"/>
           </a:p>
         </p:txBody>
       </p:sp>
     </p:spTree>
-    <p:extLst>
-      <p:ext uri="{BB962C8B-B14F-4D97-AF65-F5344CB8AC3E}">
-        <p14:creationId xmlns:p14="http://schemas.microsoft.com/office/powerpoint/2010/main" val="1299988208"/>
-      </p:ext>
-    </p:extLst>
   </p:cSld>
   <p:clrMapOvr>
     <a:masterClrMapping/>
   </p:clrMapOvr>
-  <mc:AlternateContent xmlns:mc="http://schemas.openxmlformats.org/markup-compatibility/2006" xmlns:p14="http://schemas.microsoft.com/office/powerpoint/2010/main">
-    <mc:Choice Requires="p14">
+  <mc:AlternateContent xmlns:mc="http://schemas.openxmlformats.org/markup-compatibility/2006">
+    <mc:Choice xmlns:p14="http://schemas.microsoft.com/office/powerpoint/2010/main" Requires="p14">
       <p:transition spd="med" p14:dur="700">
         <p:fade/>
       </p:transition>
     </mc:Choice>
-    <mc:Fallback xmlns="">
+    <mc:Fallback>
       <p:transition spd="med">
         <p:fade/>
       </p:transition>
@@ -22179,13 +19162,7 @@
       </p:grpSpPr>
       <p:grpSp>
         <p:nvGrpSpPr>
-          <p:cNvPr id="6" name="组合 5">
-            <a:extLst>
-              <a:ext uri="{FF2B5EF4-FFF2-40B4-BE49-F238E27FC236}">
-                <a16:creationId xmlns:a16="http://schemas.microsoft.com/office/drawing/2014/main" id="{6A978EE0-6762-4070-9208-727D6A2C888D}"/>
-              </a:ext>
-            </a:extLst>
-          </p:cNvPr>
+          <p:cNvPr id="6" name="组合 5"/>
           <p:cNvGrpSpPr/>
           <p:nvPr/>
         </p:nvGrpSpPr>
@@ -22199,13 +19176,7 @@
         </p:grpSpPr>
         <p:sp>
           <p:nvSpPr>
-            <p:cNvPr id="2" name="矩形 1">
-              <a:extLst>
-                <a:ext uri="{FF2B5EF4-FFF2-40B4-BE49-F238E27FC236}">
-                  <a16:creationId xmlns:a16="http://schemas.microsoft.com/office/drawing/2014/main" id="{0BBA72C2-6658-4903-90B0-3DB09CD96F31}"/>
-                </a:ext>
-              </a:extLst>
-            </p:cNvPr>
+            <p:cNvPr id="2" name="矩形 1"/>
             <p:cNvSpPr/>
             <p:nvPr/>
           </p:nvSpPr>
@@ -22251,13 +19222,7 @@
         </p:sp>
         <p:sp>
           <p:nvSpPr>
-            <p:cNvPr id="3" name="矩形 2">
-              <a:extLst>
-                <a:ext uri="{FF2B5EF4-FFF2-40B4-BE49-F238E27FC236}">
-                  <a16:creationId xmlns:a16="http://schemas.microsoft.com/office/drawing/2014/main" id="{C88DC6F7-3F54-4EFD-919D-1EC401B96C18}"/>
-                </a:ext>
-              </a:extLst>
-            </p:cNvPr>
+            <p:cNvPr id="3" name="矩形 2"/>
             <p:cNvSpPr/>
             <p:nvPr/>
           </p:nvSpPr>
@@ -22303,13 +19268,7 @@
         </p:sp>
         <p:cxnSp>
           <p:nvCxnSpPr>
-            <p:cNvPr id="5" name="直接连接符 4">
-              <a:extLst>
-                <a:ext uri="{FF2B5EF4-FFF2-40B4-BE49-F238E27FC236}">
-                  <a16:creationId xmlns:a16="http://schemas.microsoft.com/office/drawing/2014/main" id="{ABB1D33E-6A58-4E88-95E9-6A4048F9D03F}"/>
-                </a:ext>
-              </a:extLst>
-            </p:cNvPr>
+            <p:cNvPr id="5" name="直接连接符 4"/>
             <p:cNvCxnSpPr/>
             <p:nvPr/>
           </p:nvCxnSpPr>
@@ -22345,20 +19304,14 @@
       </p:grpSp>
       <p:pic>
         <p:nvPicPr>
-          <p:cNvPr id="8" name="图片 7">
-            <a:extLst>
-              <a:ext uri="{FF2B5EF4-FFF2-40B4-BE49-F238E27FC236}">
-                <a16:creationId xmlns:a16="http://schemas.microsoft.com/office/drawing/2014/main" id="{DD0E7411-EFC8-4009-A22F-AE54C44AD598}"/>
-              </a:ext>
-            </a:extLst>
-          </p:cNvPr>
+          <p:cNvPr id="8" name="图片 7"/>
           <p:cNvPicPr>
             <a:picLocks noChangeAspect="1"/>
           </p:cNvPicPr>
           <p:nvPr/>
         </p:nvPicPr>
         <p:blipFill>
-          <a:blip r:embed="rId2">
+          <a:blip r:embed="rId1">
             <a:extLst>
               <a:ext uri="{28A0092B-C50C-407E-A947-70E740481C1C}">
                 <a14:useLocalDpi xmlns:a14="http://schemas.microsoft.com/office/drawing/2010/main" val="0"/>
@@ -22381,13 +19334,7 @@
       </p:pic>
       <p:sp>
         <p:nvSpPr>
-          <p:cNvPr id="9" name="文本框 8">
-            <a:extLst>
-              <a:ext uri="{FF2B5EF4-FFF2-40B4-BE49-F238E27FC236}">
-                <a16:creationId xmlns:a16="http://schemas.microsoft.com/office/drawing/2014/main" id="{29E2F821-98A7-4B7B-811D-5DAD6270ADCA}"/>
-              </a:ext>
-            </a:extLst>
-          </p:cNvPr>
+          <p:cNvPr id="9" name="文本框 8"/>
           <p:cNvSpPr txBox="1"/>
           <p:nvPr/>
         </p:nvSpPr>
@@ -22425,13 +19372,7 @@
       </p:sp>
       <p:sp>
         <p:nvSpPr>
-          <p:cNvPr id="4" name="文本框 3">
-            <a:extLst>
-              <a:ext uri="{FF2B5EF4-FFF2-40B4-BE49-F238E27FC236}">
-                <a16:creationId xmlns:a16="http://schemas.microsoft.com/office/drawing/2014/main" id="{68EDAA00-B2AC-ECFA-68C9-D0D5E48185AE}"/>
-              </a:ext>
-            </a:extLst>
-          </p:cNvPr>
+          <p:cNvPr id="4" name="文本框 3"/>
           <p:cNvSpPr txBox="1"/>
           <p:nvPr/>
         </p:nvSpPr>
@@ -22455,18 +19396,13 @@
               <a:rPr lang="en-US" altLang="zh-CN" sz="2400" dirty="0"/>
               <a:t>Here are two pruning strategy we use:</a:t>
             </a:r>
+            <a:endParaRPr lang="en-US" altLang="zh-CN" sz="2400" dirty="0"/>
           </a:p>
         </p:txBody>
       </p:sp>
       <p:sp>
         <p:nvSpPr>
-          <p:cNvPr id="7" name="文本框 6">
-            <a:extLst>
-              <a:ext uri="{FF2B5EF4-FFF2-40B4-BE49-F238E27FC236}">
-                <a16:creationId xmlns:a16="http://schemas.microsoft.com/office/drawing/2014/main" id="{743BAF03-1A0D-823D-9571-B2736713EEE7}"/>
-              </a:ext>
-            </a:extLst>
-          </p:cNvPr>
+          <p:cNvPr id="7" name="文本框 6"/>
           <p:cNvSpPr txBox="1"/>
           <p:nvPr/>
         </p:nvSpPr>
@@ -22527,13 +19463,7 @@
       </p:sp>
       <p:sp>
         <p:nvSpPr>
-          <p:cNvPr id="11" name="文本框 10">
-            <a:extLst>
-              <a:ext uri="{FF2B5EF4-FFF2-40B4-BE49-F238E27FC236}">
-                <a16:creationId xmlns:a16="http://schemas.microsoft.com/office/drawing/2014/main" id="{175A6967-E0B7-2E16-63B8-2123DD58F6A9}"/>
-              </a:ext>
-            </a:extLst>
-          </p:cNvPr>
+          <p:cNvPr id="11" name="文本框 10"/>
           <p:cNvSpPr txBox="1"/>
           <p:nvPr/>
         </p:nvSpPr>
@@ -22586,13 +19516,7 @@
       </p:sp>
       <p:sp>
         <p:nvSpPr>
-          <p:cNvPr id="12" name="文本框 11">
-            <a:extLst>
-              <a:ext uri="{FF2B5EF4-FFF2-40B4-BE49-F238E27FC236}">
-                <a16:creationId xmlns:a16="http://schemas.microsoft.com/office/drawing/2014/main" id="{C22C4110-6FEC-A97A-91F6-A531647CD59E}"/>
-              </a:ext>
-            </a:extLst>
-          </p:cNvPr>
+          <p:cNvPr id="12" name="文本框 11"/>
           <p:cNvSpPr txBox="1"/>
           <p:nvPr/>
         </p:nvSpPr>
@@ -22635,22 +19559,17 @@
         </p:txBody>
       </p:sp>
     </p:spTree>
-    <p:extLst>
-      <p:ext uri="{BB962C8B-B14F-4D97-AF65-F5344CB8AC3E}">
-        <p14:creationId xmlns:p14="http://schemas.microsoft.com/office/powerpoint/2010/main" val="864063463"/>
-      </p:ext>
-    </p:extLst>
   </p:cSld>
   <p:clrMapOvr>
     <a:masterClrMapping/>
   </p:clrMapOvr>
-  <mc:AlternateContent xmlns:mc="http://schemas.openxmlformats.org/markup-compatibility/2006" xmlns:p14="http://schemas.microsoft.com/office/powerpoint/2010/main">
-    <mc:Choice Requires="p14">
+  <mc:AlternateContent xmlns:mc="http://schemas.openxmlformats.org/markup-compatibility/2006">
+    <mc:Choice xmlns:p14="http://schemas.microsoft.com/office/powerpoint/2010/main" Requires="p14">
       <p:transition spd="med" p14:dur="700">
         <p:fade/>
       </p:transition>
     </mc:Choice>
-    <mc:Fallback xmlns="">
+    <mc:Fallback>
       <p:transition spd="med">
         <p:fade/>
       </p:transition>
@@ -22678,13 +19597,7 @@
       </p:grpSpPr>
       <p:grpSp>
         <p:nvGrpSpPr>
-          <p:cNvPr id="6" name="组合 5">
-            <a:extLst>
-              <a:ext uri="{FF2B5EF4-FFF2-40B4-BE49-F238E27FC236}">
-                <a16:creationId xmlns:a16="http://schemas.microsoft.com/office/drawing/2014/main" id="{6A978EE0-6762-4070-9208-727D6A2C888D}"/>
-              </a:ext>
-            </a:extLst>
-          </p:cNvPr>
+          <p:cNvPr id="6" name="组合 5"/>
           <p:cNvGrpSpPr/>
           <p:nvPr/>
         </p:nvGrpSpPr>
@@ -22698,13 +19611,7 @@
         </p:grpSpPr>
         <p:sp>
           <p:nvSpPr>
-            <p:cNvPr id="2" name="矩形 1">
-              <a:extLst>
-                <a:ext uri="{FF2B5EF4-FFF2-40B4-BE49-F238E27FC236}">
-                  <a16:creationId xmlns:a16="http://schemas.microsoft.com/office/drawing/2014/main" id="{0BBA72C2-6658-4903-90B0-3DB09CD96F31}"/>
-                </a:ext>
-              </a:extLst>
-            </p:cNvPr>
+            <p:cNvPr id="2" name="矩形 1"/>
             <p:cNvSpPr/>
             <p:nvPr/>
           </p:nvSpPr>
@@ -22750,13 +19657,7 @@
         </p:sp>
         <p:sp>
           <p:nvSpPr>
-            <p:cNvPr id="3" name="矩形 2">
-              <a:extLst>
-                <a:ext uri="{FF2B5EF4-FFF2-40B4-BE49-F238E27FC236}">
-                  <a16:creationId xmlns:a16="http://schemas.microsoft.com/office/drawing/2014/main" id="{C88DC6F7-3F54-4EFD-919D-1EC401B96C18}"/>
-                </a:ext>
-              </a:extLst>
-            </p:cNvPr>
+            <p:cNvPr id="3" name="矩形 2"/>
             <p:cNvSpPr/>
             <p:nvPr/>
           </p:nvSpPr>
@@ -22802,13 +19703,7 @@
         </p:sp>
         <p:cxnSp>
           <p:nvCxnSpPr>
-            <p:cNvPr id="5" name="直接连接符 4">
-              <a:extLst>
-                <a:ext uri="{FF2B5EF4-FFF2-40B4-BE49-F238E27FC236}">
-                  <a16:creationId xmlns:a16="http://schemas.microsoft.com/office/drawing/2014/main" id="{ABB1D33E-6A58-4E88-95E9-6A4048F9D03F}"/>
-                </a:ext>
-              </a:extLst>
-            </p:cNvPr>
+            <p:cNvPr id="5" name="直接连接符 4"/>
             <p:cNvCxnSpPr/>
             <p:nvPr/>
           </p:nvCxnSpPr>
@@ -22844,20 +19739,14 @@
       </p:grpSp>
       <p:pic>
         <p:nvPicPr>
-          <p:cNvPr id="8" name="图片 7">
-            <a:extLst>
-              <a:ext uri="{FF2B5EF4-FFF2-40B4-BE49-F238E27FC236}">
-                <a16:creationId xmlns:a16="http://schemas.microsoft.com/office/drawing/2014/main" id="{DD0E7411-EFC8-4009-A22F-AE54C44AD598}"/>
-              </a:ext>
-            </a:extLst>
-          </p:cNvPr>
+          <p:cNvPr id="8" name="图片 7"/>
           <p:cNvPicPr>
             <a:picLocks noChangeAspect="1"/>
           </p:cNvPicPr>
           <p:nvPr/>
         </p:nvPicPr>
         <p:blipFill>
-          <a:blip r:embed="rId2">
+          <a:blip r:embed="rId1">
             <a:extLst>
               <a:ext uri="{28A0092B-C50C-407E-A947-70E740481C1C}">
                 <a14:useLocalDpi xmlns:a14="http://schemas.microsoft.com/office/drawing/2010/main" val="0"/>
@@ -22880,13 +19769,7 @@
       </p:pic>
       <p:sp>
         <p:nvSpPr>
-          <p:cNvPr id="9" name="文本框 8">
-            <a:extLst>
-              <a:ext uri="{FF2B5EF4-FFF2-40B4-BE49-F238E27FC236}">
-                <a16:creationId xmlns:a16="http://schemas.microsoft.com/office/drawing/2014/main" id="{29E2F821-98A7-4B7B-811D-5DAD6270ADCA}"/>
-              </a:ext>
-            </a:extLst>
-          </p:cNvPr>
+          <p:cNvPr id="9" name="文本框 8"/>
           <p:cNvSpPr txBox="1"/>
           <p:nvPr/>
         </p:nvSpPr>
@@ -22940,13 +19823,7 @@
       </p:sp>
       <p:sp>
         <p:nvSpPr>
-          <p:cNvPr id="4" name="文本框 3">
-            <a:extLst>
-              <a:ext uri="{FF2B5EF4-FFF2-40B4-BE49-F238E27FC236}">
-                <a16:creationId xmlns:a16="http://schemas.microsoft.com/office/drawing/2014/main" id="{D90F98BF-1531-C77A-151B-936996150AC8}"/>
-              </a:ext>
-            </a:extLst>
-          </p:cNvPr>
+          <p:cNvPr id="4" name="文本框 3"/>
           <p:cNvSpPr txBox="1"/>
           <p:nvPr/>
         </p:nvSpPr>
@@ -22982,10 +19859,17 @@
               </a:rPr>
               <a:t>Problem Classification</a:t>
             </a:r>
+            <a:endParaRPr lang="en-US" altLang="zh-CN" sz="2400" b="1" dirty="0">
+              <a:solidFill>
+                <a:srgbClr val="0F1115"/>
+              </a:solidFill>
+              <a:effectLst/>
+              <a:latin typeface="+mn-ea"/>
+            </a:endParaRPr>
           </a:p>
           <a:p>
             <a:pPr algn="l">
-              <a:buFont typeface="Arial" panose="020B0604020202020204" pitchFamily="34" charset="0"/>
+              <a:buFont typeface="Arial" panose="020B0604020202090204" pitchFamily="34" charset="0"/>
               <a:buChar char="•"/>
             </a:pPr>
             <a:r>
@@ -23008,7 +19892,7 @@
           </a:p>
           <a:p>
             <a:pPr algn="l">
-              <a:buFont typeface="Arial" panose="020B0604020202020204" pitchFamily="34" charset="0"/>
+              <a:buFont typeface="Arial" panose="020B0604020202090204" pitchFamily="34" charset="0"/>
               <a:buChar char="•"/>
             </a:pPr>
             <a:r>
@@ -23051,20 +19935,21 @@
               </a:rPr>
               <a:t> of size M each.</a:t>
             </a:r>
+            <a:endParaRPr lang="en-US" altLang="zh-CN" sz="2400" b="0" i="0" dirty="0">
+              <a:solidFill>
+                <a:srgbClr val="0F1115"/>
+              </a:solidFill>
+              <a:effectLst/>
+              <a:latin typeface="+mn-ea"/>
+            </a:endParaRPr>
           </a:p>
         </p:txBody>
       </p:sp>
-      <mc:AlternateContent xmlns:mc="http://schemas.openxmlformats.org/markup-compatibility/2006" xmlns:a14="http://schemas.microsoft.com/office/drawing/2010/main">
-        <mc:Choice Requires="a14">
+      <mc:AlternateContent xmlns:mc="http://schemas.openxmlformats.org/markup-compatibility/2006">
+        <mc:Choice xmlns:a14="http://schemas.microsoft.com/office/drawing/2010/main" Requires="a14">
           <p:sp>
             <p:nvSpPr>
-              <p:cNvPr id="7" name="文本框 6">
-                <a:extLst>
-                  <a:ext uri="{FF2B5EF4-FFF2-40B4-BE49-F238E27FC236}">
-                    <a16:creationId xmlns:a16="http://schemas.microsoft.com/office/drawing/2014/main" id="{EC10BD26-7DD5-A039-2CE9-36F5B840D9A2}"/>
-                  </a:ext>
-                </a:extLst>
-              </p:cNvPr>
+              <p:cNvPr id="7" name="文本框 6"/>
               <p:cNvSpPr txBox="1"/>
               <p:nvPr/>
             </p:nvSpPr>
@@ -23099,6 +19984,13 @@
                   </a:rPr>
                   <a:t>State Representation:</a:t>
                 </a:r>
+                <a:endParaRPr lang="en-US" altLang="zh-CN" sz="2400" b="1" dirty="0">
+                  <a:solidFill>
+                    <a:srgbClr val="0F1115"/>
+                  </a:solidFill>
+                  <a:effectLst/>
+                  <a:latin typeface="+mn-ea"/>
+                </a:endParaRPr>
               </a:p>
               <a:p>
                 <a:pPr marL="285750" indent="-285750">
@@ -23384,6 +20276,13 @@
                   </a:rPr>
                   <a:t> is true.</a:t>
                 </a:r>
+                <a:endParaRPr lang="en-US" altLang="zh-CN" sz="2400" dirty="0">
+                  <a:solidFill>
+                    <a:srgbClr val="0F1115"/>
+                  </a:solidFill>
+                  <a:effectLst/>
+                  <a:latin typeface="+mn-ea"/>
+                </a:endParaRPr>
               </a:p>
               <a:p>
                 <a:pPr marL="285750" indent="-285750">
@@ -23516,16 +20415,10 @@
             </p:txBody>
           </p:sp>
         </mc:Choice>
-        <mc:Fallback xmlns="">
+        <mc:Fallback>
           <p:sp>
             <p:nvSpPr>
-              <p:cNvPr id="7" name="文本框 6">
-                <a:extLst>
-                  <a:ext uri="{FF2B5EF4-FFF2-40B4-BE49-F238E27FC236}">
-                    <a16:creationId xmlns:a16="http://schemas.microsoft.com/office/drawing/2014/main" id="{EC10BD26-7DD5-A039-2CE9-36F5B840D9A2}"/>
-                  </a:ext>
-                </a:extLst>
-              </p:cNvPr>
+              <p:cNvPr id="7" name="文本框 6"/>
               <p:cNvSpPr txBox="1">
                 <a:spLocks noRot="1" noChangeAspect="1" noMove="1" noResize="1" noEditPoints="1" noAdjustHandles="1" noChangeArrowheads="1" noChangeShapeType="1" noTextEdit="1"/>
               </p:cNvSpPr>
@@ -23539,10 +20432,10 @@
               <a:prstGeom prst="rect">
                 <a:avLst/>
               </a:prstGeom>
-              <a:blipFill>
-                <a:blip r:embed="rId3"/>
+              <a:blipFill rotWithShape="1">
+                <a:blip r:embed="rId2"/>
                 <a:stretch>
-                  <a:fillRect l="-814" t="-2115" r="-1356" b="-5136"/>
+                  <a:fillRect l="-1" t="-13" r="2" b="-22697"/>
                 </a:stretch>
               </a:blipFill>
             </p:spPr>
@@ -23551,7 +20444,7 @@
               <a:lstStyle/>
               <a:p>
                 <a:r>
-                  <a:rPr lang="zh-CN" altLang="en-US">
+                  <a:rPr lang="en-US" altLang="en-US">
                     <a:noFill/>
                   </a:rPr>
                   <a:t> </a:t>
@@ -23561,17 +20454,11 @@
           </p:sp>
         </mc:Fallback>
       </mc:AlternateContent>
-      <mc:AlternateContent xmlns:mc="http://schemas.openxmlformats.org/markup-compatibility/2006" xmlns:a14="http://schemas.microsoft.com/office/drawing/2010/main">
-        <mc:Choice Requires="a14">
+      <mc:AlternateContent xmlns:mc="http://schemas.openxmlformats.org/markup-compatibility/2006">
+        <mc:Choice xmlns:a14="http://schemas.microsoft.com/office/drawing/2010/main" Requires="a14">
           <p:sp>
             <p:nvSpPr>
-              <p:cNvPr id="13" name="文本框 12">
-                <a:extLst>
-                  <a:ext uri="{FF2B5EF4-FFF2-40B4-BE49-F238E27FC236}">
-                    <a16:creationId xmlns:a16="http://schemas.microsoft.com/office/drawing/2014/main" id="{68807845-18BC-475A-672C-812CD0629184}"/>
-                  </a:ext>
-                </a:extLst>
-              </p:cNvPr>
+              <p:cNvPr id="13" name="文本框 12"/>
               <p:cNvSpPr txBox="1"/>
               <p:nvPr/>
             </p:nvSpPr>
@@ -23804,16 +20691,10 @@
             </p:txBody>
           </p:sp>
         </mc:Choice>
-        <mc:Fallback xmlns="">
+        <mc:Fallback>
           <p:sp>
             <p:nvSpPr>
-              <p:cNvPr id="13" name="文本框 12">
-                <a:extLst>
-                  <a:ext uri="{FF2B5EF4-FFF2-40B4-BE49-F238E27FC236}">
-                    <a16:creationId xmlns:a16="http://schemas.microsoft.com/office/drawing/2014/main" id="{68807845-18BC-475A-672C-812CD0629184}"/>
-                  </a:ext>
-                </a:extLst>
-              </p:cNvPr>
+              <p:cNvPr id="13" name="文本框 12"/>
               <p:cNvSpPr txBox="1">
                 <a:spLocks noRot="1" noChangeAspect="1" noMove="1" noResize="1" noEditPoints="1" noAdjustHandles="1" noChangeArrowheads="1" noChangeShapeType="1" noTextEdit="1"/>
               </p:cNvSpPr>
@@ -23827,10 +20708,10 @@
               <a:prstGeom prst="rect">
                 <a:avLst/>
               </a:prstGeom>
-              <a:blipFill>
-                <a:blip r:embed="rId4"/>
+              <a:blipFill rotWithShape="1">
+                <a:blip r:embed="rId3"/>
                 <a:stretch>
-                  <a:fillRect l="-814" t="-7317" b="-21951"/>
+                  <a:fillRect l="-1" t="-41" r="2" b="35"/>
                 </a:stretch>
               </a:blipFill>
             </p:spPr>
@@ -23839,7 +20720,7 @@
               <a:lstStyle/>
               <a:p>
                 <a:r>
-                  <a:rPr lang="zh-CN" altLang="en-US">
+                  <a:rPr lang="en-US" altLang="en-US">
                     <a:noFill/>
                   </a:rPr>
                   <a:t> </a:t>
@@ -23850,22 +20731,17 @@
         </mc:Fallback>
       </mc:AlternateContent>
     </p:spTree>
-    <p:extLst>
-      <p:ext uri="{BB962C8B-B14F-4D97-AF65-F5344CB8AC3E}">
-        <p14:creationId xmlns:p14="http://schemas.microsoft.com/office/powerpoint/2010/main" val="690329329"/>
-      </p:ext>
-    </p:extLst>
   </p:cSld>
   <p:clrMapOvr>
     <a:masterClrMapping/>
   </p:clrMapOvr>
-  <mc:AlternateContent xmlns:mc="http://schemas.openxmlformats.org/markup-compatibility/2006" xmlns:p14="http://schemas.microsoft.com/office/powerpoint/2010/main">
-    <mc:Choice Requires="p14">
+  <mc:AlternateContent xmlns:mc="http://schemas.openxmlformats.org/markup-compatibility/2006">
+    <mc:Choice xmlns:p14="http://schemas.microsoft.com/office/powerpoint/2010/main" Requires="p14">
       <p:transition spd="med" p14:dur="700">
         <p:fade/>
       </p:transition>
     </mc:Choice>
-    <mc:Fallback xmlns="">
+    <mc:Fallback>
       <p:transition spd="med">
         <p:fade/>
       </p:transition>
@@ -23917,7 +20793,7 @@
     </a:clrScheme>
     <a:fontScheme name="Office">
       <a:majorFont>
-        <a:latin typeface="等线 Light" panose="020F0302020204030204"/>
+        <a:latin typeface="等线 Light"/>
         <a:ea typeface=""/>
         <a:cs typeface=""/>
         <a:font script="Jpan" typeface="游ゴシック Light"/>
@@ -23950,26 +20826,9 @@
         <a:font script="Viet" typeface="Times New Roman"/>
         <a:font script="Uigh" typeface="Microsoft Uighur"/>
         <a:font script="Geor" typeface="Sylfaen"/>
-        <a:font script="Armn" typeface="Arial"/>
-        <a:font script="Bugi" typeface="Leelawadee UI"/>
-        <a:font script="Bopo" typeface="Microsoft JhengHei"/>
-        <a:font script="Java" typeface="Javanese Text"/>
-        <a:font script="Lisu" typeface="Segoe UI"/>
-        <a:font script="Mymr" typeface="Myanmar Text"/>
-        <a:font script="Nkoo" typeface="Ebrima"/>
-        <a:font script="Olck" typeface="Nirmala UI"/>
-        <a:font script="Osma" typeface="Ebrima"/>
-        <a:font script="Phag" typeface="Phagspa"/>
-        <a:font script="Syrn" typeface="Estrangelo Edessa"/>
-        <a:font script="Syrj" typeface="Estrangelo Edessa"/>
-        <a:font script="Syre" typeface="Estrangelo Edessa"/>
-        <a:font script="Sora" typeface="Nirmala UI"/>
-        <a:font script="Tale" typeface="Microsoft Tai Le"/>
-        <a:font script="Talu" typeface="Microsoft New Tai Lue"/>
-        <a:font script="Tfng" typeface="Ebrima"/>
       </a:majorFont>
       <a:minorFont>
-        <a:latin typeface="等线" panose="020F0502020204030204"/>
+        <a:latin typeface="等线"/>
         <a:ea typeface=""/>
         <a:cs typeface=""/>
         <a:font script="Jpan" typeface="游ゴシック"/>
@@ -24002,23 +20861,6 @@
         <a:font script="Viet" typeface="Arial"/>
         <a:font script="Uigh" typeface="Microsoft Uighur"/>
         <a:font script="Geor" typeface="Sylfaen"/>
-        <a:font script="Armn" typeface="Arial"/>
-        <a:font script="Bugi" typeface="Leelawadee UI"/>
-        <a:font script="Bopo" typeface="Microsoft JhengHei"/>
-        <a:font script="Java" typeface="Javanese Text"/>
-        <a:font script="Lisu" typeface="Segoe UI"/>
-        <a:font script="Mymr" typeface="Myanmar Text"/>
-        <a:font script="Nkoo" typeface="Ebrima"/>
-        <a:font script="Olck" typeface="Nirmala UI"/>
-        <a:font script="Osma" typeface="Ebrima"/>
-        <a:font script="Phag" typeface="Phagspa"/>
-        <a:font script="Syrn" typeface="Estrangelo Edessa"/>
-        <a:font script="Syrj" typeface="Estrangelo Edessa"/>
-        <a:font script="Syre" typeface="Estrangelo Edessa"/>
-        <a:font script="Sora" typeface="Nirmala UI"/>
-        <a:font script="Tale" typeface="Microsoft Tai Le"/>
-        <a:font script="Talu" typeface="Microsoft New Tai Lue"/>
-        <a:font script="Tfng" typeface="Ebrima"/>
       </a:minorFont>
     </a:fontScheme>
     <a:fmtScheme name="Office">
@@ -24159,8 +21001,6 @@
       </a:bgFillStyleLst>
     </a:fmtScheme>
   </a:themeElements>
-  <a:objectDefaults/>
-  <a:extraClrSchemeLst/>
   <a:extLst>
     <a:ext uri="{05A4C25C-085E-4340-85A3-A5531E510DB2}">
       <thm15:themeFamily xmlns:thm15="http://schemas.microsoft.com/office/thememl/2012/main" name="Office Theme" id="{62F939B6-93AF-4DB8-9C6B-D6C7DFDC589F}" vid="{4A3C46E8-61CC-4603-A589-7422A47A8E4A}"/>
@@ -24212,7 +21052,7 @@
     </a:clrScheme>
     <a:fontScheme name="Office">
       <a:majorFont>
-        <a:latin typeface="等线 Light" panose="020F0302020204030204"/>
+        <a:latin typeface="等线 Light"/>
         <a:ea typeface=""/>
         <a:cs typeface=""/>
         <a:font script="Jpan" typeface="游ゴシック Light"/>
@@ -24245,26 +21085,9 @@
         <a:font script="Viet" typeface="Times New Roman"/>
         <a:font script="Uigh" typeface="Microsoft Uighur"/>
         <a:font script="Geor" typeface="Sylfaen"/>
-        <a:font script="Armn" typeface="Arial"/>
-        <a:font script="Bugi" typeface="Leelawadee UI"/>
-        <a:font script="Bopo" typeface="Microsoft JhengHei"/>
-        <a:font script="Java" typeface="Javanese Text"/>
-        <a:font script="Lisu" typeface="Segoe UI"/>
-        <a:font script="Mymr" typeface="Myanmar Text"/>
-        <a:font script="Nkoo" typeface="Ebrima"/>
-        <a:font script="Olck" typeface="Nirmala UI"/>
-        <a:font script="Osma" typeface="Ebrima"/>
-        <a:font script="Phag" typeface="Phagspa"/>
-        <a:font script="Syrn" typeface="Estrangelo Edessa"/>
-        <a:font script="Syrj" typeface="Estrangelo Edessa"/>
-        <a:font script="Syre" typeface="Estrangelo Edessa"/>
-        <a:font script="Sora" typeface="Nirmala UI"/>
-        <a:font script="Tale" typeface="Microsoft Tai Le"/>
-        <a:font script="Talu" typeface="Microsoft New Tai Lue"/>
-        <a:font script="Tfng" typeface="Ebrima"/>
       </a:majorFont>
       <a:minorFont>
-        <a:latin typeface="等线" panose="020F0502020204030204"/>
+        <a:latin typeface="等线"/>
         <a:ea typeface=""/>
         <a:cs typeface=""/>
         <a:font script="Jpan" typeface="游ゴシック"/>
@@ -24297,23 +21120,6 @@
         <a:font script="Viet" typeface="Arial"/>
         <a:font script="Uigh" typeface="Microsoft Uighur"/>
         <a:font script="Geor" typeface="Sylfaen"/>
-        <a:font script="Armn" typeface="Arial"/>
-        <a:font script="Bugi" typeface="Leelawadee UI"/>
-        <a:font script="Bopo" typeface="Microsoft JhengHei"/>
-        <a:font script="Java" typeface="Javanese Text"/>
-        <a:font script="Lisu" typeface="Segoe UI"/>
-        <a:font script="Mymr" typeface="Myanmar Text"/>
-        <a:font script="Nkoo" typeface="Ebrima"/>
-        <a:font script="Olck" typeface="Nirmala UI"/>
-        <a:font script="Osma" typeface="Ebrima"/>
-        <a:font script="Phag" typeface="Phagspa"/>
-        <a:font script="Syrn" typeface="Estrangelo Edessa"/>
-        <a:font script="Syrj" typeface="Estrangelo Edessa"/>
-        <a:font script="Syre" typeface="Estrangelo Edessa"/>
-        <a:font script="Sora" typeface="Nirmala UI"/>
-        <a:font script="Tale" typeface="Microsoft Tai Le"/>
-        <a:font script="Talu" typeface="Microsoft New Tai Lue"/>
-        <a:font script="Tfng" typeface="Ebrima"/>
       </a:minorFont>
     </a:fontScheme>
     <a:fmtScheme name="Office">
@@ -24454,8 +21260,6 @@
       </a:bgFillStyleLst>
     </a:fmtScheme>
   </a:themeElements>
-  <a:objectDefaults/>
-  <a:extraClrSchemeLst/>
   <a:extLst>
     <a:ext uri="{05A4C25C-085E-4340-85A3-A5531E510DB2}">
       <thm15:themeFamily xmlns:thm15="http://schemas.microsoft.com/office/thememl/2012/main" name="Office Theme" id="{62F939B6-93AF-4DB8-9C6B-D6C7DFDC589F}" vid="{4A3C46E8-61CC-4603-A589-7422A47A8E4A}"/>
